--- a/halozat ppt.pptx
+++ b/halozat ppt.pptx
@@ -7,7 +7,6 @@
   <p:sldIdLst>
     <p:sldId id="256" r:id="rId2"/>
     <p:sldId id="257" r:id="rId3"/>
-    <p:sldId id="258" r:id="rId4"/>
   </p:sldIdLst>
   <p:sldSz cx="12192000" cy="6858000"/>
   <p:notesSz cx="6858000" cy="9144000"/>
@@ -106,6 +105,11 @@
       </a:defRPr>
     </a:lvl9pPr>
   </p:defaultTextStyle>
+  <p:extLst>
+    <p:ext uri="{EFAFB233-063F-42B5-8137-9DF3F51BA10A}">
+      <p15:sldGuideLst xmlns:p15="http://schemas.microsoft.com/office/powerpoint/2012/main"/>
+    </p:ext>
+  </p:extLst>
 </p:presentation>
 </file>
 
@@ -240,7 +244,7 @@
           <a:p>
             <a:fld id="{1E98E620-DB6F-426D-B0D4-E9DAB7431658}" type="datetimeFigureOut">
               <a:rPr lang="hu-HU" smtClean="0"/>
-              <a:t>2024. 11. 25.</a:t>
+              <a:t>2024. 11. 27.</a:t>
             </a:fld>
             <a:endParaRPr lang="hu-HU"/>
           </a:p>
@@ -410,7 +414,7 @@
           <a:p>
             <a:fld id="{1E98E620-DB6F-426D-B0D4-E9DAB7431658}" type="datetimeFigureOut">
               <a:rPr lang="hu-HU" smtClean="0"/>
-              <a:t>2024. 11. 25.</a:t>
+              <a:t>2024. 11. 27.</a:t>
             </a:fld>
             <a:endParaRPr lang="hu-HU"/>
           </a:p>
@@ -590,7 +594,7 @@
           <a:p>
             <a:fld id="{1E98E620-DB6F-426D-B0D4-E9DAB7431658}" type="datetimeFigureOut">
               <a:rPr lang="hu-HU" smtClean="0"/>
-              <a:t>2024. 11. 25.</a:t>
+              <a:t>2024. 11. 27.</a:t>
             </a:fld>
             <a:endParaRPr lang="hu-HU"/>
           </a:p>
@@ -760,7 +764,7 @@
           <a:p>
             <a:fld id="{1E98E620-DB6F-426D-B0D4-E9DAB7431658}" type="datetimeFigureOut">
               <a:rPr lang="hu-HU" smtClean="0"/>
-              <a:t>2024. 11. 25.</a:t>
+              <a:t>2024. 11. 27.</a:t>
             </a:fld>
             <a:endParaRPr lang="hu-HU"/>
           </a:p>
@@ -1006,7 +1010,7 @@
           <a:p>
             <a:fld id="{1E98E620-DB6F-426D-B0D4-E9DAB7431658}" type="datetimeFigureOut">
               <a:rPr lang="hu-HU" smtClean="0"/>
-              <a:t>2024. 11. 25.</a:t>
+              <a:t>2024. 11. 27.</a:t>
             </a:fld>
             <a:endParaRPr lang="hu-HU"/>
           </a:p>
@@ -1238,7 +1242,7 @@
           <a:p>
             <a:fld id="{1E98E620-DB6F-426D-B0D4-E9DAB7431658}" type="datetimeFigureOut">
               <a:rPr lang="hu-HU" smtClean="0"/>
-              <a:t>2024. 11. 25.</a:t>
+              <a:t>2024. 11. 27.</a:t>
             </a:fld>
             <a:endParaRPr lang="hu-HU"/>
           </a:p>
@@ -1605,7 +1609,7 @@
           <a:p>
             <a:fld id="{1E98E620-DB6F-426D-B0D4-E9DAB7431658}" type="datetimeFigureOut">
               <a:rPr lang="hu-HU" smtClean="0"/>
-              <a:t>2024. 11. 25.</a:t>
+              <a:t>2024. 11. 27.</a:t>
             </a:fld>
             <a:endParaRPr lang="hu-HU"/>
           </a:p>
@@ -1723,7 +1727,7 @@
           <a:p>
             <a:fld id="{1E98E620-DB6F-426D-B0D4-E9DAB7431658}" type="datetimeFigureOut">
               <a:rPr lang="hu-HU" smtClean="0"/>
-              <a:t>2024. 11. 25.</a:t>
+              <a:t>2024. 11. 27.</a:t>
             </a:fld>
             <a:endParaRPr lang="hu-HU"/>
           </a:p>
@@ -1818,7 +1822,7 @@
           <a:p>
             <a:fld id="{1E98E620-DB6F-426D-B0D4-E9DAB7431658}" type="datetimeFigureOut">
               <a:rPr lang="hu-HU" smtClean="0"/>
-              <a:t>2024. 11. 25.</a:t>
+              <a:t>2024. 11. 27.</a:t>
             </a:fld>
             <a:endParaRPr lang="hu-HU"/>
           </a:p>
@@ -2095,7 +2099,7 @@
           <a:p>
             <a:fld id="{1E98E620-DB6F-426D-B0D4-E9DAB7431658}" type="datetimeFigureOut">
               <a:rPr lang="hu-HU" smtClean="0"/>
-              <a:t>2024. 11. 25.</a:t>
+              <a:t>2024. 11. 27.</a:t>
             </a:fld>
             <a:endParaRPr lang="hu-HU"/>
           </a:p>
@@ -2348,7 +2352,7 @@
           <a:p>
             <a:fld id="{1E98E620-DB6F-426D-B0D4-E9DAB7431658}" type="datetimeFigureOut">
               <a:rPr lang="hu-HU" smtClean="0"/>
-              <a:t>2024. 11. 25.</a:t>
+              <a:t>2024. 11. 27.</a:t>
             </a:fld>
             <a:endParaRPr lang="hu-HU"/>
           </a:p>
@@ -2561,7 +2565,7 @@
           <a:p>
             <a:fld id="{1E98E620-DB6F-426D-B0D4-E9DAB7431658}" type="datetimeFigureOut">
               <a:rPr lang="hu-HU" smtClean="0"/>
-              <a:t>2024. 11. 25.</a:t>
+              <a:t>2024. 11. 27.</a:t>
             </a:fld>
             <a:endParaRPr lang="hu-HU"/>
           </a:p>
@@ -3300,6 +3304,597 @@
   <p:clrMapOvr>
     <a:masterClrMapping/>
   </p:clrMapOvr>
+  <mc:AlternateContent xmlns:mc="http://schemas.openxmlformats.org/markup-compatibility/2006">
+    <mc:Choice xmlns:p14="http://schemas.microsoft.com/office/powerpoint/2010/main" Requires="p14">
+      <p:transition spd="slow" p14:dur="1500">
+        <p:split orient="vert"/>
+      </p:transition>
+    </mc:Choice>
+    <mc:Fallback>
+      <p:transition spd="slow">
+        <p:split orient="vert"/>
+      </p:transition>
+    </mc:Fallback>
+  </mc:AlternateContent>
+  <p:timing>
+    <p:tnLst>
+      <p:par>
+        <p:cTn id="1" dur="indefinite" restart="never" nodeType="tmRoot">
+          <p:childTnLst>
+            <p:seq concurrent="1" nextAc="seek">
+              <p:cTn id="2" dur="indefinite" nodeType="mainSeq">
+                <p:childTnLst>
+                  <p:par>
+                    <p:cTn id="3" fill="hold">
+                      <p:stCondLst>
+                        <p:cond delay="indefinite"/>
+                      </p:stCondLst>
+                      <p:childTnLst>
+                        <p:par>
+                          <p:cTn id="4" fill="hold">
+                            <p:stCondLst>
+                              <p:cond delay="0"/>
+                            </p:stCondLst>
+                            <p:childTnLst>
+                              <p:par>
+                                <p:cTn id="5" presetID="10" presetClass="entr" presetSubtype="0" fill="hold" grpId="0" nodeType="clickEffect">
+                                  <p:stCondLst>
+                                    <p:cond delay="0"/>
+                                  </p:stCondLst>
+                                  <p:childTnLst>
+                                    <p:set>
+                                      <p:cBhvr>
+                                        <p:cTn id="6" dur="1" fill="hold">
+                                          <p:stCondLst>
+                                            <p:cond delay="0"/>
+                                          </p:stCondLst>
+                                        </p:cTn>
+                                        <p:tgtEl>
+                                          <p:spTgt spid="2"/>
+                                        </p:tgtEl>
+                                        <p:attrNameLst>
+                                          <p:attrName>style.visibility</p:attrName>
+                                        </p:attrNameLst>
+                                      </p:cBhvr>
+                                      <p:to>
+                                        <p:strVal val="visible"/>
+                                      </p:to>
+                                    </p:set>
+                                    <p:animEffect transition="in" filter="fade">
+                                      <p:cBhvr>
+                                        <p:cTn id="7" dur="500"/>
+                                        <p:tgtEl>
+                                          <p:spTgt spid="2"/>
+                                        </p:tgtEl>
+                                      </p:cBhvr>
+                                    </p:animEffect>
+                                  </p:childTnLst>
+                                </p:cTn>
+                              </p:par>
+                            </p:childTnLst>
+                          </p:cTn>
+                        </p:par>
+                      </p:childTnLst>
+                    </p:cTn>
+                  </p:par>
+                  <p:par>
+                    <p:cTn id="8" fill="hold">
+                      <p:stCondLst>
+                        <p:cond delay="indefinite"/>
+                      </p:stCondLst>
+                      <p:childTnLst>
+                        <p:par>
+                          <p:cTn id="9" fill="hold">
+                            <p:stCondLst>
+                              <p:cond delay="0"/>
+                            </p:stCondLst>
+                            <p:childTnLst>
+                              <p:par>
+                                <p:cTn id="10" presetID="21" presetClass="entr" presetSubtype="1" fill="hold" grpId="0" nodeType="clickEffect">
+                                  <p:stCondLst>
+                                    <p:cond delay="0"/>
+                                  </p:stCondLst>
+                                  <p:childTnLst>
+                                    <p:set>
+                                      <p:cBhvr>
+                                        <p:cTn id="11" dur="1" fill="hold">
+                                          <p:stCondLst>
+                                            <p:cond delay="0"/>
+                                          </p:stCondLst>
+                                        </p:cTn>
+                                        <p:tgtEl>
+                                          <p:spTgt spid="4"/>
+                                        </p:tgtEl>
+                                        <p:attrNameLst>
+                                          <p:attrName>style.visibility</p:attrName>
+                                        </p:attrNameLst>
+                                      </p:cBhvr>
+                                      <p:to>
+                                        <p:strVal val="visible"/>
+                                      </p:to>
+                                    </p:set>
+                                    <p:animEffect transition="in" filter="wheel(1)">
+                                      <p:cBhvr>
+                                        <p:cTn id="12" dur="2000"/>
+                                        <p:tgtEl>
+                                          <p:spTgt spid="4"/>
+                                        </p:tgtEl>
+                                      </p:cBhvr>
+                                    </p:animEffect>
+                                  </p:childTnLst>
+                                </p:cTn>
+                              </p:par>
+                            </p:childTnLst>
+                          </p:cTn>
+                        </p:par>
+                      </p:childTnLst>
+                    </p:cTn>
+                  </p:par>
+                  <p:par>
+                    <p:cTn id="13" fill="hold">
+                      <p:stCondLst>
+                        <p:cond delay="indefinite"/>
+                      </p:stCondLst>
+                      <p:childTnLst>
+                        <p:par>
+                          <p:cTn id="14" fill="hold">
+                            <p:stCondLst>
+                              <p:cond delay="0"/>
+                            </p:stCondLst>
+                            <p:childTnLst>
+                              <p:par>
+                                <p:cTn id="15" presetID="14" presetClass="entr" presetSubtype="10" fill="hold" grpId="0" nodeType="clickEffect">
+                                  <p:stCondLst>
+                                    <p:cond delay="0"/>
+                                  </p:stCondLst>
+                                  <p:childTnLst>
+                                    <p:set>
+                                      <p:cBhvr>
+                                        <p:cTn id="16" dur="1" fill="hold">
+                                          <p:stCondLst>
+                                            <p:cond delay="0"/>
+                                          </p:stCondLst>
+                                        </p:cTn>
+                                        <p:tgtEl>
+                                          <p:spTgt spid="6"/>
+                                        </p:tgtEl>
+                                        <p:attrNameLst>
+                                          <p:attrName>style.visibility</p:attrName>
+                                        </p:attrNameLst>
+                                      </p:cBhvr>
+                                      <p:to>
+                                        <p:strVal val="visible"/>
+                                      </p:to>
+                                    </p:set>
+                                    <p:animEffect transition="in" filter="randombar(horizontal)">
+                                      <p:cBhvr>
+                                        <p:cTn id="17" dur="500"/>
+                                        <p:tgtEl>
+                                          <p:spTgt spid="6"/>
+                                        </p:tgtEl>
+                                      </p:cBhvr>
+                                    </p:animEffect>
+                                  </p:childTnLst>
+                                </p:cTn>
+                              </p:par>
+                            </p:childTnLst>
+                          </p:cTn>
+                        </p:par>
+                      </p:childTnLst>
+                    </p:cTn>
+                  </p:par>
+                  <p:par>
+                    <p:cTn id="18" fill="hold">
+                      <p:stCondLst>
+                        <p:cond delay="indefinite"/>
+                      </p:stCondLst>
+                      <p:childTnLst>
+                        <p:par>
+                          <p:cTn id="19" fill="hold">
+                            <p:stCondLst>
+                              <p:cond delay="0"/>
+                            </p:stCondLst>
+                            <p:childTnLst>
+                              <p:par>
+                                <p:cTn id="20" presetID="53" presetClass="entr" presetSubtype="16" fill="hold" grpId="0" nodeType="clickEffect">
+                                  <p:stCondLst>
+                                    <p:cond delay="0"/>
+                                  </p:stCondLst>
+                                  <p:childTnLst>
+                                    <p:set>
+                                      <p:cBhvr>
+                                        <p:cTn id="21" dur="1" fill="hold">
+                                          <p:stCondLst>
+                                            <p:cond delay="0"/>
+                                          </p:stCondLst>
+                                        </p:cTn>
+                                        <p:tgtEl>
+                                          <p:spTgt spid="5"/>
+                                        </p:tgtEl>
+                                        <p:attrNameLst>
+                                          <p:attrName>style.visibility</p:attrName>
+                                        </p:attrNameLst>
+                                      </p:cBhvr>
+                                      <p:to>
+                                        <p:strVal val="visible"/>
+                                      </p:to>
+                                    </p:set>
+                                    <p:anim calcmode="lin" valueType="num">
+                                      <p:cBhvr>
+                                        <p:cTn id="22" dur="500" fill="hold"/>
+                                        <p:tgtEl>
+                                          <p:spTgt spid="5"/>
+                                        </p:tgtEl>
+                                        <p:attrNameLst>
+                                          <p:attrName>ppt_w</p:attrName>
+                                        </p:attrNameLst>
+                                      </p:cBhvr>
+                                      <p:tavLst>
+                                        <p:tav tm="0">
+                                          <p:val>
+                                            <p:fltVal val="0"/>
+                                          </p:val>
+                                        </p:tav>
+                                        <p:tav tm="100000">
+                                          <p:val>
+                                            <p:strVal val="#ppt_w"/>
+                                          </p:val>
+                                        </p:tav>
+                                      </p:tavLst>
+                                    </p:anim>
+                                    <p:anim calcmode="lin" valueType="num">
+                                      <p:cBhvr>
+                                        <p:cTn id="23" dur="500" fill="hold"/>
+                                        <p:tgtEl>
+                                          <p:spTgt spid="5"/>
+                                        </p:tgtEl>
+                                        <p:attrNameLst>
+                                          <p:attrName>ppt_h</p:attrName>
+                                        </p:attrNameLst>
+                                      </p:cBhvr>
+                                      <p:tavLst>
+                                        <p:tav tm="0">
+                                          <p:val>
+                                            <p:fltVal val="0"/>
+                                          </p:val>
+                                        </p:tav>
+                                        <p:tav tm="100000">
+                                          <p:val>
+                                            <p:strVal val="#ppt_h"/>
+                                          </p:val>
+                                        </p:tav>
+                                      </p:tavLst>
+                                    </p:anim>
+                                    <p:animEffect transition="in" filter="fade">
+                                      <p:cBhvr>
+                                        <p:cTn id="24" dur="500"/>
+                                        <p:tgtEl>
+                                          <p:spTgt spid="5"/>
+                                        </p:tgtEl>
+                                      </p:cBhvr>
+                                    </p:animEffect>
+                                  </p:childTnLst>
+                                </p:cTn>
+                              </p:par>
+                            </p:childTnLst>
+                          </p:cTn>
+                        </p:par>
+                      </p:childTnLst>
+                    </p:cTn>
+                  </p:par>
+                  <p:par>
+                    <p:cTn id="25" fill="hold">
+                      <p:stCondLst>
+                        <p:cond delay="indefinite"/>
+                      </p:stCondLst>
+                      <p:childTnLst>
+                        <p:par>
+                          <p:cTn id="26" fill="hold">
+                            <p:stCondLst>
+                              <p:cond delay="0"/>
+                            </p:stCondLst>
+                            <p:childTnLst>
+                              <p:par>
+                                <p:cTn id="27" presetID="31" presetClass="entr" presetSubtype="0" fill="hold" grpId="0" nodeType="clickEffect">
+                                  <p:stCondLst>
+                                    <p:cond delay="0"/>
+                                  </p:stCondLst>
+                                  <p:childTnLst>
+                                    <p:set>
+                                      <p:cBhvr>
+                                        <p:cTn id="28" dur="1" fill="hold">
+                                          <p:stCondLst>
+                                            <p:cond delay="0"/>
+                                          </p:stCondLst>
+                                        </p:cTn>
+                                        <p:tgtEl>
+                                          <p:spTgt spid="10"/>
+                                        </p:tgtEl>
+                                        <p:attrNameLst>
+                                          <p:attrName>style.visibility</p:attrName>
+                                        </p:attrNameLst>
+                                      </p:cBhvr>
+                                      <p:to>
+                                        <p:strVal val="visible"/>
+                                      </p:to>
+                                    </p:set>
+                                    <p:anim calcmode="lin" valueType="num">
+                                      <p:cBhvr>
+                                        <p:cTn id="29" dur="1000" fill="hold"/>
+                                        <p:tgtEl>
+                                          <p:spTgt spid="10"/>
+                                        </p:tgtEl>
+                                        <p:attrNameLst>
+                                          <p:attrName>ppt_w</p:attrName>
+                                        </p:attrNameLst>
+                                      </p:cBhvr>
+                                      <p:tavLst>
+                                        <p:tav tm="0">
+                                          <p:val>
+                                            <p:fltVal val="0"/>
+                                          </p:val>
+                                        </p:tav>
+                                        <p:tav tm="100000">
+                                          <p:val>
+                                            <p:strVal val="#ppt_w"/>
+                                          </p:val>
+                                        </p:tav>
+                                      </p:tavLst>
+                                    </p:anim>
+                                    <p:anim calcmode="lin" valueType="num">
+                                      <p:cBhvr>
+                                        <p:cTn id="30" dur="1000" fill="hold"/>
+                                        <p:tgtEl>
+                                          <p:spTgt spid="10"/>
+                                        </p:tgtEl>
+                                        <p:attrNameLst>
+                                          <p:attrName>ppt_h</p:attrName>
+                                        </p:attrNameLst>
+                                      </p:cBhvr>
+                                      <p:tavLst>
+                                        <p:tav tm="0">
+                                          <p:val>
+                                            <p:fltVal val="0"/>
+                                          </p:val>
+                                        </p:tav>
+                                        <p:tav tm="100000">
+                                          <p:val>
+                                            <p:strVal val="#ppt_h"/>
+                                          </p:val>
+                                        </p:tav>
+                                      </p:tavLst>
+                                    </p:anim>
+                                    <p:anim calcmode="lin" valueType="num">
+                                      <p:cBhvr>
+                                        <p:cTn id="31" dur="1000" fill="hold"/>
+                                        <p:tgtEl>
+                                          <p:spTgt spid="10"/>
+                                        </p:tgtEl>
+                                        <p:attrNameLst>
+                                          <p:attrName>style.rotation</p:attrName>
+                                        </p:attrNameLst>
+                                      </p:cBhvr>
+                                      <p:tavLst>
+                                        <p:tav tm="0">
+                                          <p:val>
+                                            <p:fltVal val="90"/>
+                                          </p:val>
+                                        </p:tav>
+                                        <p:tav tm="100000">
+                                          <p:val>
+                                            <p:fltVal val="0"/>
+                                          </p:val>
+                                        </p:tav>
+                                      </p:tavLst>
+                                    </p:anim>
+                                    <p:animEffect transition="in" filter="fade">
+                                      <p:cBhvr>
+                                        <p:cTn id="32" dur="1000"/>
+                                        <p:tgtEl>
+                                          <p:spTgt spid="10"/>
+                                        </p:tgtEl>
+                                      </p:cBhvr>
+                                    </p:animEffect>
+                                  </p:childTnLst>
+                                </p:cTn>
+                              </p:par>
+                            </p:childTnLst>
+                          </p:cTn>
+                        </p:par>
+                      </p:childTnLst>
+                    </p:cTn>
+                  </p:par>
+                  <p:par>
+                    <p:cTn id="33" fill="hold">
+                      <p:stCondLst>
+                        <p:cond delay="indefinite"/>
+                      </p:stCondLst>
+                      <p:childTnLst>
+                        <p:par>
+                          <p:cTn id="34" fill="hold">
+                            <p:stCondLst>
+                              <p:cond delay="0"/>
+                            </p:stCondLst>
+                            <p:childTnLst>
+                              <p:par>
+                                <p:cTn id="35" presetID="6" presetClass="entr" presetSubtype="16" fill="hold" grpId="0" nodeType="clickEffect">
+                                  <p:stCondLst>
+                                    <p:cond delay="0"/>
+                                  </p:stCondLst>
+                                  <p:childTnLst>
+                                    <p:set>
+                                      <p:cBhvr>
+                                        <p:cTn id="36" dur="1" fill="hold">
+                                          <p:stCondLst>
+                                            <p:cond delay="0"/>
+                                          </p:stCondLst>
+                                        </p:cTn>
+                                        <p:tgtEl>
+                                          <p:spTgt spid="11"/>
+                                        </p:tgtEl>
+                                        <p:attrNameLst>
+                                          <p:attrName>style.visibility</p:attrName>
+                                        </p:attrNameLst>
+                                      </p:cBhvr>
+                                      <p:to>
+                                        <p:strVal val="visible"/>
+                                      </p:to>
+                                    </p:set>
+                                    <p:animEffect transition="in" filter="circle(in)">
+                                      <p:cBhvr>
+                                        <p:cTn id="37" dur="2000"/>
+                                        <p:tgtEl>
+                                          <p:spTgt spid="11"/>
+                                        </p:tgtEl>
+                                      </p:cBhvr>
+                                    </p:animEffect>
+                                  </p:childTnLst>
+                                </p:cTn>
+                              </p:par>
+                            </p:childTnLst>
+                          </p:cTn>
+                        </p:par>
+                      </p:childTnLst>
+                    </p:cTn>
+                  </p:par>
+                  <p:par>
+                    <p:cTn id="38" fill="hold">
+                      <p:stCondLst>
+                        <p:cond delay="indefinite"/>
+                      </p:stCondLst>
+                      <p:childTnLst>
+                        <p:par>
+                          <p:cTn id="39" fill="hold">
+                            <p:stCondLst>
+                              <p:cond delay="0"/>
+                            </p:stCondLst>
+                            <p:childTnLst>
+                              <p:par>
+                                <p:cTn id="40" presetID="16" presetClass="entr" presetSubtype="21" fill="hold" grpId="0" nodeType="clickEffect">
+                                  <p:stCondLst>
+                                    <p:cond delay="0"/>
+                                  </p:stCondLst>
+                                  <p:childTnLst>
+                                    <p:set>
+                                      <p:cBhvr>
+                                        <p:cTn id="41" dur="1" fill="hold">
+                                          <p:stCondLst>
+                                            <p:cond delay="0"/>
+                                          </p:stCondLst>
+                                        </p:cTn>
+                                        <p:tgtEl>
+                                          <p:spTgt spid="12"/>
+                                        </p:tgtEl>
+                                        <p:attrNameLst>
+                                          <p:attrName>style.visibility</p:attrName>
+                                        </p:attrNameLst>
+                                      </p:cBhvr>
+                                      <p:to>
+                                        <p:strVal val="visible"/>
+                                      </p:to>
+                                    </p:set>
+                                    <p:animEffect transition="in" filter="barn(inVertical)">
+                                      <p:cBhvr>
+                                        <p:cTn id="42" dur="500"/>
+                                        <p:tgtEl>
+                                          <p:spTgt spid="12"/>
+                                        </p:tgtEl>
+                                      </p:cBhvr>
+                                    </p:animEffect>
+                                  </p:childTnLst>
+                                </p:cTn>
+                              </p:par>
+                            </p:childTnLst>
+                          </p:cTn>
+                        </p:par>
+                      </p:childTnLst>
+                    </p:cTn>
+                  </p:par>
+                  <p:par>
+                    <p:cTn id="43" fill="hold">
+                      <p:stCondLst>
+                        <p:cond delay="indefinite"/>
+                      </p:stCondLst>
+                      <p:childTnLst>
+                        <p:par>
+                          <p:cTn id="44" fill="hold">
+                            <p:stCondLst>
+                              <p:cond delay="0"/>
+                            </p:stCondLst>
+                            <p:childTnLst>
+                              <p:par>
+                                <p:cTn id="45" presetID="16" presetClass="entr" presetSubtype="21" fill="hold" grpId="0" nodeType="clickEffect">
+                                  <p:stCondLst>
+                                    <p:cond delay="0"/>
+                                  </p:stCondLst>
+                                  <p:childTnLst>
+                                    <p:set>
+                                      <p:cBhvr>
+                                        <p:cTn id="46" dur="1" fill="hold">
+                                          <p:stCondLst>
+                                            <p:cond delay="0"/>
+                                          </p:stCondLst>
+                                        </p:cTn>
+                                        <p:tgtEl>
+                                          <p:spTgt spid="13"/>
+                                        </p:tgtEl>
+                                        <p:attrNameLst>
+                                          <p:attrName>style.visibility</p:attrName>
+                                        </p:attrNameLst>
+                                      </p:cBhvr>
+                                      <p:to>
+                                        <p:strVal val="visible"/>
+                                      </p:to>
+                                    </p:set>
+                                    <p:animEffect transition="in" filter="barn(inVertical)">
+                                      <p:cBhvr>
+                                        <p:cTn id="47" dur="500"/>
+                                        <p:tgtEl>
+                                          <p:spTgt spid="13"/>
+                                        </p:tgtEl>
+                                      </p:cBhvr>
+                                    </p:animEffect>
+                                  </p:childTnLst>
+                                </p:cTn>
+                              </p:par>
+                            </p:childTnLst>
+                          </p:cTn>
+                        </p:par>
+                      </p:childTnLst>
+                    </p:cTn>
+                  </p:par>
+                </p:childTnLst>
+              </p:cTn>
+              <p:prevCondLst>
+                <p:cond evt="onPrev" delay="0">
+                  <p:tgtEl>
+                    <p:sldTgt/>
+                  </p:tgtEl>
+                </p:cond>
+              </p:prevCondLst>
+              <p:nextCondLst>
+                <p:cond evt="onNext" delay="0">
+                  <p:tgtEl>
+                    <p:sldTgt/>
+                  </p:tgtEl>
+                </p:cond>
+              </p:nextCondLst>
+            </p:seq>
+          </p:childTnLst>
+        </p:cTn>
+      </p:par>
+    </p:tnLst>
+    <p:bldLst>
+      <p:bldP spid="2" grpId="0"/>
+      <p:bldP spid="4" grpId="0"/>
+      <p:bldP spid="5" grpId="0"/>
+      <p:bldP spid="6" grpId="0"/>
+      <p:bldP spid="10" grpId="0" animBg="1"/>
+      <p:bldP spid="11" grpId="0"/>
+      <p:bldP spid="12" grpId="0" animBg="1"/>
+      <p:bldP spid="13" grpId="0"/>
+    </p:bldLst>
+  </p:timing>
 </p:sld>
 </file>
 
@@ -4205,15 +4800,7 @@
             </a:r>
             <a:r>
               <a:rPr lang="hu-HU" sz="1600" dirty="0" smtClean="0"/>
-              <a:t> c</a:t>
-            </a:r>
-            <a:r>
-              <a:rPr lang="hu-HU" sz="1600" dirty="0" smtClean="0"/>
-              <a:t>ímet állítottam be a Gigabit Ethernet G0/0-ás interfészbe </a:t>
-            </a:r>
-            <a:r>
-              <a:rPr lang="hu-HU" sz="1600" dirty="0" smtClean="0"/>
-              <a:t> </a:t>
+              <a:t> címet állítottam be a Gigabit Ethernet G0/0-ás interfészbe  </a:t>
             </a:r>
             <a:endParaRPr lang="hu-HU" sz="1600" dirty="0"/>
           </a:p>
@@ -4402,74 +4989,743 @@
   <p:clrMapOvr>
     <a:masterClrMapping/>
   </p:clrMapOvr>
-</p:sld>
-</file>
-
-<file path=ppt/slides/slide3.xml><?xml version="1.0" encoding="utf-8"?>
-<p:sld xmlns:a="http://schemas.openxmlformats.org/drawingml/2006/main" xmlns:r="http://schemas.openxmlformats.org/officeDocument/2006/relationships" xmlns:p="http://schemas.openxmlformats.org/presentationml/2006/main">
-  <p:cSld>
-    <p:spTree>
-      <p:nvGrpSpPr>
-        <p:cNvPr id="1" name=""/>
-        <p:cNvGrpSpPr/>
-        <p:nvPr/>
-      </p:nvGrpSpPr>
-      <p:grpSpPr>
-        <a:xfrm>
-          <a:off x="0" y="0"/>
-          <a:ext cx="0" cy="0"/>
-          <a:chOff x="0" y="0"/>
-          <a:chExt cx="0" cy="0"/>
-        </a:xfrm>
-      </p:grpSpPr>
-      <p:sp>
-        <p:nvSpPr>
-          <p:cNvPr id="2" name="Cím 1"/>
-          <p:cNvSpPr>
-            <a:spLocks noGrp="1"/>
-          </p:cNvSpPr>
-          <p:nvPr>
-            <p:ph type="title"/>
-          </p:nvPr>
-        </p:nvSpPr>
-        <p:spPr/>
-        <p:txBody>
-          <a:bodyPr/>
-          <a:lstStyle/>
-          <a:p>
-            <a:endParaRPr lang="hu-HU" dirty="0"/>
-          </a:p>
-        </p:txBody>
-      </p:sp>
-      <p:sp>
-        <p:nvSpPr>
-          <p:cNvPr id="3" name="Tartalom helye 2"/>
-          <p:cNvSpPr>
-            <a:spLocks noGrp="1"/>
-          </p:cNvSpPr>
-          <p:nvPr>
-            <p:ph idx="1"/>
-          </p:nvPr>
-        </p:nvSpPr>
-        <p:spPr/>
-        <p:txBody>
-          <a:bodyPr/>
-          <a:lstStyle/>
-          <a:p>
-            <a:endParaRPr lang="hu-HU"/>
-          </a:p>
-        </p:txBody>
-      </p:sp>
-    </p:spTree>
-    <p:extLst>
-      <p:ext uri="{BB962C8B-B14F-4D97-AF65-F5344CB8AC3E}">
-        <p14:creationId xmlns:p14="http://schemas.microsoft.com/office/powerpoint/2010/main" val="1108102186"/>
-      </p:ext>
-    </p:extLst>
-  </p:cSld>
-  <p:clrMapOvr>
-    <a:masterClrMapping/>
-  </p:clrMapOvr>
+  <p:transition spd="slow">
+    <p:wipe/>
+  </p:transition>
+  <p:timing>
+    <p:tnLst>
+      <p:par>
+        <p:cTn id="1" dur="indefinite" restart="never" nodeType="tmRoot">
+          <p:childTnLst>
+            <p:seq concurrent="1" nextAc="seek">
+              <p:cTn id="2" dur="indefinite" nodeType="mainSeq">
+                <p:childTnLst>
+                  <p:par>
+                    <p:cTn id="3" fill="hold">
+                      <p:stCondLst>
+                        <p:cond delay="indefinite"/>
+                      </p:stCondLst>
+                      <p:childTnLst>
+                        <p:par>
+                          <p:cTn id="4" fill="hold">
+                            <p:stCondLst>
+                              <p:cond delay="0"/>
+                            </p:stCondLst>
+                            <p:childTnLst>
+                              <p:par>
+                                <p:cTn id="5" presetID="2" presetClass="entr" presetSubtype="4" fill="hold" grpId="0" nodeType="clickEffect">
+                                  <p:stCondLst>
+                                    <p:cond delay="0"/>
+                                  </p:stCondLst>
+                                  <p:childTnLst>
+                                    <p:set>
+                                      <p:cBhvr>
+                                        <p:cTn id="6" dur="1" fill="hold">
+                                          <p:stCondLst>
+                                            <p:cond delay="0"/>
+                                          </p:stCondLst>
+                                        </p:cTn>
+                                        <p:tgtEl>
+                                          <p:spTgt spid="2"/>
+                                        </p:tgtEl>
+                                        <p:attrNameLst>
+                                          <p:attrName>style.visibility</p:attrName>
+                                        </p:attrNameLst>
+                                      </p:cBhvr>
+                                      <p:to>
+                                        <p:strVal val="visible"/>
+                                      </p:to>
+                                    </p:set>
+                                    <p:anim calcmode="lin" valueType="num">
+                                      <p:cBhvr additive="base">
+                                        <p:cTn id="7" dur="500" fill="hold"/>
+                                        <p:tgtEl>
+                                          <p:spTgt spid="2"/>
+                                        </p:tgtEl>
+                                        <p:attrNameLst>
+                                          <p:attrName>ppt_x</p:attrName>
+                                        </p:attrNameLst>
+                                      </p:cBhvr>
+                                      <p:tavLst>
+                                        <p:tav tm="0">
+                                          <p:val>
+                                            <p:strVal val="#ppt_x"/>
+                                          </p:val>
+                                        </p:tav>
+                                        <p:tav tm="100000">
+                                          <p:val>
+                                            <p:strVal val="#ppt_x"/>
+                                          </p:val>
+                                        </p:tav>
+                                      </p:tavLst>
+                                    </p:anim>
+                                    <p:anim calcmode="lin" valueType="num">
+                                      <p:cBhvr additive="base">
+                                        <p:cTn id="8" dur="500" fill="hold"/>
+                                        <p:tgtEl>
+                                          <p:spTgt spid="2"/>
+                                        </p:tgtEl>
+                                        <p:attrNameLst>
+                                          <p:attrName>ppt_y</p:attrName>
+                                        </p:attrNameLst>
+                                      </p:cBhvr>
+                                      <p:tavLst>
+                                        <p:tav tm="0">
+                                          <p:val>
+                                            <p:strVal val="1+#ppt_h/2"/>
+                                          </p:val>
+                                        </p:tav>
+                                        <p:tav tm="100000">
+                                          <p:val>
+                                            <p:strVal val="#ppt_y"/>
+                                          </p:val>
+                                        </p:tav>
+                                      </p:tavLst>
+                                    </p:anim>
+                                  </p:childTnLst>
+                                </p:cTn>
+                              </p:par>
+                            </p:childTnLst>
+                          </p:cTn>
+                        </p:par>
+                      </p:childTnLst>
+                    </p:cTn>
+                  </p:par>
+                  <p:par>
+                    <p:cTn id="9" fill="hold">
+                      <p:stCondLst>
+                        <p:cond delay="indefinite"/>
+                      </p:stCondLst>
+                      <p:childTnLst>
+                        <p:par>
+                          <p:cTn id="10" fill="hold">
+                            <p:stCondLst>
+                              <p:cond delay="0"/>
+                            </p:stCondLst>
+                            <p:childTnLst>
+                              <p:par>
+                                <p:cTn id="11" presetID="31" presetClass="entr" presetSubtype="0" fill="hold" nodeType="clickEffect">
+                                  <p:stCondLst>
+                                    <p:cond delay="0"/>
+                                  </p:stCondLst>
+                                  <p:childTnLst>
+                                    <p:set>
+                                      <p:cBhvr>
+                                        <p:cTn id="12" dur="1" fill="hold">
+                                          <p:stCondLst>
+                                            <p:cond delay="0"/>
+                                          </p:stCondLst>
+                                        </p:cTn>
+                                        <p:tgtEl>
+                                          <p:spTgt spid="3">
+                                            <p:txEl>
+                                              <p:pRg st="0" end="0"/>
+                                            </p:txEl>
+                                          </p:spTgt>
+                                        </p:tgtEl>
+                                        <p:attrNameLst>
+                                          <p:attrName>style.visibility</p:attrName>
+                                        </p:attrNameLst>
+                                      </p:cBhvr>
+                                      <p:to>
+                                        <p:strVal val="visible"/>
+                                      </p:to>
+                                    </p:set>
+                                    <p:anim calcmode="lin" valueType="num">
+                                      <p:cBhvr>
+                                        <p:cTn id="13" dur="1000" fill="hold"/>
+                                        <p:tgtEl>
+                                          <p:spTgt spid="3">
+                                            <p:txEl>
+                                              <p:pRg st="0" end="0"/>
+                                            </p:txEl>
+                                          </p:spTgt>
+                                        </p:tgtEl>
+                                        <p:attrNameLst>
+                                          <p:attrName>ppt_w</p:attrName>
+                                        </p:attrNameLst>
+                                      </p:cBhvr>
+                                      <p:tavLst>
+                                        <p:tav tm="0">
+                                          <p:val>
+                                            <p:fltVal val="0"/>
+                                          </p:val>
+                                        </p:tav>
+                                        <p:tav tm="100000">
+                                          <p:val>
+                                            <p:strVal val="#ppt_w"/>
+                                          </p:val>
+                                        </p:tav>
+                                      </p:tavLst>
+                                    </p:anim>
+                                    <p:anim calcmode="lin" valueType="num">
+                                      <p:cBhvr>
+                                        <p:cTn id="14" dur="1000" fill="hold"/>
+                                        <p:tgtEl>
+                                          <p:spTgt spid="3">
+                                            <p:txEl>
+                                              <p:pRg st="0" end="0"/>
+                                            </p:txEl>
+                                          </p:spTgt>
+                                        </p:tgtEl>
+                                        <p:attrNameLst>
+                                          <p:attrName>ppt_h</p:attrName>
+                                        </p:attrNameLst>
+                                      </p:cBhvr>
+                                      <p:tavLst>
+                                        <p:tav tm="0">
+                                          <p:val>
+                                            <p:fltVal val="0"/>
+                                          </p:val>
+                                        </p:tav>
+                                        <p:tav tm="100000">
+                                          <p:val>
+                                            <p:strVal val="#ppt_h"/>
+                                          </p:val>
+                                        </p:tav>
+                                      </p:tavLst>
+                                    </p:anim>
+                                    <p:anim calcmode="lin" valueType="num">
+                                      <p:cBhvr>
+                                        <p:cTn id="15" dur="1000" fill="hold"/>
+                                        <p:tgtEl>
+                                          <p:spTgt spid="3">
+                                            <p:txEl>
+                                              <p:pRg st="0" end="0"/>
+                                            </p:txEl>
+                                          </p:spTgt>
+                                        </p:tgtEl>
+                                        <p:attrNameLst>
+                                          <p:attrName>style.rotation</p:attrName>
+                                        </p:attrNameLst>
+                                      </p:cBhvr>
+                                      <p:tavLst>
+                                        <p:tav tm="0">
+                                          <p:val>
+                                            <p:fltVal val="90"/>
+                                          </p:val>
+                                        </p:tav>
+                                        <p:tav tm="100000">
+                                          <p:val>
+                                            <p:fltVal val="0"/>
+                                          </p:val>
+                                        </p:tav>
+                                      </p:tavLst>
+                                    </p:anim>
+                                    <p:animEffect transition="in" filter="fade">
+                                      <p:cBhvr>
+                                        <p:cTn id="16" dur="1000"/>
+                                        <p:tgtEl>
+                                          <p:spTgt spid="3">
+                                            <p:txEl>
+                                              <p:pRg st="0" end="0"/>
+                                            </p:txEl>
+                                          </p:spTgt>
+                                        </p:tgtEl>
+                                      </p:cBhvr>
+                                    </p:animEffect>
+                                  </p:childTnLst>
+                                </p:cTn>
+                              </p:par>
+                            </p:childTnLst>
+                          </p:cTn>
+                        </p:par>
+                      </p:childTnLst>
+                    </p:cTn>
+                  </p:par>
+                  <p:par>
+                    <p:cTn id="17" fill="hold">
+                      <p:stCondLst>
+                        <p:cond delay="indefinite"/>
+                      </p:stCondLst>
+                      <p:childTnLst>
+                        <p:par>
+                          <p:cTn id="18" fill="hold">
+                            <p:stCondLst>
+                              <p:cond delay="0"/>
+                            </p:stCondLst>
+                            <p:childTnLst>
+                              <p:par>
+                                <p:cTn id="19" presetID="10" presetClass="entr" presetSubtype="0" fill="hold" nodeType="clickEffect">
+                                  <p:stCondLst>
+                                    <p:cond delay="0"/>
+                                  </p:stCondLst>
+                                  <p:childTnLst>
+                                    <p:set>
+                                      <p:cBhvr>
+                                        <p:cTn id="20" dur="1" fill="hold">
+                                          <p:stCondLst>
+                                            <p:cond delay="0"/>
+                                          </p:stCondLst>
+                                        </p:cTn>
+                                        <p:tgtEl>
+                                          <p:spTgt spid="5"/>
+                                        </p:tgtEl>
+                                        <p:attrNameLst>
+                                          <p:attrName>style.visibility</p:attrName>
+                                        </p:attrNameLst>
+                                      </p:cBhvr>
+                                      <p:to>
+                                        <p:strVal val="visible"/>
+                                      </p:to>
+                                    </p:set>
+                                    <p:animEffect transition="in" filter="fade">
+                                      <p:cBhvr>
+                                        <p:cTn id="21" dur="500"/>
+                                        <p:tgtEl>
+                                          <p:spTgt spid="5"/>
+                                        </p:tgtEl>
+                                      </p:cBhvr>
+                                    </p:animEffect>
+                                  </p:childTnLst>
+                                </p:cTn>
+                              </p:par>
+                            </p:childTnLst>
+                          </p:cTn>
+                        </p:par>
+                      </p:childTnLst>
+                    </p:cTn>
+                  </p:par>
+                  <p:par>
+                    <p:cTn id="22" fill="hold">
+                      <p:stCondLst>
+                        <p:cond delay="indefinite"/>
+                      </p:stCondLst>
+                      <p:childTnLst>
+                        <p:par>
+                          <p:cTn id="23" fill="hold">
+                            <p:stCondLst>
+                              <p:cond delay="0"/>
+                            </p:stCondLst>
+                            <p:childTnLst>
+                              <p:par>
+                                <p:cTn id="24" presetID="42" presetClass="entr" presetSubtype="0" fill="hold" grpId="0" nodeType="clickEffect">
+                                  <p:stCondLst>
+                                    <p:cond delay="0"/>
+                                  </p:stCondLst>
+                                  <p:childTnLst>
+                                    <p:set>
+                                      <p:cBhvr>
+                                        <p:cTn id="25" dur="1" fill="hold">
+                                          <p:stCondLst>
+                                            <p:cond delay="0"/>
+                                          </p:stCondLst>
+                                        </p:cTn>
+                                        <p:tgtEl>
+                                          <p:spTgt spid="6"/>
+                                        </p:tgtEl>
+                                        <p:attrNameLst>
+                                          <p:attrName>style.visibility</p:attrName>
+                                        </p:attrNameLst>
+                                      </p:cBhvr>
+                                      <p:to>
+                                        <p:strVal val="visible"/>
+                                      </p:to>
+                                    </p:set>
+                                    <p:animEffect transition="in" filter="fade">
+                                      <p:cBhvr>
+                                        <p:cTn id="26" dur="1000"/>
+                                        <p:tgtEl>
+                                          <p:spTgt spid="6"/>
+                                        </p:tgtEl>
+                                      </p:cBhvr>
+                                    </p:animEffect>
+                                    <p:anim calcmode="lin" valueType="num">
+                                      <p:cBhvr>
+                                        <p:cTn id="27" dur="1000" fill="hold"/>
+                                        <p:tgtEl>
+                                          <p:spTgt spid="6"/>
+                                        </p:tgtEl>
+                                        <p:attrNameLst>
+                                          <p:attrName>ppt_x</p:attrName>
+                                        </p:attrNameLst>
+                                      </p:cBhvr>
+                                      <p:tavLst>
+                                        <p:tav tm="0">
+                                          <p:val>
+                                            <p:strVal val="#ppt_x"/>
+                                          </p:val>
+                                        </p:tav>
+                                        <p:tav tm="100000">
+                                          <p:val>
+                                            <p:strVal val="#ppt_x"/>
+                                          </p:val>
+                                        </p:tav>
+                                      </p:tavLst>
+                                    </p:anim>
+                                    <p:anim calcmode="lin" valueType="num">
+                                      <p:cBhvr>
+                                        <p:cTn id="28" dur="1000" fill="hold"/>
+                                        <p:tgtEl>
+                                          <p:spTgt spid="6"/>
+                                        </p:tgtEl>
+                                        <p:attrNameLst>
+                                          <p:attrName>ppt_y</p:attrName>
+                                        </p:attrNameLst>
+                                      </p:cBhvr>
+                                      <p:tavLst>
+                                        <p:tav tm="0">
+                                          <p:val>
+                                            <p:strVal val="#ppt_y+.1"/>
+                                          </p:val>
+                                        </p:tav>
+                                        <p:tav tm="100000">
+                                          <p:val>
+                                            <p:strVal val="#ppt_y"/>
+                                          </p:val>
+                                        </p:tav>
+                                      </p:tavLst>
+                                    </p:anim>
+                                  </p:childTnLst>
+                                </p:cTn>
+                              </p:par>
+                            </p:childTnLst>
+                          </p:cTn>
+                        </p:par>
+                      </p:childTnLst>
+                    </p:cTn>
+                  </p:par>
+                  <p:par>
+                    <p:cTn id="29" fill="hold">
+                      <p:stCondLst>
+                        <p:cond delay="indefinite"/>
+                      </p:stCondLst>
+                      <p:childTnLst>
+                        <p:par>
+                          <p:cTn id="30" fill="hold">
+                            <p:stCondLst>
+                              <p:cond delay="0"/>
+                            </p:stCondLst>
+                            <p:childTnLst>
+                              <p:par>
+                                <p:cTn id="31" presetID="16" presetClass="entr" presetSubtype="21" fill="hold" grpId="0" nodeType="clickEffect">
+                                  <p:stCondLst>
+                                    <p:cond delay="0"/>
+                                  </p:stCondLst>
+                                  <p:childTnLst>
+                                    <p:set>
+                                      <p:cBhvr>
+                                        <p:cTn id="32" dur="1" fill="hold">
+                                          <p:stCondLst>
+                                            <p:cond delay="0"/>
+                                          </p:stCondLst>
+                                        </p:cTn>
+                                        <p:tgtEl>
+                                          <p:spTgt spid="14"/>
+                                        </p:tgtEl>
+                                        <p:attrNameLst>
+                                          <p:attrName>style.visibility</p:attrName>
+                                        </p:attrNameLst>
+                                      </p:cBhvr>
+                                      <p:to>
+                                        <p:strVal val="visible"/>
+                                      </p:to>
+                                    </p:set>
+                                    <p:animEffect transition="in" filter="barn(inVertical)">
+                                      <p:cBhvr>
+                                        <p:cTn id="33" dur="500"/>
+                                        <p:tgtEl>
+                                          <p:spTgt spid="14"/>
+                                        </p:tgtEl>
+                                      </p:cBhvr>
+                                    </p:animEffect>
+                                  </p:childTnLst>
+                                </p:cTn>
+                              </p:par>
+                            </p:childTnLst>
+                          </p:cTn>
+                        </p:par>
+                      </p:childTnLst>
+                    </p:cTn>
+                  </p:par>
+                  <p:par>
+                    <p:cTn id="34" fill="hold">
+                      <p:stCondLst>
+                        <p:cond delay="indefinite"/>
+                      </p:stCondLst>
+                      <p:childTnLst>
+                        <p:par>
+                          <p:cTn id="35" fill="hold">
+                            <p:stCondLst>
+                              <p:cond delay="0"/>
+                            </p:stCondLst>
+                            <p:childTnLst>
+                              <p:par>
+                                <p:cTn id="36" presetID="6" presetClass="entr" presetSubtype="16" fill="hold" nodeType="clickEffect">
+                                  <p:stCondLst>
+                                    <p:cond delay="0"/>
+                                  </p:stCondLst>
+                                  <p:childTnLst>
+                                    <p:set>
+                                      <p:cBhvr>
+                                        <p:cTn id="37" dur="1" fill="hold">
+                                          <p:stCondLst>
+                                            <p:cond delay="0"/>
+                                          </p:stCondLst>
+                                        </p:cTn>
+                                        <p:tgtEl>
+                                          <p:spTgt spid="10"/>
+                                        </p:tgtEl>
+                                        <p:attrNameLst>
+                                          <p:attrName>style.visibility</p:attrName>
+                                        </p:attrNameLst>
+                                      </p:cBhvr>
+                                      <p:to>
+                                        <p:strVal val="visible"/>
+                                      </p:to>
+                                    </p:set>
+                                    <p:animEffect transition="in" filter="circle(in)">
+                                      <p:cBhvr>
+                                        <p:cTn id="38" dur="2000"/>
+                                        <p:tgtEl>
+                                          <p:spTgt spid="10"/>
+                                        </p:tgtEl>
+                                      </p:cBhvr>
+                                    </p:animEffect>
+                                  </p:childTnLst>
+                                </p:cTn>
+                              </p:par>
+                            </p:childTnLst>
+                          </p:cTn>
+                        </p:par>
+                      </p:childTnLst>
+                    </p:cTn>
+                  </p:par>
+                  <p:par>
+                    <p:cTn id="39" fill="hold">
+                      <p:stCondLst>
+                        <p:cond delay="indefinite"/>
+                      </p:stCondLst>
+                      <p:childTnLst>
+                        <p:par>
+                          <p:cTn id="40" fill="hold">
+                            <p:stCondLst>
+                              <p:cond delay="0"/>
+                            </p:stCondLst>
+                            <p:childTnLst>
+                              <p:par>
+                                <p:cTn id="41" presetID="42" presetClass="entr" presetSubtype="0" fill="hold" grpId="0" nodeType="clickEffect">
+                                  <p:stCondLst>
+                                    <p:cond delay="0"/>
+                                  </p:stCondLst>
+                                  <p:childTnLst>
+                                    <p:set>
+                                      <p:cBhvr>
+                                        <p:cTn id="42" dur="1" fill="hold">
+                                          <p:stCondLst>
+                                            <p:cond delay="0"/>
+                                          </p:stCondLst>
+                                        </p:cTn>
+                                        <p:tgtEl>
+                                          <p:spTgt spid="13"/>
+                                        </p:tgtEl>
+                                        <p:attrNameLst>
+                                          <p:attrName>style.visibility</p:attrName>
+                                        </p:attrNameLst>
+                                      </p:cBhvr>
+                                      <p:to>
+                                        <p:strVal val="visible"/>
+                                      </p:to>
+                                    </p:set>
+                                    <p:animEffect transition="in" filter="fade">
+                                      <p:cBhvr>
+                                        <p:cTn id="43" dur="1000"/>
+                                        <p:tgtEl>
+                                          <p:spTgt spid="13"/>
+                                        </p:tgtEl>
+                                      </p:cBhvr>
+                                    </p:animEffect>
+                                    <p:anim calcmode="lin" valueType="num">
+                                      <p:cBhvr>
+                                        <p:cTn id="44" dur="1000" fill="hold"/>
+                                        <p:tgtEl>
+                                          <p:spTgt spid="13"/>
+                                        </p:tgtEl>
+                                        <p:attrNameLst>
+                                          <p:attrName>ppt_x</p:attrName>
+                                        </p:attrNameLst>
+                                      </p:cBhvr>
+                                      <p:tavLst>
+                                        <p:tav tm="0">
+                                          <p:val>
+                                            <p:strVal val="#ppt_x"/>
+                                          </p:val>
+                                        </p:tav>
+                                        <p:tav tm="100000">
+                                          <p:val>
+                                            <p:strVal val="#ppt_x"/>
+                                          </p:val>
+                                        </p:tav>
+                                      </p:tavLst>
+                                    </p:anim>
+                                    <p:anim calcmode="lin" valueType="num">
+                                      <p:cBhvr>
+                                        <p:cTn id="45" dur="1000" fill="hold"/>
+                                        <p:tgtEl>
+                                          <p:spTgt spid="13"/>
+                                        </p:tgtEl>
+                                        <p:attrNameLst>
+                                          <p:attrName>ppt_y</p:attrName>
+                                        </p:attrNameLst>
+                                      </p:cBhvr>
+                                      <p:tavLst>
+                                        <p:tav tm="0">
+                                          <p:val>
+                                            <p:strVal val="#ppt_y+.1"/>
+                                          </p:val>
+                                        </p:tav>
+                                        <p:tav tm="100000">
+                                          <p:val>
+                                            <p:strVal val="#ppt_y"/>
+                                          </p:val>
+                                        </p:tav>
+                                      </p:tavLst>
+                                    </p:anim>
+                                  </p:childTnLst>
+                                </p:cTn>
+                              </p:par>
+                            </p:childTnLst>
+                          </p:cTn>
+                        </p:par>
+                      </p:childTnLst>
+                    </p:cTn>
+                  </p:par>
+                  <p:par>
+                    <p:cTn id="46" fill="hold">
+                      <p:stCondLst>
+                        <p:cond delay="indefinite"/>
+                      </p:stCondLst>
+                      <p:childTnLst>
+                        <p:par>
+                          <p:cTn id="47" fill="hold">
+                            <p:stCondLst>
+                              <p:cond delay="0"/>
+                            </p:stCondLst>
+                            <p:childTnLst>
+                              <p:par>
+                                <p:cTn id="48" presetID="22" presetClass="entr" presetSubtype="4" fill="hold" grpId="0" nodeType="clickEffect">
+                                  <p:stCondLst>
+                                    <p:cond delay="0"/>
+                                  </p:stCondLst>
+                                  <p:childTnLst>
+                                    <p:set>
+                                      <p:cBhvr>
+                                        <p:cTn id="49" dur="1" fill="hold">
+                                          <p:stCondLst>
+                                            <p:cond delay="0"/>
+                                          </p:stCondLst>
+                                        </p:cTn>
+                                        <p:tgtEl>
+                                          <p:spTgt spid="15"/>
+                                        </p:tgtEl>
+                                        <p:attrNameLst>
+                                          <p:attrName>style.visibility</p:attrName>
+                                        </p:attrNameLst>
+                                      </p:cBhvr>
+                                      <p:to>
+                                        <p:strVal val="visible"/>
+                                      </p:to>
+                                    </p:set>
+                                    <p:animEffect transition="in" filter="wipe(down)">
+                                      <p:cBhvr>
+                                        <p:cTn id="50" dur="500"/>
+                                        <p:tgtEl>
+                                          <p:spTgt spid="15"/>
+                                        </p:tgtEl>
+                                      </p:cBhvr>
+                                    </p:animEffect>
+                                  </p:childTnLst>
+                                </p:cTn>
+                              </p:par>
+                            </p:childTnLst>
+                          </p:cTn>
+                        </p:par>
+                      </p:childTnLst>
+                    </p:cTn>
+                  </p:par>
+                  <p:par>
+                    <p:cTn id="51" fill="hold">
+                      <p:stCondLst>
+                        <p:cond delay="indefinite"/>
+                      </p:stCondLst>
+                      <p:childTnLst>
+                        <p:par>
+                          <p:cTn id="52" fill="hold">
+                            <p:stCondLst>
+                              <p:cond delay="0"/>
+                            </p:stCondLst>
+                            <p:childTnLst>
+                              <p:par>
+                                <p:cTn id="53" presetID="6" presetClass="entr" presetSubtype="16" fill="hold" grpId="0" nodeType="clickEffect">
+                                  <p:stCondLst>
+                                    <p:cond delay="0"/>
+                                  </p:stCondLst>
+                                  <p:childTnLst>
+                                    <p:set>
+                                      <p:cBhvr>
+                                        <p:cTn id="54" dur="1" fill="hold">
+                                          <p:stCondLst>
+                                            <p:cond delay="0"/>
+                                          </p:stCondLst>
+                                        </p:cTn>
+                                        <p:tgtEl>
+                                          <p:spTgt spid="16"/>
+                                        </p:tgtEl>
+                                        <p:attrNameLst>
+                                          <p:attrName>style.visibility</p:attrName>
+                                        </p:attrNameLst>
+                                      </p:cBhvr>
+                                      <p:to>
+                                        <p:strVal val="visible"/>
+                                      </p:to>
+                                    </p:set>
+                                    <p:animEffect transition="in" filter="circle(in)">
+                                      <p:cBhvr>
+                                        <p:cTn id="55" dur="2000"/>
+                                        <p:tgtEl>
+                                          <p:spTgt spid="16"/>
+                                        </p:tgtEl>
+                                      </p:cBhvr>
+                                    </p:animEffect>
+                                  </p:childTnLst>
+                                </p:cTn>
+                              </p:par>
+                            </p:childTnLst>
+                          </p:cTn>
+                        </p:par>
+                      </p:childTnLst>
+                    </p:cTn>
+                  </p:par>
+                </p:childTnLst>
+              </p:cTn>
+              <p:prevCondLst>
+                <p:cond evt="onPrev" delay="0">
+                  <p:tgtEl>
+                    <p:sldTgt/>
+                  </p:tgtEl>
+                </p:cond>
+              </p:prevCondLst>
+              <p:nextCondLst>
+                <p:cond evt="onNext" delay="0">
+                  <p:tgtEl>
+                    <p:sldTgt/>
+                  </p:tgtEl>
+                </p:cond>
+              </p:nextCondLst>
+            </p:seq>
+          </p:childTnLst>
+        </p:cTn>
+      </p:par>
+    </p:tnLst>
+    <p:bldLst>
+      <p:bldP spid="2" grpId="0"/>
+      <p:bldP spid="6" grpId="0"/>
+      <p:bldP spid="13" grpId="0"/>
+      <p:bldP spid="14" grpId="0"/>
+      <p:bldP spid="15" grpId="0"/>
+      <p:bldP spid="16" grpId="0"/>
+    </p:bldLst>
+  </p:timing>
 </p:sld>
 </file>
 

--- a/halozat ppt.pptx
+++ b/halozat ppt.pptx
@@ -7,6 +7,8 @@
   <p:sldIdLst>
     <p:sldId id="256" r:id="rId2"/>
     <p:sldId id="257" r:id="rId3"/>
+    <p:sldId id="258" r:id="rId4"/>
+    <p:sldId id="259" r:id="rId5"/>
   </p:sldIdLst>
   <p:sldSz cx="12192000" cy="6858000"/>
   <p:notesSz cx="6858000" cy="9144000"/>
@@ -155,10 +157,9 @@
           </a:lstStyle>
           <a:p>
             <a:r>
-              <a:rPr lang="hu-HU" smtClean="0"/>
+              <a:rPr lang="hu-HU"/>
               <a:t>Mintacím szerkesztése</a:t>
             </a:r>
-            <a:endParaRPr lang="hu-HU"/>
           </a:p>
         </p:txBody>
       </p:sp>
@@ -220,10 +221,9 @@
           </a:lstStyle>
           <a:p>
             <a:r>
-              <a:rPr lang="hu-HU" smtClean="0"/>
+              <a:rPr lang="hu-HU"/>
               <a:t>Kattintson ide az alcím mintájának szerkesztéséhez</a:t>
             </a:r>
-            <a:endParaRPr lang="hu-HU"/>
           </a:p>
         </p:txBody>
       </p:sp>
@@ -244,7 +244,7 @@
           <a:p>
             <a:fld id="{1E98E620-DB6F-426D-B0D4-E9DAB7431658}" type="datetimeFigureOut">
               <a:rPr lang="hu-HU" smtClean="0"/>
-              <a:t>2024. 11. 27.</a:t>
+              <a:t>2024. 11. 28.</a:t>
             </a:fld>
             <a:endParaRPr lang="hu-HU"/>
           </a:p>
@@ -338,10 +338,9 @@
           <a:lstStyle/>
           <a:p>
             <a:r>
-              <a:rPr lang="hu-HU" smtClean="0"/>
+              <a:rPr lang="hu-HU"/>
               <a:t>Mintacím szerkesztése</a:t>
             </a:r>
-            <a:endParaRPr lang="hu-HU"/>
           </a:p>
         </p:txBody>
       </p:sp>
@@ -362,38 +361,37 @@
           <a:p>
             <a:pPr lvl="0"/>
             <a:r>
-              <a:rPr lang="hu-HU" smtClean="0"/>
+              <a:rPr lang="hu-HU"/>
               <a:t>Mintaszöveg szerkesztése</a:t>
             </a:r>
           </a:p>
           <a:p>
             <a:pPr lvl="1"/>
             <a:r>
-              <a:rPr lang="hu-HU" smtClean="0"/>
+              <a:rPr lang="hu-HU"/>
               <a:t>Második szint</a:t>
             </a:r>
           </a:p>
           <a:p>
             <a:pPr lvl="2"/>
             <a:r>
-              <a:rPr lang="hu-HU" smtClean="0"/>
+              <a:rPr lang="hu-HU"/>
               <a:t>Harmadik szint</a:t>
             </a:r>
           </a:p>
           <a:p>
             <a:pPr lvl="3"/>
             <a:r>
-              <a:rPr lang="hu-HU" smtClean="0"/>
+              <a:rPr lang="hu-HU"/>
               <a:t>Negyedik szint</a:t>
             </a:r>
           </a:p>
           <a:p>
             <a:pPr lvl="4"/>
             <a:r>
-              <a:rPr lang="hu-HU" smtClean="0"/>
+              <a:rPr lang="hu-HU"/>
               <a:t>Ötödik szint</a:t>
             </a:r>
-            <a:endParaRPr lang="hu-HU"/>
           </a:p>
         </p:txBody>
       </p:sp>
@@ -414,7 +412,7 @@
           <a:p>
             <a:fld id="{1E98E620-DB6F-426D-B0D4-E9DAB7431658}" type="datetimeFigureOut">
               <a:rPr lang="hu-HU" smtClean="0"/>
-              <a:t>2024. 11. 27.</a:t>
+              <a:t>2024. 11. 28.</a:t>
             </a:fld>
             <a:endParaRPr lang="hu-HU"/>
           </a:p>
@@ -513,10 +511,9 @@
           <a:lstStyle/>
           <a:p>
             <a:r>
-              <a:rPr lang="hu-HU" smtClean="0"/>
+              <a:rPr lang="hu-HU"/>
               <a:t>Mintacím szerkesztése</a:t>
             </a:r>
-            <a:endParaRPr lang="hu-HU"/>
           </a:p>
         </p:txBody>
       </p:sp>
@@ -542,38 +539,37 @@
           <a:p>
             <a:pPr lvl="0"/>
             <a:r>
-              <a:rPr lang="hu-HU" smtClean="0"/>
+              <a:rPr lang="hu-HU"/>
               <a:t>Mintaszöveg szerkesztése</a:t>
             </a:r>
           </a:p>
           <a:p>
             <a:pPr lvl="1"/>
             <a:r>
-              <a:rPr lang="hu-HU" smtClean="0"/>
+              <a:rPr lang="hu-HU"/>
               <a:t>Második szint</a:t>
             </a:r>
           </a:p>
           <a:p>
             <a:pPr lvl="2"/>
             <a:r>
-              <a:rPr lang="hu-HU" smtClean="0"/>
+              <a:rPr lang="hu-HU"/>
               <a:t>Harmadik szint</a:t>
             </a:r>
           </a:p>
           <a:p>
             <a:pPr lvl="3"/>
             <a:r>
-              <a:rPr lang="hu-HU" smtClean="0"/>
+              <a:rPr lang="hu-HU"/>
               <a:t>Negyedik szint</a:t>
             </a:r>
           </a:p>
           <a:p>
             <a:pPr lvl="4"/>
             <a:r>
-              <a:rPr lang="hu-HU" smtClean="0"/>
+              <a:rPr lang="hu-HU"/>
               <a:t>Ötödik szint</a:t>
             </a:r>
-            <a:endParaRPr lang="hu-HU"/>
           </a:p>
         </p:txBody>
       </p:sp>
@@ -594,7 +590,7 @@
           <a:p>
             <a:fld id="{1E98E620-DB6F-426D-B0D4-E9DAB7431658}" type="datetimeFigureOut">
               <a:rPr lang="hu-HU" smtClean="0"/>
-              <a:t>2024. 11. 27.</a:t>
+              <a:t>2024. 11. 28.</a:t>
             </a:fld>
             <a:endParaRPr lang="hu-HU"/>
           </a:p>
@@ -688,10 +684,9 @@
           <a:lstStyle/>
           <a:p>
             <a:r>
-              <a:rPr lang="hu-HU" smtClean="0"/>
+              <a:rPr lang="hu-HU"/>
               <a:t>Mintacím szerkesztése</a:t>
             </a:r>
-            <a:endParaRPr lang="hu-HU"/>
           </a:p>
         </p:txBody>
       </p:sp>
@@ -712,38 +707,37 @@
           <a:p>
             <a:pPr lvl="0"/>
             <a:r>
-              <a:rPr lang="hu-HU" smtClean="0"/>
+              <a:rPr lang="hu-HU"/>
               <a:t>Mintaszöveg szerkesztése</a:t>
             </a:r>
           </a:p>
           <a:p>
             <a:pPr lvl="1"/>
             <a:r>
-              <a:rPr lang="hu-HU" smtClean="0"/>
+              <a:rPr lang="hu-HU"/>
               <a:t>Második szint</a:t>
             </a:r>
           </a:p>
           <a:p>
             <a:pPr lvl="2"/>
             <a:r>
-              <a:rPr lang="hu-HU" smtClean="0"/>
+              <a:rPr lang="hu-HU"/>
               <a:t>Harmadik szint</a:t>
             </a:r>
           </a:p>
           <a:p>
             <a:pPr lvl="3"/>
             <a:r>
-              <a:rPr lang="hu-HU" smtClean="0"/>
+              <a:rPr lang="hu-HU"/>
               <a:t>Negyedik szint</a:t>
             </a:r>
           </a:p>
           <a:p>
             <a:pPr lvl="4"/>
             <a:r>
-              <a:rPr lang="hu-HU" smtClean="0"/>
+              <a:rPr lang="hu-HU"/>
               <a:t>Ötödik szint</a:t>
             </a:r>
-            <a:endParaRPr lang="hu-HU"/>
           </a:p>
         </p:txBody>
       </p:sp>
@@ -764,7 +758,7 @@
           <a:p>
             <a:fld id="{1E98E620-DB6F-426D-B0D4-E9DAB7431658}" type="datetimeFigureOut">
               <a:rPr lang="hu-HU" smtClean="0"/>
-              <a:t>2024. 11. 27.</a:t>
+              <a:t>2024. 11. 28.</a:t>
             </a:fld>
             <a:endParaRPr lang="hu-HU"/>
           </a:p>
@@ -867,10 +861,9 @@
           </a:lstStyle>
           <a:p>
             <a:r>
-              <a:rPr lang="hu-HU" smtClean="0"/>
+              <a:rPr lang="hu-HU"/>
               <a:t>Mintacím szerkesztése</a:t>
             </a:r>
-            <a:endParaRPr lang="hu-HU"/>
           </a:p>
         </p:txBody>
       </p:sp>
@@ -987,7 +980,7 @@
           <a:p>
             <a:pPr lvl="0"/>
             <a:r>
-              <a:rPr lang="hu-HU" smtClean="0"/>
+              <a:rPr lang="hu-HU"/>
               <a:t>Mintaszöveg szerkesztése</a:t>
             </a:r>
           </a:p>
@@ -1010,7 +1003,7 @@
           <a:p>
             <a:fld id="{1E98E620-DB6F-426D-B0D4-E9DAB7431658}" type="datetimeFigureOut">
               <a:rPr lang="hu-HU" smtClean="0"/>
-              <a:t>2024. 11. 27.</a:t>
+              <a:t>2024. 11. 28.</a:t>
             </a:fld>
             <a:endParaRPr lang="hu-HU"/>
           </a:p>
@@ -1104,10 +1097,9 @@
           <a:lstStyle/>
           <a:p>
             <a:r>
-              <a:rPr lang="hu-HU" smtClean="0"/>
+              <a:rPr lang="hu-HU"/>
               <a:t>Mintacím szerkesztése</a:t>
             </a:r>
-            <a:endParaRPr lang="hu-HU"/>
           </a:p>
         </p:txBody>
       </p:sp>
@@ -1133,38 +1125,37 @@
           <a:p>
             <a:pPr lvl="0"/>
             <a:r>
-              <a:rPr lang="hu-HU" smtClean="0"/>
+              <a:rPr lang="hu-HU"/>
               <a:t>Mintaszöveg szerkesztése</a:t>
             </a:r>
           </a:p>
           <a:p>
             <a:pPr lvl="1"/>
             <a:r>
-              <a:rPr lang="hu-HU" smtClean="0"/>
+              <a:rPr lang="hu-HU"/>
               <a:t>Második szint</a:t>
             </a:r>
           </a:p>
           <a:p>
             <a:pPr lvl="2"/>
             <a:r>
-              <a:rPr lang="hu-HU" smtClean="0"/>
+              <a:rPr lang="hu-HU"/>
               <a:t>Harmadik szint</a:t>
             </a:r>
           </a:p>
           <a:p>
             <a:pPr lvl="3"/>
             <a:r>
-              <a:rPr lang="hu-HU" smtClean="0"/>
+              <a:rPr lang="hu-HU"/>
               <a:t>Negyedik szint</a:t>
             </a:r>
           </a:p>
           <a:p>
             <a:pPr lvl="4"/>
             <a:r>
-              <a:rPr lang="hu-HU" smtClean="0"/>
+              <a:rPr lang="hu-HU"/>
               <a:t>Ötödik szint</a:t>
             </a:r>
-            <a:endParaRPr lang="hu-HU"/>
           </a:p>
         </p:txBody>
       </p:sp>
@@ -1190,38 +1181,37 @@
           <a:p>
             <a:pPr lvl="0"/>
             <a:r>
-              <a:rPr lang="hu-HU" smtClean="0"/>
+              <a:rPr lang="hu-HU"/>
               <a:t>Mintaszöveg szerkesztése</a:t>
             </a:r>
           </a:p>
           <a:p>
             <a:pPr lvl="1"/>
             <a:r>
-              <a:rPr lang="hu-HU" smtClean="0"/>
+              <a:rPr lang="hu-HU"/>
               <a:t>Második szint</a:t>
             </a:r>
           </a:p>
           <a:p>
             <a:pPr lvl="2"/>
             <a:r>
-              <a:rPr lang="hu-HU" smtClean="0"/>
+              <a:rPr lang="hu-HU"/>
               <a:t>Harmadik szint</a:t>
             </a:r>
           </a:p>
           <a:p>
             <a:pPr lvl="3"/>
             <a:r>
-              <a:rPr lang="hu-HU" smtClean="0"/>
+              <a:rPr lang="hu-HU"/>
               <a:t>Negyedik szint</a:t>
             </a:r>
           </a:p>
           <a:p>
             <a:pPr lvl="4"/>
             <a:r>
-              <a:rPr lang="hu-HU" smtClean="0"/>
+              <a:rPr lang="hu-HU"/>
               <a:t>Ötödik szint</a:t>
             </a:r>
-            <a:endParaRPr lang="hu-HU"/>
           </a:p>
         </p:txBody>
       </p:sp>
@@ -1242,7 +1232,7 @@
           <a:p>
             <a:fld id="{1E98E620-DB6F-426D-B0D4-E9DAB7431658}" type="datetimeFigureOut">
               <a:rPr lang="hu-HU" smtClean="0"/>
-              <a:t>2024. 11. 27.</a:t>
+              <a:t>2024. 11. 28.</a:t>
             </a:fld>
             <a:endParaRPr lang="hu-HU"/>
           </a:p>
@@ -1341,10 +1331,9 @@
           <a:lstStyle/>
           <a:p>
             <a:r>
-              <a:rPr lang="hu-HU" smtClean="0"/>
+              <a:rPr lang="hu-HU"/>
               <a:t>Mintacím szerkesztése</a:t>
             </a:r>
-            <a:endParaRPr lang="hu-HU"/>
           </a:p>
         </p:txBody>
       </p:sp>
@@ -1407,7 +1396,7 @@
           <a:p>
             <a:pPr lvl="0"/>
             <a:r>
-              <a:rPr lang="hu-HU" smtClean="0"/>
+              <a:rPr lang="hu-HU"/>
               <a:t>Mintaszöveg szerkesztése</a:t>
             </a:r>
           </a:p>
@@ -1435,38 +1424,37 @@
           <a:p>
             <a:pPr lvl="0"/>
             <a:r>
-              <a:rPr lang="hu-HU" smtClean="0"/>
+              <a:rPr lang="hu-HU"/>
               <a:t>Mintaszöveg szerkesztése</a:t>
             </a:r>
           </a:p>
           <a:p>
             <a:pPr lvl="1"/>
             <a:r>
-              <a:rPr lang="hu-HU" smtClean="0"/>
+              <a:rPr lang="hu-HU"/>
               <a:t>Második szint</a:t>
             </a:r>
           </a:p>
           <a:p>
             <a:pPr lvl="2"/>
             <a:r>
-              <a:rPr lang="hu-HU" smtClean="0"/>
+              <a:rPr lang="hu-HU"/>
               <a:t>Harmadik szint</a:t>
             </a:r>
           </a:p>
           <a:p>
             <a:pPr lvl="3"/>
             <a:r>
-              <a:rPr lang="hu-HU" smtClean="0"/>
+              <a:rPr lang="hu-HU"/>
               <a:t>Negyedik szint</a:t>
             </a:r>
           </a:p>
           <a:p>
             <a:pPr lvl="4"/>
             <a:r>
-              <a:rPr lang="hu-HU" smtClean="0"/>
+              <a:rPr lang="hu-HU"/>
               <a:t>Ötödik szint</a:t>
             </a:r>
-            <a:endParaRPr lang="hu-HU"/>
           </a:p>
         </p:txBody>
       </p:sp>
@@ -1529,7 +1517,7 @@
           <a:p>
             <a:pPr lvl="0"/>
             <a:r>
-              <a:rPr lang="hu-HU" smtClean="0"/>
+              <a:rPr lang="hu-HU"/>
               <a:t>Mintaszöveg szerkesztése</a:t>
             </a:r>
           </a:p>
@@ -1557,38 +1545,37 @@
           <a:p>
             <a:pPr lvl="0"/>
             <a:r>
-              <a:rPr lang="hu-HU" smtClean="0"/>
+              <a:rPr lang="hu-HU"/>
               <a:t>Mintaszöveg szerkesztése</a:t>
             </a:r>
           </a:p>
           <a:p>
             <a:pPr lvl="1"/>
             <a:r>
-              <a:rPr lang="hu-HU" smtClean="0"/>
+              <a:rPr lang="hu-HU"/>
               <a:t>Második szint</a:t>
             </a:r>
           </a:p>
           <a:p>
             <a:pPr lvl="2"/>
             <a:r>
-              <a:rPr lang="hu-HU" smtClean="0"/>
+              <a:rPr lang="hu-HU"/>
               <a:t>Harmadik szint</a:t>
             </a:r>
           </a:p>
           <a:p>
             <a:pPr lvl="3"/>
             <a:r>
-              <a:rPr lang="hu-HU" smtClean="0"/>
+              <a:rPr lang="hu-HU"/>
               <a:t>Negyedik szint</a:t>
             </a:r>
           </a:p>
           <a:p>
             <a:pPr lvl="4"/>
             <a:r>
-              <a:rPr lang="hu-HU" smtClean="0"/>
+              <a:rPr lang="hu-HU"/>
               <a:t>Ötödik szint</a:t>
             </a:r>
-            <a:endParaRPr lang="hu-HU"/>
           </a:p>
         </p:txBody>
       </p:sp>
@@ -1609,7 +1596,7 @@
           <a:p>
             <a:fld id="{1E98E620-DB6F-426D-B0D4-E9DAB7431658}" type="datetimeFigureOut">
               <a:rPr lang="hu-HU" smtClean="0"/>
-              <a:t>2024. 11. 27.</a:t>
+              <a:t>2024. 11. 28.</a:t>
             </a:fld>
             <a:endParaRPr lang="hu-HU"/>
           </a:p>
@@ -1703,10 +1690,9 @@
           <a:lstStyle/>
           <a:p>
             <a:r>
-              <a:rPr lang="hu-HU" smtClean="0"/>
+              <a:rPr lang="hu-HU"/>
               <a:t>Mintacím szerkesztése</a:t>
             </a:r>
-            <a:endParaRPr lang="hu-HU"/>
           </a:p>
         </p:txBody>
       </p:sp>
@@ -1727,7 +1713,7 @@
           <a:p>
             <a:fld id="{1E98E620-DB6F-426D-B0D4-E9DAB7431658}" type="datetimeFigureOut">
               <a:rPr lang="hu-HU" smtClean="0"/>
-              <a:t>2024. 11. 27.</a:t>
+              <a:t>2024. 11. 28.</a:t>
             </a:fld>
             <a:endParaRPr lang="hu-HU"/>
           </a:p>
@@ -1822,7 +1808,7 @@
           <a:p>
             <a:fld id="{1E98E620-DB6F-426D-B0D4-E9DAB7431658}" type="datetimeFigureOut">
               <a:rPr lang="hu-HU" smtClean="0"/>
-              <a:t>2024. 11. 27.</a:t>
+              <a:t>2024. 11. 28.</a:t>
             </a:fld>
             <a:endParaRPr lang="hu-HU"/>
           </a:p>
@@ -1925,10 +1911,9 @@
           </a:lstStyle>
           <a:p>
             <a:r>
-              <a:rPr lang="hu-HU" smtClean="0"/>
+              <a:rPr lang="hu-HU"/>
               <a:t>Mintacím szerkesztése</a:t>
             </a:r>
-            <a:endParaRPr lang="hu-HU"/>
           </a:p>
         </p:txBody>
       </p:sp>
@@ -1982,38 +1967,37 @@
           <a:p>
             <a:pPr lvl="0"/>
             <a:r>
-              <a:rPr lang="hu-HU" smtClean="0"/>
+              <a:rPr lang="hu-HU"/>
               <a:t>Mintaszöveg szerkesztése</a:t>
             </a:r>
           </a:p>
           <a:p>
             <a:pPr lvl="1"/>
             <a:r>
-              <a:rPr lang="hu-HU" smtClean="0"/>
+              <a:rPr lang="hu-HU"/>
               <a:t>Második szint</a:t>
             </a:r>
           </a:p>
           <a:p>
             <a:pPr lvl="2"/>
             <a:r>
-              <a:rPr lang="hu-HU" smtClean="0"/>
+              <a:rPr lang="hu-HU"/>
               <a:t>Harmadik szint</a:t>
             </a:r>
           </a:p>
           <a:p>
             <a:pPr lvl="3"/>
             <a:r>
-              <a:rPr lang="hu-HU" smtClean="0"/>
+              <a:rPr lang="hu-HU"/>
               <a:t>Negyedik szint</a:t>
             </a:r>
           </a:p>
           <a:p>
             <a:pPr lvl="4"/>
             <a:r>
-              <a:rPr lang="hu-HU" smtClean="0"/>
+              <a:rPr lang="hu-HU"/>
               <a:t>Ötödik szint</a:t>
             </a:r>
-            <a:endParaRPr lang="hu-HU"/>
           </a:p>
         </p:txBody>
       </p:sp>
@@ -2076,7 +2060,7 @@
           <a:p>
             <a:pPr lvl="0"/>
             <a:r>
-              <a:rPr lang="hu-HU" smtClean="0"/>
+              <a:rPr lang="hu-HU"/>
               <a:t>Mintaszöveg szerkesztése</a:t>
             </a:r>
           </a:p>
@@ -2099,7 +2083,7 @@
           <a:p>
             <a:fld id="{1E98E620-DB6F-426D-B0D4-E9DAB7431658}" type="datetimeFigureOut">
               <a:rPr lang="hu-HU" smtClean="0"/>
-              <a:t>2024. 11. 27.</a:t>
+              <a:t>2024. 11. 28.</a:t>
             </a:fld>
             <a:endParaRPr lang="hu-HU"/>
           </a:p>
@@ -2202,10 +2186,9 @@
           </a:lstStyle>
           <a:p>
             <a:r>
-              <a:rPr lang="hu-HU" smtClean="0"/>
+              <a:rPr lang="hu-HU"/>
               <a:t>Mintacím szerkesztése</a:t>
             </a:r>
-            <a:endParaRPr lang="hu-HU"/>
           </a:p>
         </p:txBody>
       </p:sp>
@@ -2329,7 +2312,7 @@
           <a:p>
             <a:pPr lvl="0"/>
             <a:r>
-              <a:rPr lang="hu-HU" smtClean="0"/>
+              <a:rPr lang="hu-HU"/>
               <a:t>Mintaszöveg szerkesztése</a:t>
             </a:r>
           </a:p>
@@ -2352,7 +2335,7 @@
           <a:p>
             <a:fld id="{1E98E620-DB6F-426D-B0D4-E9DAB7431658}" type="datetimeFigureOut">
               <a:rPr lang="hu-HU" smtClean="0"/>
-              <a:t>2024. 11. 27.</a:t>
+              <a:t>2024. 11. 28.</a:t>
             </a:fld>
             <a:endParaRPr lang="hu-HU"/>
           </a:p>
@@ -2461,10 +2444,9 @@
           <a:lstStyle/>
           <a:p>
             <a:r>
-              <a:rPr lang="hu-HU" smtClean="0"/>
+              <a:rPr lang="hu-HU"/>
               <a:t>Mintacím szerkesztése</a:t>
             </a:r>
-            <a:endParaRPr lang="hu-HU"/>
           </a:p>
         </p:txBody>
       </p:sp>
@@ -2495,38 +2477,37 @@
           <a:p>
             <a:pPr lvl="0"/>
             <a:r>
-              <a:rPr lang="hu-HU" smtClean="0"/>
+              <a:rPr lang="hu-HU"/>
               <a:t>Mintaszöveg szerkesztése</a:t>
             </a:r>
           </a:p>
           <a:p>
             <a:pPr lvl="1"/>
             <a:r>
-              <a:rPr lang="hu-HU" smtClean="0"/>
+              <a:rPr lang="hu-HU"/>
               <a:t>Második szint</a:t>
             </a:r>
           </a:p>
           <a:p>
             <a:pPr lvl="2"/>
             <a:r>
-              <a:rPr lang="hu-HU" smtClean="0"/>
+              <a:rPr lang="hu-HU"/>
               <a:t>Harmadik szint</a:t>
             </a:r>
           </a:p>
           <a:p>
             <a:pPr lvl="3"/>
             <a:r>
-              <a:rPr lang="hu-HU" smtClean="0"/>
+              <a:rPr lang="hu-HU"/>
               <a:t>Negyedik szint</a:t>
             </a:r>
           </a:p>
           <a:p>
             <a:pPr lvl="4"/>
             <a:r>
-              <a:rPr lang="hu-HU" smtClean="0"/>
+              <a:rPr lang="hu-HU"/>
               <a:t>Ötödik szint</a:t>
             </a:r>
-            <a:endParaRPr lang="hu-HU"/>
           </a:p>
         </p:txBody>
       </p:sp>
@@ -2565,7 +2546,7 @@
           <a:p>
             <a:fld id="{1E98E620-DB6F-426D-B0D4-E9DAB7431658}" type="datetimeFigureOut">
               <a:rPr lang="hu-HU" smtClean="0"/>
-              <a:t>2024. 11. 27.</a:t>
+              <a:t>2024. 11. 28.</a:t>
             </a:fld>
             <a:endParaRPr lang="hu-HU"/>
           </a:p>
@@ -2991,10 +2972,9 @@
           <a:lstStyle/>
           <a:p>
             <a:r>
-              <a:rPr lang="hu-HU" dirty="0" smtClean="0"/>
+              <a:rPr lang="hu-HU" dirty="0"/>
               <a:t>Ákos része a projektben:</a:t>
             </a:r>
-            <a:endParaRPr lang="hu-HU" dirty="0"/>
           </a:p>
         </p:txBody>
       </p:sp>
@@ -3021,18 +3001,9 @@
           <a:lstStyle/>
           <a:p>
             <a:r>
-              <a:rPr lang="hu-HU" dirty="0" smtClean="0"/>
-              <a:t>A projekten belül lévő Német család házának a hálózatát ép</a:t>
-            </a:r>
-            <a:r>
               <a:rPr lang="hu-HU" dirty="0"/>
-              <a:t>í</a:t>
-            </a:r>
-            <a:r>
-              <a:rPr lang="hu-HU" dirty="0" smtClean="0"/>
-              <a:t>tettem meg.</a:t>
-            </a:r>
-            <a:endParaRPr lang="hu-HU" dirty="0"/>
+              <a:t>A projekten belül lévő Német család házának a hálózatát építettem meg.</a:t>
+            </a:r>
           </a:p>
         </p:txBody>
       </p:sp>
@@ -3063,17 +3034,17 @@
               <a:buChar char="•"/>
             </a:pPr>
             <a:r>
-              <a:rPr lang="hu-HU" dirty="0" smtClean="0"/>
+              <a:rPr lang="hu-HU" dirty="0"/>
               <a:t>1db </a:t>
             </a:r>
             <a:r>
-              <a:rPr lang="hu-HU" dirty="0" err="1" smtClean="0"/>
+              <a:rPr lang="hu-HU" dirty="0" err="1"/>
               <a:t>router</a:t>
             </a:r>
-            <a:endParaRPr lang="hu-HU" dirty="0" smtClean="0"/>
-          </a:p>
-          <a:p>
-            <a:endParaRPr lang="hu-HU" dirty="0" smtClean="0"/>
+            <a:endParaRPr lang="hu-HU" dirty="0"/>
+          </a:p>
+          <a:p>
+            <a:endParaRPr lang="hu-HU" dirty="0"/>
           </a:p>
           <a:p>
             <a:pPr marL="285750" indent="-285750">
@@ -3081,17 +3052,17 @@
               <a:buChar char="•"/>
             </a:pPr>
             <a:r>
-              <a:rPr lang="hu-HU" dirty="0" smtClean="0"/>
+              <a:rPr lang="hu-HU" dirty="0"/>
               <a:t>1db </a:t>
             </a:r>
             <a:r>
-              <a:rPr lang="hu-HU" dirty="0" err="1" smtClean="0"/>
+              <a:rPr lang="hu-HU" dirty="0" err="1"/>
               <a:t>switch</a:t>
             </a:r>
-            <a:endParaRPr lang="hu-HU" dirty="0" smtClean="0"/>
-          </a:p>
-          <a:p>
-            <a:endParaRPr lang="hu-HU" dirty="0" smtClean="0"/>
+            <a:endParaRPr lang="hu-HU" dirty="0"/>
+          </a:p>
+          <a:p>
+            <a:endParaRPr lang="hu-HU" dirty="0"/>
           </a:p>
           <a:p>
             <a:pPr marL="285750" indent="-285750">
@@ -3099,10 +3070,9 @@
               <a:buChar char="•"/>
             </a:pPr>
             <a:r>
-              <a:rPr lang="hu-HU" dirty="0" smtClean="0"/>
+              <a:rPr lang="hu-HU" dirty="0"/>
               <a:t>2db pc</a:t>
             </a:r>
-            <a:endParaRPr lang="hu-HU" dirty="0"/>
           </a:p>
         </p:txBody>
       </p:sp>
@@ -3129,10 +3099,9 @@
           <a:lstStyle/>
           <a:p>
             <a:r>
-              <a:rPr lang="hu-HU" dirty="0" smtClean="0"/>
+              <a:rPr lang="hu-HU" dirty="0"/>
               <a:t>Hálózat részei:</a:t>
             </a:r>
-            <a:endParaRPr lang="hu-HU" dirty="0"/>
           </a:p>
         </p:txBody>
       </p:sp>
@@ -3204,11 +3173,11 @@
           <a:lstStyle/>
           <a:p>
             <a:r>
-              <a:rPr lang="hu-HU" dirty="0" smtClean="0"/>
+              <a:rPr lang="hu-HU" dirty="0"/>
               <a:t>1941-es </a:t>
             </a:r>
             <a:r>
-              <a:rPr lang="hu-HU" dirty="0" err="1" smtClean="0"/>
+              <a:rPr lang="hu-HU" dirty="0" err="1"/>
               <a:t>router</a:t>
             </a:r>
             <a:endParaRPr lang="hu-HU" dirty="0"/>
@@ -3283,11 +3252,11 @@
           <a:lstStyle/>
           <a:p>
             <a:r>
-              <a:rPr lang="hu-HU" dirty="0" smtClean="0"/>
+              <a:rPr lang="hu-HU" dirty="0"/>
               <a:t>2960-as </a:t>
             </a:r>
             <a:r>
-              <a:rPr lang="hu-HU" dirty="0" err="1" smtClean="0"/>
+              <a:rPr lang="hu-HU" dirty="0" err="1"/>
               <a:t>switch</a:t>
             </a:r>
             <a:endParaRPr lang="hu-HU" dirty="0"/>
@@ -3304,13 +3273,13 @@
   <p:clrMapOvr>
     <a:masterClrMapping/>
   </p:clrMapOvr>
-  <mc:AlternateContent xmlns:mc="http://schemas.openxmlformats.org/markup-compatibility/2006">
-    <mc:Choice xmlns:p14="http://schemas.microsoft.com/office/powerpoint/2010/main" Requires="p14">
+  <mc:AlternateContent xmlns:mc="http://schemas.openxmlformats.org/markup-compatibility/2006" xmlns:p14="http://schemas.microsoft.com/office/powerpoint/2010/main">
+    <mc:Choice Requires="p14">
       <p:transition spd="slow" p14:dur="1500">
         <p:split orient="vert"/>
       </p:transition>
     </mc:Choice>
-    <mc:Fallback>
+    <mc:Fallback xmlns="">
       <p:transition spd="slow">
         <p:split orient="vert"/>
       </p:transition>
@@ -3936,26 +3905,25 @@
           <a:lstStyle/>
           <a:p>
             <a:r>
-              <a:rPr lang="hu-HU" dirty="0" smtClean="0"/>
+              <a:rPr lang="hu-HU" dirty="0"/>
               <a:t>A </a:t>
             </a:r>
             <a:r>
-              <a:rPr lang="hu-HU" dirty="0" err="1" smtClean="0"/>
+              <a:rPr lang="hu-HU" dirty="0" err="1"/>
               <a:t>router-nek</a:t>
             </a:r>
             <a:r>
-              <a:rPr lang="hu-HU" dirty="0" smtClean="0"/>
+              <a:rPr lang="hu-HU" dirty="0"/>
               <a:t> az </a:t>
             </a:r>
             <a:r>
-              <a:rPr lang="hu-HU" dirty="0" err="1" smtClean="0"/>
+              <a:rPr lang="hu-HU" dirty="0" err="1"/>
               <a:t>ip</a:t>
             </a:r>
             <a:r>
-              <a:rPr lang="hu-HU" dirty="0" smtClean="0"/>
+              <a:rPr lang="hu-HU" dirty="0"/>
               <a:t> címe és egyéb beállításai</a:t>
             </a:r>
-            <a:endParaRPr lang="hu-HU" dirty="0"/>
           </a:p>
         </p:txBody>
       </p:sp>
@@ -3982,34 +3950,33 @@
           <a:lstStyle/>
           <a:p>
             <a:r>
-              <a:rPr lang="hu-HU" sz="1600" dirty="0" smtClean="0"/>
+              <a:rPr lang="hu-HU" sz="1600" dirty="0"/>
               <a:t>A külső hálózat ami a többi </a:t>
             </a:r>
             <a:r>
-              <a:rPr lang="hu-HU" sz="1600" dirty="0" err="1" smtClean="0"/>
+              <a:rPr lang="hu-HU" sz="1600" dirty="0" err="1"/>
               <a:t>router</a:t>
             </a:r>
             <a:r>
-              <a:rPr lang="hu-HU" sz="1600" dirty="0" smtClean="0"/>
+              <a:rPr lang="hu-HU" sz="1600" dirty="0"/>
               <a:t> között lett létrehozva az egy 192.168.10.10-es hálózat ebbe a Német </a:t>
             </a:r>
             <a:r>
-              <a:rPr lang="hu-HU" sz="1600" dirty="0" err="1" smtClean="0"/>
+              <a:rPr lang="hu-HU" sz="1600" dirty="0" err="1"/>
               <a:t>router</a:t>
             </a:r>
             <a:r>
-              <a:rPr lang="hu-HU" sz="1600" dirty="0" smtClean="0"/>
+              <a:rPr lang="hu-HU" sz="1600" dirty="0"/>
               <a:t> az a harmadik szóval a 192.168.10.12-es </a:t>
             </a:r>
             <a:r>
-              <a:rPr lang="hu-HU" sz="1600" dirty="0" err="1" smtClean="0"/>
+              <a:rPr lang="hu-HU" sz="1600" dirty="0" err="1"/>
               <a:t>ip</a:t>
             </a:r>
             <a:r>
-              <a:rPr lang="hu-HU" sz="1600" dirty="0" smtClean="0"/>
+              <a:rPr lang="hu-HU" sz="1600" dirty="0"/>
               <a:t> címet állítottam be a Gigabit Ethernet 0/1-es interfészbe</a:t>
             </a:r>
-            <a:endParaRPr lang="hu-HU" sz="1600" dirty="0"/>
           </a:p>
         </p:txBody>
       </p:sp>
@@ -4060,18 +4027,17 @@
           <a:lstStyle/>
           <a:p>
             <a:r>
-              <a:rPr lang="hu-HU" sz="1600" dirty="0" smtClean="0"/>
+              <a:rPr lang="hu-HU" sz="1600" dirty="0"/>
               <a:t>/24-es maszkja van minden </a:t>
             </a:r>
             <a:r>
-              <a:rPr lang="hu-HU" sz="1600" dirty="0" err="1" smtClean="0"/>
+              <a:rPr lang="hu-HU" sz="1600" dirty="0" err="1"/>
               <a:t>ip</a:t>
             </a:r>
             <a:r>
-              <a:rPr lang="hu-HU" sz="1600" dirty="0" smtClean="0"/>
+              <a:rPr lang="hu-HU" sz="1600" dirty="0"/>
               <a:t> címének</a:t>
             </a:r>
-            <a:endParaRPr lang="hu-HU" sz="1600" dirty="0"/>
           </a:p>
         </p:txBody>
       </p:sp>
@@ -4521,70 +4487,65 @@
           </a:lstStyle>
           <a:p>
             <a:r>
-              <a:rPr lang="hu-HU" sz="1600" dirty="0" smtClean="0"/>
+              <a:rPr lang="hu-HU" sz="1600" dirty="0"/>
               <a:t>Az eszközöknél a </a:t>
             </a:r>
             <a:r>
-              <a:rPr lang="hu-HU" sz="1600" dirty="0" err="1" smtClean="0"/>
+              <a:rPr lang="hu-HU" sz="1600" dirty="0" err="1"/>
               <a:t>console</a:t>
+            </a:r>
+            <a:r>
+              <a:rPr lang="hu-HU" sz="1600" dirty="0"/>
+              <a:t> , line </a:t>
+            </a:r>
+            <a:r>
+              <a:rPr lang="hu-HU" sz="1600" dirty="0" err="1"/>
+              <a:t>vty</a:t>
+            </a:r>
+            <a:r>
+              <a:rPr lang="hu-HU" sz="1600" dirty="0"/>
+              <a:t> 0 15 , és a </a:t>
+            </a:r>
+            <a:r>
+              <a:rPr lang="hu-HU" sz="1600" dirty="0" err="1"/>
+              <a:t>privelegizált</a:t>
+            </a:r>
+            <a:r>
+              <a:rPr lang="hu-HU" sz="1600" dirty="0"/>
+              <a:t> mód jelszavát adtuk meg és „service </a:t>
+            </a:r>
+            <a:r>
+              <a:rPr lang="hu-HU" sz="1600" dirty="0" err="1"/>
+              <a:t>password</a:t>
             </a:r>
             <a:r>
               <a:rPr lang="hu-HU" sz="1600" dirty="0"/>
               <a:t> </a:t>
             </a:r>
             <a:r>
-              <a:rPr lang="hu-HU" sz="1600" dirty="0" smtClean="0"/>
-              <a:t>, line </a:t>
-            </a:r>
-            <a:r>
-              <a:rPr lang="hu-HU" sz="1600" dirty="0" err="1" smtClean="0"/>
-              <a:t>vty</a:t>
-            </a:r>
-            <a:r>
-              <a:rPr lang="hu-HU" sz="1600" dirty="0" smtClean="0"/>
-              <a:t> 0 15 , és a </a:t>
-            </a:r>
-            <a:r>
-              <a:rPr lang="hu-HU" sz="1600" dirty="0" err="1" smtClean="0"/>
-              <a:t>privelegizált</a:t>
-            </a:r>
-            <a:r>
-              <a:rPr lang="hu-HU" sz="1600" dirty="0" smtClean="0"/>
-              <a:t> mód jelszavát adtuk meg és „service </a:t>
-            </a:r>
-            <a:r>
-              <a:rPr lang="hu-HU" sz="1600" dirty="0" err="1" smtClean="0"/>
-              <a:t>password</a:t>
-            </a:r>
-            <a:r>
-              <a:rPr lang="hu-HU" sz="1600" dirty="0" smtClean="0"/>
-              <a:t> </a:t>
-            </a:r>
-            <a:r>
-              <a:rPr lang="hu-HU" sz="1600" dirty="0" err="1" smtClean="0"/>
+              <a:rPr lang="hu-HU" sz="1600" dirty="0" err="1"/>
               <a:t>encyption</a:t>
             </a:r>
             <a:r>
-              <a:rPr lang="hu-HU" sz="1600" dirty="0" smtClean="0"/>
+              <a:rPr lang="hu-HU" sz="1600" dirty="0"/>
               <a:t>” </a:t>
             </a:r>
             <a:r>
-              <a:rPr lang="hu-HU" sz="1600" dirty="0" err="1" smtClean="0"/>
+              <a:rPr lang="hu-HU" sz="1600" dirty="0" err="1"/>
               <a:t>parancsal</a:t>
             </a:r>
             <a:r>
-              <a:rPr lang="hu-HU" sz="1600" dirty="0" smtClean="0"/>
+              <a:rPr lang="hu-HU" sz="1600" dirty="0"/>
               <a:t> le </a:t>
             </a:r>
             <a:r>
-              <a:rPr lang="hu-HU" sz="1600" dirty="0" err="1" smtClean="0"/>
+              <a:rPr lang="hu-HU" sz="1600" dirty="0" err="1"/>
               <a:t>titkosítottuk</a:t>
             </a:r>
             <a:r>
-              <a:rPr lang="hu-HU" sz="1600" dirty="0" smtClean="0"/>
+              <a:rPr lang="hu-HU" sz="1600" dirty="0"/>
               <a:t> őket</a:t>
             </a:r>
-            <a:endParaRPr lang="hu-HU" sz="1600" dirty="0"/>
           </a:p>
         </p:txBody>
       </p:sp>
@@ -4775,34 +4736,33 @@
           </a:lstStyle>
           <a:p>
             <a:r>
-              <a:rPr lang="hu-HU" sz="1600" dirty="0" smtClean="0"/>
+              <a:rPr lang="hu-HU" sz="1600" dirty="0"/>
               <a:t>A belső hálózat ami a </a:t>
             </a:r>
             <a:r>
-              <a:rPr lang="hu-HU" sz="1600" dirty="0" err="1" smtClean="0"/>
+              <a:rPr lang="hu-HU" sz="1600" dirty="0" err="1"/>
               <a:t>router</a:t>
             </a:r>
             <a:r>
-              <a:rPr lang="hu-HU" sz="1600" dirty="0" smtClean="0"/>
+              <a:rPr lang="hu-HU" sz="1600" dirty="0"/>
               <a:t> és a </a:t>
             </a:r>
             <a:r>
-              <a:rPr lang="hu-HU" sz="1600" dirty="0" err="1" smtClean="0"/>
+              <a:rPr lang="hu-HU" sz="1600" dirty="0" err="1"/>
               <a:t>switch</a:t>
             </a:r>
             <a:r>
-              <a:rPr lang="hu-HU" sz="1600" dirty="0" smtClean="0"/>
+              <a:rPr lang="hu-HU" sz="1600" dirty="0"/>
               <a:t> között lett létrehozva egy 192.168.13.61-es </a:t>
             </a:r>
             <a:r>
-              <a:rPr lang="hu-HU" sz="1600" dirty="0" err="1" smtClean="0"/>
+              <a:rPr lang="hu-HU" sz="1600" dirty="0" err="1"/>
               <a:t>ip</a:t>
             </a:r>
             <a:r>
-              <a:rPr lang="hu-HU" sz="1600" dirty="0" smtClean="0"/>
+              <a:rPr lang="hu-HU" sz="1600" dirty="0"/>
               <a:t> címet állítottam be a Gigabit Ethernet G0/0-ás interfészbe  </a:t>
             </a:r>
-            <a:endParaRPr lang="hu-HU" sz="1600" dirty="0"/>
           </a:p>
         </p:txBody>
       </p:sp>
@@ -4833,25 +4793,21 @@
               <a:buChar char="•"/>
             </a:pPr>
             <a:r>
-              <a:rPr lang="hu-HU" dirty="0" err="1" smtClean="0"/>
+              <a:rPr lang="hu-HU" dirty="0" err="1"/>
               <a:t>Console</a:t>
             </a:r>
             <a:r>
-              <a:rPr lang="hu-HU" dirty="0" smtClean="0"/>
+              <a:rPr lang="hu-HU" dirty="0"/>
               <a:t>:</a:t>
             </a:r>
           </a:p>
           <a:p>
             <a:r>
               <a:rPr lang="hu-HU" dirty="0"/>
-              <a:t>	</a:t>
-            </a:r>
-            <a:r>
-              <a:rPr lang="hu-HU" dirty="0" smtClean="0"/>
-              <a:t>     </a:t>
-            </a:r>
-            <a:r>
-              <a:rPr lang="hu-HU" b="1" dirty="0" smtClean="0"/>
+              <a:t>	     </a:t>
+            </a:r>
+            <a:r>
+              <a:rPr lang="hu-HU" b="1" dirty="0"/>
               <a:t>NEMET-RT</a:t>
             </a:r>
           </a:p>
@@ -4861,25 +4817,21 @@
               <a:buChar char="•"/>
             </a:pPr>
             <a:r>
-              <a:rPr lang="hu-HU" dirty="0" err="1" smtClean="0"/>
+              <a:rPr lang="hu-HU" dirty="0" err="1"/>
               <a:t>Privelegizált</a:t>
             </a:r>
             <a:r>
-              <a:rPr lang="hu-HU" dirty="0" smtClean="0"/>
+              <a:rPr lang="hu-HU" dirty="0"/>
               <a:t>: </a:t>
             </a:r>
           </a:p>
           <a:p>
             <a:r>
               <a:rPr lang="hu-HU" dirty="0"/>
-              <a:t> </a:t>
-            </a:r>
-            <a:r>
-              <a:rPr lang="hu-HU" dirty="0" smtClean="0"/>
-              <a:t>                           </a:t>
-            </a:r>
-            <a:r>
-              <a:rPr lang="hu-HU" b="1" dirty="0" smtClean="0"/>
+              <a:t>                            </a:t>
+            </a:r>
+            <a:r>
+              <a:rPr lang="hu-HU" b="1" dirty="0"/>
               <a:t>NEMET123</a:t>
             </a:r>
           </a:p>
@@ -4889,29 +4841,25 @@
               <a:buChar char="•"/>
             </a:pPr>
             <a:r>
-              <a:rPr lang="hu-HU" dirty="0" smtClean="0"/>
+              <a:rPr lang="hu-HU" dirty="0"/>
               <a:t>Line </a:t>
             </a:r>
             <a:r>
-              <a:rPr lang="hu-HU" dirty="0" err="1" smtClean="0"/>
+              <a:rPr lang="hu-HU" dirty="0" err="1"/>
               <a:t>vty</a:t>
             </a:r>
             <a:r>
-              <a:rPr lang="hu-HU" dirty="0" smtClean="0"/>
+              <a:rPr lang="hu-HU" dirty="0"/>
               <a:t> 0 15:</a:t>
             </a:r>
           </a:p>
           <a:p>
             <a:r>
               <a:rPr lang="hu-HU" dirty="0"/>
-              <a:t>	</a:t>
-            </a:r>
-            <a:r>
-              <a:rPr lang="hu-HU" dirty="0" smtClean="0"/>
-              <a:t>            </a:t>
-            </a:r>
-            <a:r>
-              <a:rPr lang="hu-HU" b="1" dirty="0" smtClean="0"/>
+              <a:t>	            </a:t>
+            </a:r>
+            <a:r>
+              <a:rPr lang="hu-HU" b="1" dirty="0"/>
               <a:t>NEMET-LINE</a:t>
             </a:r>
           </a:p>
@@ -4940,37 +4888,37 @@
           <a:lstStyle/>
           <a:p>
             <a:r>
-              <a:rPr lang="hu-HU" b="1" dirty="0" smtClean="0"/>
+              <a:rPr lang="hu-HU" b="1" dirty="0"/>
               <a:t>MOTD:</a:t>
             </a:r>
           </a:p>
           <a:p>
             <a:r>
-              <a:rPr lang="hu-HU" dirty="0" smtClean="0">
+              <a:rPr lang="hu-HU" dirty="0">
                 <a:effectLst/>
               </a:rPr>
               <a:t>	Nemet </a:t>
             </a:r>
             <a:r>
-              <a:rPr lang="hu-HU" dirty="0" err="1" smtClean="0">
+              <a:rPr lang="hu-HU" dirty="0" err="1">
                 <a:effectLst/>
               </a:rPr>
               <a:t>csalad</a:t>
             </a:r>
             <a:r>
-              <a:rPr lang="hu-HU" dirty="0" smtClean="0">
+              <a:rPr lang="hu-HU" dirty="0">
                 <a:effectLst/>
               </a:rPr>
               <a:t> </a:t>
             </a:r>
             <a:r>
-              <a:rPr lang="hu-HU" dirty="0" err="1" smtClean="0">
+              <a:rPr lang="hu-HU" dirty="0" err="1">
                 <a:effectLst/>
               </a:rPr>
               <a:t>routere</a:t>
             </a:r>
             <a:r>
-              <a:rPr lang="hu-HU" dirty="0" smtClean="0">
+              <a:rPr lang="hu-HU" dirty="0">
                 <a:effectLst/>
               </a:rPr>
               <a:t> ne lepjen be!</a:t>
@@ -5682,6 +5630,2965 @@
                                     <p:animEffect transition="in" filter="circle(in)">
                                       <p:cBhvr>
                                         <p:cTn id="55" dur="2000"/>
+                                        <p:tgtEl>
+                                          <p:spTgt spid="16"/>
+                                        </p:tgtEl>
+                                      </p:cBhvr>
+                                    </p:animEffect>
+                                  </p:childTnLst>
+                                </p:cTn>
+                              </p:par>
+                            </p:childTnLst>
+                          </p:cTn>
+                        </p:par>
+                      </p:childTnLst>
+                    </p:cTn>
+                  </p:par>
+                </p:childTnLst>
+              </p:cTn>
+              <p:prevCondLst>
+                <p:cond evt="onPrev" delay="0">
+                  <p:tgtEl>
+                    <p:sldTgt/>
+                  </p:tgtEl>
+                </p:cond>
+              </p:prevCondLst>
+              <p:nextCondLst>
+                <p:cond evt="onNext" delay="0">
+                  <p:tgtEl>
+                    <p:sldTgt/>
+                  </p:tgtEl>
+                </p:cond>
+              </p:nextCondLst>
+            </p:seq>
+          </p:childTnLst>
+        </p:cTn>
+      </p:par>
+    </p:tnLst>
+    <p:bldLst>
+      <p:bldP spid="2" grpId="0"/>
+      <p:bldP spid="6" grpId="0"/>
+      <p:bldP spid="13" grpId="0"/>
+      <p:bldP spid="14" grpId="0"/>
+      <p:bldP spid="15" grpId="0"/>
+      <p:bldP spid="16" grpId="0"/>
+    </p:bldLst>
+  </p:timing>
+</p:sld>
+</file>
+
+<file path=ppt/slides/slide3.xml><?xml version="1.0" encoding="utf-8"?>
+<p:sld xmlns:a="http://schemas.openxmlformats.org/drawingml/2006/main" xmlns:r="http://schemas.openxmlformats.org/officeDocument/2006/relationships" xmlns:p="http://schemas.openxmlformats.org/presentationml/2006/main">
+  <p:cSld>
+    <p:spTree>
+      <p:nvGrpSpPr>
+        <p:cNvPr id="1" name=""/>
+        <p:cNvGrpSpPr/>
+        <p:nvPr/>
+      </p:nvGrpSpPr>
+      <p:grpSpPr>
+        <a:xfrm>
+          <a:off x="0" y="0"/>
+          <a:ext cx="0" cy="0"/>
+          <a:chOff x="0" y="0"/>
+          <a:chExt cx="0" cy="0"/>
+        </a:xfrm>
+      </p:grpSpPr>
+      <p:sp>
+        <p:nvSpPr>
+          <p:cNvPr id="2" name="Cím 1"/>
+          <p:cNvSpPr>
+            <a:spLocks noGrp="1"/>
+          </p:cNvSpPr>
+          <p:nvPr>
+            <p:ph type="ctrTitle"/>
+          </p:nvPr>
+        </p:nvSpPr>
+        <p:spPr>
+          <a:xfrm>
+            <a:off x="1582723" y="8389"/>
+            <a:ext cx="9144000" cy="1051989"/>
+          </a:xfrm>
+        </p:spPr>
+        <p:txBody>
+          <a:bodyPr/>
+          <a:lstStyle/>
+          <a:p>
+            <a:r>
+              <a:rPr lang="hu-HU" dirty="0"/>
+              <a:t>Sebi része a projektben:</a:t>
+            </a:r>
+          </a:p>
+        </p:txBody>
+      </p:sp>
+      <p:sp>
+        <p:nvSpPr>
+          <p:cNvPr id="4" name="Szövegdoboz 3"/>
+          <p:cNvSpPr txBox="1"/>
+          <p:nvPr/>
+        </p:nvSpPr>
+        <p:spPr>
+          <a:xfrm>
+            <a:off x="1191237" y="1434517"/>
+            <a:ext cx="4605556" cy="646331"/>
+          </a:xfrm>
+          <a:prstGeom prst="rect">
+            <a:avLst/>
+          </a:prstGeom>
+          <a:noFill/>
+        </p:spPr>
+        <p:txBody>
+          <a:bodyPr wrap="square" rtlCol="0">
+            <a:spAutoFit/>
+          </a:bodyPr>
+          <a:lstStyle/>
+          <a:p>
+            <a:r>
+              <a:rPr lang="hu-HU" dirty="0"/>
+              <a:t>A projekten belül lévő László és </a:t>
+            </a:r>
+            <a:r>
+              <a:rPr lang="hu-HU" dirty="0" err="1"/>
+              <a:t>Landauer</a:t>
+            </a:r>
+            <a:r>
+              <a:rPr lang="hu-HU" dirty="0"/>
+              <a:t> család házának a hálózatát építettem meg</a:t>
+            </a:r>
+          </a:p>
+        </p:txBody>
+      </p:sp>
+      <p:sp>
+        <p:nvSpPr>
+          <p:cNvPr id="5" name="Szövegdoboz 4"/>
+          <p:cNvSpPr txBox="1"/>
+          <p:nvPr/>
+        </p:nvSpPr>
+        <p:spPr>
+          <a:xfrm>
+            <a:off x="2550254" y="2512800"/>
+            <a:ext cx="1610686" cy="3139321"/>
+          </a:xfrm>
+          <a:prstGeom prst="rect">
+            <a:avLst/>
+          </a:prstGeom>
+          <a:noFill/>
+        </p:spPr>
+        <p:txBody>
+          <a:bodyPr wrap="square" rtlCol="0">
+            <a:spAutoFit/>
+          </a:bodyPr>
+          <a:lstStyle/>
+          <a:p>
+            <a:pPr marL="285750" indent="-285750">
+              <a:buFont typeface="Arial" panose="020B0604020202020204" pitchFamily="34" charset="0"/>
+              <a:buChar char="•"/>
+            </a:pPr>
+            <a:r>
+              <a:rPr lang="hu-HU" dirty="0"/>
+              <a:t>1db </a:t>
+            </a:r>
+            <a:r>
+              <a:rPr lang="hu-HU" dirty="0" err="1"/>
+              <a:t>router</a:t>
+            </a:r>
+            <a:endParaRPr lang="hu-HU" dirty="0"/>
+          </a:p>
+          <a:p>
+            <a:endParaRPr lang="hu-HU" dirty="0"/>
+          </a:p>
+          <a:p>
+            <a:pPr marL="285750" indent="-285750">
+              <a:buFont typeface="Arial" panose="020B0604020202020204" pitchFamily="34" charset="0"/>
+              <a:buChar char="•"/>
+            </a:pPr>
+            <a:r>
+              <a:rPr lang="hu-HU" dirty="0"/>
+              <a:t>1db </a:t>
+            </a:r>
+            <a:r>
+              <a:rPr lang="hu-HU" dirty="0" err="1"/>
+              <a:t>switch</a:t>
+            </a:r>
+            <a:endParaRPr lang="hu-HU" dirty="0"/>
+          </a:p>
+          <a:p>
+            <a:endParaRPr lang="hu-HU" dirty="0"/>
+          </a:p>
+          <a:p>
+            <a:pPr marL="285750" indent="-285750">
+              <a:buFont typeface="Arial" panose="020B0604020202020204" pitchFamily="34" charset="0"/>
+              <a:buChar char="•"/>
+            </a:pPr>
+            <a:r>
+              <a:rPr lang="hu-HU" dirty="0"/>
+              <a:t>2db pc</a:t>
+            </a:r>
+          </a:p>
+          <a:p>
+            <a:pPr marL="285750" indent="-285750">
+              <a:buFont typeface="Arial" panose="020B0604020202020204" pitchFamily="34" charset="0"/>
+              <a:buChar char="•"/>
+            </a:pPr>
+            <a:endParaRPr lang="hu-HU" dirty="0"/>
+          </a:p>
+          <a:p>
+            <a:pPr marL="285750" indent="-285750">
+              <a:buFont typeface="Arial" panose="020B0604020202020204" pitchFamily="34" charset="0"/>
+              <a:buChar char="•"/>
+            </a:pPr>
+            <a:r>
+              <a:rPr lang="hu-HU" dirty="0"/>
+              <a:t>1db </a:t>
+            </a:r>
+            <a:r>
+              <a:rPr lang="hu-HU" dirty="0" err="1"/>
+              <a:t>wireless</a:t>
+            </a:r>
+            <a:r>
+              <a:rPr lang="hu-HU" dirty="0"/>
+              <a:t> router</a:t>
+            </a:r>
+          </a:p>
+          <a:p>
+            <a:pPr marL="285750" indent="-285750">
+              <a:buFont typeface="Arial" panose="020B0604020202020204" pitchFamily="34" charset="0"/>
+              <a:buChar char="•"/>
+            </a:pPr>
+            <a:endParaRPr lang="hu-HU" dirty="0"/>
+          </a:p>
+          <a:p>
+            <a:pPr marL="285750" indent="-285750">
+              <a:buFont typeface="Arial" panose="020B0604020202020204" pitchFamily="34" charset="0"/>
+              <a:buChar char="•"/>
+            </a:pPr>
+            <a:r>
+              <a:rPr lang="hu-HU" dirty="0"/>
+              <a:t>1db laptop</a:t>
+            </a:r>
+          </a:p>
+        </p:txBody>
+      </p:sp>
+      <p:sp>
+        <p:nvSpPr>
+          <p:cNvPr id="6" name="Szövegdoboz 5"/>
+          <p:cNvSpPr txBox="1"/>
+          <p:nvPr/>
+        </p:nvSpPr>
+        <p:spPr>
+          <a:xfrm>
+            <a:off x="1183639" y="2143468"/>
+            <a:ext cx="1534394" cy="369332"/>
+          </a:xfrm>
+          <a:prstGeom prst="rect">
+            <a:avLst/>
+          </a:prstGeom>
+          <a:noFill/>
+        </p:spPr>
+        <p:txBody>
+          <a:bodyPr wrap="none" rtlCol="0">
+            <a:spAutoFit/>
+          </a:bodyPr>
+          <a:lstStyle/>
+          <a:p>
+            <a:r>
+              <a:rPr lang="hu-HU" dirty="0"/>
+              <a:t>Hálózat részei:</a:t>
+            </a:r>
+          </a:p>
+        </p:txBody>
+      </p:sp>
+      <p:sp>
+        <p:nvSpPr>
+          <p:cNvPr id="10" name="Jobbra nyíl 9"/>
+          <p:cNvSpPr/>
+          <p:nvPr/>
+        </p:nvSpPr>
+        <p:spPr>
+          <a:xfrm>
+            <a:off x="4244830" y="2544705"/>
+            <a:ext cx="1182847" cy="314290"/>
+          </a:xfrm>
+          <a:prstGeom prst="rightArrow">
+            <a:avLst/>
+          </a:prstGeom>
+          <a:effectLst>
+            <a:outerShdw blurRad="50800" dist="38100" dir="5400000" algn="t" rotWithShape="0">
+              <a:prstClr val="black">
+                <a:alpha val="40000"/>
+              </a:prstClr>
+            </a:outerShdw>
+          </a:effectLst>
+        </p:spPr>
+        <p:style>
+          <a:lnRef idx="1">
+            <a:schemeClr val="dk1"/>
+          </a:lnRef>
+          <a:fillRef idx="2">
+            <a:schemeClr val="dk1"/>
+          </a:fillRef>
+          <a:effectRef idx="1">
+            <a:schemeClr val="dk1"/>
+          </a:effectRef>
+          <a:fontRef idx="minor">
+            <a:schemeClr val="dk1"/>
+          </a:fontRef>
+        </p:style>
+        <p:txBody>
+          <a:bodyPr rtlCol="0" anchor="ctr"/>
+          <a:lstStyle/>
+          <a:p>
+            <a:pPr algn="ctr"/>
+            <a:endParaRPr lang="hu-HU"/>
+          </a:p>
+        </p:txBody>
+      </p:sp>
+      <p:sp>
+        <p:nvSpPr>
+          <p:cNvPr id="11" name="Szövegdoboz 10"/>
+          <p:cNvSpPr txBox="1"/>
+          <p:nvPr/>
+        </p:nvSpPr>
+        <p:spPr>
+          <a:xfrm>
+            <a:off x="5670958" y="2544705"/>
+            <a:ext cx="1786855" cy="369332"/>
+          </a:xfrm>
+          <a:prstGeom prst="rect">
+            <a:avLst/>
+          </a:prstGeom>
+          <a:noFill/>
+        </p:spPr>
+        <p:txBody>
+          <a:bodyPr wrap="square" rtlCol="0">
+            <a:spAutoFit/>
+          </a:bodyPr>
+          <a:lstStyle/>
+          <a:p>
+            <a:r>
+              <a:rPr lang="hu-HU" dirty="0"/>
+              <a:t>1941-es </a:t>
+            </a:r>
+            <a:r>
+              <a:rPr lang="hu-HU" dirty="0" err="1"/>
+              <a:t>router</a:t>
+            </a:r>
+            <a:endParaRPr lang="hu-HU" dirty="0"/>
+          </a:p>
+        </p:txBody>
+      </p:sp>
+      <p:sp>
+        <p:nvSpPr>
+          <p:cNvPr id="12" name="Jobbra nyíl 11"/>
+          <p:cNvSpPr/>
+          <p:nvPr/>
+        </p:nvSpPr>
+        <p:spPr>
+          <a:xfrm>
+            <a:off x="4244829" y="3094319"/>
+            <a:ext cx="1182847" cy="314290"/>
+          </a:xfrm>
+          <a:prstGeom prst="rightArrow">
+            <a:avLst/>
+          </a:prstGeom>
+          <a:effectLst>
+            <a:outerShdw blurRad="50800" dist="38100" dir="5400000" algn="t" rotWithShape="0">
+              <a:prstClr val="black">
+                <a:alpha val="40000"/>
+              </a:prstClr>
+            </a:outerShdw>
+          </a:effectLst>
+        </p:spPr>
+        <p:style>
+          <a:lnRef idx="1">
+            <a:schemeClr val="dk1"/>
+          </a:lnRef>
+          <a:fillRef idx="2">
+            <a:schemeClr val="dk1"/>
+          </a:fillRef>
+          <a:effectRef idx="1">
+            <a:schemeClr val="dk1"/>
+          </a:effectRef>
+          <a:fontRef idx="minor">
+            <a:schemeClr val="dk1"/>
+          </a:fontRef>
+        </p:style>
+        <p:txBody>
+          <a:bodyPr rtlCol="0" anchor="ctr"/>
+          <a:lstStyle/>
+          <a:p>
+            <a:pPr algn="ctr"/>
+            <a:endParaRPr lang="hu-HU"/>
+          </a:p>
+        </p:txBody>
+      </p:sp>
+      <p:sp>
+        <p:nvSpPr>
+          <p:cNvPr id="13" name="Szövegdoboz 12"/>
+          <p:cNvSpPr txBox="1"/>
+          <p:nvPr/>
+        </p:nvSpPr>
+        <p:spPr>
+          <a:xfrm>
+            <a:off x="5670958" y="3066798"/>
+            <a:ext cx="1610686" cy="369332"/>
+          </a:xfrm>
+          <a:prstGeom prst="rect">
+            <a:avLst/>
+          </a:prstGeom>
+          <a:noFill/>
+        </p:spPr>
+        <p:txBody>
+          <a:bodyPr wrap="square" rtlCol="0">
+            <a:spAutoFit/>
+          </a:bodyPr>
+          <a:lstStyle/>
+          <a:p>
+            <a:r>
+              <a:rPr lang="hu-HU" dirty="0"/>
+              <a:t>2960-as </a:t>
+            </a:r>
+            <a:r>
+              <a:rPr lang="hu-HU" dirty="0" err="1"/>
+              <a:t>switch</a:t>
+            </a:r>
+            <a:endParaRPr lang="hu-HU" dirty="0"/>
+          </a:p>
+        </p:txBody>
+      </p:sp>
+      <p:sp>
+        <p:nvSpPr>
+          <p:cNvPr id="14" name="Jobbra nyíl 11">
+            <a:extLst>
+              <a:ext uri="{FF2B5EF4-FFF2-40B4-BE49-F238E27FC236}">
+                <a16:creationId xmlns:a16="http://schemas.microsoft.com/office/drawing/2014/main" id="{9FF3E303-44CC-42D4-9101-1879E631F2DD}"/>
+              </a:ext>
+            </a:extLst>
+          </p:cNvPr>
+          <p:cNvSpPr/>
+          <p:nvPr/>
+        </p:nvSpPr>
+        <p:spPr>
+          <a:xfrm>
+            <a:off x="4244828" y="4462863"/>
+            <a:ext cx="1182847" cy="314290"/>
+          </a:xfrm>
+          <a:prstGeom prst="rightArrow">
+            <a:avLst/>
+          </a:prstGeom>
+          <a:effectLst>
+            <a:outerShdw blurRad="50800" dist="38100" dir="5400000" algn="t" rotWithShape="0">
+              <a:prstClr val="black">
+                <a:alpha val="40000"/>
+              </a:prstClr>
+            </a:outerShdw>
+          </a:effectLst>
+        </p:spPr>
+        <p:style>
+          <a:lnRef idx="1">
+            <a:schemeClr val="dk1"/>
+          </a:lnRef>
+          <a:fillRef idx="2">
+            <a:schemeClr val="dk1"/>
+          </a:fillRef>
+          <a:effectRef idx="1">
+            <a:schemeClr val="dk1"/>
+          </a:effectRef>
+          <a:fontRef idx="minor">
+            <a:schemeClr val="dk1"/>
+          </a:fontRef>
+        </p:style>
+        <p:txBody>
+          <a:bodyPr rtlCol="0" anchor="ctr"/>
+          <a:lstStyle/>
+          <a:p>
+            <a:pPr algn="ctr"/>
+            <a:endParaRPr lang="hu-HU"/>
+          </a:p>
+        </p:txBody>
+      </p:sp>
+      <p:sp>
+        <p:nvSpPr>
+          <p:cNvPr id="3" name="Szövegdoboz 2">
+            <a:extLst>
+              <a:ext uri="{FF2B5EF4-FFF2-40B4-BE49-F238E27FC236}">
+                <a16:creationId xmlns:a16="http://schemas.microsoft.com/office/drawing/2014/main" id="{821C7E41-F2AA-4B8E-84A6-E28E47E37361}"/>
+              </a:ext>
+            </a:extLst>
+          </p:cNvPr>
+          <p:cNvSpPr txBox="1"/>
+          <p:nvPr/>
+        </p:nvSpPr>
+        <p:spPr>
+          <a:xfrm>
+            <a:off x="5911269" y="4535867"/>
+            <a:ext cx="1124988" cy="369332"/>
+          </a:xfrm>
+          <a:prstGeom prst="rect">
+            <a:avLst/>
+          </a:prstGeom>
+          <a:noFill/>
+        </p:spPr>
+        <p:txBody>
+          <a:bodyPr wrap="none" rtlCol="0">
+            <a:spAutoFit/>
+          </a:bodyPr>
+          <a:lstStyle/>
+          <a:p>
+            <a:r>
+              <a:rPr lang="hu-HU" dirty="0"/>
+              <a:t>WRT300N</a:t>
+            </a:r>
+          </a:p>
+        </p:txBody>
+      </p:sp>
+      <p:sp>
+        <p:nvSpPr>
+          <p:cNvPr id="15" name="Jobbra nyíl 11">
+            <a:extLst>
+              <a:ext uri="{FF2B5EF4-FFF2-40B4-BE49-F238E27FC236}">
+                <a16:creationId xmlns:a16="http://schemas.microsoft.com/office/drawing/2014/main" id="{AD498221-A36C-4865-A349-1011FE015688}"/>
+              </a:ext>
+            </a:extLst>
+          </p:cNvPr>
+          <p:cNvSpPr/>
+          <p:nvPr/>
+        </p:nvSpPr>
+        <p:spPr>
+          <a:xfrm>
+            <a:off x="4244827" y="5266338"/>
+            <a:ext cx="1182847" cy="314290"/>
+          </a:xfrm>
+          <a:prstGeom prst="rightArrow">
+            <a:avLst/>
+          </a:prstGeom>
+          <a:effectLst>
+            <a:outerShdw blurRad="50800" dist="38100" dir="5400000" algn="t" rotWithShape="0">
+              <a:prstClr val="black">
+                <a:alpha val="40000"/>
+              </a:prstClr>
+            </a:outerShdw>
+          </a:effectLst>
+        </p:spPr>
+        <p:style>
+          <a:lnRef idx="1">
+            <a:schemeClr val="dk1"/>
+          </a:lnRef>
+          <a:fillRef idx="2">
+            <a:schemeClr val="dk1"/>
+          </a:fillRef>
+          <a:effectRef idx="1">
+            <a:schemeClr val="dk1"/>
+          </a:effectRef>
+          <a:fontRef idx="minor">
+            <a:schemeClr val="dk1"/>
+          </a:fontRef>
+        </p:style>
+        <p:txBody>
+          <a:bodyPr rtlCol="0" anchor="ctr"/>
+          <a:lstStyle/>
+          <a:p>
+            <a:pPr algn="ctr"/>
+            <a:endParaRPr lang="hu-HU"/>
+          </a:p>
+        </p:txBody>
+      </p:sp>
+      <p:sp>
+        <p:nvSpPr>
+          <p:cNvPr id="7" name="Szövegdoboz 6">
+            <a:extLst>
+              <a:ext uri="{FF2B5EF4-FFF2-40B4-BE49-F238E27FC236}">
+                <a16:creationId xmlns:a16="http://schemas.microsoft.com/office/drawing/2014/main" id="{B8EDE2AB-6BCB-46C7-B08A-F7D496B57CC0}"/>
+              </a:ext>
+            </a:extLst>
+          </p:cNvPr>
+          <p:cNvSpPr txBox="1"/>
+          <p:nvPr/>
+        </p:nvSpPr>
+        <p:spPr>
+          <a:xfrm>
+            <a:off x="5911269" y="5315935"/>
+            <a:ext cx="1132554" cy="369332"/>
+          </a:xfrm>
+          <a:prstGeom prst="rect">
+            <a:avLst/>
+          </a:prstGeom>
+          <a:noFill/>
+        </p:spPr>
+        <p:txBody>
+          <a:bodyPr wrap="none" rtlCol="0">
+            <a:spAutoFit/>
+          </a:bodyPr>
+          <a:lstStyle/>
+          <a:p>
+            <a:r>
+              <a:rPr lang="hu-HU" dirty="0"/>
+              <a:t>Laptop-PT</a:t>
+            </a:r>
+          </a:p>
+        </p:txBody>
+      </p:sp>
+    </p:spTree>
+    <p:extLst>
+      <p:ext uri="{BB962C8B-B14F-4D97-AF65-F5344CB8AC3E}">
+        <p14:creationId xmlns:p14="http://schemas.microsoft.com/office/powerpoint/2010/main" val="1404082948"/>
+      </p:ext>
+    </p:extLst>
+  </p:cSld>
+  <p:clrMapOvr>
+    <a:masterClrMapping/>
+  </p:clrMapOvr>
+  <mc:AlternateContent xmlns:mc="http://schemas.openxmlformats.org/markup-compatibility/2006" xmlns:p14="http://schemas.microsoft.com/office/powerpoint/2010/main">
+    <mc:Choice Requires="p14">
+      <p:transition spd="slow" p14:dur="1500">
+        <p:split orient="vert"/>
+      </p:transition>
+    </mc:Choice>
+    <mc:Fallback xmlns="">
+      <p:transition spd="slow">
+        <p:split orient="vert"/>
+      </p:transition>
+    </mc:Fallback>
+  </mc:AlternateContent>
+  <p:timing>
+    <p:tnLst>
+      <p:par>
+        <p:cTn id="1" dur="indefinite" restart="never" nodeType="tmRoot">
+          <p:childTnLst>
+            <p:seq concurrent="1" nextAc="seek">
+              <p:cTn id="2" dur="indefinite" nodeType="mainSeq">
+                <p:childTnLst>
+                  <p:par>
+                    <p:cTn id="3" fill="hold">
+                      <p:stCondLst>
+                        <p:cond delay="indefinite"/>
+                      </p:stCondLst>
+                      <p:childTnLst>
+                        <p:par>
+                          <p:cTn id="4" fill="hold">
+                            <p:stCondLst>
+                              <p:cond delay="0"/>
+                            </p:stCondLst>
+                            <p:childTnLst>
+                              <p:par>
+                                <p:cTn id="5" presetID="10" presetClass="entr" presetSubtype="0" fill="hold" grpId="0" nodeType="clickEffect">
+                                  <p:stCondLst>
+                                    <p:cond delay="0"/>
+                                  </p:stCondLst>
+                                  <p:childTnLst>
+                                    <p:set>
+                                      <p:cBhvr>
+                                        <p:cTn id="6" dur="1" fill="hold">
+                                          <p:stCondLst>
+                                            <p:cond delay="0"/>
+                                          </p:stCondLst>
+                                        </p:cTn>
+                                        <p:tgtEl>
+                                          <p:spTgt spid="2"/>
+                                        </p:tgtEl>
+                                        <p:attrNameLst>
+                                          <p:attrName>style.visibility</p:attrName>
+                                        </p:attrNameLst>
+                                      </p:cBhvr>
+                                      <p:to>
+                                        <p:strVal val="visible"/>
+                                      </p:to>
+                                    </p:set>
+                                    <p:animEffect transition="in" filter="fade">
+                                      <p:cBhvr>
+                                        <p:cTn id="7" dur="500"/>
+                                        <p:tgtEl>
+                                          <p:spTgt spid="2"/>
+                                        </p:tgtEl>
+                                      </p:cBhvr>
+                                    </p:animEffect>
+                                  </p:childTnLst>
+                                </p:cTn>
+                              </p:par>
+                            </p:childTnLst>
+                          </p:cTn>
+                        </p:par>
+                      </p:childTnLst>
+                    </p:cTn>
+                  </p:par>
+                  <p:par>
+                    <p:cTn id="8" fill="hold">
+                      <p:stCondLst>
+                        <p:cond delay="indefinite"/>
+                      </p:stCondLst>
+                      <p:childTnLst>
+                        <p:par>
+                          <p:cTn id="9" fill="hold">
+                            <p:stCondLst>
+                              <p:cond delay="0"/>
+                            </p:stCondLst>
+                            <p:childTnLst>
+                              <p:par>
+                                <p:cTn id="10" presetID="21" presetClass="entr" presetSubtype="1" fill="hold" grpId="0" nodeType="clickEffect">
+                                  <p:stCondLst>
+                                    <p:cond delay="0"/>
+                                  </p:stCondLst>
+                                  <p:childTnLst>
+                                    <p:set>
+                                      <p:cBhvr>
+                                        <p:cTn id="11" dur="1" fill="hold">
+                                          <p:stCondLst>
+                                            <p:cond delay="0"/>
+                                          </p:stCondLst>
+                                        </p:cTn>
+                                        <p:tgtEl>
+                                          <p:spTgt spid="4"/>
+                                        </p:tgtEl>
+                                        <p:attrNameLst>
+                                          <p:attrName>style.visibility</p:attrName>
+                                        </p:attrNameLst>
+                                      </p:cBhvr>
+                                      <p:to>
+                                        <p:strVal val="visible"/>
+                                      </p:to>
+                                    </p:set>
+                                    <p:animEffect transition="in" filter="wheel(1)">
+                                      <p:cBhvr>
+                                        <p:cTn id="12" dur="2000"/>
+                                        <p:tgtEl>
+                                          <p:spTgt spid="4"/>
+                                        </p:tgtEl>
+                                      </p:cBhvr>
+                                    </p:animEffect>
+                                  </p:childTnLst>
+                                </p:cTn>
+                              </p:par>
+                            </p:childTnLst>
+                          </p:cTn>
+                        </p:par>
+                      </p:childTnLst>
+                    </p:cTn>
+                  </p:par>
+                  <p:par>
+                    <p:cTn id="13" fill="hold">
+                      <p:stCondLst>
+                        <p:cond delay="indefinite"/>
+                      </p:stCondLst>
+                      <p:childTnLst>
+                        <p:par>
+                          <p:cTn id="14" fill="hold">
+                            <p:stCondLst>
+                              <p:cond delay="0"/>
+                            </p:stCondLst>
+                            <p:childTnLst>
+                              <p:par>
+                                <p:cTn id="15" presetID="14" presetClass="entr" presetSubtype="10" fill="hold" grpId="0" nodeType="clickEffect">
+                                  <p:stCondLst>
+                                    <p:cond delay="0"/>
+                                  </p:stCondLst>
+                                  <p:childTnLst>
+                                    <p:set>
+                                      <p:cBhvr>
+                                        <p:cTn id="16" dur="1" fill="hold">
+                                          <p:stCondLst>
+                                            <p:cond delay="0"/>
+                                          </p:stCondLst>
+                                        </p:cTn>
+                                        <p:tgtEl>
+                                          <p:spTgt spid="6"/>
+                                        </p:tgtEl>
+                                        <p:attrNameLst>
+                                          <p:attrName>style.visibility</p:attrName>
+                                        </p:attrNameLst>
+                                      </p:cBhvr>
+                                      <p:to>
+                                        <p:strVal val="visible"/>
+                                      </p:to>
+                                    </p:set>
+                                    <p:animEffect transition="in" filter="randombar(horizontal)">
+                                      <p:cBhvr>
+                                        <p:cTn id="17" dur="500"/>
+                                        <p:tgtEl>
+                                          <p:spTgt spid="6"/>
+                                        </p:tgtEl>
+                                      </p:cBhvr>
+                                    </p:animEffect>
+                                  </p:childTnLst>
+                                </p:cTn>
+                              </p:par>
+                            </p:childTnLst>
+                          </p:cTn>
+                        </p:par>
+                      </p:childTnLst>
+                    </p:cTn>
+                  </p:par>
+                  <p:par>
+                    <p:cTn id="18" fill="hold">
+                      <p:stCondLst>
+                        <p:cond delay="indefinite"/>
+                      </p:stCondLst>
+                      <p:childTnLst>
+                        <p:par>
+                          <p:cTn id="19" fill="hold">
+                            <p:stCondLst>
+                              <p:cond delay="0"/>
+                            </p:stCondLst>
+                            <p:childTnLst>
+                              <p:par>
+                                <p:cTn id="20" presetID="53" presetClass="entr" presetSubtype="16" fill="hold" grpId="0" nodeType="clickEffect">
+                                  <p:stCondLst>
+                                    <p:cond delay="0"/>
+                                  </p:stCondLst>
+                                  <p:childTnLst>
+                                    <p:set>
+                                      <p:cBhvr>
+                                        <p:cTn id="21" dur="1" fill="hold">
+                                          <p:stCondLst>
+                                            <p:cond delay="0"/>
+                                          </p:stCondLst>
+                                        </p:cTn>
+                                        <p:tgtEl>
+                                          <p:spTgt spid="5"/>
+                                        </p:tgtEl>
+                                        <p:attrNameLst>
+                                          <p:attrName>style.visibility</p:attrName>
+                                        </p:attrNameLst>
+                                      </p:cBhvr>
+                                      <p:to>
+                                        <p:strVal val="visible"/>
+                                      </p:to>
+                                    </p:set>
+                                    <p:anim calcmode="lin" valueType="num">
+                                      <p:cBhvr>
+                                        <p:cTn id="22" dur="500" fill="hold"/>
+                                        <p:tgtEl>
+                                          <p:spTgt spid="5"/>
+                                        </p:tgtEl>
+                                        <p:attrNameLst>
+                                          <p:attrName>ppt_w</p:attrName>
+                                        </p:attrNameLst>
+                                      </p:cBhvr>
+                                      <p:tavLst>
+                                        <p:tav tm="0">
+                                          <p:val>
+                                            <p:fltVal val="0"/>
+                                          </p:val>
+                                        </p:tav>
+                                        <p:tav tm="100000">
+                                          <p:val>
+                                            <p:strVal val="#ppt_w"/>
+                                          </p:val>
+                                        </p:tav>
+                                      </p:tavLst>
+                                    </p:anim>
+                                    <p:anim calcmode="lin" valueType="num">
+                                      <p:cBhvr>
+                                        <p:cTn id="23" dur="500" fill="hold"/>
+                                        <p:tgtEl>
+                                          <p:spTgt spid="5"/>
+                                        </p:tgtEl>
+                                        <p:attrNameLst>
+                                          <p:attrName>ppt_h</p:attrName>
+                                        </p:attrNameLst>
+                                      </p:cBhvr>
+                                      <p:tavLst>
+                                        <p:tav tm="0">
+                                          <p:val>
+                                            <p:fltVal val="0"/>
+                                          </p:val>
+                                        </p:tav>
+                                        <p:tav tm="100000">
+                                          <p:val>
+                                            <p:strVal val="#ppt_h"/>
+                                          </p:val>
+                                        </p:tav>
+                                      </p:tavLst>
+                                    </p:anim>
+                                    <p:animEffect transition="in" filter="fade">
+                                      <p:cBhvr>
+                                        <p:cTn id="24" dur="500"/>
+                                        <p:tgtEl>
+                                          <p:spTgt spid="5"/>
+                                        </p:tgtEl>
+                                      </p:cBhvr>
+                                    </p:animEffect>
+                                  </p:childTnLst>
+                                </p:cTn>
+                              </p:par>
+                            </p:childTnLst>
+                          </p:cTn>
+                        </p:par>
+                      </p:childTnLst>
+                    </p:cTn>
+                  </p:par>
+                  <p:par>
+                    <p:cTn id="25" fill="hold">
+                      <p:stCondLst>
+                        <p:cond delay="indefinite"/>
+                      </p:stCondLst>
+                      <p:childTnLst>
+                        <p:par>
+                          <p:cTn id="26" fill="hold">
+                            <p:stCondLst>
+                              <p:cond delay="0"/>
+                            </p:stCondLst>
+                            <p:childTnLst>
+                              <p:par>
+                                <p:cTn id="27" presetID="31" presetClass="entr" presetSubtype="0" fill="hold" grpId="0" nodeType="clickEffect">
+                                  <p:stCondLst>
+                                    <p:cond delay="0"/>
+                                  </p:stCondLst>
+                                  <p:childTnLst>
+                                    <p:set>
+                                      <p:cBhvr>
+                                        <p:cTn id="28" dur="1" fill="hold">
+                                          <p:stCondLst>
+                                            <p:cond delay="0"/>
+                                          </p:stCondLst>
+                                        </p:cTn>
+                                        <p:tgtEl>
+                                          <p:spTgt spid="10"/>
+                                        </p:tgtEl>
+                                        <p:attrNameLst>
+                                          <p:attrName>style.visibility</p:attrName>
+                                        </p:attrNameLst>
+                                      </p:cBhvr>
+                                      <p:to>
+                                        <p:strVal val="visible"/>
+                                      </p:to>
+                                    </p:set>
+                                    <p:anim calcmode="lin" valueType="num">
+                                      <p:cBhvr>
+                                        <p:cTn id="29" dur="1000" fill="hold"/>
+                                        <p:tgtEl>
+                                          <p:spTgt spid="10"/>
+                                        </p:tgtEl>
+                                        <p:attrNameLst>
+                                          <p:attrName>ppt_w</p:attrName>
+                                        </p:attrNameLst>
+                                      </p:cBhvr>
+                                      <p:tavLst>
+                                        <p:tav tm="0">
+                                          <p:val>
+                                            <p:fltVal val="0"/>
+                                          </p:val>
+                                        </p:tav>
+                                        <p:tav tm="100000">
+                                          <p:val>
+                                            <p:strVal val="#ppt_w"/>
+                                          </p:val>
+                                        </p:tav>
+                                      </p:tavLst>
+                                    </p:anim>
+                                    <p:anim calcmode="lin" valueType="num">
+                                      <p:cBhvr>
+                                        <p:cTn id="30" dur="1000" fill="hold"/>
+                                        <p:tgtEl>
+                                          <p:spTgt spid="10"/>
+                                        </p:tgtEl>
+                                        <p:attrNameLst>
+                                          <p:attrName>ppt_h</p:attrName>
+                                        </p:attrNameLst>
+                                      </p:cBhvr>
+                                      <p:tavLst>
+                                        <p:tav tm="0">
+                                          <p:val>
+                                            <p:fltVal val="0"/>
+                                          </p:val>
+                                        </p:tav>
+                                        <p:tav tm="100000">
+                                          <p:val>
+                                            <p:strVal val="#ppt_h"/>
+                                          </p:val>
+                                        </p:tav>
+                                      </p:tavLst>
+                                    </p:anim>
+                                    <p:anim calcmode="lin" valueType="num">
+                                      <p:cBhvr>
+                                        <p:cTn id="31" dur="1000" fill="hold"/>
+                                        <p:tgtEl>
+                                          <p:spTgt spid="10"/>
+                                        </p:tgtEl>
+                                        <p:attrNameLst>
+                                          <p:attrName>style.rotation</p:attrName>
+                                        </p:attrNameLst>
+                                      </p:cBhvr>
+                                      <p:tavLst>
+                                        <p:tav tm="0">
+                                          <p:val>
+                                            <p:fltVal val="90"/>
+                                          </p:val>
+                                        </p:tav>
+                                        <p:tav tm="100000">
+                                          <p:val>
+                                            <p:fltVal val="0"/>
+                                          </p:val>
+                                        </p:tav>
+                                      </p:tavLst>
+                                    </p:anim>
+                                    <p:animEffect transition="in" filter="fade">
+                                      <p:cBhvr>
+                                        <p:cTn id="32" dur="1000"/>
+                                        <p:tgtEl>
+                                          <p:spTgt spid="10"/>
+                                        </p:tgtEl>
+                                      </p:cBhvr>
+                                    </p:animEffect>
+                                  </p:childTnLst>
+                                </p:cTn>
+                              </p:par>
+                            </p:childTnLst>
+                          </p:cTn>
+                        </p:par>
+                      </p:childTnLst>
+                    </p:cTn>
+                  </p:par>
+                  <p:par>
+                    <p:cTn id="33" fill="hold">
+                      <p:stCondLst>
+                        <p:cond delay="indefinite"/>
+                      </p:stCondLst>
+                      <p:childTnLst>
+                        <p:par>
+                          <p:cTn id="34" fill="hold">
+                            <p:stCondLst>
+                              <p:cond delay="0"/>
+                            </p:stCondLst>
+                            <p:childTnLst>
+                              <p:par>
+                                <p:cTn id="35" presetID="6" presetClass="entr" presetSubtype="16" fill="hold" grpId="0" nodeType="clickEffect">
+                                  <p:stCondLst>
+                                    <p:cond delay="0"/>
+                                  </p:stCondLst>
+                                  <p:childTnLst>
+                                    <p:set>
+                                      <p:cBhvr>
+                                        <p:cTn id="36" dur="1" fill="hold">
+                                          <p:stCondLst>
+                                            <p:cond delay="0"/>
+                                          </p:stCondLst>
+                                        </p:cTn>
+                                        <p:tgtEl>
+                                          <p:spTgt spid="11"/>
+                                        </p:tgtEl>
+                                        <p:attrNameLst>
+                                          <p:attrName>style.visibility</p:attrName>
+                                        </p:attrNameLst>
+                                      </p:cBhvr>
+                                      <p:to>
+                                        <p:strVal val="visible"/>
+                                      </p:to>
+                                    </p:set>
+                                    <p:animEffect transition="in" filter="circle(in)">
+                                      <p:cBhvr>
+                                        <p:cTn id="37" dur="2000"/>
+                                        <p:tgtEl>
+                                          <p:spTgt spid="11"/>
+                                        </p:tgtEl>
+                                      </p:cBhvr>
+                                    </p:animEffect>
+                                  </p:childTnLst>
+                                </p:cTn>
+                              </p:par>
+                            </p:childTnLst>
+                          </p:cTn>
+                        </p:par>
+                      </p:childTnLst>
+                    </p:cTn>
+                  </p:par>
+                  <p:par>
+                    <p:cTn id="38" fill="hold">
+                      <p:stCondLst>
+                        <p:cond delay="indefinite"/>
+                      </p:stCondLst>
+                      <p:childTnLst>
+                        <p:par>
+                          <p:cTn id="39" fill="hold">
+                            <p:stCondLst>
+                              <p:cond delay="0"/>
+                            </p:stCondLst>
+                            <p:childTnLst>
+                              <p:par>
+                                <p:cTn id="40" presetID="16" presetClass="entr" presetSubtype="21" fill="hold" grpId="0" nodeType="clickEffect">
+                                  <p:stCondLst>
+                                    <p:cond delay="0"/>
+                                  </p:stCondLst>
+                                  <p:childTnLst>
+                                    <p:set>
+                                      <p:cBhvr>
+                                        <p:cTn id="41" dur="1" fill="hold">
+                                          <p:stCondLst>
+                                            <p:cond delay="0"/>
+                                          </p:stCondLst>
+                                        </p:cTn>
+                                        <p:tgtEl>
+                                          <p:spTgt spid="12"/>
+                                        </p:tgtEl>
+                                        <p:attrNameLst>
+                                          <p:attrName>style.visibility</p:attrName>
+                                        </p:attrNameLst>
+                                      </p:cBhvr>
+                                      <p:to>
+                                        <p:strVal val="visible"/>
+                                      </p:to>
+                                    </p:set>
+                                    <p:animEffect transition="in" filter="barn(inVertical)">
+                                      <p:cBhvr>
+                                        <p:cTn id="42" dur="500"/>
+                                        <p:tgtEl>
+                                          <p:spTgt spid="12"/>
+                                        </p:tgtEl>
+                                      </p:cBhvr>
+                                    </p:animEffect>
+                                  </p:childTnLst>
+                                </p:cTn>
+                              </p:par>
+                            </p:childTnLst>
+                          </p:cTn>
+                        </p:par>
+                      </p:childTnLst>
+                    </p:cTn>
+                  </p:par>
+                  <p:par>
+                    <p:cTn id="43" fill="hold">
+                      <p:stCondLst>
+                        <p:cond delay="indefinite"/>
+                      </p:stCondLst>
+                      <p:childTnLst>
+                        <p:par>
+                          <p:cTn id="44" fill="hold">
+                            <p:stCondLst>
+                              <p:cond delay="0"/>
+                            </p:stCondLst>
+                            <p:childTnLst>
+                              <p:par>
+                                <p:cTn id="45" presetID="16" presetClass="entr" presetSubtype="21" fill="hold" grpId="0" nodeType="clickEffect">
+                                  <p:stCondLst>
+                                    <p:cond delay="0"/>
+                                  </p:stCondLst>
+                                  <p:childTnLst>
+                                    <p:set>
+                                      <p:cBhvr>
+                                        <p:cTn id="46" dur="1" fill="hold">
+                                          <p:stCondLst>
+                                            <p:cond delay="0"/>
+                                          </p:stCondLst>
+                                        </p:cTn>
+                                        <p:tgtEl>
+                                          <p:spTgt spid="13"/>
+                                        </p:tgtEl>
+                                        <p:attrNameLst>
+                                          <p:attrName>style.visibility</p:attrName>
+                                        </p:attrNameLst>
+                                      </p:cBhvr>
+                                      <p:to>
+                                        <p:strVal val="visible"/>
+                                      </p:to>
+                                    </p:set>
+                                    <p:animEffect transition="in" filter="barn(inVertical)">
+                                      <p:cBhvr>
+                                        <p:cTn id="47" dur="500"/>
+                                        <p:tgtEl>
+                                          <p:spTgt spid="13"/>
+                                        </p:tgtEl>
+                                      </p:cBhvr>
+                                    </p:animEffect>
+                                  </p:childTnLst>
+                                </p:cTn>
+                              </p:par>
+                            </p:childTnLst>
+                          </p:cTn>
+                        </p:par>
+                      </p:childTnLst>
+                    </p:cTn>
+                  </p:par>
+                  <p:par>
+                    <p:cTn id="48" fill="hold">
+                      <p:stCondLst>
+                        <p:cond delay="indefinite"/>
+                      </p:stCondLst>
+                      <p:childTnLst>
+                        <p:par>
+                          <p:cTn id="49" fill="hold">
+                            <p:stCondLst>
+                              <p:cond delay="0"/>
+                            </p:stCondLst>
+                            <p:childTnLst>
+                              <p:par>
+                                <p:cTn id="50" presetID="16" presetClass="entr" presetSubtype="21" fill="hold" grpId="0" nodeType="clickEffect">
+                                  <p:stCondLst>
+                                    <p:cond delay="0"/>
+                                  </p:stCondLst>
+                                  <p:childTnLst>
+                                    <p:set>
+                                      <p:cBhvr>
+                                        <p:cTn id="51" dur="1" fill="hold">
+                                          <p:stCondLst>
+                                            <p:cond delay="0"/>
+                                          </p:stCondLst>
+                                        </p:cTn>
+                                        <p:tgtEl>
+                                          <p:spTgt spid="14"/>
+                                        </p:tgtEl>
+                                        <p:attrNameLst>
+                                          <p:attrName>style.visibility</p:attrName>
+                                        </p:attrNameLst>
+                                      </p:cBhvr>
+                                      <p:to>
+                                        <p:strVal val="visible"/>
+                                      </p:to>
+                                    </p:set>
+                                    <p:animEffect transition="in" filter="barn(inVertical)">
+                                      <p:cBhvr>
+                                        <p:cTn id="52" dur="500"/>
+                                        <p:tgtEl>
+                                          <p:spTgt spid="14"/>
+                                        </p:tgtEl>
+                                      </p:cBhvr>
+                                    </p:animEffect>
+                                  </p:childTnLst>
+                                </p:cTn>
+                              </p:par>
+                            </p:childTnLst>
+                          </p:cTn>
+                        </p:par>
+                      </p:childTnLst>
+                    </p:cTn>
+                  </p:par>
+                  <p:par>
+                    <p:cTn id="53" fill="hold">
+                      <p:stCondLst>
+                        <p:cond delay="indefinite"/>
+                      </p:stCondLst>
+                      <p:childTnLst>
+                        <p:par>
+                          <p:cTn id="54" fill="hold">
+                            <p:stCondLst>
+                              <p:cond delay="0"/>
+                            </p:stCondLst>
+                            <p:childTnLst>
+                              <p:par>
+                                <p:cTn id="55" presetID="16" presetClass="entr" presetSubtype="21" fill="hold" grpId="0" nodeType="clickEffect">
+                                  <p:stCondLst>
+                                    <p:cond delay="0"/>
+                                  </p:stCondLst>
+                                  <p:childTnLst>
+                                    <p:set>
+                                      <p:cBhvr>
+                                        <p:cTn id="56" dur="1" fill="hold">
+                                          <p:stCondLst>
+                                            <p:cond delay="0"/>
+                                          </p:stCondLst>
+                                        </p:cTn>
+                                        <p:tgtEl>
+                                          <p:spTgt spid="15"/>
+                                        </p:tgtEl>
+                                        <p:attrNameLst>
+                                          <p:attrName>style.visibility</p:attrName>
+                                        </p:attrNameLst>
+                                      </p:cBhvr>
+                                      <p:to>
+                                        <p:strVal val="visible"/>
+                                      </p:to>
+                                    </p:set>
+                                    <p:animEffect transition="in" filter="barn(inVertical)">
+                                      <p:cBhvr>
+                                        <p:cTn id="57" dur="500"/>
+                                        <p:tgtEl>
+                                          <p:spTgt spid="15"/>
+                                        </p:tgtEl>
+                                      </p:cBhvr>
+                                    </p:animEffect>
+                                  </p:childTnLst>
+                                </p:cTn>
+                              </p:par>
+                            </p:childTnLst>
+                          </p:cTn>
+                        </p:par>
+                      </p:childTnLst>
+                    </p:cTn>
+                  </p:par>
+                </p:childTnLst>
+              </p:cTn>
+              <p:prevCondLst>
+                <p:cond evt="onPrev" delay="0">
+                  <p:tgtEl>
+                    <p:sldTgt/>
+                  </p:tgtEl>
+                </p:cond>
+              </p:prevCondLst>
+              <p:nextCondLst>
+                <p:cond evt="onNext" delay="0">
+                  <p:tgtEl>
+                    <p:sldTgt/>
+                  </p:tgtEl>
+                </p:cond>
+              </p:nextCondLst>
+            </p:seq>
+          </p:childTnLst>
+        </p:cTn>
+      </p:par>
+    </p:tnLst>
+    <p:bldLst>
+      <p:bldP spid="2" grpId="0"/>
+      <p:bldP spid="4" grpId="0"/>
+      <p:bldP spid="5" grpId="0"/>
+      <p:bldP spid="6" grpId="0"/>
+      <p:bldP spid="10" grpId="0" animBg="1"/>
+      <p:bldP spid="11" grpId="0"/>
+      <p:bldP spid="12" grpId="0" animBg="1"/>
+      <p:bldP spid="13" grpId="0"/>
+      <p:bldP spid="14" grpId="0" animBg="1"/>
+      <p:bldP spid="15" grpId="0" animBg="1"/>
+    </p:bldLst>
+  </p:timing>
+</p:sld>
+</file>
+
+<file path=ppt/slides/slide4.xml><?xml version="1.0" encoding="utf-8"?>
+<p:sld xmlns:a="http://schemas.openxmlformats.org/drawingml/2006/main" xmlns:r="http://schemas.openxmlformats.org/officeDocument/2006/relationships" xmlns:p="http://schemas.openxmlformats.org/presentationml/2006/main">
+  <p:cSld>
+    <p:spTree>
+      <p:nvGrpSpPr>
+        <p:cNvPr id="1" name=""/>
+        <p:cNvGrpSpPr/>
+        <p:nvPr/>
+      </p:nvGrpSpPr>
+      <p:grpSpPr>
+        <a:xfrm>
+          <a:off x="0" y="0"/>
+          <a:ext cx="0" cy="0"/>
+          <a:chOff x="0" y="0"/>
+          <a:chExt cx="0" cy="0"/>
+        </a:xfrm>
+      </p:grpSpPr>
+      <p:sp>
+        <p:nvSpPr>
+          <p:cNvPr id="2" name="Cím 1"/>
+          <p:cNvSpPr>
+            <a:spLocks noGrp="1"/>
+          </p:cNvSpPr>
+          <p:nvPr>
+            <p:ph type="title"/>
+          </p:nvPr>
+        </p:nvSpPr>
+        <p:spPr>
+          <a:xfrm>
+            <a:off x="1175506" y="8389"/>
+            <a:ext cx="9948295" cy="1325563"/>
+          </a:xfrm>
+        </p:spPr>
+        <p:txBody>
+          <a:bodyPr/>
+          <a:lstStyle/>
+          <a:p>
+            <a:r>
+              <a:rPr lang="hu-HU" dirty="0"/>
+              <a:t>A </a:t>
+            </a:r>
+            <a:r>
+              <a:rPr lang="hu-HU" dirty="0" err="1"/>
+              <a:t>router-nek</a:t>
+            </a:r>
+            <a:r>
+              <a:rPr lang="hu-HU" dirty="0"/>
+              <a:t> az </a:t>
+            </a:r>
+            <a:r>
+              <a:rPr lang="hu-HU" dirty="0" err="1"/>
+              <a:t>ip</a:t>
+            </a:r>
+            <a:r>
+              <a:rPr lang="hu-HU" dirty="0"/>
+              <a:t> címe és egyéb beállításai</a:t>
+            </a:r>
+          </a:p>
+        </p:txBody>
+      </p:sp>
+      <p:sp>
+        <p:nvSpPr>
+          <p:cNvPr id="3" name="Tartalom helye 2"/>
+          <p:cNvSpPr>
+            <a:spLocks noGrp="1"/>
+          </p:cNvSpPr>
+          <p:nvPr>
+            <p:ph idx="1"/>
+          </p:nvPr>
+        </p:nvSpPr>
+        <p:spPr>
+          <a:xfrm>
+            <a:off x="-1" y="1325564"/>
+            <a:ext cx="8732939" cy="989798"/>
+          </a:xfrm>
+        </p:spPr>
+        <p:txBody>
+          <a:bodyPr>
+            <a:normAutofit/>
+          </a:bodyPr>
+          <a:lstStyle/>
+          <a:p>
+            <a:r>
+              <a:rPr lang="hu-HU" sz="1600" dirty="0"/>
+              <a:t>A külső hálózat ami a LASZLO és SZABO router között lett létrehozva az egy 192.168.10.10-es hálózat</a:t>
+            </a:r>
+          </a:p>
+        </p:txBody>
+      </p:sp>
+      <p:sp>
+        <p:nvSpPr>
+          <p:cNvPr id="6" name="Szövegdoboz 5"/>
+          <p:cNvSpPr txBox="1"/>
+          <p:nvPr/>
+        </p:nvSpPr>
+        <p:spPr>
+          <a:xfrm>
+            <a:off x="7623442" y="2811060"/>
+            <a:ext cx="3397084" cy="338554"/>
+          </a:xfrm>
+          <a:prstGeom prst="rect">
+            <a:avLst/>
+          </a:prstGeom>
+          <a:noFill/>
+        </p:spPr>
+        <p:txBody>
+          <a:bodyPr wrap="none" rtlCol="0">
+            <a:spAutoFit/>
+          </a:bodyPr>
+          <a:lstStyle/>
+          <a:p>
+            <a:r>
+              <a:rPr lang="hu-HU" sz="1600" dirty="0"/>
+              <a:t>/24-es maszkja van minden </a:t>
+            </a:r>
+            <a:r>
+              <a:rPr lang="hu-HU" sz="1600" dirty="0" err="1"/>
+              <a:t>ip</a:t>
+            </a:r>
+            <a:r>
+              <a:rPr lang="hu-HU" sz="1600" dirty="0"/>
+              <a:t> címének</a:t>
+            </a:r>
+          </a:p>
+        </p:txBody>
+      </p:sp>
+      <p:sp>
+        <p:nvSpPr>
+          <p:cNvPr id="8" name="Tartalom helye 2"/>
+          <p:cNvSpPr txBox="1">
+            <a:spLocks/>
+          </p:cNvSpPr>
+          <p:nvPr/>
+        </p:nvSpPr>
+        <p:spPr>
+          <a:xfrm>
+            <a:off x="152400" y="4827676"/>
+            <a:ext cx="8823952" cy="666170"/>
+          </a:xfrm>
+          <a:prstGeom prst="rect">
+            <a:avLst/>
+          </a:prstGeom>
+        </p:spPr>
+        <p:txBody>
+          <a:bodyPr vert="horz" lIns="91440" tIns="45720" rIns="91440" bIns="45720" rtlCol="0">
+            <a:normAutofit/>
+          </a:bodyPr>
+          <a:lstStyle>
+            <a:lvl1pPr marL="228600" indent="-228600" algn="l" defTabSz="914400" rtl="0" eaLnBrk="1" latinLnBrk="0" hangingPunct="1">
+              <a:lnSpc>
+                <a:spcPct val="90000"/>
+              </a:lnSpc>
+              <a:spcBef>
+                <a:spcPts val="1000"/>
+              </a:spcBef>
+              <a:buFont typeface="Arial" panose="020B0604020202020204" pitchFamily="34" charset="0"/>
+              <a:buChar char="•"/>
+              <a:defRPr sz="2800" kern="1200">
+                <a:solidFill>
+                  <a:schemeClr val="tx1"/>
+                </a:solidFill>
+                <a:latin typeface="+mn-lt"/>
+                <a:ea typeface="+mn-ea"/>
+                <a:cs typeface="+mn-cs"/>
+              </a:defRPr>
+            </a:lvl1pPr>
+            <a:lvl2pPr marL="685800" indent="-228600" algn="l" defTabSz="914400" rtl="0" eaLnBrk="1" latinLnBrk="0" hangingPunct="1">
+              <a:lnSpc>
+                <a:spcPct val="90000"/>
+              </a:lnSpc>
+              <a:spcBef>
+                <a:spcPts val="500"/>
+              </a:spcBef>
+              <a:buFont typeface="Arial" panose="020B0604020202020204" pitchFamily="34" charset="0"/>
+              <a:buChar char="•"/>
+              <a:defRPr sz="2400" kern="1200">
+                <a:solidFill>
+                  <a:schemeClr val="tx1"/>
+                </a:solidFill>
+                <a:latin typeface="+mn-lt"/>
+                <a:ea typeface="+mn-ea"/>
+                <a:cs typeface="+mn-cs"/>
+              </a:defRPr>
+            </a:lvl2pPr>
+            <a:lvl3pPr marL="1143000" indent="-228600" algn="l" defTabSz="914400" rtl="0" eaLnBrk="1" latinLnBrk="0" hangingPunct="1">
+              <a:lnSpc>
+                <a:spcPct val="90000"/>
+              </a:lnSpc>
+              <a:spcBef>
+                <a:spcPts val="500"/>
+              </a:spcBef>
+              <a:buFont typeface="Arial" panose="020B0604020202020204" pitchFamily="34" charset="0"/>
+              <a:buChar char="•"/>
+              <a:defRPr sz="2000" kern="1200">
+                <a:solidFill>
+                  <a:schemeClr val="tx1"/>
+                </a:solidFill>
+                <a:latin typeface="+mn-lt"/>
+                <a:ea typeface="+mn-ea"/>
+                <a:cs typeface="+mn-cs"/>
+              </a:defRPr>
+            </a:lvl3pPr>
+            <a:lvl4pPr marL="1600200" indent="-228600" algn="l" defTabSz="914400" rtl="0" eaLnBrk="1" latinLnBrk="0" hangingPunct="1">
+              <a:lnSpc>
+                <a:spcPct val="90000"/>
+              </a:lnSpc>
+              <a:spcBef>
+                <a:spcPts val="500"/>
+              </a:spcBef>
+              <a:buFont typeface="Arial" panose="020B0604020202020204" pitchFamily="34" charset="0"/>
+              <a:buChar char="•"/>
+              <a:defRPr sz="1800" kern="1200">
+                <a:solidFill>
+                  <a:schemeClr val="tx1"/>
+                </a:solidFill>
+                <a:latin typeface="+mn-lt"/>
+                <a:ea typeface="+mn-ea"/>
+                <a:cs typeface="+mn-cs"/>
+              </a:defRPr>
+            </a:lvl4pPr>
+            <a:lvl5pPr marL="2057400" indent="-228600" algn="l" defTabSz="914400" rtl="0" eaLnBrk="1" latinLnBrk="0" hangingPunct="1">
+              <a:lnSpc>
+                <a:spcPct val="90000"/>
+              </a:lnSpc>
+              <a:spcBef>
+                <a:spcPts val="500"/>
+              </a:spcBef>
+              <a:buFont typeface="Arial" panose="020B0604020202020204" pitchFamily="34" charset="0"/>
+              <a:buChar char="•"/>
+              <a:defRPr sz="1800" kern="1200">
+                <a:solidFill>
+                  <a:schemeClr val="tx1"/>
+                </a:solidFill>
+                <a:latin typeface="+mn-lt"/>
+                <a:ea typeface="+mn-ea"/>
+                <a:cs typeface="+mn-cs"/>
+              </a:defRPr>
+            </a:lvl5pPr>
+            <a:lvl6pPr marL="2514600" indent="-228600" algn="l" defTabSz="914400" rtl="0" eaLnBrk="1" latinLnBrk="0" hangingPunct="1">
+              <a:lnSpc>
+                <a:spcPct val="90000"/>
+              </a:lnSpc>
+              <a:spcBef>
+                <a:spcPts val="500"/>
+              </a:spcBef>
+              <a:buFont typeface="Arial" panose="020B0604020202020204" pitchFamily="34" charset="0"/>
+              <a:buChar char="•"/>
+              <a:defRPr sz="1800" kern="1200">
+                <a:solidFill>
+                  <a:schemeClr val="tx1"/>
+                </a:solidFill>
+                <a:latin typeface="+mn-lt"/>
+                <a:ea typeface="+mn-ea"/>
+                <a:cs typeface="+mn-cs"/>
+              </a:defRPr>
+            </a:lvl6pPr>
+            <a:lvl7pPr marL="2971800" indent="-228600" algn="l" defTabSz="914400" rtl="0" eaLnBrk="1" latinLnBrk="0" hangingPunct="1">
+              <a:lnSpc>
+                <a:spcPct val="90000"/>
+              </a:lnSpc>
+              <a:spcBef>
+                <a:spcPts val="500"/>
+              </a:spcBef>
+              <a:buFont typeface="Arial" panose="020B0604020202020204" pitchFamily="34" charset="0"/>
+              <a:buChar char="•"/>
+              <a:defRPr sz="1800" kern="1200">
+                <a:solidFill>
+                  <a:schemeClr val="tx1"/>
+                </a:solidFill>
+                <a:latin typeface="+mn-lt"/>
+                <a:ea typeface="+mn-ea"/>
+                <a:cs typeface="+mn-cs"/>
+              </a:defRPr>
+            </a:lvl7pPr>
+            <a:lvl8pPr marL="3429000" indent="-228600" algn="l" defTabSz="914400" rtl="0" eaLnBrk="1" latinLnBrk="0" hangingPunct="1">
+              <a:lnSpc>
+                <a:spcPct val="90000"/>
+              </a:lnSpc>
+              <a:spcBef>
+                <a:spcPts val="500"/>
+              </a:spcBef>
+              <a:buFont typeface="Arial" panose="020B0604020202020204" pitchFamily="34" charset="0"/>
+              <a:buChar char="•"/>
+              <a:defRPr sz="1800" kern="1200">
+                <a:solidFill>
+                  <a:schemeClr val="tx1"/>
+                </a:solidFill>
+                <a:latin typeface="+mn-lt"/>
+                <a:ea typeface="+mn-ea"/>
+                <a:cs typeface="+mn-cs"/>
+              </a:defRPr>
+            </a:lvl8pPr>
+            <a:lvl9pPr marL="3886200" indent="-228600" algn="l" defTabSz="914400" rtl="0" eaLnBrk="1" latinLnBrk="0" hangingPunct="1">
+              <a:lnSpc>
+                <a:spcPct val="90000"/>
+              </a:lnSpc>
+              <a:spcBef>
+                <a:spcPts val="500"/>
+              </a:spcBef>
+              <a:buFont typeface="Arial" panose="020B0604020202020204" pitchFamily="34" charset="0"/>
+              <a:buChar char="•"/>
+              <a:defRPr sz="1800" kern="1200">
+                <a:solidFill>
+                  <a:schemeClr val="tx1"/>
+                </a:solidFill>
+                <a:latin typeface="+mn-lt"/>
+                <a:ea typeface="+mn-ea"/>
+                <a:cs typeface="+mn-cs"/>
+              </a:defRPr>
+            </a:lvl9pPr>
+          </a:lstStyle>
+          <a:p>
+            <a:endParaRPr lang="hu-HU" sz="1600" dirty="0"/>
+          </a:p>
+        </p:txBody>
+      </p:sp>
+      <p:sp>
+        <p:nvSpPr>
+          <p:cNvPr id="11" name="Jobbra nyíl 10"/>
+          <p:cNvSpPr/>
+          <p:nvPr/>
+        </p:nvSpPr>
+        <p:spPr>
+          <a:xfrm rot="16200000">
+            <a:off x="10337580" y="2478981"/>
+            <a:ext cx="485353" cy="181088"/>
+          </a:xfrm>
+          <a:prstGeom prst="rightArrow">
+            <a:avLst/>
+          </a:prstGeom>
+          <a:effectLst>
+            <a:outerShdw blurRad="50800" dist="38100" dir="5400000" algn="t" rotWithShape="0">
+              <a:prstClr val="black">
+                <a:alpha val="40000"/>
+              </a:prstClr>
+            </a:outerShdw>
+          </a:effectLst>
+        </p:spPr>
+        <p:style>
+          <a:lnRef idx="1">
+            <a:schemeClr val="dk1"/>
+          </a:lnRef>
+          <a:fillRef idx="2">
+            <a:schemeClr val="dk1"/>
+          </a:fillRef>
+          <a:effectRef idx="1">
+            <a:schemeClr val="dk1"/>
+          </a:effectRef>
+          <a:fontRef idx="minor">
+            <a:schemeClr val="dk1"/>
+          </a:fontRef>
+        </p:style>
+        <p:txBody>
+          <a:bodyPr rtlCol="0" anchor="ctr"/>
+          <a:lstStyle/>
+          <a:p>
+            <a:pPr algn="ctr"/>
+            <a:endParaRPr lang="hu-HU"/>
+          </a:p>
+        </p:txBody>
+      </p:sp>
+      <p:sp>
+        <p:nvSpPr>
+          <p:cNvPr id="13" name="Tartalom helye 2"/>
+          <p:cNvSpPr txBox="1">
+            <a:spLocks/>
+          </p:cNvSpPr>
+          <p:nvPr/>
+        </p:nvSpPr>
+        <p:spPr>
+          <a:xfrm>
+            <a:off x="152399" y="4660263"/>
+            <a:ext cx="11281060" cy="666170"/>
+          </a:xfrm>
+          <a:prstGeom prst="rect">
+            <a:avLst/>
+          </a:prstGeom>
+        </p:spPr>
+        <p:txBody>
+          <a:bodyPr vert="horz" lIns="91440" tIns="45720" rIns="91440" bIns="45720" rtlCol="0">
+            <a:normAutofit/>
+          </a:bodyPr>
+          <a:lstStyle>
+            <a:lvl1pPr marL="228600" indent="-228600" algn="l" defTabSz="914400" rtl="0" eaLnBrk="1" latinLnBrk="0" hangingPunct="1">
+              <a:lnSpc>
+                <a:spcPct val="90000"/>
+              </a:lnSpc>
+              <a:spcBef>
+                <a:spcPts val="1000"/>
+              </a:spcBef>
+              <a:buFont typeface="Arial" panose="020B0604020202020204" pitchFamily="34" charset="0"/>
+              <a:buChar char="•"/>
+              <a:defRPr sz="2800" kern="1200">
+                <a:solidFill>
+                  <a:schemeClr val="tx1"/>
+                </a:solidFill>
+                <a:latin typeface="+mn-lt"/>
+                <a:ea typeface="+mn-ea"/>
+                <a:cs typeface="+mn-cs"/>
+              </a:defRPr>
+            </a:lvl1pPr>
+            <a:lvl2pPr marL="685800" indent="-228600" algn="l" defTabSz="914400" rtl="0" eaLnBrk="1" latinLnBrk="0" hangingPunct="1">
+              <a:lnSpc>
+                <a:spcPct val="90000"/>
+              </a:lnSpc>
+              <a:spcBef>
+                <a:spcPts val="500"/>
+              </a:spcBef>
+              <a:buFont typeface="Arial" panose="020B0604020202020204" pitchFamily="34" charset="0"/>
+              <a:buChar char="•"/>
+              <a:defRPr sz="2400" kern="1200">
+                <a:solidFill>
+                  <a:schemeClr val="tx1"/>
+                </a:solidFill>
+                <a:latin typeface="+mn-lt"/>
+                <a:ea typeface="+mn-ea"/>
+                <a:cs typeface="+mn-cs"/>
+              </a:defRPr>
+            </a:lvl2pPr>
+            <a:lvl3pPr marL="1143000" indent="-228600" algn="l" defTabSz="914400" rtl="0" eaLnBrk="1" latinLnBrk="0" hangingPunct="1">
+              <a:lnSpc>
+                <a:spcPct val="90000"/>
+              </a:lnSpc>
+              <a:spcBef>
+                <a:spcPts val="500"/>
+              </a:spcBef>
+              <a:buFont typeface="Arial" panose="020B0604020202020204" pitchFamily="34" charset="0"/>
+              <a:buChar char="•"/>
+              <a:defRPr sz="2000" kern="1200">
+                <a:solidFill>
+                  <a:schemeClr val="tx1"/>
+                </a:solidFill>
+                <a:latin typeface="+mn-lt"/>
+                <a:ea typeface="+mn-ea"/>
+                <a:cs typeface="+mn-cs"/>
+              </a:defRPr>
+            </a:lvl3pPr>
+            <a:lvl4pPr marL="1600200" indent="-228600" algn="l" defTabSz="914400" rtl="0" eaLnBrk="1" latinLnBrk="0" hangingPunct="1">
+              <a:lnSpc>
+                <a:spcPct val="90000"/>
+              </a:lnSpc>
+              <a:spcBef>
+                <a:spcPts val="500"/>
+              </a:spcBef>
+              <a:buFont typeface="Arial" panose="020B0604020202020204" pitchFamily="34" charset="0"/>
+              <a:buChar char="•"/>
+              <a:defRPr sz="1800" kern="1200">
+                <a:solidFill>
+                  <a:schemeClr val="tx1"/>
+                </a:solidFill>
+                <a:latin typeface="+mn-lt"/>
+                <a:ea typeface="+mn-ea"/>
+                <a:cs typeface="+mn-cs"/>
+              </a:defRPr>
+            </a:lvl4pPr>
+            <a:lvl5pPr marL="2057400" indent="-228600" algn="l" defTabSz="914400" rtl="0" eaLnBrk="1" latinLnBrk="0" hangingPunct="1">
+              <a:lnSpc>
+                <a:spcPct val="90000"/>
+              </a:lnSpc>
+              <a:spcBef>
+                <a:spcPts val="500"/>
+              </a:spcBef>
+              <a:buFont typeface="Arial" panose="020B0604020202020204" pitchFamily="34" charset="0"/>
+              <a:buChar char="•"/>
+              <a:defRPr sz="1800" kern="1200">
+                <a:solidFill>
+                  <a:schemeClr val="tx1"/>
+                </a:solidFill>
+                <a:latin typeface="+mn-lt"/>
+                <a:ea typeface="+mn-ea"/>
+                <a:cs typeface="+mn-cs"/>
+              </a:defRPr>
+            </a:lvl5pPr>
+            <a:lvl6pPr marL="2514600" indent="-228600" algn="l" defTabSz="914400" rtl="0" eaLnBrk="1" latinLnBrk="0" hangingPunct="1">
+              <a:lnSpc>
+                <a:spcPct val="90000"/>
+              </a:lnSpc>
+              <a:spcBef>
+                <a:spcPts val="500"/>
+              </a:spcBef>
+              <a:buFont typeface="Arial" panose="020B0604020202020204" pitchFamily="34" charset="0"/>
+              <a:buChar char="•"/>
+              <a:defRPr sz="1800" kern="1200">
+                <a:solidFill>
+                  <a:schemeClr val="tx1"/>
+                </a:solidFill>
+                <a:latin typeface="+mn-lt"/>
+                <a:ea typeface="+mn-ea"/>
+                <a:cs typeface="+mn-cs"/>
+              </a:defRPr>
+            </a:lvl6pPr>
+            <a:lvl7pPr marL="2971800" indent="-228600" algn="l" defTabSz="914400" rtl="0" eaLnBrk="1" latinLnBrk="0" hangingPunct="1">
+              <a:lnSpc>
+                <a:spcPct val="90000"/>
+              </a:lnSpc>
+              <a:spcBef>
+                <a:spcPts val="500"/>
+              </a:spcBef>
+              <a:buFont typeface="Arial" panose="020B0604020202020204" pitchFamily="34" charset="0"/>
+              <a:buChar char="•"/>
+              <a:defRPr sz="1800" kern="1200">
+                <a:solidFill>
+                  <a:schemeClr val="tx1"/>
+                </a:solidFill>
+                <a:latin typeface="+mn-lt"/>
+                <a:ea typeface="+mn-ea"/>
+                <a:cs typeface="+mn-cs"/>
+              </a:defRPr>
+            </a:lvl7pPr>
+            <a:lvl8pPr marL="3429000" indent="-228600" algn="l" defTabSz="914400" rtl="0" eaLnBrk="1" latinLnBrk="0" hangingPunct="1">
+              <a:lnSpc>
+                <a:spcPct val="90000"/>
+              </a:lnSpc>
+              <a:spcBef>
+                <a:spcPts val="500"/>
+              </a:spcBef>
+              <a:buFont typeface="Arial" panose="020B0604020202020204" pitchFamily="34" charset="0"/>
+              <a:buChar char="•"/>
+              <a:defRPr sz="1800" kern="1200">
+                <a:solidFill>
+                  <a:schemeClr val="tx1"/>
+                </a:solidFill>
+                <a:latin typeface="+mn-lt"/>
+                <a:ea typeface="+mn-ea"/>
+                <a:cs typeface="+mn-cs"/>
+              </a:defRPr>
+            </a:lvl8pPr>
+            <a:lvl9pPr marL="3886200" indent="-228600" algn="l" defTabSz="914400" rtl="0" eaLnBrk="1" latinLnBrk="0" hangingPunct="1">
+              <a:lnSpc>
+                <a:spcPct val="90000"/>
+              </a:lnSpc>
+              <a:spcBef>
+                <a:spcPts val="500"/>
+              </a:spcBef>
+              <a:buFont typeface="Arial" panose="020B0604020202020204" pitchFamily="34" charset="0"/>
+              <a:buChar char="•"/>
+              <a:defRPr sz="1800" kern="1200">
+                <a:solidFill>
+                  <a:schemeClr val="tx1"/>
+                </a:solidFill>
+                <a:latin typeface="+mn-lt"/>
+                <a:ea typeface="+mn-ea"/>
+                <a:cs typeface="+mn-cs"/>
+              </a:defRPr>
+            </a:lvl9pPr>
+          </a:lstStyle>
+          <a:p>
+            <a:r>
+              <a:rPr lang="hu-HU" sz="1600" dirty="0"/>
+              <a:t>Az eszközöknél a </a:t>
+            </a:r>
+            <a:r>
+              <a:rPr lang="hu-HU" sz="1600" dirty="0" err="1"/>
+              <a:t>console</a:t>
+            </a:r>
+            <a:r>
+              <a:rPr lang="hu-HU" sz="1600" dirty="0"/>
+              <a:t> , line </a:t>
+            </a:r>
+            <a:r>
+              <a:rPr lang="hu-HU" sz="1600" dirty="0" err="1"/>
+              <a:t>vty</a:t>
+            </a:r>
+            <a:r>
+              <a:rPr lang="hu-HU" sz="1600" dirty="0"/>
+              <a:t> 0 15 , és a </a:t>
+            </a:r>
+            <a:r>
+              <a:rPr lang="hu-HU" sz="1600" dirty="0" err="1"/>
+              <a:t>privelegizált</a:t>
+            </a:r>
+            <a:r>
+              <a:rPr lang="hu-HU" sz="1600" dirty="0"/>
+              <a:t> mód jelszavát adtuk meg és „service </a:t>
+            </a:r>
+            <a:r>
+              <a:rPr lang="hu-HU" sz="1600" dirty="0" err="1"/>
+              <a:t>password</a:t>
+            </a:r>
+            <a:r>
+              <a:rPr lang="hu-HU" sz="1600" dirty="0"/>
+              <a:t> </a:t>
+            </a:r>
+            <a:r>
+              <a:rPr lang="hu-HU" sz="1600" dirty="0" err="1"/>
+              <a:t>encyption</a:t>
+            </a:r>
+            <a:r>
+              <a:rPr lang="hu-HU" sz="1600" dirty="0"/>
+              <a:t>” </a:t>
+            </a:r>
+            <a:r>
+              <a:rPr lang="hu-HU" sz="1600" dirty="0" err="1"/>
+              <a:t>parancsal</a:t>
+            </a:r>
+            <a:r>
+              <a:rPr lang="hu-HU" sz="1600" dirty="0"/>
+              <a:t> le </a:t>
+            </a:r>
+            <a:r>
+              <a:rPr lang="hu-HU" sz="1600" dirty="0" err="1"/>
+              <a:t>titkosítottuk</a:t>
+            </a:r>
+            <a:r>
+              <a:rPr lang="hu-HU" sz="1600" dirty="0"/>
+              <a:t> őket</a:t>
+            </a:r>
+          </a:p>
+        </p:txBody>
+      </p:sp>
+      <p:sp>
+        <p:nvSpPr>
+          <p:cNvPr id="14" name="Tartalom helye 2"/>
+          <p:cNvSpPr txBox="1">
+            <a:spLocks/>
+          </p:cNvSpPr>
+          <p:nvPr/>
+        </p:nvSpPr>
+        <p:spPr>
+          <a:xfrm>
+            <a:off x="0" y="3227525"/>
+            <a:ext cx="8823952" cy="666170"/>
+          </a:xfrm>
+          <a:prstGeom prst="rect">
+            <a:avLst/>
+          </a:prstGeom>
+        </p:spPr>
+        <p:txBody>
+          <a:bodyPr vert="horz" lIns="91440" tIns="45720" rIns="91440" bIns="45720" rtlCol="0">
+            <a:normAutofit/>
+          </a:bodyPr>
+          <a:lstStyle>
+            <a:lvl1pPr marL="228600" indent="-228600" algn="l" defTabSz="914400" rtl="0" eaLnBrk="1" latinLnBrk="0" hangingPunct="1">
+              <a:lnSpc>
+                <a:spcPct val="90000"/>
+              </a:lnSpc>
+              <a:spcBef>
+                <a:spcPts val="1000"/>
+              </a:spcBef>
+              <a:buFont typeface="Arial" panose="020B0604020202020204" pitchFamily="34" charset="0"/>
+              <a:buChar char="•"/>
+              <a:defRPr sz="2800" kern="1200">
+                <a:solidFill>
+                  <a:schemeClr val="tx1"/>
+                </a:solidFill>
+                <a:latin typeface="+mn-lt"/>
+                <a:ea typeface="+mn-ea"/>
+                <a:cs typeface="+mn-cs"/>
+              </a:defRPr>
+            </a:lvl1pPr>
+            <a:lvl2pPr marL="685800" indent="-228600" algn="l" defTabSz="914400" rtl="0" eaLnBrk="1" latinLnBrk="0" hangingPunct="1">
+              <a:lnSpc>
+                <a:spcPct val="90000"/>
+              </a:lnSpc>
+              <a:spcBef>
+                <a:spcPts val="500"/>
+              </a:spcBef>
+              <a:buFont typeface="Arial" panose="020B0604020202020204" pitchFamily="34" charset="0"/>
+              <a:buChar char="•"/>
+              <a:defRPr sz="2400" kern="1200">
+                <a:solidFill>
+                  <a:schemeClr val="tx1"/>
+                </a:solidFill>
+                <a:latin typeface="+mn-lt"/>
+                <a:ea typeface="+mn-ea"/>
+                <a:cs typeface="+mn-cs"/>
+              </a:defRPr>
+            </a:lvl2pPr>
+            <a:lvl3pPr marL="1143000" indent="-228600" algn="l" defTabSz="914400" rtl="0" eaLnBrk="1" latinLnBrk="0" hangingPunct="1">
+              <a:lnSpc>
+                <a:spcPct val="90000"/>
+              </a:lnSpc>
+              <a:spcBef>
+                <a:spcPts val="500"/>
+              </a:spcBef>
+              <a:buFont typeface="Arial" panose="020B0604020202020204" pitchFamily="34" charset="0"/>
+              <a:buChar char="•"/>
+              <a:defRPr sz="2000" kern="1200">
+                <a:solidFill>
+                  <a:schemeClr val="tx1"/>
+                </a:solidFill>
+                <a:latin typeface="+mn-lt"/>
+                <a:ea typeface="+mn-ea"/>
+                <a:cs typeface="+mn-cs"/>
+              </a:defRPr>
+            </a:lvl3pPr>
+            <a:lvl4pPr marL="1600200" indent="-228600" algn="l" defTabSz="914400" rtl="0" eaLnBrk="1" latinLnBrk="0" hangingPunct="1">
+              <a:lnSpc>
+                <a:spcPct val="90000"/>
+              </a:lnSpc>
+              <a:spcBef>
+                <a:spcPts val="500"/>
+              </a:spcBef>
+              <a:buFont typeface="Arial" panose="020B0604020202020204" pitchFamily="34" charset="0"/>
+              <a:buChar char="•"/>
+              <a:defRPr sz="1800" kern="1200">
+                <a:solidFill>
+                  <a:schemeClr val="tx1"/>
+                </a:solidFill>
+                <a:latin typeface="+mn-lt"/>
+                <a:ea typeface="+mn-ea"/>
+                <a:cs typeface="+mn-cs"/>
+              </a:defRPr>
+            </a:lvl4pPr>
+            <a:lvl5pPr marL="2057400" indent="-228600" algn="l" defTabSz="914400" rtl="0" eaLnBrk="1" latinLnBrk="0" hangingPunct="1">
+              <a:lnSpc>
+                <a:spcPct val="90000"/>
+              </a:lnSpc>
+              <a:spcBef>
+                <a:spcPts val="500"/>
+              </a:spcBef>
+              <a:buFont typeface="Arial" panose="020B0604020202020204" pitchFamily="34" charset="0"/>
+              <a:buChar char="•"/>
+              <a:defRPr sz="1800" kern="1200">
+                <a:solidFill>
+                  <a:schemeClr val="tx1"/>
+                </a:solidFill>
+                <a:latin typeface="+mn-lt"/>
+                <a:ea typeface="+mn-ea"/>
+                <a:cs typeface="+mn-cs"/>
+              </a:defRPr>
+            </a:lvl5pPr>
+            <a:lvl6pPr marL="2514600" indent="-228600" algn="l" defTabSz="914400" rtl="0" eaLnBrk="1" latinLnBrk="0" hangingPunct="1">
+              <a:lnSpc>
+                <a:spcPct val="90000"/>
+              </a:lnSpc>
+              <a:spcBef>
+                <a:spcPts val="500"/>
+              </a:spcBef>
+              <a:buFont typeface="Arial" panose="020B0604020202020204" pitchFamily="34" charset="0"/>
+              <a:buChar char="•"/>
+              <a:defRPr sz="1800" kern="1200">
+                <a:solidFill>
+                  <a:schemeClr val="tx1"/>
+                </a:solidFill>
+                <a:latin typeface="+mn-lt"/>
+                <a:ea typeface="+mn-ea"/>
+                <a:cs typeface="+mn-cs"/>
+              </a:defRPr>
+            </a:lvl6pPr>
+            <a:lvl7pPr marL="2971800" indent="-228600" algn="l" defTabSz="914400" rtl="0" eaLnBrk="1" latinLnBrk="0" hangingPunct="1">
+              <a:lnSpc>
+                <a:spcPct val="90000"/>
+              </a:lnSpc>
+              <a:spcBef>
+                <a:spcPts val="500"/>
+              </a:spcBef>
+              <a:buFont typeface="Arial" panose="020B0604020202020204" pitchFamily="34" charset="0"/>
+              <a:buChar char="•"/>
+              <a:defRPr sz="1800" kern="1200">
+                <a:solidFill>
+                  <a:schemeClr val="tx1"/>
+                </a:solidFill>
+                <a:latin typeface="+mn-lt"/>
+                <a:ea typeface="+mn-ea"/>
+                <a:cs typeface="+mn-cs"/>
+              </a:defRPr>
+            </a:lvl7pPr>
+            <a:lvl8pPr marL="3429000" indent="-228600" algn="l" defTabSz="914400" rtl="0" eaLnBrk="1" latinLnBrk="0" hangingPunct="1">
+              <a:lnSpc>
+                <a:spcPct val="90000"/>
+              </a:lnSpc>
+              <a:spcBef>
+                <a:spcPts val="500"/>
+              </a:spcBef>
+              <a:buFont typeface="Arial" panose="020B0604020202020204" pitchFamily="34" charset="0"/>
+              <a:buChar char="•"/>
+              <a:defRPr sz="1800" kern="1200">
+                <a:solidFill>
+                  <a:schemeClr val="tx1"/>
+                </a:solidFill>
+                <a:latin typeface="+mn-lt"/>
+                <a:ea typeface="+mn-ea"/>
+                <a:cs typeface="+mn-cs"/>
+              </a:defRPr>
+            </a:lvl8pPr>
+            <a:lvl9pPr marL="3886200" indent="-228600" algn="l" defTabSz="914400" rtl="0" eaLnBrk="1" latinLnBrk="0" hangingPunct="1">
+              <a:lnSpc>
+                <a:spcPct val="90000"/>
+              </a:lnSpc>
+              <a:spcBef>
+                <a:spcPts val="500"/>
+              </a:spcBef>
+              <a:buFont typeface="Arial" panose="020B0604020202020204" pitchFamily="34" charset="0"/>
+              <a:buChar char="•"/>
+              <a:defRPr sz="1800" kern="1200">
+                <a:solidFill>
+                  <a:schemeClr val="tx1"/>
+                </a:solidFill>
+                <a:latin typeface="+mn-lt"/>
+                <a:ea typeface="+mn-ea"/>
+                <a:cs typeface="+mn-cs"/>
+              </a:defRPr>
+            </a:lvl9pPr>
+          </a:lstStyle>
+          <a:p>
+            <a:r>
+              <a:rPr lang="hu-HU" sz="1600" dirty="0"/>
+              <a:t>A belső hálózat ami a router és a </a:t>
+            </a:r>
+            <a:r>
+              <a:rPr lang="hu-HU" sz="1600" dirty="0" err="1"/>
+              <a:t>switch</a:t>
+            </a:r>
+            <a:r>
+              <a:rPr lang="hu-HU" sz="1600" dirty="0"/>
+              <a:t> között lett létrehozva egy 192.168.11.21-es </a:t>
+            </a:r>
+            <a:r>
+              <a:rPr lang="hu-HU" sz="1600" dirty="0" err="1"/>
+              <a:t>ip</a:t>
+            </a:r>
+            <a:r>
+              <a:rPr lang="hu-HU" sz="1600" dirty="0"/>
+              <a:t> címet állítottam be a Gigabit Ethernet G0/0-ás interfészbe  </a:t>
+            </a:r>
+          </a:p>
+        </p:txBody>
+      </p:sp>
+      <p:sp>
+        <p:nvSpPr>
+          <p:cNvPr id="15" name="Szövegdoboz 14"/>
+          <p:cNvSpPr txBox="1"/>
+          <p:nvPr/>
+        </p:nvSpPr>
+        <p:spPr>
+          <a:xfrm>
+            <a:off x="2109198" y="5103674"/>
+            <a:ext cx="3024864" cy="1754326"/>
+          </a:xfrm>
+          <a:prstGeom prst="rect">
+            <a:avLst/>
+          </a:prstGeom>
+          <a:noFill/>
+        </p:spPr>
+        <p:txBody>
+          <a:bodyPr wrap="square" rtlCol="0">
+            <a:spAutoFit/>
+          </a:bodyPr>
+          <a:lstStyle/>
+          <a:p>
+            <a:pPr marL="285750" indent="-285750">
+              <a:buFont typeface="Arial" panose="020B0604020202020204" pitchFamily="34" charset="0"/>
+              <a:buChar char="•"/>
+            </a:pPr>
+            <a:r>
+              <a:rPr lang="hu-HU" dirty="0" err="1"/>
+              <a:t>Console</a:t>
+            </a:r>
+            <a:r>
+              <a:rPr lang="hu-HU" dirty="0"/>
+              <a:t>:</a:t>
+            </a:r>
+          </a:p>
+          <a:p>
+            <a:r>
+              <a:rPr lang="hu-HU" dirty="0"/>
+              <a:t>	     </a:t>
+            </a:r>
+            <a:r>
+              <a:rPr lang="hu-HU" b="1" dirty="0"/>
+              <a:t>LASZLO-RT</a:t>
+            </a:r>
+          </a:p>
+          <a:p>
+            <a:pPr marL="285750" indent="-285750">
+              <a:buFont typeface="Arial" panose="020B0604020202020204" pitchFamily="34" charset="0"/>
+              <a:buChar char="•"/>
+            </a:pPr>
+            <a:r>
+              <a:rPr lang="hu-HU" dirty="0" err="1"/>
+              <a:t>Privelegizált</a:t>
+            </a:r>
+            <a:r>
+              <a:rPr lang="hu-HU" dirty="0"/>
+              <a:t>: </a:t>
+            </a:r>
+          </a:p>
+          <a:p>
+            <a:r>
+              <a:rPr lang="hu-HU" dirty="0"/>
+              <a:t>                            </a:t>
+            </a:r>
+            <a:r>
+              <a:rPr lang="hu-HU" b="1" dirty="0"/>
+              <a:t>LASZlO123</a:t>
+            </a:r>
+          </a:p>
+          <a:p>
+            <a:pPr marL="285750" indent="-285750">
+              <a:buFont typeface="Arial" panose="020B0604020202020204" pitchFamily="34" charset="0"/>
+              <a:buChar char="•"/>
+            </a:pPr>
+            <a:r>
+              <a:rPr lang="hu-HU" dirty="0"/>
+              <a:t>Line </a:t>
+            </a:r>
+            <a:r>
+              <a:rPr lang="hu-HU" dirty="0" err="1"/>
+              <a:t>vty</a:t>
+            </a:r>
+            <a:r>
+              <a:rPr lang="hu-HU" dirty="0"/>
+              <a:t> 0 15:</a:t>
+            </a:r>
+          </a:p>
+          <a:p>
+            <a:r>
+              <a:rPr lang="hu-HU" dirty="0"/>
+              <a:t>	            </a:t>
+            </a:r>
+            <a:r>
+              <a:rPr lang="hu-HU" b="1" dirty="0"/>
+              <a:t>LASZLO-LINE</a:t>
+            </a:r>
+          </a:p>
+        </p:txBody>
+      </p:sp>
+      <p:sp>
+        <p:nvSpPr>
+          <p:cNvPr id="16" name="Szövegdoboz 15"/>
+          <p:cNvSpPr txBox="1"/>
+          <p:nvPr/>
+        </p:nvSpPr>
+        <p:spPr>
+          <a:xfrm>
+            <a:off x="6220435" y="5657671"/>
+            <a:ext cx="5025006" cy="646331"/>
+          </a:xfrm>
+          <a:prstGeom prst="rect">
+            <a:avLst/>
+          </a:prstGeom>
+          <a:noFill/>
+        </p:spPr>
+        <p:txBody>
+          <a:bodyPr wrap="square" rtlCol="0">
+            <a:spAutoFit/>
+          </a:bodyPr>
+          <a:lstStyle/>
+          <a:p>
+            <a:r>
+              <a:rPr lang="hu-HU" b="1" dirty="0"/>
+              <a:t>MOTD:</a:t>
+            </a:r>
+          </a:p>
+          <a:p>
+            <a:r>
+              <a:rPr lang="hu-HU" dirty="0">
+                <a:effectLst/>
+              </a:rPr>
+              <a:t>	</a:t>
+            </a:r>
+            <a:r>
+              <a:rPr lang="hu-HU" dirty="0" err="1">
+                <a:effectLst/>
+              </a:rPr>
+              <a:t>Laszlo</a:t>
+            </a:r>
+            <a:r>
+              <a:rPr lang="hu-HU" dirty="0">
+                <a:effectLst/>
+              </a:rPr>
+              <a:t> </a:t>
+            </a:r>
+            <a:r>
+              <a:rPr lang="hu-HU" dirty="0" err="1">
+                <a:effectLst/>
+              </a:rPr>
+              <a:t>csalad</a:t>
+            </a:r>
+            <a:r>
+              <a:rPr lang="hu-HU" dirty="0">
+                <a:effectLst/>
+              </a:rPr>
+              <a:t> routere ne lepjen be!</a:t>
+            </a:r>
+            <a:endParaRPr lang="hu-HU" dirty="0"/>
+          </a:p>
+        </p:txBody>
+      </p:sp>
+      <p:pic>
+        <p:nvPicPr>
+          <p:cNvPr id="7" name="Kép 6">
+            <a:extLst>
+              <a:ext uri="{FF2B5EF4-FFF2-40B4-BE49-F238E27FC236}">
+                <a16:creationId xmlns:a16="http://schemas.microsoft.com/office/drawing/2014/main" id="{C8DAA3B4-758E-4D2F-B9FB-9E20E1556275}"/>
+              </a:ext>
+            </a:extLst>
+          </p:cNvPr>
+          <p:cNvPicPr>
+            <a:picLocks noChangeAspect="1"/>
+          </p:cNvPicPr>
+          <p:nvPr/>
+        </p:nvPicPr>
+        <p:blipFill>
+          <a:blip r:embed="rId2">
+            <a:extLst>
+              <a:ext uri="{28A0092B-C50C-407E-A947-70E740481C1C}">
+                <a14:useLocalDpi xmlns:a14="http://schemas.microsoft.com/office/drawing/2010/main" val="0"/>
+              </a:ext>
+            </a:extLst>
+          </a:blip>
+          <a:stretch>
+            <a:fillRect/>
+          </a:stretch>
+        </p:blipFill>
+        <p:spPr>
+          <a:xfrm>
+            <a:off x="8766570" y="3708387"/>
+            <a:ext cx="3301256" cy="655484"/>
+          </a:xfrm>
+          <a:prstGeom prst="rect">
+            <a:avLst/>
+          </a:prstGeom>
+        </p:spPr>
+      </p:pic>
+      <p:pic>
+        <p:nvPicPr>
+          <p:cNvPr id="12" name="Kép 11">
+            <a:extLst>
+              <a:ext uri="{FF2B5EF4-FFF2-40B4-BE49-F238E27FC236}">
+                <a16:creationId xmlns:a16="http://schemas.microsoft.com/office/drawing/2014/main" id="{DA513E65-D006-4D64-8E3B-7B6C5F7033D0}"/>
+              </a:ext>
+            </a:extLst>
+          </p:cNvPr>
+          <p:cNvPicPr>
+            <a:picLocks noChangeAspect="1"/>
+          </p:cNvPicPr>
+          <p:nvPr/>
+        </p:nvPicPr>
+        <p:blipFill>
+          <a:blip r:embed="rId3">
+            <a:extLst>
+              <a:ext uri="{28A0092B-C50C-407E-A947-70E740481C1C}">
+                <a14:useLocalDpi xmlns:a14="http://schemas.microsoft.com/office/drawing/2010/main" val="0"/>
+              </a:ext>
+            </a:extLst>
+          </a:blip>
+          <a:stretch>
+            <a:fillRect/>
+          </a:stretch>
+        </p:blipFill>
+        <p:spPr>
+          <a:xfrm>
+            <a:off x="8700779" y="1244989"/>
+            <a:ext cx="3439446" cy="738754"/>
+          </a:xfrm>
+          <a:prstGeom prst="rect">
+            <a:avLst/>
+          </a:prstGeom>
+        </p:spPr>
+      </p:pic>
+    </p:spTree>
+    <p:extLst>
+      <p:ext uri="{BB962C8B-B14F-4D97-AF65-F5344CB8AC3E}">
+        <p14:creationId xmlns:p14="http://schemas.microsoft.com/office/powerpoint/2010/main" val="4271831881"/>
+      </p:ext>
+    </p:extLst>
+  </p:cSld>
+  <p:clrMapOvr>
+    <a:masterClrMapping/>
+  </p:clrMapOvr>
+  <p:transition spd="slow">
+    <p:wipe/>
+  </p:transition>
+  <p:timing>
+    <p:tnLst>
+      <p:par>
+        <p:cTn id="1" dur="indefinite" restart="never" nodeType="tmRoot">
+          <p:childTnLst>
+            <p:seq concurrent="1" nextAc="seek">
+              <p:cTn id="2" dur="indefinite" nodeType="mainSeq">
+                <p:childTnLst>
+                  <p:par>
+                    <p:cTn id="3" fill="hold">
+                      <p:stCondLst>
+                        <p:cond delay="indefinite"/>
+                      </p:stCondLst>
+                      <p:childTnLst>
+                        <p:par>
+                          <p:cTn id="4" fill="hold">
+                            <p:stCondLst>
+                              <p:cond delay="0"/>
+                            </p:stCondLst>
+                            <p:childTnLst>
+                              <p:par>
+                                <p:cTn id="5" presetID="2" presetClass="entr" presetSubtype="4" fill="hold" grpId="0" nodeType="clickEffect">
+                                  <p:stCondLst>
+                                    <p:cond delay="0"/>
+                                  </p:stCondLst>
+                                  <p:childTnLst>
+                                    <p:set>
+                                      <p:cBhvr>
+                                        <p:cTn id="6" dur="1" fill="hold">
+                                          <p:stCondLst>
+                                            <p:cond delay="0"/>
+                                          </p:stCondLst>
+                                        </p:cTn>
+                                        <p:tgtEl>
+                                          <p:spTgt spid="2"/>
+                                        </p:tgtEl>
+                                        <p:attrNameLst>
+                                          <p:attrName>style.visibility</p:attrName>
+                                        </p:attrNameLst>
+                                      </p:cBhvr>
+                                      <p:to>
+                                        <p:strVal val="visible"/>
+                                      </p:to>
+                                    </p:set>
+                                    <p:anim calcmode="lin" valueType="num">
+                                      <p:cBhvr additive="base">
+                                        <p:cTn id="7" dur="500" fill="hold"/>
+                                        <p:tgtEl>
+                                          <p:spTgt spid="2"/>
+                                        </p:tgtEl>
+                                        <p:attrNameLst>
+                                          <p:attrName>ppt_x</p:attrName>
+                                        </p:attrNameLst>
+                                      </p:cBhvr>
+                                      <p:tavLst>
+                                        <p:tav tm="0">
+                                          <p:val>
+                                            <p:strVal val="#ppt_x"/>
+                                          </p:val>
+                                        </p:tav>
+                                        <p:tav tm="100000">
+                                          <p:val>
+                                            <p:strVal val="#ppt_x"/>
+                                          </p:val>
+                                        </p:tav>
+                                      </p:tavLst>
+                                    </p:anim>
+                                    <p:anim calcmode="lin" valueType="num">
+                                      <p:cBhvr additive="base">
+                                        <p:cTn id="8" dur="500" fill="hold"/>
+                                        <p:tgtEl>
+                                          <p:spTgt spid="2"/>
+                                        </p:tgtEl>
+                                        <p:attrNameLst>
+                                          <p:attrName>ppt_y</p:attrName>
+                                        </p:attrNameLst>
+                                      </p:cBhvr>
+                                      <p:tavLst>
+                                        <p:tav tm="0">
+                                          <p:val>
+                                            <p:strVal val="1+#ppt_h/2"/>
+                                          </p:val>
+                                        </p:tav>
+                                        <p:tav tm="100000">
+                                          <p:val>
+                                            <p:strVal val="#ppt_y"/>
+                                          </p:val>
+                                        </p:tav>
+                                      </p:tavLst>
+                                    </p:anim>
+                                  </p:childTnLst>
+                                </p:cTn>
+                              </p:par>
+                            </p:childTnLst>
+                          </p:cTn>
+                        </p:par>
+                      </p:childTnLst>
+                    </p:cTn>
+                  </p:par>
+                  <p:par>
+                    <p:cTn id="9" fill="hold">
+                      <p:stCondLst>
+                        <p:cond delay="indefinite"/>
+                      </p:stCondLst>
+                      <p:childTnLst>
+                        <p:par>
+                          <p:cTn id="10" fill="hold">
+                            <p:stCondLst>
+                              <p:cond delay="0"/>
+                            </p:stCondLst>
+                            <p:childTnLst>
+                              <p:par>
+                                <p:cTn id="11" presetID="31" presetClass="entr" presetSubtype="0" fill="hold" nodeType="clickEffect">
+                                  <p:stCondLst>
+                                    <p:cond delay="0"/>
+                                  </p:stCondLst>
+                                  <p:childTnLst>
+                                    <p:set>
+                                      <p:cBhvr>
+                                        <p:cTn id="12" dur="1" fill="hold">
+                                          <p:stCondLst>
+                                            <p:cond delay="0"/>
+                                          </p:stCondLst>
+                                        </p:cTn>
+                                        <p:tgtEl>
+                                          <p:spTgt spid="3">
+                                            <p:txEl>
+                                              <p:pRg st="0" end="0"/>
+                                            </p:txEl>
+                                          </p:spTgt>
+                                        </p:tgtEl>
+                                        <p:attrNameLst>
+                                          <p:attrName>style.visibility</p:attrName>
+                                        </p:attrNameLst>
+                                      </p:cBhvr>
+                                      <p:to>
+                                        <p:strVal val="visible"/>
+                                      </p:to>
+                                    </p:set>
+                                    <p:anim calcmode="lin" valueType="num">
+                                      <p:cBhvr>
+                                        <p:cTn id="13" dur="1000" fill="hold"/>
+                                        <p:tgtEl>
+                                          <p:spTgt spid="3">
+                                            <p:txEl>
+                                              <p:pRg st="0" end="0"/>
+                                            </p:txEl>
+                                          </p:spTgt>
+                                        </p:tgtEl>
+                                        <p:attrNameLst>
+                                          <p:attrName>ppt_w</p:attrName>
+                                        </p:attrNameLst>
+                                      </p:cBhvr>
+                                      <p:tavLst>
+                                        <p:tav tm="0">
+                                          <p:val>
+                                            <p:fltVal val="0"/>
+                                          </p:val>
+                                        </p:tav>
+                                        <p:tav tm="100000">
+                                          <p:val>
+                                            <p:strVal val="#ppt_w"/>
+                                          </p:val>
+                                        </p:tav>
+                                      </p:tavLst>
+                                    </p:anim>
+                                    <p:anim calcmode="lin" valueType="num">
+                                      <p:cBhvr>
+                                        <p:cTn id="14" dur="1000" fill="hold"/>
+                                        <p:tgtEl>
+                                          <p:spTgt spid="3">
+                                            <p:txEl>
+                                              <p:pRg st="0" end="0"/>
+                                            </p:txEl>
+                                          </p:spTgt>
+                                        </p:tgtEl>
+                                        <p:attrNameLst>
+                                          <p:attrName>ppt_h</p:attrName>
+                                        </p:attrNameLst>
+                                      </p:cBhvr>
+                                      <p:tavLst>
+                                        <p:tav tm="0">
+                                          <p:val>
+                                            <p:fltVal val="0"/>
+                                          </p:val>
+                                        </p:tav>
+                                        <p:tav tm="100000">
+                                          <p:val>
+                                            <p:strVal val="#ppt_h"/>
+                                          </p:val>
+                                        </p:tav>
+                                      </p:tavLst>
+                                    </p:anim>
+                                    <p:anim calcmode="lin" valueType="num">
+                                      <p:cBhvr>
+                                        <p:cTn id="15" dur="1000" fill="hold"/>
+                                        <p:tgtEl>
+                                          <p:spTgt spid="3">
+                                            <p:txEl>
+                                              <p:pRg st="0" end="0"/>
+                                            </p:txEl>
+                                          </p:spTgt>
+                                        </p:tgtEl>
+                                        <p:attrNameLst>
+                                          <p:attrName>style.rotation</p:attrName>
+                                        </p:attrNameLst>
+                                      </p:cBhvr>
+                                      <p:tavLst>
+                                        <p:tav tm="0">
+                                          <p:val>
+                                            <p:fltVal val="90"/>
+                                          </p:val>
+                                        </p:tav>
+                                        <p:tav tm="100000">
+                                          <p:val>
+                                            <p:fltVal val="0"/>
+                                          </p:val>
+                                        </p:tav>
+                                      </p:tavLst>
+                                    </p:anim>
+                                    <p:animEffect transition="in" filter="fade">
+                                      <p:cBhvr>
+                                        <p:cTn id="16" dur="1000"/>
+                                        <p:tgtEl>
+                                          <p:spTgt spid="3">
+                                            <p:txEl>
+                                              <p:pRg st="0" end="0"/>
+                                            </p:txEl>
+                                          </p:spTgt>
+                                        </p:tgtEl>
+                                      </p:cBhvr>
+                                    </p:animEffect>
+                                  </p:childTnLst>
+                                </p:cTn>
+                              </p:par>
+                            </p:childTnLst>
+                          </p:cTn>
+                        </p:par>
+                      </p:childTnLst>
+                    </p:cTn>
+                  </p:par>
+                  <p:par>
+                    <p:cTn id="17" fill="hold">
+                      <p:stCondLst>
+                        <p:cond delay="indefinite"/>
+                      </p:stCondLst>
+                      <p:childTnLst>
+                        <p:par>
+                          <p:cTn id="18" fill="hold">
+                            <p:stCondLst>
+                              <p:cond delay="0"/>
+                            </p:stCondLst>
+                            <p:childTnLst>
+                              <p:par>
+                                <p:cTn id="19" presetID="42" presetClass="entr" presetSubtype="0" fill="hold" grpId="0" nodeType="clickEffect">
+                                  <p:stCondLst>
+                                    <p:cond delay="0"/>
+                                  </p:stCondLst>
+                                  <p:childTnLst>
+                                    <p:set>
+                                      <p:cBhvr>
+                                        <p:cTn id="20" dur="1" fill="hold">
+                                          <p:stCondLst>
+                                            <p:cond delay="0"/>
+                                          </p:stCondLst>
+                                        </p:cTn>
+                                        <p:tgtEl>
+                                          <p:spTgt spid="6"/>
+                                        </p:tgtEl>
+                                        <p:attrNameLst>
+                                          <p:attrName>style.visibility</p:attrName>
+                                        </p:attrNameLst>
+                                      </p:cBhvr>
+                                      <p:to>
+                                        <p:strVal val="visible"/>
+                                      </p:to>
+                                    </p:set>
+                                    <p:animEffect transition="in" filter="fade">
+                                      <p:cBhvr>
+                                        <p:cTn id="21" dur="1000"/>
+                                        <p:tgtEl>
+                                          <p:spTgt spid="6"/>
+                                        </p:tgtEl>
+                                      </p:cBhvr>
+                                    </p:animEffect>
+                                    <p:anim calcmode="lin" valueType="num">
+                                      <p:cBhvr>
+                                        <p:cTn id="22" dur="1000" fill="hold"/>
+                                        <p:tgtEl>
+                                          <p:spTgt spid="6"/>
+                                        </p:tgtEl>
+                                        <p:attrNameLst>
+                                          <p:attrName>ppt_x</p:attrName>
+                                        </p:attrNameLst>
+                                      </p:cBhvr>
+                                      <p:tavLst>
+                                        <p:tav tm="0">
+                                          <p:val>
+                                            <p:strVal val="#ppt_x"/>
+                                          </p:val>
+                                        </p:tav>
+                                        <p:tav tm="100000">
+                                          <p:val>
+                                            <p:strVal val="#ppt_x"/>
+                                          </p:val>
+                                        </p:tav>
+                                      </p:tavLst>
+                                    </p:anim>
+                                    <p:anim calcmode="lin" valueType="num">
+                                      <p:cBhvr>
+                                        <p:cTn id="23" dur="1000" fill="hold"/>
+                                        <p:tgtEl>
+                                          <p:spTgt spid="6"/>
+                                        </p:tgtEl>
+                                        <p:attrNameLst>
+                                          <p:attrName>ppt_y</p:attrName>
+                                        </p:attrNameLst>
+                                      </p:cBhvr>
+                                      <p:tavLst>
+                                        <p:tav tm="0">
+                                          <p:val>
+                                            <p:strVal val="#ppt_y+.1"/>
+                                          </p:val>
+                                        </p:tav>
+                                        <p:tav tm="100000">
+                                          <p:val>
+                                            <p:strVal val="#ppt_y"/>
+                                          </p:val>
+                                        </p:tav>
+                                      </p:tavLst>
+                                    </p:anim>
+                                  </p:childTnLst>
+                                </p:cTn>
+                              </p:par>
+                            </p:childTnLst>
+                          </p:cTn>
+                        </p:par>
+                      </p:childTnLst>
+                    </p:cTn>
+                  </p:par>
+                  <p:par>
+                    <p:cTn id="24" fill="hold">
+                      <p:stCondLst>
+                        <p:cond delay="indefinite"/>
+                      </p:stCondLst>
+                      <p:childTnLst>
+                        <p:par>
+                          <p:cTn id="25" fill="hold">
+                            <p:stCondLst>
+                              <p:cond delay="0"/>
+                            </p:stCondLst>
+                            <p:childTnLst>
+                              <p:par>
+                                <p:cTn id="26" presetID="16" presetClass="entr" presetSubtype="21" fill="hold" grpId="0" nodeType="clickEffect">
+                                  <p:stCondLst>
+                                    <p:cond delay="0"/>
+                                  </p:stCondLst>
+                                  <p:childTnLst>
+                                    <p:set>
+                                      <p:cBhvr>
+                                        <p:cTn id="27" dur="1" fill="hold">
+                                          <p:stCondLst>
+                                            <p:cond delay="0"/>
+                                          </p:stCondLst>
+                                        </p:cTn>
+                                        <p:tgtEl>
+                                          <p:spTgt spid="14"/>
+                                        </p:tgtEl>
+                                        <p:attrNameLst>
+                                          <p:attrName>style.visibility</p:attrName>
+                                        </p:attrNameLst>
+                                      </p:cBhvr>
+                                      <p:to>
+                                        <p:strVal val="visible"/>
+                                      </p:to>
+                                    </p:set>
+                                    <p:animEffect transition="in" filter="barn(inVertical)">
+                                      <p:cBhvr>
+                                        <p:cTn id="28" dur="500"/>
+                                        <p:tgtEl>
+                                          <p:spTgt spid="14"/>
+                                        </p:tgtEl>
+                                      </p:cBhvr>
+                                    </p:animEffect>
+                                  </p:childTnLst>
+                                </p:cTn>
+                              </p:par>
+                            </p:childTnLst>
+                          </p:cTn>
+                        </p:par>
+                      </p:childTnLst>
+                    </p:cTn>
+                  </p:par>
+                  <p:par>
+                    <p:cTn id="29" fill="hold">
+                      <p:stCondLst>
+                        <p:cond delay="indefinite"/>
+                      </p:stCondLst>
+                      <p:childTnLst>
+                        <p:par>
+                          <p:cTn id="30" fill="hold">
+                            <p:stCondLst>
+                              <p:cond delay="0"/>
+                            </p:stCondLst>
+                            <p:childTnLst>
+                              <p:par>
+                                <p:cTn id="31" presetID="42" presetClass="entr" presetSubtype="0" fill="hold" grpId="0" nodeType="clickEffect">
+                                  <p:stCondLst>
+                                    <p:cond delay="0"/>
+                                  </p:stCondLst>
+                                  <p:childTnLst>
+                                    <p:set>
+                                      <p:cBhvr>
+                                        <p:cTn id="32" dur="1" fill="hold">
+                                          <p:stCondLst>
+                                            <p:cond delay="0"/>
+                                          </p:stCondLst>
+                                        </p:cTn>
+                                        <p:tgtEl>
+                                          <p:spTgt spid="13"/>
+                                        </p:tgtEl>
+                                        <p:attrNameLst>
+                                          <p:attrName>style.visibility</p:attrName>
+                                        </p:attrNameLst>
+                                      </p:cBhvr>
+                                      <p:to>
+                                        <p:strVal val="visible"/>
+                                      </p:to>
+                                    </p:set>
+                                    <p:animEffect transition="in" filter="fade">
+                                      <p:cBhvr>
+                                        <p:cTn id="33" dur="1000"/>
+                                        <p:tgtEl>
+                                          <p:spTgt spid="13"/>
+                                        </p:tgtEl>
+                                      </p:cBhvr>
+                                    </p:animEffect>
+                                    <p:anim calcmode="lin" valueType="num">
+                                      <p:cBhvr>
+                                        <p:cTn id="34" dur="1000" fill="hold"/>
+                                        <p:tgtEl>
+                                          <p:spTgt spid="13"/>
+                                        </p:tgtEl>
+                                        <p:attrNameLst>
+                                          <p:attrName>ppt_x</p:attrName>
+                                        </p:attrNameLst>
+                                      </p:cBhvr>
+                                      <p:tavLst>
+                                        <p:tav tm="0">
+                                          <p:val>
+                                            <p:strVal val="#ppt_x"/>
+                                          </p:val>
+                                        </p:tav>
+                                        <p:tav tm="100000">
+                                          <p:val>
+                                            <p:strVal val="#ppt_x"/>
+                                          </p:val>
+                                        </p:tav>
+                                      </p:tavLst>
+                                    </p:anim>
+                                    <p:anim calcmode="lin" valueType="num">
+                                      <p:cBhvr>
+                                        <p:cTn id="35" dur="1000" fill="hold"/>
+                                        <p:tgtEl>
+                                          <p:spTgt spid="13"/>
+                                        </p:tgtEl>
+                                        <p:attrNameLst>
+                                          <p:attrName>ppt_y</p:attrName>
+                                        </p:attrNameLst>
+                                      </p:cBhvr>
+                                      <p:tavLst>
+                                        <p:tav tm="0">
+                                          <p:val>
+                                            <p:strVal val="#ppt_y+.1"/>
+                                          </p:val>
+                                        </p:tav>
+                                        <p:tav tm="100000">
+                                          <p:val>
+                                            <p:strVal val="#ppt_y"/>
+                                          </p:val>
+                                        </p:tav>
+                                      </p:tavLst>
+                                    </p:anim>
+                                  </p:childTnLst>
+                                </p:cTn>
+                              </p:par>
+                            </p:childTnLst>
+                          </p:cTn>
+                        </p:par>
+                      </p:childTnLst>
+                    </p:cTn>
+                  </p:par>
+                  <p:par>
+                    <p:cTn id="36" fill="hold">
+                      <p:stCondLst>
+                        <p:cond delay="indefinite"/>
+                      </p:stCondLst>
+                      <p:childTnLst>
+                        <p:par>
+                          <p:cTn id="37" fill="hold">
+                            <p:stCondLst>
+                              <p:cond delay="0"/>
+                            </p:stCondLst>
+                            <p:childTnLst>
+                              <p:par>
+                                <p:cTn id="38" presetID="22" presetClass="entr" presetSubtype="4" fill="hold" grpId="0" nodeType="clickEffect">
+                                  <p:stCondLst>
+                                    <p:cond delay="0"/>
+                                  </p:stCondLst>
+                                  <p:childTnLst>
+                                    <p:set>
+                                      <p:cBhvr>
+                                        <p:cTn id="39" dur="1" fill="hold">
+                                          <p:stCondLst>
+                                            <p:cond delay="0"/>
+                                          </p:stCondLst>
+                                        </p:cTn>
+                                        <p:tgtEl>
+                                          <p:spTgt spid="15"/>
+                                        </p:tgtEl>
+                                        <p:attrNameLst>
+                                          <p:attrName>style.visibility</p:attrName>
+                                        </p:attrNameLst>
+                                      </p:cBhvr>
+                                      <p:to>
+                                        <p:strVal val="visible"/>
+                                      </p:to>
+                                    </p:set>
+                                    <p:animEffect transition="in" filter="wipe(down)">
+                                      <p:cBhvr>
+                                        <p:cTn id="40" dur="500"/>
+                                        <p:tgtEl>
+                                          <p:spTgt spid="15"/>
+                                        </p:tgtEl>
+                                      </p:cBhvr>
+                                    </p:animEffect>
+                                  </p:childTnLst>
+                                </p:cTn>
+                              </p:par>
+                            </p:childTnLst>
+                          </p:cTn>
+                        </p:par>
+                      </p:childTnLst>
+                    </p:cTn>
+                  </p:par>
+                  <p:par>
+                    <p:cTn id="41" fill="hold">
+                      <p:stCondLst>
+                        <p:cond delay="indefinite"/>
+                      </p:stCondLst>
+                      <p:childTnLst>
+                        <p:par>
+                          <p:cTn id="42" fill="hold">
+                            <p:stCondLst>
+                              <p:cond delay="0"/>
+                            </p:stCondLst>
+                            <p:childTnLst>
+                              <p:par>
+                                <p:cTn id="43" presetID="6" presetClass="entr" presetSubtype="16" fill="hold" grpId="0" nodeType="clickEffect">
+                                  <p:stCondLst>
+                                    <p:cond delay="0"/>
+                                  </p:stCondLst>
+                                  <p:childTnLst>
+                                    <p:set>
+                                      <p:cBhvr>
+                                        <p:cTn id="44" dur="1" fill="hold">
+                                          <p:stCondLst>
+                                            <p:cond delay="0"/>
+                                          </p:stCondLst>
+                                        </p:cTn>
+                                        <p:tgtEl>
+                                          <p:spTgt spid="16"/>
+                                        </p:tgtEl>
+                                        <p:attrNameLst>
+                                          <p:attrName>style.visibility</p:attrName>
+                                        </p:attrNameLst>
+                                      </p:cBhvr>
+                                      <p:to>
+                                        <p:strVal val="visible"/>
+                                      </p:to>
+                                    </p:set>
+                                    <p:animEffect transition="in" filter="circle(in)">
+                                      <p:cBhvr>
+                                        <p:cTn id="45" dur="2000"/>
                                         <p:tgtEl>
                                           <p:spTgt spid="16"/>
                                         </p:tgtEl>

--- a/halozat ppt.pptx
+++ b/halozat ppt.pptx
@@ -9,6 +9,9 @@
     <p:sldId id="257" r:id="rId3"/>
     <p:sldId id="258" r:id="rId4"/>
     <p:sldId id="259" r:id="rId5"/>
+    <p:sldId id="262" r:id="rId6"/>
+    <p:sldId id="260" r:id="rId7"/>
+    <p:sldId id="261" r:id="rId8"/>
   </p:sldIdLst>
   <p:sldSz cx="12192000" cy="6858000"/>
   <p:notesSz cx="6858000" cy="9144000"/>
@@ -6979,11 +6982,11 @@
           <a:p>
             <a:r>
               <a:rPr lang="hu-HU" dirty="0"/>
-              <a:t>A </a:t>
+              <a:t>A router-</a:t>
             </a:r>
             <a:r>
               <a:rPr lang="hu-HU" dirty="0" err="1"/>
-              <a:t>router-nek</a:t>
+              <a:t>nek</a:t>
             </a:r>
             <a:r>
               <a:rPr lang="hu-HU" dirty="0"/>
@@ -6995,7 +6998,7 @@
             </a:r>
             <a:r>
               <a:rPr lang="hu-HU" dirty="0"/>
-              <a:t> címe és egyéb beállításai</a:t>
+              <a:t> címe és egyéb beállításai(Sebi)</a:t>
             </a:r>
           </a:p>
         </p:txBody>
@@ -8636,6 +8639,565 @@
 </p:sld>
 </file>
 
+<file path=ppt/slides/slide5.xml><?xml version="1.0" encoding="utf-8"?>
+<p:sld xmlns:a="http://schemas.openxmlformats.org/drawingml/2006/main" xmlns:r="http://schemas.openxmlformats.org/officeDocument/2006/relationships" xmlns:p="http://schemas.openxmlformats.org/presentationml/2006/main">
+  <p:cSld>
+    <p:spTree>
+      <p:nvGrpSpPr>
+        <p:cNvPr id="1" name="">
+          <a:extLst>
+            <a:ext uri="{FF2B5EF4-FFF2-40B4-BE49-F238E27FC236}">
+              <a16:creationId xmlns:a16="http://schemas.microsoft.com/office/drawing/2014/main" id="{E7D9B566-C2F0-F3B8-8C30-95068C03ED30}"/>
+            </a:ext>
+          </a:extLst>
+        </p:cNvPr>
+        <p:cNvGrpSpPr/>
+        <p:nvPr/>
+      </p:nvGrpSpPr>
+      <p:grpSpPr>
+        <a:xfrm>
+          <a:off x="0" y="0"/>
+          <a:ext cx="0" cy="0"/>
+          <a:chOff x="0" y="0"/>
+          <a:chExt cx="0" cy="0"/>
+        </a:xfrm>
+      </p:grpSpPr>
+      <p:sp>
+        <p:nvSpPr>
+          <p:cNvPr id="5" name="Cím 4">
+            <a:extLst>
+              <a:ext uri="{FF2B5EF4-FFF2-40B4-BE49-F238E27FC236}">
+                <a16:creationId xmlns:a16="http://schemas.microsoft.com/office/drawing/2014/main" id="{216AFC8B-8A3F-7102-4B31-EBE9E7BD5D1E}"/>
+              </a:ext>
+            </a:extLst>
+          </p:cNvPr>
+          <p:cNvSpPr>
+            <a:spLocks noGrp="1"/>
+          </p:cNvSpPr>
+          <p:nvPr>
+            <p:ph type="title"/>
+          </p:nvPr>
+        </p:nvSpPr>
+        <p:spPr/>
+        <p:txBody>
+          <a:bodyPr/>
+          <a:lstStyle/>
+          <a:p>
+            <a:r>
+              <a:rPr lang="hu-HU" dirty="0"/>
+              <a:t>A router-</a:t>
+            </a:r>
+            <a:r>
+              <a:rPr lang="hu-HU" dirty="0" err="1"/>
+              <a:t>nek</a:t>
+            </a:r>
+            <a:r>
+              <a:rPr lang="hu-HU" dirty="0"/>
+              <a:t> az </a:t>
+            </a:r>
+            <a:r>
+              <a:rPr lang="hu-HU" dirty="0" err="1"/>
+              <a:t>ip</a:t>
+            </a:r>
+            <a:r>
+              <a:rPr lang="hu-HU" dirty="0"/>
+              <a:t> címe és egyéb beállításai(Sebi 2)</a:t>
+            </a:r>
+            <a:endParaRPr lang="en-US" dirty="0"/>
+          </a:p>
+        </p:txBody>
+      </p:sp>
+      <p:sp>
+        <p:nvSpPr>
+          <p:cNvPr id="9" name="Szövegdoboz 8">
+            <a:extLst>
+              <a:ext uri="{FF2B5EF4-FFF2-40B4-BE49-F238E27FC236}">
+                <a16:creationId xmlns:a16="http://schemas.microsoft.com/office/drawing/2014/main" id="{DFAE6A06-2645-0A3C-0808-D799E84D31EF}"/>
+              </a:ext>
+            </a:extLst>
+          </p:cNvPr>
+          <p:cNvSpPr txBox="1"/>
+          <p:nvPr/>
+        </p:nvSpPr>
+        <p:spPr>
+          <a:xfrm>
+            <a:off x="838200" y="2727158"/>
+            <a:ext cx="1876796" cy="830997"/>
+          </a:xfrm>
+          <a:prstGeom prst="rect">
+            <a:avLst/>
+          </a:prstGeom>
+          <a:noFill/>
+        </p:spPr>
+        <p:txBody>
+          <a:bodyPr wrap="none" rtlCol="0">
+            <a:spAutoFit/>
+          </a:bodyPr>
+          <a:lstStyle/>
+          <a:p>
+            <a:r>
+              <a:rPr lang="hu-HU" sz="2400" dirty="0"/>
+              <a:t>Pc beállításai:</a:t>
+            </a:r>
+          </a:p>
+          <a:p>
+            <a:r>
+              <a:rPr lang="hu-HU" sz="2400" dirty="0"/>
+              <a:t>LASZLO-PC1</a:t>
+            </a:r>
+            <a:endParaRPr lang="en-US" sz="2400" dirty="0"/>
+          </a:p>
+        </p:txBody>
+      </p:sp>
+      <p:pic>
+        <p:nvPicPr>
+          <p:cNvPr id="17" name="Kép 16">
+            <a:extLst>
+              <a:ext uri="{FF2B5EF4-FFF2-40B4-BE49-F238E27FC236}">
+                <a16:creationId xmlns:a16="http://schemas.microsoft.com/office/drawing/2014/main" id="{75BFAA5B-B47A-D8DF-C9EB-923E847B5664}"/>
+              </a:ext>
+            </a:extLst>
+          </p:cNvPr>
+          <p:cNvPicPr>
+            <a:picLocks noChangeAspect="1"/>
+          </p:cNvPicPr>
+          <p:nvPr/>
+        </p:nvPicPr>
+        <p:blipFill>
+          <a:blip r:embed="rId2">
+            <a:extLst>
+              <a:ext uri="{28A0092B-C50C-407E-A947-70E740481C1C}">
+                <a14:useLocalDpi xmlns:a14="http://schemas.microsoft.com/office/drawing/2010/main" val="0"/>
+              </a:ext>
+            </a:extLst>
+          </a:blip>
+          <a:stretch>
+            <a:fillRect/>
+          </a:stretch>
+        </p:blipFill>
+        <p:spPr>
+          <a:xfrm>
+            <a:off x="2642979" y="2108699"/>
+            <a:ext cx="4096901" cy="1773490"/>
+          </a:xfrm>
+          <a:prstGeom prst="rect">
+            <a:avLst/>
+          </a:prstGeom>
+        </p:spPr>
+      </p:pic>
+      <p:sp>
+        <p:nvSpPr>
+          <p:cNvPr id="18" name="Szövegdoboz 17">
+            <a:extLst>
+              <a:ext uri="{FF2B5EF4-FFF2-40B4-BE49-F238E27FC236}">
+                <a16:creationId xmlns:a16="http://schemas.microsoft.com/office/drawing/2014/main" id="{5E2D165E-885F-C01E-3BB2-DD0E48078B78}"/>
+              </a:ext>
+            </a:extLst>
+          </p:cNvPr>
+          <p:cNvSpPr txBox="1"/>
+          <p:nvPr/>
+        </p:nvSpPr>
+        <p:spPr>
+          <a:xfrm>
+            <a:off x="838200" y="4957010"/>
+            <a:ext cx="1676741" cy="830997"/>
+          </a:xfrm>
+          <a:prstGeom prst="rect">
+            <a:avLst/>
+          </a:prstGeom>
+          <a:noFill/>
+        </p:spPr>
+        <p:txBody>
+          <a:bodyPr wrap="none" rtlCol="0">
+            <a:spAutoFit/>
+          </a:bodyPr>
+          <a:lstStyle/>
+          <a:p>
+            <a:r>
+              <a:rPr lang="hu-HU" sz="2400" dirty="0"/>
+              <a:t>LASZLO-PC2</a:t>
+            </a:r>
+            <a:endParaRPr lang="en-US" sz="2400" dirty="0"/>
+          </a:p>
+          <a:p>
+            <a:endParaRPr lang="en-US" sz="2400" dirty="0"/>
+          </a:p>
+        </p:txBody>
+      </p:sp>
+      <p:pic>
+        <p:nvPicPr>
+          <p:cNvPr id="20" name="Kép 19">
+            <a:extLst>
+              <a:ext uri="{FF2B5EF4-FFF2-40B4-BE49-F238E27FC236}">
+                <a16:creationId xmlns:a16="http://schemas.microsoft.com/office/drawing/2014/main" id="{E28E3092-F289-A222-7BE7-E901A398F1E9}"/>
+              </a:ext>
+            </a:extLst>
+          </p:cNvPr>
+          <p:cNvPicPr>
+            <a:picLocks noChangeAspect="1"/>
+          </p:cNvPicPr>
+          <p:nvPr/>
+        </p:nvPicPr>
+        <p:blipFill>
+          <a:blip r:embed="rId3">
+            <a:extLst>
+              <a:ext uri="{28A0092B-C50C-407E-A947-70E740481C1C}">
+                <a14:useLocalDpi xmlns:a14="http://schemas.microsoft.com/office/drawing/2010/main" val="0"/>
+              </a:ext>
+            </a:extLst>
+          </a:blip>
+          <a:stretch>
+            <a:fillRect/>
+          </a:stretch>
+        </p:blipFill>
+        <p:spPr>
+          <a:xfrm>
+            <a:off x="2671077" y="4132776"/>
+            <a:ext cx="4068803" cy="1959053"/>
+          </a:xfrm>
+          <a:prstGeom prst="rect">
+            <a:avLst/>
+          </a:prstGeom>
+        </p:spPr>
+      </p:pic>
+    </p:spTree>
+    <p:extLst>
+      <p:ext uri="{BB962C8B-B14F-4D97-AF65-F5344CB8AC3E}">
+        <p14:creationId xmlns:p14="http://schemas.microsoft.com/office/powerpoint/2010/main" val="1176494297"/>
+      </p:ext>
+    </p:extLst>
+  </p:cSld>
+  <p:clrMapOvr>
+    <a:masterClrMapping/>
+  </p:clrMapOvr>
+  <p:transition spd="slow">
+    <p:wipe/>
+  </p:transition>
+</p:sld>
+</file>
+
+<file path=ppt/slides/slide6.xml><?xml version="1.0" encoding="utf-8"?>
+<p:sld xmlns:a="http://schemas.openxmlformats.org/drawingml/2006/main" xmlns:r="http://schemas.openxmlformats.org/officeDocument/2006/relationships" xmlns:p="http://schemas.openxmlformats.org/presentationml/2006/main">
+  <p:cSld>
+    <p:spTree>
+      <p:nvGrpSpPr>
+        <p:cNvPr id="1" name=""/>
+        <p:cNvGrpSpPr/>
+        <p:nvPr/>
+      </p:nvGrpSpPr>
+      <p:grpSpPr>
+        <a:xfrm>
+          <a:off x="0" y="0"/>
+          <a:ext cx="0" cy="0"/>
+          <a:chOff x="0" y="0"/>
+          <a:chExt cx="0" cy="0"/>
+        </a:xfrm>
+      </p:grpSpPr>
+      <p:sp>
+        <p:nvSpPr>
+          <p:cNvPr id="2" name="Cím 1">
+            <a:extLst>
+              <a:ext uri="{FF2B5EF4-FFF2-40B4-BE49-F238E27FC236}">
+                <a16:creationId xmlns:a16="http://schemas.microsoft.com/office/drawing/2014/main" id="{030A782A-A48A-70F7-226F-A614D4388366}"/>
+              </a:ext>
+            </a:extLst>
+          </p:cNvPr>
+          <p:cNvSpPr>
+            <a:spLocks noGrp="1"/>
+          </p:cNvSpPr>
+          <p:nvPr>
+            <p:ph type="title"/>
+          </p:nvPr>
+        </p:nvSpPr>
+        <p:spPr/>
+        <p:txBody>
+          <a:bodyPr/>
+          <a:lstStyle/>
+          <a:p>
+            <a:r>
+              <a:rPr lang="hu-HU" dirty="0"/>
+              <a:t>Laptop és router beállításai</a:t>
+            </a:r>
+            <a:endParaRPr lang="en-US" dirty="0"/>
+          </a:p>
+        </p:txBody>
+      </p:sp>
+      <p:sp>
+        <p:nvSpPr>
+          <p:cNvPr id="3" name="Tartalom helye 2">
+            <a:extLst>
+              <a:ext uri="{FF2B5EF4-FFF2-40B4-BE49-F238E27FC236}">
+                <a16:creationId xmlns:a16="http://schemas.microsoft.com/office/drawing/2014/main" id="{5EB1A658-4AA6-6D5C-D2D3-C14A4AD46152}"/>
+              </a:ext>
+            </a:extLst>
+          </p:cNvPr>
+          <p:cNvSpPr>
+            <a:spLocks noGrp="1"/>
+          </p:cNvSpPr>
+          <p:nvPr>
+            <p:ph idx="1"/>
+          </p:nvPr>
+        </p:nvSpPr>
+        <p:spPr/>
+        <p:txBody>
+          <a:bodyPr/>
+          <a:lstStyle/>
+          <a:p>
+            <a:r>
+              <a:rPr lang="hu-HU" sz="2800" dirty="0"/>
+              <a:t>A külső hálózat </a:t>
+            </a:r>
+            <a:r>
+              <a:rPr lang="hu-HU" sz="2800" dirty="0" err="1"/>
+              <a:t>ip</a:t>
+            </a:r>
+            <a:r>
+              <a:rPr lang="hu-HU" sz="2800" dirty="0"/>
+              <a:t> címe DHCP-vel lett megadva</a:t>
+            </a:r>
+          </a:p>
+          <a:p>
+            <a:r>
+              <a:rPr lang="hu-HU" dirty="0"/>
+              <a:t>A külső hálózat </a:t>
+            </a:r>
+            <a:r>
+              <a:rPr lang="hu-HU" dirty="0" err="1"/>
+              <a:t>ip</a:t>
+            </a:r>
+            <a:r>
+              <a:rPr lang="hu-HU" dirty="0"/>
+              <a:t> címe 192.168.10.81</a:t>
+            </a:r>
+            <a:r>
+              <a:rPr lang="hu-HU" sz="2800" dirty="0"/>
+              <a:t> /24-es maszk </a:t>
+            </a:r>
+            <a:endParaRPr lang="en-US" dirty="0"/>
+          </a:p>
+        </p:txBody>
+      </p:sp>
+      <p:pic>
+        <p:nvPicPr>
+          <p:cNvPr id="5" name="Kép 4">
+            <a:extLst>
+              <a:ext uri="{FF2B5EF4-FFF2-40B4-BE49-F238E27FC236}">
+                <a16:creationId xmlns:a16="http://schemas.microsoft.com/office/drawing/2014/main" id="{D10281C3-6103-DA42-2B27-8A71C11B9CA4}"/>
+              </a:ext>
+            </a:extLst>
+          </p:cNvPr>
+          <p:cNvPicPr>
+            <a:picLocks noChangeAspect="1"/>
+          </p:cNvPicPr>
+          <p:nvPr/>
+        </p:nvPicPr>
+        <p:blipFill>
+          <a:blip r:embed="rId2">
+            <a:extLst>
+              <a:ext uri="{28A0092B-C50C-407E-A947-70E740481C1C}">
+                <a14:useLocalDpi xmlns:a14="http://schemas.microsoft.com/office/drawing/2010/main" val="0"/>
+              </a:ext>
+            </a:extLst>
+          </a:blip>
+          <a:stretch>
+            <a:fillRect/>
+          </a:stretch>
+        </p:blipFill>
+        <p:spPr>
+          <a:xfrm>
+            <a:off x="7888865" y="1318711"/>
+            <a:ext cx="4303135" cy="1013828"/>
+          </a:xfrm>
+          <a:prstGeom prst="rect">
+            <a:avLst/>
+          </a:prstGeom>
+        </p:spPr>
+      </p:pic>
+      <p:pic>
+        <p:nvPicPr>
+          <p:cNvPr id="7" name="Kép 6">
+            <a:extLst>
+              <a:ext uri="{FF2B5EF4-FFF2-40B4-BE49-F238E27FC236}">
+                <a16:creationId xmlns:a16="http://schemas.microsoft.com/office/drawing/2014/main" id="{BE614CCD-D166-FBF9-F117-E30BEE60B523}"/>
+              </a:ext>
+            </a:extLst>
+          </p:cNvPr>
+          <p:cNvPicPr>
+            <a:picLocks noChangeAspect="1"/>
+          </p:cNvPicPr>
+          <p:nvPr/>
+        </p:nvPicPr>
+        <p:blipFill>
+          <a:blip r:embed="rId3">
+            <a:extLst>
+              <a:ext uri="{28A0092B-C50C-407E-A947-70E740481C1C}">
+                <a14:useLocalDpi xmlns:a14="http://schemas.microsoft.com/office/drawing/2010/main" val="0"/>
+              </a:ext>
+            </a:extLst>
+          </a:blip>
+          <a:stretch>
+            <a:fillRect/>
+          </a:stretch>
+        </p:blipFill>
+        <p:spPr>
+          <a:xfrm>
+            <a:off x="1010623" y="2877261"/>
+            <a:ext cx="9829210" cy="1377489"/>
+          </a:xfrm>
+          <a:prstGeom prst="rect">
+            <a:avLst/>
+          </a:prstGeom>
+        </p:spPr>
+      </p:pic>
+      <p:pic>
+        <p:nvPicPr>
+          <p:cNvPr id="10" name="Kép 9">
+            <a:extLst>
+              <a:ext uri="{FF2B5EF4-FFF2-40B4-BE49-F238E27FC236}">
+                <a16:creationId xmlns:a16="http://schemas.microsoft.com/office/drawing/2014/main" id="{B9DB5C5A-7E64-39EC-525B-49302A5115E7}"/>
+              </a:ext>
+            </a:extLst>
+          </p:cNvPr>
+          <p:cNvPicPr>
+            <a:picLocks noChangeAspect="1"/>
+          </p:cNvPicPr>
+          <p:nvPr/>
+        </p:nvPicPr>
+        <p:blipFill>
+          <a:blip r:embed="rId4">
+            <a:extLst>
+              <a:ext uri="{28A0092B-C50C-407E-A947-70E740481C1C}">
+                <a14:useLocalDpi xmlns:a14="http://schemas.microsoft.com/office/drawing/2010/main" val="0"/>
+              </a:ext>
+            </a:extLst>
+          </a:blip>
+          <a:stretch>
+            <a:fillRect/>
+          </a:stretch>
+        </p:blipFill>
+        <p:spPr>
+          <a:xfrm>
+            <a:off x="1010623" y="4355170"/>
+            <a:ext cx="10096263" cy="591850"/>
+          </a:xfrm>
+          <a:prstGeom prst="rect">
+            <a:avLst/>
+          </a:prstGeom>
+        </p:spPr>
+      </p:pic>
+    </p:spTree>
+    <p:extLst>
+      <p:ext uri="{BB962C8B-B14F-4D97-AF65-F5344CB8AC3E}">
+        <p14:creationId xmlns:p14="http://schemas.microsoft.com/office/powerpoint/2010/main" val="2950944470"/>
+      </p:ext>
+    </p:extLst>
+  </p:cSld>
+  <p:clrMapOvr>
+    <a:masterClrMapping/>
+  </p:clrMapOvr>
+</p:sld>
+</file>
+
+<file path=ppt/slides/slide7.xml><?xml version="1.0" encoding="utf-8"?>
+<p:sld xmlns:a="http://schemas.openxmlformats.org/drawingml/2006/main" xmlns:r="http://schemas.openxmlformats.org/officeDocument/2006/relationships" xmlns:p="http://schemas.openxmlformats.org/presentationml/2006/main">
+  <p:cSld>
+    <p:spTree>
+      <p:nvGrpSpPr>
+        <p:cNvPr id="1" name="">
+          <a:extLst>
+            <a:ext uri="{FF2B5EF4-FFF2-40B4-BE49-F238E27FC236}">
+              <a16:creationId xmlns:a16="http://schemas.microsoft.com/office/drawing/2014/main" id="{22FF2560-7D04-EFF0-08AC-07CE4600A575}"/>
+            </a:ext>
+          </a:extLst>
+        </p:cNvPr>
+        <p:cNvGrpSpPr/>
+        <p:nvPr/>
+      </p:nvGrpSpPr>
+      <p:grpSpPr>
+        <a:xfrm>
+          <a:off x="0" y="0"/>
+          <a:ext cx="0" cy="0"/>
+          <a:chOff x="0" y="0"/>
+          <a:chExt cx="0" cy="0"/>
+        </a:xfrm>
+      </p:grpSpPr>
+      <p:sp>
+        <p:nvSpPr>
+          <p:cNvPr id="2" name="Cím 1">
+            <a:extLst>
+              <a:ext uri="{FF2B5EF4-FFF2-40B4-BE49-F238E27FC236}">
+                <a16:creationId xmlns:a16="http://schemas.microsoft.com/office/drawing/2014/main" id="{412EEBBA-11D6-9F9A-368B-019C612151A7}"/>
+              </a:ext>
+            </a:extLst>
+          </p:cNvPr>
+          <p:cNvSpPr>
+            <a:spLocks noGrp="1"/>
+          </p:cNvSpPr>
+          <p:nvPr>
+            <p:ph type="title"/>
+          </p:nvPr>
+        </p:nvSpPr>
+        <p:spPr/>
+        <p:txBody>
+          <a:bodyPr/>
+          <a:lstStyle/>
+          <a:p>
+            <a:r>
+              <a:rPr lang="hu-HU" dirty="0"/>
+              <a:t>Laptop és router beállításai(2)</a:t>
+            </a:r>
+            <a:endParaRPr lang="en-US" dirty="0"/>
+          </a:p>
+        </p:txBody>
+      </p:sp>
+      <p:pic>
+        <p:nvPicPr>
+          <p:cNvPr id="6" name="Tartalom helye 5">
+            <a:extLst>
+              <a:ext uri="{FF2B5EF4-FFF2-40B4-BE49-F238E27FC236}">
+                <a16:creationId xmlns:a16="http://schemas.microsoft.com/office/drawing/2014/main" id="{D5B39652-4995-3254-5E5F-3DEFA5856AFC}"/>
+              </a:ext>
+            </a:extLst>
+          </p:cNvPr>
+          <p:cNvPicPr>
+            <a:picLocks noGrp="1" noChangeAspect="1"/>
+          </p:cNvPicPr>
+          <p:nvPr>
+            <p:ph idx="1"/>
+          </p:nvPr>
+        </p:nvPicPr>
+        <p:blipFill>
+          <a:blip r:embed="rId2">
+            <a:extLst>
+              <a:ext uri="{28A0092B-C50C-407E-A947-70E740481C1C}">
+                <a14:useLocalDpi xmlns:a14="http://schemas.microsoft.com/office/drawing/2010/main" val="0"/>
+              </a:ext>
+            </a:extLst>
+          </a:blip>
+          <a:stretch>
+            <a:fillRect/>
+          </a:stretch>
+        </p:blipFill>
+        <p:spPr>
+          <a:xfrm>
+            <a:off x="838200" y="1891682"/>
+            <a:ext cx="7178725" cy="1537318"/>
+          </a:xfrm>
+        </p:spPr>
+      </p:pic>
+    </p:spTree>
+    <p:extLst>
+      <p:ext uri="{BB962C8B-B14F-4D97-AF65-F5344CB8AC3E}">
+        <p14:creationId xmlns:p14="http://schemas.microsoft.com/office/powerpoint/2010/main" val="1441729195"/>
+      </p:ext>
+    </p:extLst>
+  </p:cSld>
+  <p:clrMapOvr>
+    <a:masterClrMapping/>
+  </p:clrMapOvr>
+</p:sld>
+</file>
+
 <file path=ppt/theme/theme1.xml><?xml version="1.0" encoding="utf-8"?>
 <a:theme xmlns:a="http://schemas.openxmlformats.org/drawingml/2006/main" name="Office-téma">
   <a:themeElements>

--- a/halozat ppt.pptx
+++ b/halozat ppt.pptx
@@ -7,11 +7,13 @@
   <p:sldIdLst>
     <p:sldId id="256" r:id="rId2"/>
     <p:sldId id="257" r:id="rId3"/>
-    <p:sldId id="258" r:id="rId4"/>
-    <p:sldId id="259" r:id="rId5"/>
-    <p:sldId id="262" r:id="rId6"/>
-    <p:sldId id="260" r:id="rId7"/>
-    <p:sldId id="261" r:id="rId8"/>
+    <p:sldId id="263" r:id="rId4"/>
+    <p:sldId id="264" r:id="rId5"/>
+    <p:sldId id="258" r:id="rId6"/>
+    <p:sldId id="259" r:id="rId7"/>
+    <p:sldId id="262" r:id="rId8"/>
+    <p:sldId id="260" r:id="rId9"/>
+    <p:sldId id="261" r:id="rId10"/>
   </p:sldIdLst>
   <p:sldSz cx="12192000" cy="6858000"/>
   <p:notesSz cx="6858000" cy="9144000"/>
@@ -5685,7 +5687,13 @@
   <p:cSld>
     <p:spTree>
       <p:nvGrpSpPr>
-        <p:cNvPr id="1" name=""/>
+        <p:cNvPr id="1" name="">
+          <a:extLst>
+            <a:ext uri="{FF2B5EF4-FFF2-40B4-BE49-F238E27FC236}">
+              <a16:creationId xmlns:a16="http://schemas.microsoft.com/office/drawing/2014/main" id="{1DD8285B-38AB-38E3-3E18-F276C8D543CC}"/>
+            </a:ext>
+          </a:extLst>
+        </p:cNvPr>
         <p:cNvGrpSpPr/>
         <p:nvPr/>
       </p:nvGrpSpPr>
@@ -5699,7 +5707,13 @@
       </p:grpSpPr>
       <p:sp>
         <p:nvSpPr>
-          <p:cNvPr id="2" name="Cím 1"/>
+          <p:cNvPr id="2" name="Cím 1">
+            <a:extLst>
+              <a:ext uri="{FF2B5EF4-FFF2-40B4-BE49-F238E27FC236}">
+                <a16:creationId xmlns:a16="http://schemas.microsoft.com/office/drawing/2014/main" id="{ECE5E306-5081-B18E-F637-18A50D7913C0}"/>
+              </a:ext>
+            </a:extLst>
+          </p:cNvPr>
           <p:cNvSpPr>
             <a:spLocks noGrp="1"/>
           </p:cNvSpPr>
@@ -5719,14 +5733,20 @@
           <a:p>
             <a:r>
               <a:rPr lang="hu-HU" dirty="0"/>
-              <a:t>Sebi része a projektben:</a:t>
-            </a:r>
-          </a:p>
-        </p:txBody>
-      </p:sp>
-      <p:sp>
-        <p:nvSpPr>
-          <p:cNvPr id="4" name="Szövegdoboz 3"/>
+              <a:t>Tamás része a projektben:</a:t>
+            </a:r>
+          </a:p>
+        </p:txBody>
+      </p:sp>
+      <p:sp>
+        <p:nvSpPr>
+          <p:cNvPr id="4" name="Szövegdoboz 3">
+            <a:extLst>
+              <a:ext uri="{FF2B5EF4-FFF2-40B4-BE49-F238E27FC236}">
+                <a16:creationId xmlns:a16="http://schemas.microsoft.com/office/drawing/2014/main" id="{867EBFF8-FEAE-836C-0D25-BE6681E3F1E8}"/>
+              </a:ext>
+            </a:extLst>
+          </p:cNvPr>
           <p:cNvSpPr txBox="1"/>
           <p:nvPr/>
         </p:nvSpPr>
@@ -5748,29 +5768,27 @@
           <a:p>
             <a:r>
               <a:rPr lang="hu-HU" dirty="0"/>
-              <a:t>A projekten belül lévő László és </a:t>
-            </a:r>
-            <a:r>
-              <a:rPr lang="hu-HU" dirty="0" err="1"/>
-              <a:t>Landauer</a:t>
-            </a:r>
-            <a:r>
-              <a:rPr lang="hu-HU" dirty="0"/>
-              <a:t> család házának a hálózatát építettem meg</a:t>
-            </a:r>
-          </a:p>
-        </p:txBody>
-      </p:sp>
-      <p:sp>
-        <p:nvSpPr>
-          <p:cNvPr id="5" name="Szövegdoboz 4"/>
+              <a:t>A projekten belül lévő Szabó család házának a hálózatát építettem meg.</a:t>
+            </a:r>
+          </a:p>
+        </p:txBody>
+      </p:sp>
+      <p:sp>
+        <p:nvSpPr>
+          <p:cNvPr id="5" name="Szövegdoboz 4">
+            <a:extLst>
+              <a:ext uri="{FF2B5EF4-FFF2-40B4-BE49-F238E27FC236}">
+                <a16:creationId xmlns:a16="http://schemas.microsoft.com/office/drawing/2014/main" id="{314B7159-73C6-50DE-4C80-A2A59F791110}"/>
+              </a:ext>
+            </a:extLst>
+          </p:cNvPr>
           <p:cNvSpPr txBox="1"/>
           <p:nvPr/>
         </p:nvSpPr>
         <p:spPr>
           <a:xfrm>
             <a:off x="2550254" y="2512800"/>
-            <a:ext cx="1610686" cy="3139321"/>
+            <a:ext cx="1610686" cy="1477328"/>
           </a:xfrm>
           <a:prstGeom prst="rect">
             <a:avLst/>
@@ -5828,53 +5846,17 @@
               <a:t>2db pc</a:t>
             </a:r>
           </a:p>
-          <a:p>
-            <a:pPr marL="285750" indent="-285750">
-              <a:buFont typeface="Arial" panose="020B0604020202020204" pitchFamily="34" charset="0"/>
-              <a:buChar char="•"/>
-            </a:pPr>
-            <a:endParaRPr lang="hu-HU" dirty="0"/>
-          </a:p>
-          <a:p>
-            <a:pPr marL="285750" indent="-285750">
-              <a:buFont typeface="Arial" panose="020B0604020202020204" pitchFamily="34" charset="0"/>
-              <a:buChar char="•"/>
-            </a:pPr>
-            <a:r>
-              <a:rPr lang="hu-HU" dirty="0"/>
-              <a:t>1db </a:t>
-            </a:r>
-            <a:r>
-              <a:rPr lang="hu-HU" dirty="0" err="1"/>
-              <a:t>wireless</a:t>
-            </a:r>
-            <a:r>
-              <a:rPr lang="hu-HU" dirty="0"/>
-              <a:t> router</a:t>
-            </a:r>
-          </a:p>
-          <a:p>
-            <a:pPr marL="285750" indent="-285750">
-              <a:buFont typeface="Arial" panose="020B0604020202020204" pitchFamily="34" charset="0"/>
-              <a:buChar char="•"/>
-            </a:pPr>
-            <a:endParaRPr lang="hu-HU" dirty="0"/>
-          </a:p>
-          <a:p>
-            <a:pPr marL="285750" indent="-285750">
-              <a:buFont typeface="Arial" panose="020B0604020202020204" pitchFamily="34" charset="0"/>
-              <a:buChar char="•"/>
-            </a:pPr>
-            <a:r>
-              <a:rPr lang="hu-HU" dirty="0"/>
-              <a:t>1db laptop</a:t>
-            </a:r>
-          </a:p>
-        </p:txBody>
-      </p:sp>
-      <p:sp>
-        <p:nvSpPr>
-          <p:cNvPr id="6" name="Szövegdoboz 5"/>
+        </p:txBody>
+      </p:sp>
+      <p:sp>
+        <p:nvSpPr>
+          <p:cNvPr id="6" name="Szövegdoboz 5">
+            <a:extLst>
+              <a:ext uri="{FF2B5EF4-FFF2-40B4-BE49-F238E27FC236}">
+                <a16:creationId xmlns:a16="http://schemas.microsoft.com/office/drawing/2014/main" id="{38EF9CD4-DB2E-6714-75EA-997A751A73A9}"/>
+              </a:ext>
+            </a:extLst>
+          </p:cNvPr>
           <p:cNvSpPr txBox="1"/>
           <p:nvPr/>
         </p:nvSpPr>
@@ -5903,7 +5885,13 @@
       </p:sp>
       <p:sp>
         <p:nvSpPr>
-          <p:cNvPr id="10" name="Jobbra nyíl 9"/>
+          <p:cNvPr id="10" name="Jobbra nyíl 9">
+            <a:extLst>
+              <a:ext uri="{FF2B5EF4-FFF2-40B4-BE49-F238E27FC236}">
+                <a16:creationId xmlns:a16="http://schemas.microsoft.com/office/drawing/2014/main" id="{96978080-FF60-E7CE-21CE-C3C1FF8CEB90}"/>
+              </a:ext>
+            </a:extLst>
+          </p:cNvPr>
           <p:cNvSpPr/>
           <p:nvPr/>
         </p:nvSpPr>
@@ -5948,7 +5936,13 @@
       </p:sp>
       <p:sp>
         <p:nvSpPr>
-          <p:cNvPr id="11" name="Szövegdoboz 10"/>
+          <p:cNvPr id="11" name="Szövegdoboz 10">
+            <a:extLst>
+              <a:ext uri="{FF2B5EF4-FFF2-40B4-BE49-F238E27FC236}">
+                <a16:creationId xmlns:a16="http://schemas.microsoft.com/office/drawing/2014/main" id="{A21A2C38-C956-21A6-4804-6E2A59C00BD1}"/>
+              </a:ext>
+            </a:extLst>
+          </p:cNvPr>
           <p:cNvSpPr txBox="1"/>
           <p:nvPr/>
         </p:nvSpPr>
@@ -5982,7 +5976,13 @@
       </p:sp>
       <p:sp>
         <p:nvSpPr>
-          <p:cNvPr id="12" name="Jobbra nyíl 11"/>
+          <p:cNvPr id="12" name="Jobbra nyíl 11">
+            <a:extLst>
+              <a:ext uri="{FF2B5EF4-FFF2-40B4-BE49-F238E27FC236}">
+                <a16:creationId xmlns:a16="http://schemas.microsoft.com/office/drawing/2014/main" id="{F406EB9C-C6F3-7825-4FF9-16288E6988FA}"/>
+              </a:ext>
+            </a:extLst>
+          </p:cNvPr>
           <p:cNvSpPr/>
           <p:nvPr/>
         </p:nvSpPr>
@@ -6027,7 +6027,13 @@
       </p:sp>
       <p:sp>
         <p:nvSpPr>
-          <p:cNvPr id="13" name="Szövegdoboz 12"/>
+          <p:cNvPr id="13" name="Szövegdoboz 12">
+            <a:extLst>
+              <a:ext uri="{FF2B5EF4-FFF2-40B4-BE49-F238E27FC236}">
+                <a16:creationId xmlns:a16="http://schemas.microsoft.com/office/drawing/2014/main" id="{3DB9FD89-5DE3-D6C5-619C-D34A7EC4978E}"/>
+              </a:ext>
+            </a:extLst>
+          </p:cNvPr>
           <p:cNvSpPr txBox="1"/>
           <p:nvPr/>
         </p:nvSpPr>
@@ -6059,195 +6065,23 @@
           </a:p>
         </p:txBody>
       </p:sp>
-      <p:sp>
-        <p:nvSpPr>
-          <p:cNvPr id="14" name="Jobbra nyíl 11">
-            <a:extLst>
-              <a:ext uri="{FF2B5EF4-FFF2-40B4-BE49-F238E27FC236}">
-                <a16:creationId xmlns:a16="http://schemas.microsoft.com/office/drawing/2014/main" id="{9FF3E303-44CC-42D4-9101-1879E631F2DD}"/>
-              </a:ext>
-            </a:extLst>
-          </p:cNvPr>
-          <p:cNvSpPr/>
-          <p:nvPr/>
-        </p:nvSpPr>
-        <p:spPr>
-          <a:xfrm>
-            <a:off x="4244828" y="4462863"/>
-            <a:ext cx="1182847" cy="314290"/>
-          </a:xfrm>
-          <a:prstGeom prst="rightArrow">
-            <a:avLst/>
-          </a:prstGeom>
-          <a:effectLst>
-            <a:outerShdw blurRad="50800" dist="38100" dir="5400000" algn="t" rotWithShape="0">
-              <a:prstClr val="black">
-                <a:alpha val="40000"/>
-              </a:prstClr>
-            </a:outerShdw>
-          </a:effectLst>
-        </p:spPr>
-        <p:style>
-          <a:lnRef idx="1">
-            <a:schemeClr val="dk1"/>
-          </a:lnRef>
-          <a:fillRef idx="2">
-            <a:schemeClr val="dk1"/>
-          </a:fillRef>
-          <a:effectRef idx="1">
-            <a:schemeClr val="dk1"/>
-          </a:effectRef>
-          <a:fontRef idx="minor">
-            <a:schemeClr val="dk1"/>
-          </a:fontRef>
-        </p:style>
-        <p:txBody>
-          <a:bodyPr rtlCol="0" anchor="ctr"/>
-          <a:lstStyle/>
-          <a:p>
-            <a:pPr algn="ctr"/>
-            <a:endParaRPr lang="hu-HU"/>
-          </a:p>
-        </p:txBody>
-      </p:sp>
-      <p:sp>
-        <p:nvSpPr>
-          <p:cNvPr id="3" name="Szövegdoboz 2">
-            <a:extLst>
-              <a:ext uri="{FF2B5EF4-FFF2-40B4-BE49-F238E27FC236}">
-                <a16:creationId xmlns:a16="http://schemas.microsoft.com/office/drawing/2014/main" id="{821C7E41-F2AA-4B8E-84A6-E28E47E37361}"/>
-              </a:ext>
-            </a:extLst>
-          </p:cNvPr>
-          <p:cNvSpPr txBox="1"/>
-          <p:nvPr/>
-        </p:nvSpPr>
-        <p:spPr>
-          <a:xfrm>
-            <a:off x="5911269" y="4535867"/>
-            <a:ext cx="1124988" cy="369332"/>
-          </a:xfrm>
-          <a:prstGeom prst="rect">
-            <a:avLst/>
-          </a:prstGeom>
-          <a:noFill/>
-        </p:spPr>
-        <p:txBody>
-          <a:bodyPr wrap="none" rtlCol="0">
-            <a:spAutoFit/>
-          </a:bodyPr>
-          <a:lstStyle/>
-          <a:p>
-            <a:r>
-              <a:rPr lang="hu-HU" dirty="0"/>
-              <a:t>WRT300N</a:t>
-            </a:r>
-          </a:p>
-        </p:txBody>
-      </p:sp>
-      <p:sp>
-        <p:nvSpPr>
-          <p:cNvPr id="15" name="Jobbra nyíl 11">
-            <a:extLst>
-              <a:ext uri="{FF2B5EF4-FFF2-40B4-BE49-F238E27FC236}">
-                <a16:creationId xmlns:a16="http://schemas.microsoft.com/office/drawing/2014/main" id="{AD498221-A36C-4865-A349-1011FE015688}"/>
-              </a:ext>
-            </a:extLst>
-          </p:cNvPr>
-          <p:cNvSpPr/>
-          <p:nvPr/>
-        </p:nvSpPr>
-        <p:spPr>
-          <a:xfrm>
-            <a:off x="4244827" y="5266338"/>
-            <a:ext cx="1182847" cy="314290"/>
-          </a:xfrm>
-          <a:prstGeom prst="rightArrow">
-            <a:avLst/>
-          </a:prstGeom>
-          <a:effectLst>
-            <a:outerShdw blurRad="50800" dist="38100" dir="5400000" algn="t" rotWithShape="0">
-              <a:prstClr val="black">
-                <a:alpha val="40000"/>
-              </a:prstClr>
-            </a:outerShdw>
-          </a:effectLst>
-        </p:spPr>
-        <p:style>
-          <a:lnRef idx="1">
-            <a:schemeClr val="dk1"/>
-          </a:lnRef>
-          <a:fillRef idx="2">
-            <a:schemeClr val="dk1"/>
-          </a:fillRef>
-          <a:effectRef idx="1">
-            <a:schemeClr val="dk1"/>
-          </a:effectRef>
-          <a:fontRef idx="minor">
-            <a:schemeClr val="dk1"/>
-          </a:fontRef>
-        </p:style>
-        <p:txBody>
-          <a:bodyPr rtlCol="0" anchor="ctr"/>
-          <a:lstStyle/>
-          <a:p>
-            <a:pPr algn="ctr"/>
-            <a:endParaRPr lang="hu-HU"/>
-          </a:p>
-        </p:txBody>
-      </p:sp>
-      <p:sp>
-        <p:nvSpPr>
-          <p:cNvPr id="7" name="Szövegdoboz 6">
-            <a:extLst>
-              <a:ext uri="{FF2B5EF4-FFF2-40B4-BE49-F238E27FC236}">
-                <a16:creationId xmlns:a16="http://schemas.microsoft.com/office/drawing/2014/main" id="{B8EDE2AB-6BCB-46C7-B08A-F7D496B57CC0}"/>
-              </a:ext>
-            </a:extLst>
-          </p:cNvPr>
-          <p:cNvSpPr txBox="1"/>
-          <p:nvPr/>
-        </p:nvSpPr>
-        <p:spPr>
-          <a:xfrm>
-            <a:off x="5911269" y="5315935"/>
-            <a:ext cx="1132554" cy="369332"/>
-          </a:xfrm>
-          <a:prstGeom prst="rect">
-            <a:avLst/>
-          </a:prstGeom>
-          <a:noFill/>
-        </p:spPr>
-        <p:txBody>
-          <a:bodyPr wrap="none" rtlCol="0">
-            <a:spAutoFit/>
-          </a:bodyPr>
-          <a:lstStyle/>
-          <a:p>
-            <a:r>
-              <a:rPr lang="hu-HU" dirty="0"/>
-              <a:t>Laptop-PT</a:t>
-            </a:r>
-          </a:p>
-        </p:txBody>
-      </p:sp>
     </p:spTree>
     <p:extLst>
       <p:ext uri="{BB962C8B-B14F-4D97-AF65-F5344CB8AC3E}">
-        <p14:creationId xmlns:p14="http://schemas.microsoft.com/office/powerpoint/2010/main" val="1404082948"/>
+        <p14:creationId xmlns:p14="http://schemas.microsoft.com/office/powerpoint/2010/main" val="4264638505"/>
       </p:ext>
     </p:extLst>
   </p:cSld>
   <p:clrMapOvr>
     <a:masterClrMapping/>
   </p:clrMapOvr>
-  <mc:AlternateContent xmlns:mc="http://schemas.openxmlformats.org/markup-compatibility/2006" xmlns:p14="http://schemas.microsoft.com/office/powerpoint/2010/main">
-    <mc:Choice Requires="p14">
+  <mc:AlternateContent xmlns:mc="http://schemas.openxmlformats.org/markup-compatibility/2006">
+    <mc:Choice xmlns:p14="http://schemas.microsoft.com/office/powerpoint/2010/main" Requires="p14">
       <p:transition spd="slow" p14:dur="1500">
         <p:split orient="vert"/>
       </p:transition>
     </mc:Choice>
-    <mc:Fallback xmlns="">
+    <mc:Fallback>
       <p:transition spd="slow">
         <p:split orient="vert"/>
       </p:transition>
@@ -6788,112 +6622,6 @@
                                         <p:cTn id="47" dur="500"/>
                                         <p:tgtEl>
                                           <p:spTgt spid="13"/>
-                                        </p:tgtEl>
-                                      </p:cBhvr>
-                                    </p:animEffect>
-                                  </p:childTnLst>
-                                </p:cTn>
-                              </p:par>
-                            </p:childTnLst>
-                          </p:cTn>
-                        </p:par>
-                      </p:childTnLst>
-                    </p:cTn>
-                  </p:par>
-                  <p:par>
-                    <p:cTn id="48" fill="hold">
-                      <p:stCondLst>
-                        <p:cond delay="indefinite"/>
-                      </p:stCondLst>
-                      <p:childTnLst>
-                        <p:par>
-                          <p:cTn id="49" fill="hold">
-                            <p:stCondLst>
-                              <p:cond delay="0"/>
-                            </p:stCondLst>
-                            <p:childTnLst>
-                              <p:par>
-                                <p:cTn id="50" presetID="16" presetClass="entr" presetSubtype="21" fill="hold" grpId="0" nodeType="clickEffect">
-                                  <p:stCondLst>
-                                    <p:cond delay="0"/>
-                                  </p:stCondLst>
-                                  <p:childTnLst>
-                                    <p:set>
-                                      <p:cBhvr>
-                                        <p:cTn id="51" dur="1" fill="hold">
-                                          <p:stCondLst>
-                                            <p:cond delay="0"/>
-                                          </p:stCondLst>
-                                        </p:cTn>
-                                        <p:tgtEl>
-                                          <p:spTgt spid="14"/>
-                                        </p:tgtEl>
-                                        <p:attrNameLst>
-                                          <p:attrName>style.visibility</p:attrName>
-                                        </p:attrNameLst>
-                                      </p:cBhvr>
-                                      <p:to>
-                                        <p:strVal val="visible"/>
-                                      </p:to>
-                                    </p:set>
-                                    <p:animEffect transition="in" filter="barn(inVertical)">
-                                      <p:cBhvr>
-                                        <p:cTn id="52" dur="500"/>
-                                        <p:tgtEl>
-                                          <p:spTgt spid="14"/>
-                                        </p:tgtEl>
-                                      </p:cBhvr>
-                                    </p:animEffect>
-                                  </p:childTnLst>
-                                </p:cTn>
-                              </p:par>
-                            </p:childTnLst>
-                          </p:cTn>
-                        </p:par>
-                      </p:childTnLst>
-                    </p:cTn>
-                  </p:par>
-                  <p:par>
-                    <p:cTn id="53" fill="hold">
-                      <p:stCondLst>
-                        <p:cond delay="indefinite"/>
-                      </p:stCondLst>
-                      <p:childTnLst>
-                        <p:par>
-                          <p:cTn id="54" fill="hold">
-                            <p:stCondLst>
-                              <p:cond delay="0"/>
-                            </p:stCondLst>
-                            <p:childTnLst>
-                              <p:par>
-                                <p:cTn id="55" presetID="16" presetClass="entr" presetSubtype="21" fill="hold" grpId="0" nodeType="clickEffect">
-                                  <p:stCondLst>
-                                    <p:cond delay="0"/>
-                                  </p:stCondLst>
-                                  <p:childTnLst>
-                                    <p:set>
-                                      <p:cBhvr>
-                                        <p:cTn id="56" dur="1" fill="hold">
-                                          <p:stCondLst>
-                                            <p:cond delay="0"/>
-                                          </p:stCondLst>
-                                        </p:cTn>
-                                        <p:tgtEl>
-                                          <p:spTgt spid="15"/>
-                                        </p:tgtEl>
-                                        <p:attrNameLst>
-                                          <p:attrName>style.visibility</p:attrName>
-                                        </p:attrNameLst>
-                                      </p:cBhvr>
-                                      <p:to>
-                                        <p:strVal val="visible"/>
-                                      </p:to>
-                                    </p:set>
-                                    <p:animEffect transition="in" filter="barn(inVertical)">
-                                      <p:cBhvr>
-                                        <p:cTn id="57" dur="500"/>
-                                        <p:tgtEl>
-                                          <p:spTgt spid="15"/>
                                         </p:tgtEl>
                                       </p:cBhvr>
                                     </p:animEffect>
@@ -6936,8 +6664,6 @@
       <p:bldP spid="11" grpId="0"/>
       <p:bldP spid="12" grpId="0" animBg="1"/>
       <p:bldP spid="13" grpId="0"/>
-      <p:bldP spid="14" grpId="0" animBg="1"/>
-      <p:bldP spid="15" grpId="0" animBg="1"/>
     </p:bldLst>
   </p:timing>
 </p:sld>
@@ -6948,7 +6674,13 @@
   <p:cSld>
     <p:spTree>
       <p:nvGrpSpPr>
-        <p:cNvPr id="1" name=""/>
+        <p:cNvPr id="1" name="">
+          <a:extLst>
+            <a:ext uri="{FF2B5EF4-FFF2-40B4-BE49-F238E27FC236}">
+              <a16:creationId xmlns:a16="http://schemas.microsoft.com/office/drawing/2014/main" id="{6F4FACD3-7917-D63E-9255-AD583B1770EB}"/>
+            </a:ext>
+          </a:extLst>
+        </p:cNvPr>
         <p:cNvGrpSpPr/>
         <p:nvPr/>
       </p:nvGrpSpPr>
@@ -6962,7 +6694,13 @@
       </p:grpSpPr>
       <p:sp>
         <p:nvSpPr>
-          <p:cNvPr id="2" name="Cím 1"/>
+          <p:cNvPr id="2" name="Cím 1">
+            <a:extLst>
+              <a:ext uri="{FF2B5EF4-FFF2-40B4-BE49-F238E27FC236}">
+                <a16:creationId xmlns:a16="http://schemas.microsoft.com/office/drawing/2014/main" id="{C4CD0B9F-A8CA-BFF2-AFF2-9D5524E34C2F}"/>
+              </a:ext>
+            </a:extLst>
+          </p:cNvPr>
           <p:cNvSpPr>
             <a:spLocks noGrp="1"/>
           </p:cNvSpPr>
@@ -6998,14 +6736,20 @@
             </a:r>
             <a:r>
               <a:rPr lang="hu-HU" dirty="0"/>
-              <a:t> címe és egyéb beállításai(Sebi)</a:t>
-            </a:r>
-          </a:p>
-        </p:txBody>
-      </p:sp>
-      <p:sp>
-        <p:nvSpPr>
-          <p:cNvPr id="3" name="Tartalom helye 2"/>
+              <a:t> címe és egyéb beállításai(Tamás)</a:t>
+            </a:r>
+          </a:p>
+        </p:txBody>
+      </p:sp>
+      <p:sp>
+        <p:nvSpPr>
+          <p:cNvPr id="3" name="Tartalom helye 2">
+            <a:extLst>
+              <a:ext uri="{FF2B5EF4-FFF2-40B4-BE49-F238E27FC236}">
+                <a16:creationId xmlns:a16="http://schemas.microsoft.com/office/drawing/2014/main" id="{CD24768E-B8A7-F0A8-55F5-00D3DC443E7B}"/>
+              </a:ext>
+            </a:extLst>
+          </p:cNvPr>
           <p:cNvSpPr>
             <a:spLocks noGrp="1"/>
           </p:cNvSpPr>
@@ -7027,14 +6771,28 @@
           <a:p>
             <a:r>
               <a:rPr lang="hu-HU" sz="1600" dirty="0"/>
-              <a:t>A külső hálózat ami a LASZLO és SZABO router között lett létrehozva az egy 192.168.10.10-es hálózat</a:t>
-            </a:r>
-          </a:p>
-        </p:txBody>
-      </p:sp>
-      <p:sp>
-        <p:nvSpPr>
-          <p:cNvPr id="6" name="Szövegdoboz 5"/>
+              <a:t>A külső hálózat ami a többi router között lett létrehozva az egy 192.168.10.10-es hálózat ebbe a Szabó router az a második szóval a 192.168.10.11-es </a:t>
+            </a:r>
+            <a:r>
+              <a:rPr lang="hu-HU" sz="1600" dirty="0" err="1"/>
+              <a:t>ip</a:t>
+            </a:r>
+            <a:r>
+              <a:rPr lang="hu-HU" sz="1600" dirty="0"/>
+              <a:t> címet állítottam be a Gigabit Ethernet 0/1-es interfészbe</a:t>
+            </a:r>
+          </a:p>
+        </p:txBody>
+      </p:sp>
+      <p:sp>
+        <p:nvSpPr>
+          <p:cNvPr id="6" name="Szövegdoboz 5">
+            <a:extLst>
+              <a:ext uri="{FF2B5EF4-FFF2-40B4-BE49-F238E27FC236}">
+                <a16:creationId xmlns:a16="http://schemas.microsoft.com/office/drawing/2014/main" id="{0A1F84DC-E923-8791-7C8D-62D071189516}"/>
+              </a:ext>
+            </a:extLst>
+          </p:cNvPr>
           <p:cNvSpPr txBox="1"/>
           <p:nvPr/>
         </p:nvSpPr>
@@ -7071,7 +6829,13 @@
       </p:sp>
       <p:sp>
         <p:nvSpPr>
-          <p:cNvPr id="8" name="Tartalom helye 2"/>
+          <p:cNvPr id="8" name="Tartalom helye 2">
+            <a:extLst>
+              <a:ext uri="{FF2B5EF4-FFF2-40B4-BE49-F238E27FC236}">
+                <a16:creationId xmlns:a16="http://schemas.microsoft.com/office/drawing/2014/main" id="{7CC24717-6B1D-9BD8-06A9-372FF09CD4CF}"/>
+              </a:ext>
+            </a:extLst>
+          </p:cNvPr>
           <p:cNvSpPr txBox="1">
             <a:spLocks/>
           </p:cNvSpPr>
@@ -7261,52 +7025,13 @@
       </p:sp>
       <p:sp>
         <p:nvSpPr>
-          <p:cNvPr id="11" name="Jobbra nyíl 10"/>
-          <p:cNvSpPr/>
-          <p:nvPr/>
-        </p:nvSpPr>
-        <p:spPr>
-          <a:xfrm rot="16200000">
-            <a:off x="10337580" y="2478981"/>
-            <a:ext cx="485353" cy="181088"/>
-          </a:xfrm>
-          <a:prstGeom prst="rightArrow">
-            <a:avLst/>
-          </a:prstGeom>
-          <a:effectLst>
-            <a:outerShdw blurRad="50800" dist="38100" dir="5400000" algn="t" rotWithShape="0">
-              <a:prstClr val="black">
-                <a:alpha val="40000"/>
-              </a:prstClr>
-            </a:outerShdw>
-          </a:effectLst>
-        </p:spPr>
-        <p:style>
-          <a:lnRef idx="1">
-            <a:schemeClr val="dk1"/>
-          </a:lnRef>
-          <a:fillRef idx="2">
-            <a:schemeClr val="dk1"/>
-          </a:fillRef>
-          <a:effectRef idx="1">
-            <a:schemeClr val="dk1"/>
-          </a:effectRef>
-          <a:fontRef idx="minor">
-            <a:schemeClr val="dk1"/>
-          </a:fontRef>
-        </p:style>
-        <p:txBody>
-          <a:bodyPr rtlCol="0" anchor="ctr"/>
-          <a:lstStyle/>
-          <a:p>
-            <a:pPr algn="ctr"/>
-            <a:endParaRPr lang="hu-HU"/>
-          </a:p>
-        </p:txBody>
-      </p:sp>
-      <p:sp>
-        <p:nvSpPr>
-          <p:cNvPr id="13" name="Tartalom helye 2"/>
+          <p:cNvPr id="13" name="Tartalom helye 2">
+            <a:extLst>
+              <a:ext uri="{FF2B5EF4-FFF2-40B4-BE49-F238E27FC236}">
+                <a16:creationId xmlns:a16="http://schemas.microsoft.com/office/drawing/2014/main" id="{8143072C-51F1-81E9-BD55-6ABC129A35A9}"/>
+              </a:ext>
+            </a:extLst>
+          </p:cNvPr>
           <p:cNvSpPr txBox="1">
             <a:spLocks/>
           </p:cNvSpPr>
@@ -7520,15 +7245,7 @@
             </a:r>
             <a:r>
               <a:rPr lang="hu-HU" sz="1600" dirty="0" err="1"/>
-              <a:t>password</a:t>
-            </a:r>
-            <a:r>
-              <a:rPr lang="hu-HU" sz="1600" dirty="0"/>
-              <a:t> </a:t>
-            </a:r>
-            <a:r>
-              <a:rPr lang="hu-HU" sz="1600" dirty="0" err="1"/>
-              <a:t>encyption</a:t>
+              <a:t>password-encyption</a:t>
             </a:r>
             <a:r>
               <a:rPr lang="hu-HU" sz="1600" dirty="0"/>
@@ -7555,7 +7272,13 @@
       </p:sp>
       <p:sp>
         <p:nvSpPr>
-          <p:cNvPr id="14" name="Tartalom helye 2"/>
+          <p:cNvPr id="14" name="Tartalom helye 2">
+            <a:extLst>
+              <a:ext uri="{FF2B5EF4-FFF2-40B4-BE49-F238E27FC236}">
+                <a16:creationId xmlns:a16="http://schemas.microsoft.com/office/drawing/2014/main" id="{B0B90AAA-1966-E58B-432A-FB1443549C3C}"/>
+              </a:ext>
+            </a:extLst>
+          </p:cNvPr>
           <p:cNvSpPr txBox="1">
             <a:spLocks/>
           </p:cNvSpPr>
@@ -7749,7 +7472,7 @@
             </a:r>
             <a:r>
               <a:rPr lang="hu-HU" sz="1600" dirty="0"/>
-              <a:t> között lett létrehozva egy 192.168.11.21-es </a:t>
+              <a:t> között lett létrehozva egy 192.168.12.41-es </a:t>
             </a:r>
             <a:r>
               <a:rPr lang="hu-HU" sz="1600" dirty="0" err="1"/>
@@ -7764,7 +7487,13 @@
       </p:sp>
       <p:sp>
         <p:nvSpPr>
-          <p:cNvPr id="15" name="Szövegdoboz 14"/>
+          <p:cNvPr id="15" name="Szövegdoboz 14">
+            <a:extLst>
+              <a:ext uri="{FF2B5EF4-FFF2-40B4-BE49-F238E27FC236}">
+                <a16:creationId xmlns:a16="http://schemas.microsoft.com/office/drawing/2014/main" id="{7499CB1A-9E93-3328-C8D5-03D24FA1ABE4}"/>
+              </a:ext>
+            </a:extLst>
+          </p:cNvPr>
           <p:cNvSpPr txBox="1"/>
           <p:nvPr/>
         </p:nvSpPr>
@@ -7804,7 +7533,7 @@
             </a:r>
             <a:r>
               <a:rPr lang="hu-HU" b="1" dirty="0"/>
-              <a:t>LASZLO-RT</a:t>
+              <a:t>SZABO-RT</a:t>
             </a:r>
           </a:p>
           <a:p>
@@ -7828,7 +7557,3117 @@
             </a:r>
             <a:r>
               <a:rPr lang="hu-HU" b="1" dirty="0"/>
-              <a:t>LASZlO123</a:t>
+              <a:t>SZABO123</a:t>
+            </a:r>
+          </a:p>
+          <a:p>
+            <a:pPr marL="285750" indent="-285750">
+              <a:buFont typeface="Arial" panose="020B0604020202020204" pitchFamily="34" charset="0"/>
+              <a:buChar char="•"/>
+            </a:pPr>
+            <a:r>
+              <a:rPr lang="hu-HU" dirty="0"/>
+              <a:t>Line </a:t>
+            </a:r>
+            <a:r>
+              <a:rPr lang="hu-HU" dirty="0" err="1"/>
+              <a:t>vty</a:t>
+            </a:r>
+            <a:r>
+              <a:rPr lang="hu-HU" dirty="0"/>
+              <a:t> 0 15:</a:t>
+            </a:r>
+          </a:p>
+          <a:p>
+            <a:r>
+              <a:rPr lang="hu-HU" dirty="0"/>
+              <a:t>	            </a:t>
+            </a:r>
+            <a:r>
+              <a:rPr lang="hu-HU" b="1" dirty="0"/>
+              <a:t>SZABO-LINE</a:t>
+            </a:r>
+          </a:p>
+        </p:txBody>
+      </p:sp>
+      <p:sp>
+        <p:nvSpPr>
+          <p:cNvPr id="16" name="Szövegdoboz 15">
+            <a:extLst>
+              <a:ext uri="{FF2B5EF4-FFF2-40B4-BE49-F238E27FC236}">
+                <a16:creationId xmlns:a16="http://schemas.microsoft.com/office/drawing/2014/main" id="{4196F7EF-D998-E3C5-2F78-8479129EA653}"/>
+              </a:ext>
+            </a:extLst>
+          </p:cNvPr>
+          <p:cNvSpPr txBox="1"/>
+          <p:nvPr/>
+        </p:nvSpPr>
+        <p:spPr>
+          <a:xfrm>
+            <a:off x="6220435" y="5657671"/>
+            <a:ext cx="5025006" cy="646331"/>
+          </a:xfrm>
+          <a:prstGeom prst="rect">
+            <a:avLst/>
+          </a:prstGeom>
+          <a:noFill/>
+        </p:spPr>
+        <p:txBody>
+          <a:bodyPr wrap="square" rtlCol="0">
+            <a:spAutoFit/>
+          </a:bodyPr>
+          <a:lstStyle/>
+          <a:p>
+            <a:r>
+              <a:rPr lang="hu-HU" b="1" dirty="0"/>
+              <a:t>MOTD:</a:t>
+            </a:r>
+          </a:p>
+          <a:p>
+            <a:r>
+              <a:rPr lang="hu-HU" dirty="0">
+                <a:effectLst/>
+              </a:rPr>
+              <a:t>	</a:t>
+            </a:r>
+            <a:r>
+              <a:rPr lang="hu-HU" dirty="0" err="1">
+                <a:effectLst/>
+              </a:rPr>
+              <a:t>Szabo</a:t>
+            </a:r>
+            <a:r>
+              <a:rPr lang="hu-HU" dirty="0">
+                <a:effectLst/>
+              </a:rPr>
+              <a:t> </a:t>
+            </a:r>
+            <a:r>
+              <a:rPr lang="hu-HU" dirty="0" err="1">
+                <a:effectLst/>
+              </a:rPr>
+              <a:t>csalad</a:t>
+            </a:r>
+            <a:r>
+              <a:rPr lang="hu-HU" dirty="0">
+                <a:effectLst/>
+              </a:rPr>
+              <a:t> routere, ne lepjen be!</a:t>
+            </a:r>
+            <a:endParaRPr lang="hu-HU" dirty="0"/>
+          </a:p>
+        </p:txBody>
+      </p:sp>
+      <p:pic>
+        <p:nvPicPr>
+          <p:cNvPr id="7" name="Kép 6">
+            <a:extLst>
+              <a:ext uri="{FF2B5EF4-FFF2-40B4-BE49-F238E27FC236}">
+                <a16:creationId xmlns:a16="http://schemas.microsoft.com/office/drawing/2014/main" id="{B802657A-8B61-A5B2-BE9E-CABD682CDA57}"/>
+              </a:ext>
+            </a:extLst>
+          </p:cNvPr>
+          <p:cNvPicPr>
+            <a:picLocks noChangeAspect="1"/>
+          </p:cNvPicPr>
+          <p:nvPr/>
+        </p:nvPicPr>
+        <p:blipFill>
+          <a:blip r:embed="rId2"/>
+          <a:stretch>
+            <a:fillRect/>
+          </a:stretch>
+        </p:blipFill>
+        <p:spPr>
+          <a:xfrm>
+            <a:off x="7138646" y="3672471"/>
+            <a:ext cx="3831394" cy="609747"/>
+          </a:xfrm>
+          <a:prstGeom prst="rect">
+            <a:avLst/>
+          </a:prstGeom>
+        </p:spPr>
+      </p:pic>
+      <p:pic>
+        <p:nvPicPr>
+          <p:cNvPr id="12" name="Kép 11">
+            <a:extLst>
+              <a:ext uri="{FF2B5EF4-FFF2-40B4-BE49-F238E27FC236}">
+                <a16:creationId xmlns:a16="http://schemas.microsoft.com/office/drawing/2014/main" id="{2F450235-4B13-6E3E-755A-CD2CCF97A45D}"/>
+              </a:ext>
+            </a:extLst>
+          </p:cNvPr>
+          <p:cNvPicPr>
+            <a:picLocks noChangeAspect="1"/>
+          </p:cNvPicPr>
+          <p:nvPr/>
+        </p:nvPicPr>
+        <p:blipFill>
+          <a:blip r:embed="rId3"/>
+          <a:stretch>
+            <a:fillRect/>
+          </a:stretch>
+        </p:blipFill>
+        <p:spPr>
+          <a:xfrm>
+            <a:off x="7066597" y="1919141"/>
+            <a:ext cx="4290411" cy="718644"/>
+          </a:xfrm>
+          <a:prstGeom prst="rect">
+            <a:avLst/>
+          </a:prstGeom>
+        </p:spPr>
+      </p:pic>
+      <p:sp>
+        <p:nvSpPr>
+          <p:cNvPr id="11" name="Jobbra nyíl 10">
+            <a:extLst>
+              <a:ext uri="{FF2B5EF4-FFF2-40B4-BE49-F238E27FC236}">
+                <a16:creationId xmlns:a16="http://schemas.microsoft.com/office/drawing/2014/main" id="{B3A54AE9-1A86-7908-BC10-E9570B8E9FD4}"/>
+              </a:ext>
+            </a:extLst>
+          </p:cNvPr>
+          <p:cNvSpPr/>
+          <p:nvPr/>
+        </p:nvSpPr>
+        <p:spPr>
+          <a:xfrm rot="16200000">
+            <a:off x="10337580" y="2478981"/>
+            <a:ext cx="485353" cy="181088"/>
+          </a:xfrm>
+          <a:prstGeom prst="rightArrow">
+            <a:avLst/>
+          </a:prstGeom>
+          <a:effectLst>
+            <a:outerShdw blurRad="50800" dist="38100" dir="5400000" algn="t" rotWithShape="0">
+              <a:prstClr val="black">
+                <a:alpha val="40000"/>
+              </a:prstClr>
+            </a:outerShdw>
+          </a:effectLst>
+        </p:spPr>
+        <p:style>
+          <a:lnRef idx="1">
+            <a:schemeClr val="dk1"/>
+          </a:lnRef>
+          <a:fillRef idx="2">
+            <a:schemeClr val="dk1"/>
+          </a:fillRef>
+          <a:effectRef idx="1">
+            <a:schemeClr val="dk1"/>
+          </a:effectRef>
+          <a:fontRef idx="minor">
+            <a:schemeClr val="dk1"/>
+          </a:fontRef>
+        </p:style>
+        <p:txBody>
+          <a:bodyPr rtlCol="0" anchor="ctr"/>
+          <a:lstStyle/>
+          <a:p>
+            <a:pPr algn="ctr"/>
+            <a:endParaRPr lang="hu-HU"/>
+          </a:p>
+        </p:txBody>
+      </p:sp>
+    </p:spTree>
+    <p:extLst>
+      <p:ext uri="{BB962C8B-B14F-4D97-AF65-F5344CB8AC3E}">
+        <p14:creationId xmlns:p14="http://schemas.microsoft.com/office/powerpoint/2010/main" val="1887380738"/>
+      </p:ext>
+    </p:extLst>
+  </p:cSld>
+  <p:clrMapOvr>
+    <a:masterClrMapping/>
+  </p:clrMapOvr>
+  <p:transition spd="slow">
+    <p:wipe/>
+  </p:transition>
+  <p:timing>
+    <p:tnLst>
+      <p:par>
+        <p:cTn id="1" dur="indefinite" restart="never" nodeType="tmRoot">
+          <p:childTnLst>
+            <p:seq concurrent="1" nextAc="seek">
+              <p:cTn id="2" dur="indefinite" nodeType="mainSeq">
+                <p:childTnLst>
+                  <p:par>
+                    <p:cTn id="3" fill="hold">
+                      <p:stCondLst>
+                        <p:cond delay="indefinite"/>
+                      </p:stCondLst>
+                      <p:childTnLst>
+                        <p:par>
+                          <p:cTn id="4" fill="hold">
+                            <p:stCondLst>
+                              <p:cond delay="0"/>
+                            </p:stCondLst>
+                            <p:childTnLst>
+                              <p:par>
+                                <p:cTn id="5" presetID="2" presetClass="entr" presetSubtype="4" fill="hold" grpId="0" nodeType="clickEffect">
+                                  <p:stCondLst>
+                                    <p:cond delay="0"/>
+                                  </p:stCondLst>
+                                  <p:childTnLst>
+                                    <p:set>
+                                      <p:cBhvr>
+                                        <p:cTn id="6" dur="1" fill="hold">
+                                          <p:stCondLst>
+                                            <p:cond delay="0"/>
+                                          </p:stCondLst>
+                                        </p:cTn>
+                                        <p:tgtEl>
+                                          <p:spTgt spid="2"/>
+                                        </p:tgtEl>
+                                        <p:attrNameLst>
+                                          <p:attrName>style.visibility</p:attrName>
+                                        </p:attrNameLst>
+                                      </p:cBhvr>
+                                      <p:to>
+                                        <p:strVal val="visible"/>
+                                      </p:to>
+                                    </p:set>
+                                    <p:anim calcmode="lin" valueType="num">
+                                      <p:cBhvr additive="base">
+                                        <p:cTn id="7" dur="500" fill="hold"/>
+                                        <p:tgtEl>
+                                          <p:spTgt spid="2"/>
+                                        </p:tgtEl>
+                                        <p:attrNameLst>
+                                          <p:attrName>ppt_x</p:attrName>
+                                        </p:attrNameLst>
+                                      </p:cBhvr>
+                                      <p:tavLst>
+                                        <p:tav tm="0">
+                                          <p:val>
+                                            <p:strVal val="#ppt_x"/>
+                                          </p:val>
+                                        </p:tav>
+                                        <p:tav tm="100000">
+                                          <p:val>
+                                            <p:strVal val="#ppt_x"/>
+                                          </p:val>
+                                        </p:tav>
+                                      </p:tavLst>
+                                    </p:anim>
+                                    <p:anim calcmode="lin" valueType="num">
+                                      <p:cBhvr additive="base">
+                                        <p:cTn id="8" dur="500" fill="hold"/>
+                                        <p:tgtEl>
+                                          <p:spTgt spid="2"/>
+                                        </p:tgtEl>
+                                        <p:attrNameLst>
+                                          <p:attrName>ppt_y</p:attrName>
+                                        </p:attrNameLst>
+                                      </p:cBhvr>
+                                      <p:tavLst>
+                                        <p:tav tm="0">
+                                          <p:val>
+                                            <p:strVal val="1+#ppt_h/2"/>
+                                          </p:val>
+                                        </p:tav>
+                                        <p:tav tm="100000">
+                                          <p:val>
+                                            <p:strVal val="#ppt_y"/>
+                                          </p:val>
+                                        </p:tav>
+                                      </p:tavLst>
+                                    </p:anim>
+                                  </p:childTnLst>
+                                </p:cTn>
+                              </p:par>
+                            </p:childTnLst>
+                          </p:cTn>
+                        </p:par>
+                      </p:childTnLst>
+                    </p:cTn>
+                  </p:par>
+                  <p:par>
+                    <p:cTn id="9" fill="hold">
+                      <p:stCondLst>
+                        <p:cond delay="indefinite"/>
+                      </p:stCondLst>
+                      <p:childTnLst>
+                        <p:par>
+                          <p:cTn id="10" fill="hold">
+                            <p:stCondLst>
+                              <p:cond delay="0"/>
+                            </p:stCondLst>
+                            <p:childTnLst>
+                              <p:par>
+                                <p:cTn id="11" presetID="31" presetClass="entr" presetSubtype="0" fill="hold" nodeType="clickEffect">
+                                  <p:stCondLst>
+                                    <p:cond delay="0"/>
+                                  </p:stCondLst>
+                                  <p:childTnLst>
+                                    <p:set>
+                                      <p:cBhvr>
+                                        <p:cTn id="12" dur="1" fill="hold">
+                                          <p:stCondLst>
+                                            <p:cond delay="0"/>
+                                          </p:stCondLst>
+                                        </p:cTn>
+                                        <p:tgtEl>
+                                          <p:spTgt spid="3">
+                                            <p:txEl>
+                                              <p:pRg st="0" end="0"/>
+                                            </p:txEl>
+                                          </p:spTgt>
+                                        </p:tgtEl>
+                                        <p:attrNameLst>
+                                          <p:attrName>style.visibility</p:attrName>
+                                        </p:attrNameLst>
+                                      </p:cBhvr>
+                                      <p:to>
+                                        <p:strVal val="visible"/>
+                                      </p:to>
+                                    </p:set>
+                                    <p:anim calcmode="lin" valueType="num">
+                                      <p:cBhvr>
+                                        <p:cTn id="13" dur="1000" fill="hold"/>
+                                        <p:tgtEl>
+                                          <p:spTgt spid="3">
+                                            <p:txEl>
+                                              <p:pRg st="0" end="0"/>
+                                            </p:txEl>
+                                          </p:spTgt>
+                                        </p:tgtEl>
+                                        <p:attrNameLst>
+                                          <p:attrName>ppt_w</p:attrName>
+                                        </p:attrNameLst>
+                                      </p:cBhvr>
+                                      <p:tavLst>
+                                        <p:tav tm="0">
+                                          <p:val>
+                                            <p:fltVal val="0"/>
+                                          </p:val>
+                                        </p:tav>
+                                        <p:tav tm="100000">
+                                          <p:val>
+                                            <p:strVal val="#ppt_w"/>
+                                          </p:val>
+                                        </p:tav>
+                                      </p:tavLst>
+                                    </p:anim>
+                                    <p:anim calcmode="lin" valueType="num">
+                                      <p:cBhvr>
+                                        <p:cTn id="14" dur="1000" fill="hold"/>
+                                        <p:tgtEl>
+                                          <p:spTgt spid="3">
+                                            <p:txEl>
+                                              <p:pRg st="0" end="0"/>
+                                            </p:txEl>
+                                          </p:spTgt>
+                                        </p:tgtEl>
+                                        <p:attrNameLst>
+                                          <p:attrName>ppt_h</p:attrName>
+                                        </p:attrNameLst>
+                                      </p:cBhvr>
+                                      <p:tavLst>
+                                        <p:tav tm="0">
+                                          <p:val>
+                                            <p:fltVal val="0"/>
+                                          </p:val>
+                                        </p:tav>
+                                        <p:tav tm="100000">
+                                          <p:val>
+                                            <p:strVal val="#ppt_h"/>
+                                          </p:val>
+                                        </p:tav>
+                                      </p:tavLst>
+                                    </p:anim>
+                                    <p:anim calcmode="lin" valueType="num">
+                                      <p:cBhvr>
+                                        <p:cTn id="15" dur="1000" fill="hold"/>
+                                        <p:tgtEl>
+                                          <p:spTgt spid="3">
+                                            <p:txEl>
+                                              <p:pRg st="0" end="0"/>
+                                            </p:txEl>
+                                          </p:spTgt>
+                                        </p:tgtEl>
+                                        <p:attrNameLst>
+                                          <p:attrName>style.rotation</p:attrName>
+                                        </p:attrNameLst>
+                                      </p:cBhvr>
+                                      <p:tavLst>
+                                        <p:tav tm="0">
+                                          <p:val>
+                                            <p:fltVal val="90"/>
+                                          </p:val>
+                                        </p:tav>
+                                        <p:tav tm="100000">
+                                          <p:val>
+                                            <p:fltVal val="0"/>
+                                          </p:val>
+                                        </p:tav>
+                                      </p:tavLst>
+                                    </p:anim>
+                                    <p:animEffect transition="in" filter="fade">
+                                      <p:cBhvr>
+                                        <p:cTn id="16" dur="1000"/>
+                                        <p:tgtEl>
+                                          <p:spTgt spid="3">
+                                            <p:txEl>
+                                              <p:pRg st="0" end="0"/>
+                                            </p:txEl>
+                                          </p:spTgt>
+                                        </p:tgtEl>
+                                      </p:cBhvr>
+                                    </p:animEffect>
+                                  </p:childTnLst>
+                                </p:cTn>
+                              </p:par>
+                            </p:childTnLst>
+                          </p:cTn>
+                        </p:par>
+                      </p:childTnLst>
+                    </p:cTn>
+                  </p:par>
+                  <p:par>
+                    <p:cTn id="17" fill="hold">
+                      <p:stCondLst>
+                        <p:cond delay="indefinite"/>
+                      </p:stCondLst>
+                      <p:childTnLst>
+                        <p:par>
+                          <p:cTn id="18" fill="hold">
+                            <p:stCondLst>
+                              <p:cond delay="0"/>
+                            </p:stCondLst>
+                            <p:childTnLst>
+                              <p:par>
+                                <p:cTn id="19" presetID="10" presetClass="entr" presetSubtype="0" fill="hold" nodeType="clickEffect">
+                                  <p:stCondLst>
+                                    <p:cond delay="0"/>
+                                  </p:stCondLst>
+                                  <p:childTnLst>
+                                    <p:set>
+                                      <p:cBhvr>
+                                        <p:cTn id="20" dur="1" fill="hold">
+                                          <p:stCondLst>
+                                            <p:cond delay="0"/>
+                                          </p:stCondLst>
+                                        </p:cTn>
+                                        <p:tgtEl>
+                                          <p:spTgt spid="12"/>
+                                        </p:tgtEl>
+                                        <p:attrNameLst>
+                                          <p:attrName>style.visibility</p:attrName>
+                                        </p:attrNameLst>
+                                      </p:cBhvr>
+                                      <p:to>
+                                        <p:strVal val="visible"/>
+                                      </p:to>
+                                    </p:set>
+                                    <p:animEffect transition="in" filter="fade">
+                                      <p:cBhvr>
+                                        <p:cTn id="21" dur="500"/>
+                                        <p:tgtEl>
+                                          <p:spTgt spid="12"/>
+                                        </p:tgtEl>
+                                      </p:cBhvr>
+                                    </p:animEffect>
+                                  </p:childTnLst>
+                                </p:cTn>
+                              </p:par>
+                            </p:childTnLst>
+                          </p:cTn>
+                        </p:par>
+                      </p:childTnLst>
+                    </p:cTn>
+                  </p:par>
+                  <p:par>
+                    <p:cTn id="22" fill="hold">
+                      <p:stCondLst>
+                        <p:cond delay="indefinite"/>
+                      </p:stCondLst>
+                      <p:childTnLst>
+                        <p:par>
+                          <p:cTn id="23" fill="hold">
+                            <p:stCondLst>
+                              <p:cond delay="0"/>
+                            </p:stCondLst>
+                            <p:childTnLst>
+                              <p:par>
+                                <p:cTn id="24" presetID="42" presetClass="entr" presetSubtype="0" fill="hold" grpId="0" nodeType="clickEffect">
+                                  <p:stCondLst>
+                                    <p:cond delay="0"/>
+                                  </p:stCondLst>
+                                  <p:childTnLst>
+                                    <p:set>
+                                      <p:cBhvr>
+                                        <p:cTn id="25" dur="1" fill="hold">
+                                          <p:stCondLst>
+                                            <p:cond delay="0"/>
+                                          </p:stCondLst>
+                                        </p:cTn>
+                                        <p:tgtEl>
+                                          <p:spTgt spid="6"/>
+                                        </p:tgtEl>
+                                        <p:attrNameLst>
+                                          <p:attrName>style.visibility</p:attrName>
+                                        </p:attrNameLst>
+                                      </p:cBhvr>
+                                      <p:to>
+                                        <p:strVal val="visible"/>
+                                      </p:to>
+                                    </p:set>
+                                    <p:animEffect transition="in" filter="fade">
+                                      <p:cBhvr>
+                                        <p:cTn id="26" dur="1000"/>
+                                        <p:tgtEl>
+                                          <p:spTgt spid="6"/>
+                                        </p:tgtEl>
+                                      </p:cBhvr>
+                                    </p:animEffect>
+                                    <p:anim calcmode="lin" valueType="num">
+                                      <p:cBhvr>
+                                        <p:cTn id="27" dur="1000" fill="hold"/>
+                                        <p:tgtEl>
+                                          <p:spTgt spid="6"/>
+                                        </p:tgtEl>
+                                        <p:attrNameLst>
+                                          <p:attrName>ppt_x</p:attrName>
+                                        </p:attrNameLst>
+                                      </p:cBhvr>
+                                      <p:tavLst>
+                                        <p:tav tm="0">
+                                          <p:val>
+                                            <p:strVal val="#ppt_x"/>
+                                          </p:val>
+                                        </p:tav>
+                                        <p:tav tm="100000">
+                                          <p:val>
+                                            <p:strVal val="#ppt_x"/>
+                                          </p:val>
+                                        </p:tav>
+                                      </p:tavLst>
+                                    </p:anim>
+                                    <p:anim calcmode="lin" valueType="num">
+                                      <p:cBhvr>
+                                        <p:cTn id="28" dur="1000" fill="hold"/>
+                                        <p:tgtEl>
+                                          <p:spTgt spid="6"/>
+                                        </p:tgtEl>
+                                        <p:attrNameLst>
+                                          <p:attrName>ppt_y</p:attrName>
+                                        </p:attrNameLst>
+                                      </p:cBhvr>
+                                      <p:tavLst>
+                                        <p:tav tm="0">
+                                          <p:val>
+                                            <p:strVal val="#ppt_y+.1"/>
+                                          </p:val>
+                                        </p:tav>
+                                        <p:tav tm="100000">
+                                          <p:val>
+                                            <p:strVal val="#ppt_y"/>
+                                          </p:val>
+                                        </p:tav>
+                                      </p:tavLst>
+                                    </p:anim>
+                                  </p:childTnLst>
+                                </p:cTn>
+                              </p:par>
+                            </p:childTnLst>
+                          </p:cTn>
+                        </p:par>
+                      </p:childTnLst>
+                    </p:cTn>
+                  </p:par>
+                  <p:par>
+                    <p:cTn id="29" fill="hold">
+                      <p:stCondLst>
+                        <p:cond delay="indefinite"/>
+                      </p:stCondLst>
+                      <p:childTnLst>
+                        <p:par>
+                          <p:cTn id="30" fill="hold">
+                            <p:stCondLst>
+                              <p:cond delay="0"/>
+                            </p:stCondLst>
+                            <p:childTnLst>
+                              <p:par>
+                                <p:cTn id="31" presetID="16" presetClass="entr" presetSubtype="21" fill="hold" grpId="0" nodeType="clickEffect">
+                                  <p:stCondLst>
+                                    <p:cond delay="0"/>
+                                  </p:stCondLst>
+                                  <p:childTnLst>
+                                    <p:set>
+                                      <p:cBhvr>
+                                        <p:cTn id="32" dur="1" fill="hold">
+                                          <p:stCondLst>
+                                            <p:cond delay="0"/>
+                                          </p:stCondLst>
+                                        </p:cTn>
+                                        <p:tgtEl>
+                                          <p:spTgt spid="14"/>
+                                        </p:tgtEl>
+                                        <p:attrNameLst>
+                                          <p:attrName>style.visibility</p:attrName>
+                                        </p:attrNameLst>
+                                      </p:cBhvr>
+                                      <p:to>
+                                        <p:strVal val="visible"/>
+                                      </p:to>
+                                    </p:set>
+                                    <p:animEffect transition="in" filter="barn(inVertical)">
+                                      <p:cBhvr>
+                                        <p:cTn id="33" dur="500"/>
+                                        <p:tgtEl>
+                                          <p:spTgt spid="14"/>
+                                        </p:tgtEl>
+                                      </p:cBhvr>
+                                    </p:animEffect>
+                                  </p:childTnLst>
+                                </p:cTn>
+                              </p:par>
+                            </p:childTnLst>
+                          </p:cTn>
+                        </p:par>
+                      </p:childTnLst>
+                    </p:cTn>
+                  </p:par>
+                  <p:par>
+                    <p:cTn id="34" fill="hold">
+                      <p:stCondLst>
+                        <p:cond delay="indefinite"/>
+                      </p:stCondLst>
+                      <p:childTnLst>
+                        <p:par>
+                          <p:cTn id="35" fill="hold">
+                            <p:stCondLst>
+                              <p:cond delay="0"/>
+                            </p:stCondLst>
+                            <p:childTnLst>
+                              <p:par>
+                                <p:cTn id="36" presetID="10" presetClass="entr" presetSubtype="0" fill="hold" nodeType="clickEffect">
+                                  <p:stCondLst>
+                                    <p:cond delay="0"/>
+                                  </p:stCondLst>
+                                  <p:childTnLst>
+                                    <p:set>
+                                      <p:cBhvr>
+                                        <p:cTn id="37" dur="1" fill="hold">
+                                          <p:stCondLst>
+                                            <p:cond delay="0"/>
+                                          </p:stCondLst>
+                                        </p:cTn>
+                                        <p:tgtEl>
+                                          <p:spTgt spid="7"/>
+                                        </p:tgtEl>
+                                        <p:attrNameLst>
+                                          <p:attrName>style.visibility</p:attrName>
+                                        </p:attrNameLst>
+                                      </p:cBhvr>
+                                      <p:to>
+                                        <p:strVal val="visible"/>
+                                      </p:to>
+                                    </p:set>
+                                    <p:animEffect transition="in" filter="fade">
+                                      <p:cBhvr>
+                                        <p:cTn id="38" dur="500"/>
+                                        <p:tgtEl>
+                                          <p:spTgt spid="7"/>
+                                        </p:tgtEl>
+                                      </p:cBhvr>
+                                    </p:animEffect>
+                                  </p:childTnLst>
+                                </p:cTn>
+                              </p:par>
+                            </p:childTnLst>
+                          </p:cTn>
+                        </p:par>
+                      </p:childTnLst>
+                    </p:cTn>
+                  </p:par>
+                  <p:par>
+                    <p:cTn id="39" fill="hold">
+                      <p:stCondLst>
+                        <p:cond delay="indefinite"/>
+                      </p:stCondLst>
+                      <p:childTnLst>
+                        <p:par>
+                          <p:cTn id="40" fill="hold">
+                            <p:stCondLst>
+                              <p:cond delay="0"/>
+                            </p:stCondLst>
+                            <p:childTnLst>
+                              <p:par>
+                                <p:cTn id="41" presetID="42" presetClass="entr" presetSubtype="0" fill="hold" grpId="0" nodeType="clickEffect">
+                                  <p:stCondLst>
+                                    <p:cond delay="0"/>
+                                  </p:stCondLst>
+                                  <p:childTnLst>
+                                    <p:set>
+                                      <p:cBhvr>
+                                        <p:cTn id="42" dur="1" fill="hold">
+                                          <p:stCondLst>
+                                            <p:cond delay="0"/>
+                                          </p:stCondLst>
+                                        </p:cTn>
+                                        <p:tgtEl>
+                                          <p:spTgt spid="13"/>
+                                        </p:tgtEl>
+                                        <p:attrNameLst>
+                                          <p:attrName>style.visibility</p:attrName>
+                                        </p:attrNameLst>
+                                      </p:cBhvr>
+                                      <p:to>
+                                        <p:strVal val="visible"/>
+                                      </p:to>
+                                    </p:set>
+                                    <p:animEffect transition="in" filter="fade">
+                                      <p:cBhvr>
+                                        <p:cTn id="43" dur="1000"/>
+                                        <p:tgtEl>
+                                          <p:spTgt spid="13"/>
+                                        </p:tgtEl>
+                                      </p:cBhvr>
+                                    </p:animEffect>
+                                    <p:anim calcmode="lin" valueType="num">
+                                      <p:cBhvr>
+                                        <p:cTn id="44" dur="1000" fill="hold"/>
+                                        <p:tgtEl>
+                                          <p:spTgt spid="13"/>
+                                        </p:tgtEl>
+                                        <p:attrNameLst>
+                                          <p:attrName>ppt_x</p:attrName>
+                                        </p:attrNameLst>
+                                      </p:cBhvr>
+                                      <p:tavLst>
+                                        <p:tav tm="0">
+                                          <p:val>
+                                            <p:strVal val="#ppt_x"/>
+                                          </p:val>
+                                        </p:tav>
+                                        <p:tav tm="100000">
+                                          <p:val>
+                                            <p:strVal val="#ppt_x"/>
+                                          </p:val>
+                                        </p:tav>
+                                      </p:tavLst>
+                                    </p:anim>
+                                    <p:anim calcmode="lin" valueType="num">
+                                      <p:cBhvr>
+                                        <p:cTn id="45" dur="1000" fill="hold"/>
+                                        <p:tgtEl>
+                                          <p:spTgt spid="13"/>
+                                        </p:tgtEl>
+                                        <p:attrNameLst>
+                                          <p:attrName>ppt_y</p:attrName>
+                                        </p:attrNameLst>
+                                      </p:cBhvr>
+                                      <p:tavLst>
+                                        <p:tav tm="0">
+                                          <p:val>
+                                            <p:strVal val="#ppt_y+.1"/>
+                                          </p:val>
+                                        </p:tav>
+                                        <p:tav tm="100000">
+                                          <p:val>
+                                            <p:strVal val="#ppt_y"/>
+                                          </p:val>
+                                        </p:tav>
+                                      </p:tavLst>
+                                    </p:anim>
+                                  </p:childTnLst>
+                                </p:cTn>
+                              </p:par>
+                            </p:childTnLst>
+                          </p:cTn>
+                        </p:par>
+                      </p:childTnLst>
+                    </p:cTn>
+                  </p:par>
+                  <p:par>
+                    <p:cTn id="46" fill="hold">
+                      <p:stCondLst>
+                        <p:cond delay="indefinite"/>
+                      </p:stCondLst>
+                      <p:childTnLst>
+                        <p:par>
+                          <p:cTn id="47" fill="hold">
+                            <p:stCondLst>
+                              <p:cond delay="0"/>
+                            </p:stCondLst>
+                            <p:childTnLst>
+                              <p:par>
+                                <p:cTn id="48" presetID="22" presetClass="entr" presetSubtype="4" fill="hold" grpId="0" nodeType="clickEffect">
+                                  <p:stCondLst>
+                                    <p:cond delay="0"/>
+                                  </p:stCondLst>
+                                  <p:childTnLst>
+                                    <p:set>
+                                      <p:cBhvr>
+                                        <p:cTn id="49" dur="1" fill="hold">
+                                          <p:stCondLst>
+                                            <p:cond delay="0"/>
+                                          </p:stCondLst>
+                                        </p:cTn>
+                                        <p:tgtEl>
+                                          <p:spTgt spid="15"/>
+                                        </p:tgtEl>
+                                        <p:attrNameLst>
+                                          <p:attrName>style.visibility</p:attrName>
+                                        </p:attrNameLst>
+                                      </p:cBhvr>
+                                      <p:to>
+                                        <p:strVal val="visible"/>
+                                      </p:to>
+                                    </p:set>
+                                    <p:animEffect transition="in" filter="wipe(down)">
+                                      <p:cBhvr>
+                                        <p:cTn id="50" dur="500"/>
+                                        <p:tgtEl>
+                                          <p:spTgt spid="15"/>
+                                        </p:tgtEl>
+                                      </p:cBhvr>
+                                    </p:animEffect>
+                                  </p:childTnLst>
+                                </p:cTn>
+                              </p:par>
+                            </p:childTnLst>
+                          </p:cTn>
+                        </p:par>
+                      </p:childTnLst>
+                    </p:cTn>
+                  </p:par>
+                  <p:par>
+                    <p:cTn id="51" fill="hold">
+                      <p:stCondLst>
+                        <p:cond delay="indefinite"/>
+                      </p:stCondLst>
+                      <p:childTnLst>
+                        <p:par>
+                          <p:cTn id="52" fill="hold">
+                            <p:stCondLst>
+                              <p:cond delay="0"/>
+                            </p:stCondLst>
+                            <p:childTnLst>
+                              <p:par>
+                                <p:cTn id="53" presetID="6" presetClass="entr" presetSubtype="16" fill="hold" grpId="0" nodeType="clickEffect">
+                                  <p:stCondLst>
+                                    <p:cond delay="0"/>
+                                  </p:stCondLst>
+                                  <p:childTnLst>
+                                    <p:set>
+                                      <p:cBhvr>
+                                        <p:cTn id="54" dur="1" fill="hold">
+                                          <p:stCondLst>
+                                            <p:cond delay="0"/>
+                                          </p:stCondLst>
+                                        </p:cTn>
+                                        <p:tgtEl>
+                                          <p:spTgt spid="16"/>
+                                        </p:tgtEl>
+                                        <p:attrNameLst>
+                                          <p:attrName>style.visibility</p:attrName>
+                                        </p:attrNameLst>
+                                      </p:cBhvr>
+                                      <p:to>
+                                        <p:strVal val="visible"/>
+                                      </p:to>
+                                    </p:set>
+                                    <p:animEffect transition="in" filter="circle(in)">
+                                      <p:cBhvr>
+                                        <p:cTn id="55" dur="2000"/>
+                                        <p:tgtEl>
+                                          <p:spTgt spid="16"/>
+                                        </p:tgtEl>
+                                      </p:cBhvr>
+                                    </p:animEffect>
+                                  </p:childTnLst>
+                                </p:cTn>
+                              </p:par>
+                            </p:childTnLst>
+                          </p:cTn>
+                        </p:par>
+                      </p:childTnLst>
+                    </p:cTn>
+                  </p:par>
+                </p:childTnLst>
+              </p:cTn>
+              <p:prevCondLst>
+                <p:cond evt="onPrev" delay="0">
+                  <p:tgtEl>
+                    <p:sldTgt/>
+                  </p:tgtEl>
+                </p:cond>
+              </p:prevCondLst>
+              <p:nextCondLst>
+                <p:cond evt="onNext" delay="0">
+                  <p:tgtEl>
+                    <p:sldTgt/>
+                  </p:tgtEl>
+                </p:cond>
+              </p:nextCondLst>
+            </p:seq>
+          </p:childTnLst>
+        </p:cTn>
+      </p:par>
+    </p:tnLst>
+    <p:bldLst>
+      <p:bldP spid="2" grpId="0"/>
+      <p:bldP spid="6" grpId="0"/>
+      <p:bldP spid="13" grpId="0"/>
+      <p:bldP spid="14" grpId="0"/>
+      <p:bldP spid="15" grpId="0"/>
+      <p:bldP spid="16" grpId="0"/>
+    </p:bldLst>
+  </p:timing>
+</p:sld>
+</file>
+
+<file path=ppt/slides/slide5.xml><?xml version="1.0" encoding="utf-8"?>
+<p:sld xmlns:a="http://schemas.openxmlformats.org/drawingml/2006/main" xmlns:r="http://schemas.openxmlformats.org/officeDocument/2006/relationships" xmlns:p="http://schemas.openxmlformats.org/presentationml/2006/main">
+  <p:cSld>
+    <p:spTree>
+      <p:nvGrpSpPr>
+        <p:cNvPr id="1" name=""/>
+        <p:cNvGrpSpPr/>
+        <p:nvPr/>
+      </p:nvGrpSpPr>
+      <p:grpSpPr>
+        <a:xfrm>
+          <a:off x="0" y="0"/>
+          <a:ext cx="0" cy="0"/>
+          <a:chOff x="0" y="0"/>
+          <a:chExt cx="0" cy="0"/>
+        </a:xfrm>
+      </p:grpSpPr>
+      <p:sp>
+        <p:nvSpPr>
+          <p:cNvPr id="2" name="Cím 1"/>
+          <p:cNvSpPr>
+            <a:spLocks noGrp="1"/>
+          </p:cNvSpPr>
+          <p:nvPr>
+            <p:ph type="ctrTitle"/>
+          </p:nvPr>
+        </p:nvSpPr>
+        <p:spPr>
+          <a:xfrm>
+            <a:off x="1582723" y="8389"/>
+            <a:ext cx="9144000" cy="1051989"/>
+          </a:xfrm>
+        </p:spPr>
+        <p:txBody>
+          <a:bodyPr/>
+          <a:lstStyle/>
+          <a:p>
+            <a:r>
+              <a:rPr lang="hu-HU" dirty="0"/>
+              <a:t>Sebi része a projektben:</a:t>
+            </a:r>
+          </a:p>
+        </p:txBody>
+      </p:sp>
+      <p:sp>
+        <p:nvSpPr>
+          <p:cNvPr id="4" name="Szövegdoboz 3"/>
+          <p:cNvSpPr txBox="1"/>
+          <p:nvPr/>
+        </p:nvSpPr>
+        <p:spPr>
+          <a:xfrm>
+            <a:off x="1191237" y="1434517"/>
+            <a:ext cx="4605556" cy="646331"/>
+          </a:xfrm>
+          <a:prstGeom prst="rect">
+            <a:avLst/>
+          </a:prstGeom>
+          <a:noFill/>
+        </p:spPr>
+        <p:txBody>
+          <a:bodyPr wrap="square" rtlCol="0">
+            <a:spAutoFit/>
+          </a:bodyPr>
+          <a:lstStyle/>
+          <a:p>
+            <a:r>
+              <a:rPr lang="hu-HU" dirty="0"/>
+              <a:t>A projekten belül lévő László és </a:t>
+            </a:r>
+            <a:r>
+              <a:rPr lang="hu-HU" dirty="0" err="1"/>
+              <a:t>Landauer</a:t>
+            </a:r>
+            <a:r>
+              <a:rPr lang="hu-HU" dirty="0"/>
+              <a:t> család házának a hálózatát építettem meg</a:t>
+            </a:r>
+          </a:p>
+        </p:txBody>
+      </p:sp>
+      <p:sp>
+        <p:nvSpPr>
+          <p:cNvPr id="5" name="Szövegdoboz 4"/>
+          <p:cNvSpPr txBox="1"/>
+          <p:nvPr/>
+        </p:nvSpPr>
+        <p:spPr>
+          <a:xfrm>
+            <a:off x="2550254" y="2512800"/>
+            <a:ext cx="1610686" cy="3139321"/>
+          </a:xfrm>
+          <a:prstGeom prst="rect">
+            <a:avLst/>
+          </a:prstGeom>
+          <a:noFill/>
+        </p:spPr>
+        <p:txBody>
+          <a:bodyPr wrap="square" rtlCol="0">
+            <a:spAutoFit/>
+          </a:bodyPr>
+          <a:lstStyle/>
+          <a:p>
+            <a:pPr marL="285750" indent="-285750">
+              <a:buFont typeface="Arial" panose="020B0604020202020204" pitchFamily="34" charset="0"/>
+              <a:buChar char="•"/>
+            </a:pPr>
+            <a:r>
+              <a:rPr lang="hu-HU" dirty="0"/>
+              <a:t>1db </a:t>
+            </a:r>
+            <a:r>
+              <a:rPr lang="hu-HU" dirty="0" err="1"/>
+              <a:t>router</a:t>
+            </a:r>
+            <a:endParaRPr lang="hu-HU" dirty="0"/>
+          </a:p>
+          <a:p>
+            <a:endParaRPr lang="hu-HU" dirty="0"/>
+          </a:p>
+          <a:p>
+            <a:pPr marL="285750" indent="-285750">
+              <a:buFont typeface="Arial" panose="020B0604020202020204" pitchFamily="34" charset="0"/>
+              <a:buChar char="•"/>
+            </a:pPr>
+            <a:r>
+              <a:rPr lang="hu-HU" dirty="0"/>
+              <a:t>1db </a:t>
+            </a:r>
+            <a:r>
+              <a:rPr lang="hu-HU" dirty="0" err="1"/>
+              <a:t>switch</a:t>
+            </a:r>
+            <a:endParaRPr lang="hu-HU" dirty="0"/>
+          </a:p>
+          <a:p>
+            <a:endParaRPr lang="hu-HU" dirty="0"/>
+          </a:p>
+          <a:p>
+            <a:pPr marL="285750" indent="-285750">
+              <a:buFont typeface="Arial" panose="020B0604020202020204" pitchFamily="34" charset="0"/>
+              <a:buChar char="•"/>
+            </a:pPr>
+            <a:r>
+              <a:rPr lang="hu-HU" dirty="0"/>
+              <a:t>2db pc</a:t>
+            </a:r>
+          </a:p>
+          <a:p>
+            <a:pPr marL="285750" indent="-285750">
+              <a:buFont typeface="Arial" panose="020B0604020202020204" pitchFamily="34" charset="0"/>
+              <a:buChar char="•"/>
+            </a:pPr>
+            <a:endParaRPr lang="hu-HU" dirty="0"/>
+          </a:p>
+          <a:p>
+            <a:pPr marL="285750" indent="-285750">
+              <a:buFont typeface="Arial" panose="020B0604020202020204" pitchFamily="34" charset="0"/>
+              <a:buChar char="•"/>
+            </a:pPr>
+            <a:r>
+              <a:rPr lang="hu-HU" dirty="0"/>
+              <a:t>1db </a:t>
+            </a:r>
+            <a:r>
+              <a:rPr lang="hu-HU" dirty="0" err="1"/>
+              <a:t>wireless</a:t>
+            </a:r>
+            <a:r>
+              <a:rPr lang="hu-HU" dirty="0"/>
+              <a:t> router</a:t>
+            </a:r>
+          </a:p>
+          <a:p>
+            <a:pPr marL="285750" indent="-285750">
+              <a:buFont typeface="Arial" panose="020B0604020202020204" pitchFamily="34" charset="0"/>
+              <a:buChar char="•"/>
+            </a:pPr>
+            <a:endParaRPr lang="hu-HU" dirty="0"/>
+          </a:p>
+          <a:p>
+            <a:pPr marL="285750" indent="-285750">
+              <a:buFont typeface="Arial" panose="020B0604020202020204" pitchFamily="34" charset="0"/>
+              <a:buChar char="•"/>
+            </a:pPr>
+            <a:r>
+              <a:rPr lang="hu-HU" dirty="0"/>
+              <a:t>1db laptop</a:t>
+            </a:r>
+          </a:p>
+        </p:txBody>
+      </p:sp>
+      <p:sp>
+        <p:nvSpPr>
+          <p:cNvPr id="6" name="Szövegdoboz 5"/>
+          <p:cNvSpPr txBox="1"/>
+          <p:nvPr/>
+        </p:nvSpPr>
+        <p:spPr>
+          <a:xfrm>
+            <a:off x="1183639" y="2143468"/>
+            <a:ext cx="1534394" cy="369332"/>
+          </a:xfrm>
+          <a:prstGeom prst="rect">
+            <a:avLst/>
+          </a:prstGeom>
+          <a:noFill/>
+        </p:spPr>
+        <p:txBody>
+          <a:bodyPr wrap="none" rtlCol="0">
+            <a:spAutoFit/>
+          </a:bodyPr>
+          <a:lstStyle/>
+          <a:p>
+            <a:r>
+              <a:rPr lang="hu-HU" dirty="0"/>
+              <a:t>Hálózat részei:</a:t>
+            </a:r>
+          </a:p>
+        </p:txBody>
+      </p:sp>
+      <p:sp>
+        <p:nvSpPr>
+          <p:cNvPr id="10" name="Jobbra nyíl 9"/>
+          <p:cNvSpPr/>
+          <p:nvPr/>
+        </p:nvSpPr>
+        <p:spPr>
+          <a:xfrm>
+            <a:off x="4244830" y="2544705"/>
+            <a:ext cx="1182847" cy="314290"/>
+          </a:xfrm>
+          <a:prstGeom prst="rightArrow">
+            <a:avLst/>
+          </a:prstGeom>
+          <a:effectLst>
+            <a:outerShdw blurRad="50800" dist="38100" dir="5400000" algn="t" rotWithShape="0">
+              <a:prstClr val="black">
+                <a:alpha val="40000"/>
+              </a:prstClr>
+            </a:outerShdw>
+          </a:effectLst>
+        </p:spPr>
+        <p:style>
+          <a:lnRef idx="1">
+            <a:schemeClr val="dk1"/>
+          </a:lnRef>
+          <a:fillRef idx="2">
+            <a:schemeClr val="dk1"/>
+          </a:fillRef>
+          <a:effectRef idx="1">
+            <a:schemeClr val="dk1"/>
+          </a:effectRef>
+          <a:fontRef idx="minor">
+            <a:schemeClr val="dk1"/>
+          </a:fontRef>
+        </p:style>
+        <p:txBody>
+          <a:bodyPr rtlCol="0" anchor="ctr"/>
+          <a:lstStyle/>
+          <a:p>
+            <a:pPr algn="ctr"/>
+            <a:endParaRPr lang="hu-HU"/>
+          </a:p>
+        </p:txBody>
+      </p:sp>
+      <p:sp>
+        <p:nvSpPr>
+          <p:cNvPr id="11" name="Szövegdoboz 10"/>
+          <p:cNvSpPr txBox="1"/>
+          <p:nvPr/>
+        </p:nvSpPr>
+        <p:spPr>
+          <a:xfrm>
+            <a:off x="5670958" y="2544705"/>
+            <a:ext cx="1786855" cy="369332"/>
+          </a:xfrm>
+          <a:prstGeom prst="rect">
+            <a:avLst/>
+          </a:prstGeom>
+          <a:noFill/>
+        </p:spPr>
+        <p:txBody>
+          <a:bodyPr wrap="square" rtlCol="0">
+            <a:spAutoFit/>
+          </a:bodyPr>
+          <a:lstStyle/>
+          <a:p>
+            <a:r>
+              <a:rPr lang="hu-HU" dirty="0"/>
+              <a:t>1941-es </a:t>
+            </a:r>
+            <a:r>
+              <a:rPr lang="hu-HU" dirty="0" err="1"/>
+              <a:t>router</a:t>
+            </a:r>
+            <a:endParaRPr lang="hu-HU" dirty="0"/>
+          </a:p>
+        </p:txBody>
+      </p:sp>
+      <p:sp>
+        <p:nvSpPr>
+          <p:cNvPr id="12" name="Jobbra nyíl 11"/>
+          <p:cNvSpPr/>
+          <p:nvPr/>
+        </p:nvSpPr>
+        <p:spPr>
+          <a:xfrm>
+            <a:off x="4244829" y="3094319"/>
+            <a:ext cx="1182847" cy="314290"/>
+          </a:xfrm>
+          <a:prstGeom prst="rightArrow">
+            <a:avLst/>
+          </a:prstGeom>
+          <a:effectLst>
+            <a:outerShdw blurRad="50800" dist="38100" dir="5400000" algn="t" rotWithShape="0">
+              <a:prstClr val="black">
+                <a:alpha val="40000"/>
+              </a:prstClr>
+            </a:outerShdw>
+          </a:effectLst>
+        </p:spPr>
+        <p:style>
+          <a:lnRef idx="1">
+            <a:schemeClr val="dk1"/>
+          </a:lnRef>
+          <a:fillRef idx="2">
+            <a:schemeClr val="dk1"/>
+          </a:fillRef>
+          <a:effectRef idx="1">
+            <a:schemeClr val="dk1"/>
+          </a:effectRef>
+          <a:fontRef idx="minor">
+            <a:schemeClr val="dk1"/>
+          </a:fontRef>
+        </p:style>
+        <p:txBody>
+          <a:bodyPr rtlCol="0" anchor="ctr"/>
+          <a:lstStyle/>
+          <a:p>
+            <a:pPr algn="ctr"/>
+            <a:endParaRPr lang="hu-HU"/>
+          </a:p>
+        </p:txBody>
+      </p:sp>
+      <p:sp>
+        <p:nvSpPr>
+          <p:cNvPr id="13" name="Szövegdoboz 12"/>
+          <p:cNvSpPr txBox="1"/>
+          <p:nvPr/>
+        </p:nvSpPr>
+        <p:spPr>
+          <a:xfrm>
+            <a:off x="5670958" y="3066798"/>
+            <a:ext cx="1610686" cy="369332"/>
+          </a:xfrm>
+          <a:prstGeom prst="rect">
+            <a:avLst/>
+          </a:prstGeom>
+          <a:noFill/>
+        </p:spPr>
+        <p:txBody>
+          <a:bodyPr wrap="square" rtlCol="0">
+            <a:spAutoFit/>
+          </a:bodyPr>
+          <a:lstStyle/>
+          <a:p>
+            <a:r>
+              <a:rPr lang="hu-HU" dirty="0"/>
+              <a:t>2960-as </a:t>
+            </a:r>
+            <a:r>
+              <a:rPr lang="hu-HU" dirty="0" err="1"/>
+              <a:t>switch</a:t>
+            </a:r>
+            <a:endParaRPr lang="hu-HU" dirty="0"/>
+          </a:p>
+        </p:txBody>
+      </p:sp>
+      <p:sp>
+        <p:nvSpPr>
+          <p:cNvPr id="14" name="Jobbra nyíl 11">
+            <a:extLst>
+              <a:ext uri="{FF2B5EF4-FFF2-40B4-BE49-F238E27FC236}">
+                <a16:creationId xmlns:a16="http://schemas.microsoft.com/office/drawing/2014/main" id="{9FF3E303-44CC-42D4-9101-1879E631F2DD}"/>
+              </a:ext>
+            </a:extLst>
+          </p:cNvPr>
+          <p:cNvSpPr/>
+          <p:nvPr/>
+        </p:nvSpPr>
+        <p:spPr>
+          <a:xfrm>
+            <a:off x="4244828" y="4462863"/>
+            <a:ext cx="1182847" cy="314290"/>
+          </a:xfrm>
+          <a:prstGeom prst="rightArrow">
+            <a:avLst/>
+          </a:prstGeom>
+          <a:effectLst>
+            <a:outerShdw blurRad="50800" dist="38100" dir="5400000" algn="t" rotWithShape="0">
+              <a:prstClr val="black">
+                <a:alpha val="40000"/>
+              </a:prstClr>
+            </a:outerShdw>
+          </a:effectLst>
+        </p:spPr>
+        <p:style>
+          <a:lnRef idx="1">
+            <a:schemeClr val="dk1"/>
+          </a:lnRef>
+          <a:fillRef idx="2">
+            <a:schemeClr val="dk1"/>
+          </a:fillRef>
+          <a:effectRef idx="1">
+            <a:schemeClr val="dk1"/>
+          </a:effectRef>
+          <a:fontRef idx="minor">
+            <a:schemeClr val="dk1"/>
+          </a:fontRef>
+        </p:style>
+        <p:txBody>
+          <a:bodyPr rtlCol="0" anchor="ctr"/>
+          <a:lstStyle/>
+          <a:p>
+            <a:pPr algn="ctr"/>
+            <a:endParaRPr lang="hu-HU"/>
+          </a:p>
+        </p:txBody>
+      </p:sp>
+      <p:sp>
+        <p:nvSpPr>
+          <p:cNvPr id="3" name="Szövegdoboz 2">
+            <a:extLst>
+              <a:ext uri="{FF2B5EF4-FFF2-40B4-BE49-F238E27FC236}">
+                <a16:creationId xmlns:a16="http://schemas.microsoft.com/office/drawing/2014/main" id="{821C7E41-F2AA-4B8E-84A6-E28E47E37361}"/>
+              </a:ext>
+            </a:extLst>
+          </p:cNvPr>
+          <p:cNvSpPr txBox="1"/>
+          <p:nvPr/>
+        </p:nvSpPr>
+        <p:spPr>
+          <a:xfrm>
+            <a:off x="5911269" y="4535867"/>
+            <a:ext cx="1124988" cy="369332"/>
+          </a:xfrm>
+          <a:prstGeom prst="rect">
+            <a:avLst/>
+          </a:prstGeom>
+          <a:noFill/>
+        </p:spPr>
+        <p:txBody>
+          <a:bodyPr wrap="none" rtlCol="0">
+            <a:spAutoFit/>
+          </a:bodyPr>
+          <a:lstStyle/>
+          <a:p>
+            <a:r>
+              <a:rPr lang="hu-HU" dirty="0"/>
+              <a:t>WRT300N</a:t>
+            </a:r>
+          </a:p>
+        </p:txBody>
+      </p:sp>
+      <p:sp>
+        <p:nvSpPr>
+          <p:cNvPr id="15" name="Jobbra nyíl 11">
+            <a:extLst>
+              <a:ext uri="{FF2B5EF4-FFF2-40B4-BE49-F238E27FC236}">
+                <a16:creationId xmlns:a16="http://schemas.microsoft.com/office/drawing/2014/main" id="{AD498221-A36C-4865-A349-1011FE015688}"/>
+              </a:ext>
+            </a:extLst>
+          </p:cNvPr>
+          <p:cNvSpPr/>
+          <p:nvPr/>
+        </p:nvSpPr>
+        <p:spPr>
+          <a:xfrm>
+            <a:off x="4244827" y="5266338"/>
+            <a:ext cx="1182847" cy="314290"/>
+          </a:xfrm>
+          <a:prstGeom prst="rightArrow">
+            <a:avLst/>
+          </a:prstGeom>
+          <a:effectLst>
+            <a:outerShdw blurRad="50800" dist="38100" dir="5400000" algn="t" rotWithShape="0">
+              <a:prstClr val="black">
+                <a:alpha val="40000"/>
+              </a:prstClr>
+            </a:outerShdw>
+          </a:effectLst>
+        </p:spPr>
+        <p:style>
+          <a:lnRef idx="1">
+            <a:schemeClr val="dk1"/>
+          </a:lnRef>
+          <a:fillRef idx="2">
+            <a:schemeClr val="dk1"/>
+          </a:fillRef>
+          <a:effectRef idx="1">
+            <a:schemeClr val="dk1"/>
+          </a:effectRef>
+          <a:fontRef idx="minor">
+            <a:schemeClr val="dk1"/>
+          </a:fontRef>
+        </p:style>
+        <p:txBody>
+          <a:bodyPr rtlCol="0" anchor="ctr"/>
+          <a:lstStyle/>
+          <a:p>
+            <a:pPr algn="ctr"/>
+            <a:endParaRPr lang="hu-HU"/>
+          </a:p>
+        </p:txBody>
+      </p:sp>
+      <p:sp>
+        <p:nvSpPr>
+          <p:cNvPr id="7" name="Szövegdoboz 6">
+            <a:extLst>
+              <a:ext uri="{FF2B5EF4-FFF2-40B4-BE49-F238E27FC236}">
+                <a16:creationId xmlns:a16="http://schemas.microsoft.com/office/drawing/2014/main" id="{B8EDE2AB-6BCB-46C7-B08A-F7D496B57CC0}"/>
+              </a:ext>
+            </a:extLst>
+          </p:cNvPr>
+          <p:cNvSpPr txBox="1"/>
+          <p:nvPr/>
+        </p:nvSpPr>
+        <p:spPr>
+          <a:xfrm>
+            <a:off x="5911269" y="5315935"/>
+            <a:ext cx="1132554" cy="369332"/>
+          </a:xfrm>
+          <a:prstGeom prst="rect">
+            <a:avLst/>
+          </a:prstGeom>
+          <a:noFill/>
+        </p:spPr>
+        <p:txBody>
+          <a:bodyPr wrap="none" rtlCol="0">
+            <a:spAutoFit/>
+          </a:bodyPr>
+          <a:lstStyle/>
+          <a:p>
+            <a:r>
+              <a:rPr lang="hu-HU" dirty="0"/>
+              <a:t>Laptop-PT</a:t>
+            </a:r>
+          </a:p>
+        </p:txBody>
+      </p:sp>
+    </p:spTree>
+    <p:extLst>
+      <p:ext uri="{BB962C8B-B14F-4D97-AF65-F5344CB8AC3E}">
+        <p14:creationId xmlns:p14="http://schemas.microsoft.com/office/powerpoint/2010/main" val="1404082948"/>
+      </p:ext>
+    </p:extLst>
+  </p:cSld>
+  <p:clrMapOvr>
+    <a:masterClrMapping/>
+  </p:clrMapOvr>
+  <mc:AlternateContent xmlns:mc="http://schemas.openxmlformats.org/markup-compatibility/2006" xmlns:p14="http://schemas.microsoft.com/office/powerpoint/2010/main">
+    <mc:Choice Requires="p14">
+      <p:transition spd="slow" p14:dur="1500">
+        <p:split orient="vert"/>
+      </p:transition>
+    </mc:Choice>
+    <mc:Fallback xmlns="">
+      <p:transition spd="slow">
+        <p:split orient="vert"/>
+      </p:transition>
+    </mc:Fallback>
+  </mc:AlternateContent>
+  <p:timing>
+    <p:tnLst>
+      <p:par>
+        <p:cTn id="1" dur="indefinite" restart="never" nodeType="tmRoot">
+          <p:childTnLst>
+            <p:seq concurrent="1" nextAc="seek">
+              <p:cTn id="2" dur="indefinite" nodeType="mainSeq">
+                <p:childTnLst>
+                  <p:par>
+                    <p:cTn id="3" fill="hold">
+                      <p:stCondLst>
+                        <p:cond delay="indefinite"/>
+                      </p:stCondLst>
+                      <p:childTnLst>
+                        <p:par>
+                          <p:cTn id="4" fill="hold">
+                            <p:stCondLst>
+                              <p:cond delay="0"/>
+                            </p:stCondLst>
+                            <p:childTnLst>
+                              <p:par>
+                                <p:cTn id="5" presetID="10" presetClass="entr" presetSubtype="0" fill="hold" grpId="0" nodeType="clickEffect">
+                                  <p:stCondLst>
+                                    <p:cond delay="0"/>
+                                  </p:stCondLst>
+                                  <p:childTnLst>
+                                    <p:set>
+                                      <p:cBhvr>
+                                        <p:cTn id="6" dur="1" fill="hold">
+                                          <p:stCondLst>
+                                            <p:cond delay="0"/>
+                                          </p:stCondLst>
+                                        </p:cTn>
+                                        <p:tgtEl>
+                                          <p:spTgt spid="2"/>
+                                        </p:tgtEl>
+                                        <p:attrNameLst>
+                                          <p:attrName>style.visibility</p:attrName>
+                                        </p:attrNameLst>
+                                      </p:cBhvr>
+                                      <p:to>
+                                        <p:strVal val="visible"/>
+                                      </p:to>
+                                    </p:set>
+                                    <p:animEffect transition="in" filter="fade">
+                                      <p:cBhvr>
+                                        <p:cTn id="7" dur="500"/>
+                                        <p:tgtEl>
+                                          <p:spTgt spid="2"/>
+                                        </p:tgtEl>
+                                      </p:cBhvr>
+                                    </p:animEffect>
+                                  </p:childTnLst>
+                                </p:cTn>
+                              </p:par>
+                            </p:childTnLst>
+                          </p:cTn>
+                        </p:par>
+                      </p:childTnLst>
+                    </p:cTn>
+                  </p:par>
+                  <p:par>
+                    <p:cTn id="8" fill="hold">
+                      <p:stCondLst>
+                        <p:cond delay="indefinite"/>
+                      </p:stCondLst>
+                      <p:childTnLst>
+                        <p:par>
+                          <p:cTn id="9" fill="hold">
+                            <p:stCondLst>
+                              <p:cond delay="0"/>
+                            </p:stCondLst>
+                            <p:childTnLst>
+                              <p:par>
+                                <p:cTn id="10" presetID="21" presetClass="entr" presetSubtype="1" fill="hold" grpId="0" nodeType="clickEffect">
+                                  <p:stCondLst>
+                                    <p:cond delay="0"/>
+                                  </p:stCondLst>
+                                  <p:childTnLst>
+                                    <p:set>
+                                      <p:cBhvr>
+                                        <p:cTn id="11" dur="1" fill="hold">
+                                          <p:stCondLst>
+                                            <p:cond delay="0"/>
+                                          </p:stCondLst>
+                                        </p:cTn>
+                                        <p:tgtEl>
+                                          <p:spTgt spid="4"/>
+                                        </p:tgtEl>
+                                        <p:attrNameLst>
+                                          <p:attrName>style.visibility</p:attrName>
+                                        </p:attrNameLst>
+                                      </p:cBhvr>
+                                      <p:to>
+                                        <p:strVal val="visible"/>
+                                      </p:to>
+                                    </p:set>
+                                    <p:animEffect transition="in" filter="wheel(1)">
+                                      <p:cBhvr>
+                                        <p:cTn id="12" dur="2000"/>
+                                        <p:tgtEl>
+                                          <p:spTgt spid="4"/>
+                                        </p:tgtEl>
+                                      </p:cBhvr>
+                                    </p:animEffect>
+                                  </p:childTnLst>
+                                </p:cTn>
+                              </p:par>
+                            </p:childTnLst>
+                          </p:cTn>
+                        </p:par>
+                      </p:childTnLst>
+                    </p:cTn>
+                  </p:par>
+                  <p:par>
+                    <p:cTn id="13" fill="hold">
+                      <p:stCondLst>
+                        <p:cond delay="indefinite"/>
+                      </p:stCondLst>
+                      <p:childTnLst>
+                        <p:par>
+                          <p:cTn id="14" fill="hold">
+                            <p:stCondLst>
+                              <p:cond delay="0"/>
+                            </p:stCondLst>
+                            <p:childTnLst>
+                              <p:par>
+                                <p:cTn id="15" presetID="14" presetClass="entr" presetSubtype="10" fill="hold" grpId="0" nodeType="clickEffect">
+                                  <p:stCondLst>
+                                    <p:cond delay="0"/>
+                                  </p:stCondLst>
+                                  <p:childTnLst>
+                                    <p:set>
+                                      <p:cBhvr>
+                                        <p:cTn id="16" dur="1" fill="hold">
+                                          <p:stCondLst>
+                                            <p:cond delay="0"/>
+                                          </p:stCondLst>
+                                        </p:cTn>
+                                        <p:tgtEl>
+                                          <p:spTgt spid="6"/>
+                                        </p:tgtEl>
+                                        <p:attrNameLst>
+                                          <p:attrName>style.visibility</p:attrName>
+                                        </p:attrNameLst>
+                                      </p:cBhvr>
+                                      <p:to>
+                                        <p:strVal val="visible"/>
+                                      </p:to>
+                                    </p:set>
+                                    <p:animEffect transition="in" filter="randombar(horizontal)">
+                                      <p:cBhvr>
+                                        <p:cTn id="17" dur="500"/>
+                                        <p:tgtEl>
+                                          <p:spTgt spid="6"/>
+                                        </p:tgtEl>
+                                      </p:cBhvr>
+                                    </p:animEffect>
+                                  </p:childTnLst>
+                                </p:cTn>
+                              </p:par>
+                            </p:childTnLst>
+                          </p:cTn>
+                        </p:par>
+                      </p:childTnLst>
+                    </p:cTn>
+                  </p:par>
+                  <p:par>
+                    <p:cTn id="18" fill="hold">
+                      <p:stCondLst>
+                        <p:cond delay="indefinite"/>
+                      </p:stCondLst>
+                      <p:childTnLst>
+                        <p:par>
+                          <p:cTn id="19" fill="hold">
+                            <p:stCondLst>
+                              <p:cond delay="0"/>
+                            </p:stCondLst>
+                            <p:childTnLst>
+                              <p:par>
+                                <p:cTn id="20" presetID="53" presetClass="entr" presetSubtype="16" fill="hold" grpId="0" nodeType="clickEffect">
+                                  <p:stCondLst>
+                                    <p:cond delay="0"/>
+                                  </p:stCondLst>
+                                  <p:childTnLst>
+                                    <p:set>
+                                      <p:cBhvr>
+                                        <p:cTn id="21" dur="1" fill="hold">
+                                          <p:stCondLst>
+                                            <p:cond delay="0"/>
+                                          </p:stCondLst>
+                                        </p:cTn>
+                                        <p:tgtEl>
+                                          <p:spTgt spid="5"/>
+                                        </p:tgtEl>
+                                        <p:attrNameLst>
+                                          <p:attrName>style.visibility</p:attrName>
+                                        </p:attrNameLst>
+                                      </p:cBhvr>
+                                      <p:to>
+                                        <p:strVal val="visible"/>
+                                      </p:to>
+                                    </p:set>
+                                    <p:anim calcmode="lin" valueType="num">
+                                      <p:cBhvr>
+                                        <p:cTn id="22" dur="500" fill="hold"/>
+                                        <p:tgtEl>
+                                          <p:spTgt spid="5"/>
+                                        </p:tgtEl>
+                                        <p:attrNameLst>
+                                          <p:attrName>ppt_w</p:attrName>
+                                        </p:attrNameLst>
+                                      </p:cBhvr>
+                                      <p:tavLst>
+                                        <p:tav tm="0">
+                                          <p:val>
+                                            <p:fltVal val="0"/>
+                                          </p:val>
+                                        </p:tav>
+                                        <p:tav tm="100000">
+                                          <p:val>
+                                            <p:strVal val="#ppt_w"/>
+                                          </p:val>
+                                        </p:tav>
+                                      </p:tavLst>
+                                    </p:anim>
+                                    <p:anim calcmode="lin" valueType="num">
+                                      <p:cBhvr>
+                                        <p:cTn id="23" dur="500" fill="hold"/>
+                                        <p:tgtEl>
+                                          <p:spTgt spid="5"/>
+                                        </p:tgtEl>
+                                        <p:attrNameLst>
+                                          <p:attrName>ppt_h</p:attrName>
+                                        </p:attrNameLst>
+                                      </p:cBhvr>
+                                      <p:tavLst>
+                                        <p:tav tm="0">
+                                          <p:val>
+                                            <p:fltVal val="0"/>
+                                          </p:val>
+                                        </p:tav>
+                                        <p:tav tm="100000">
+                                          <p:val>
+                                            <p:strVal val="#ppt_h"/>
+                                          </p:val>
+                                        </p:tav>
+                                      </p:tavLst>
+                                    </p:anim>
+                                    <p:animEffect transition="in" filter="fade">
+                                      <p:cBhvr>
+                                        <p:cTn id="24" dur="500"/>
+                                        <p:tgtEl>
+                                          <p:spTgt spid="5"/>
+                                        </p:tgtEl>
+                                      </p:cBhvr>
+                                    </p:animEffect>
+                                  </p:childTnLst>
+                                </p:cTn>
+                              </p:par>
+                            </p:childTnLst>
+                          </p:cTn>
+                        </p:par>
+                      </p:childTnLst>
+                    </p:cTn>
+                  </p:par>
+                  <p:par>
+                    <p:cTn id="25" fill="hold">
+                      <p:stCondLst>
+                        <p:cond delay="indefinite"/>
+                      </p:stCondLst>
+                      <p:childTnLst>
+                        <p:par>
+                          <p:cTn id="26" fill="hold">
+                            <p:stCondLst>
+                              <p:cond delay="0"/>
+                            </p:stCondLst>
+                            <p:childTnLst>
+                              <p:par>
+                                <p:cTn id="27" presetID="31" presetClass="entr" presetSubtype="0" fill="hold" grpId="0" nodeType="clickEffect">
+                                  <p:stCondLst>
+                                    <p:cond delay="0"/>
+                                  </p:stCondLst>
+                                  <p:childTnLst>
+                                    <p:set>
+                                      <p:cBhvr>
+                                        <p:cTn id="28" dur="1" fill="hold">
+                                          <p:stCondLst>
+                                            <p:cond delay="0"/>
+                                          </p:stCondLst>
+                                        </p:cTn>
+                                        <p:tgtEl>
+                                          <p:spTgt spid="10"/>
+                                        </p:tgtEl>
+                                        <p:attrNameLst>
+                                          <p:attrName>style.visibility</p:attrName>
+                                        </p:attrNameLst>
+                                      </p:cBhvr>
+                                      <p:to>
+                                        <p:strVal val="visible"/>
+                                      </p:to>
+                                    </p:set>
+                                    <p:anim calcmode="lin" valueType="num">
+                                      <p:cBhvr>
+                                        <p:cTn id="29" dur="1000" fill="hold"/>
+                                        <p:tgtEl>
+                                          <p:spTgt spid="10"/>
+                                        </p:tgtEl>
+                                        <p:attrNameLst>
+                                          <p:attrName>ppt_w</p:attrName>
+                                        </p:attrNameLst>
+                                      </p:cBhvr>
+                                      <p:tavLst>
+                                        <p:tav tm="0">
+                                          <p:val>
+                                            <p:fltVal val="0"/>
+                                          </p:val>
+                                        </p:tav>
+                                        <p:tav tm="100000">
+                                          <p:val>
+                                            <p:strVal val="#ppt_w"/>
+                                          </p:val>
+                                        </p:tav>
+                                      </p:tavLst>
+                                    </p:anim>
+                                    <p:anim calcmode="lin" valueType="num">
+                                      <p:cBhvr>
+                                        <p:cTn id="30" dur="1000" fill="hold"/>
+                                        <p:tgtEl>
+                                          <p:spTgt spid="10"/>
+                                        </p:tgtEl>
+                                        <p:attrNameLst>
+                                          <p:attrName>ppt_h</p:attrName>
+                                        </p:attrNameLst>
+                                      </p:cBhvr>
+                                      <p:tavLst>
+                                        <p:tav tm="0">
+                                          <p:val>
+                                            <p:fltVal val="0"/>
+                                          </p:val>
+                                        </p:tav>
+                                        <p:tav tm="100000">
+                                          <p:val>
+                                            <p:strVal val="#ppt_h"/>
+                                          </p:val>
+                                        </p:tav>
+                                      </p:tavLst>
+                                    </p:anim>
+                                    <p:anim calcmode="lin" valueType="num">
+                                      <p:cBhvr>
+                                        <p:cTn id="31" dur="1000" fill="hold"/>
+                                        <p:tgtEl>
+                                          <p:spTgt spid="10"/>
+                                        </p:tgtEl>
+                                        <p:attrNameLst>
+                                          <p:attrName>style.rotation</p:attrName>
+                                        </p:attrNameLst>
+                                      </p:cBhvr>
+                                      <p:tavLst>
+                                        <p:tav tm="0">
+                                          <p:val>
+                                            <p:fltVal val="90"/>
+                                          </p:val>
+                                        </p:tav>
+                                        <p:tav tm="100000">
+                                          <p:val>
+                                            <p:fltVal val="0"/>
+                                          </p:val>
+                                        </p:tav>
+                                      </p:tavLst>
+                                    </p:anim>
+                                    <p:animEffect transition="in" filter="fade">
+                                      <p:cBhvr>
+                                        <p:cTn id="32" dur="1000"/>
+                                        <p:tgtEl>
+                                          <p:spTgt spid="10"/>
+                                        </p:tgtEl>
+                                      </p:cBhvr>
+                                    </p:animEffect>
+                                  </p:childTnLst>
+                                </p:cTn>
+                              </p:par>
+                            </p:childTnLst>
+                          </p:cTn>
+                        </p:par>
+                      </p:childTnLst>
+                    </p:cTn>
+                  </p:par>
+                  <p:par>
+                    <p:cTn id="33" fill="hold">
+                      <p:stCondLst>
+                        <p:cond delay="indefinite"/>
+                      </p:stCondLst>
+                      <p:childTnLst>
+                        <p:par>
+                          <p:cTn id="34" fill="hold">
+                            <p:stCondLst>
+                              <p:cond delay="0"/>
+                            </p:stCondLst>
+                            <p:childTnLst>
+                              <p:par>
+                                <p:cTn id="35" presetID="6" presetClass="entr" presetSubtype="16" fill="hold" grpId="0" nodeType="clickEffect">
+                                  <p:stCondLst>
+                                    <p:cond delay="0"/>
+                                  </p:stCondLst>
+                                  <p:childTnLst>
+                                    <p:set>
+                                      <p:cBhvr>
+                                        <p:cTn id="36" dur="1" fill="hold">
+                                          <p:stCondLst>
+                                            <p:cond delay="0"/>
+                                          </p:stCondLst>
+                                        </p:cTn>
+                                        <p:tgtEl>
+                                          <p:spTgt spid="11"/>
+                                        </p:tgtEl>
+                                        <p:attrNameLst>
+                                          <p:attrName>style.visibility</p:attrName>
+                                        </p:attrNameLst>
+                                      </p:cBhvr>
+                                      <p:to>
+                                        <p:strVal val="visible"/>
+                                      </p:to>
+                                    </p:set>
+                                    <p:animEffect transition="in" filter="circle(in)">
+                                      <p:cBhvr>
+                                        <p:cTn id="37" dur="2000"/>
+                                        <p:tgtEl>
+                                          <p:spTgt spid="11"/>
+                                        </p:tgtEl>
+                                      </p:cBhvr>
+                                    </p:animEffect>
+                                  </p:childTnLst>
+                                </p:cTn>
+                              </p:par>
+                            </p:childTnLst>
+                          </p:cTn>
+                        </p:par>
+                      </p:childTnLst>
+                    </p:cTn>
+                  </p:par>
+                  <p:par>
+                    <p:cTn id="38" fill="hold">
+                      <p:stCondLst>
+                        <p:cond delay="indefinite"/>
+                      </p:stCondLst>
+                      <p:childTnLst>
+                        <p:par>
+                          <p:cTn id="39" fill="hold">
+                            <p:stCondLst>
+                              <p:cond delay="0"/>
+                            </p:stCondLst>
+                            <p:childTnLst>
+                              <p:par>
+                                <p:cTn id="40" presetID="16" presetClass="entr" presetSubtype="21" fill="hold" grpId="0" nodeType="clickEffect">
+                                  <p:stCondLst>
+                                    <p:cond delay="0"/>
+                                  </p:stCondLst>
+                                  <p:childTnLst>
+                                    <p:set>
+                                      <p:cBhvr>
+                                        <p:cTn id="41" dur="1" fill="hold">
+                                          <p:stCondLst>
+                                            <p:cond delay="0"/>
+                                          </p:stCondLst>
+                                        </p:cTn>
+                                        <p:tgtEl>
+                                          <p:spTgt spid="12"/>
+                                        </p:tgtEl>
+                                        <p:attrNameLst>
+                                          <p:attrName>style.visibility</p:attrName>
+                                        </p:attrNameLst>
+                                      </p:cBhvr>
+                                      <p:to>
+                                        <p:strVal val="visible"/>
+                                      </p:to>
+                                    </p:set>
+                                    <p:animEffect transition="in" filter="barn(inVertical)">
+                                      <p:cBhvr>
+                                        <p:cTn id="42" dur="500"/>
+                                        <p:tgtEl>
+                                          <p:spTgt spid="12"/>
+                                        </p:tgtEl>
+                                      </p:cBhvr>
+                                    </p:animEffect>
+                                  </p:childTnLst>
+                                </p:cTn>
+                              </p:par>
+                            </p:childTnLst>
+                          </p:cTn>
+                        </p:par>
+                      </p:childTnLst>
+                    </p:cTn>
+                  </p:par>
+                  <p:par>
+                    <p:cTn id="43" fill="hold">
+                      <p:stCondLst>
+                        <p:cond delay="indefinite"/>
+                      </p:stCondLst>
+                      <p:childTnLst>
+                        <p:par>
+                          <p:cTn id="44" fill="hold">
+                            <p:stCondLst>
+                              <p:cond delay="0"/>
+                            </p:stCondLst>
+                            <p:childTnLst>
+                              <p:par>
+                                <p:cTn id="45" presetID="16" presetClass="entr" presetSubtype="21" fill="hold" grpId="0" nodeType="clickEffect">
+                                  <p:stCondLst>
+                                    <p:cond delay="0"/>
+                                  </p:stCondLst>
+                                  <p:childTnLst>
+                                    <p:set>
+                                      <p:cBhvr>
+                                        <p:cTn id="46" dur="1" fill="hold">
+                                          <p:stCondLst>
+                                            <p:cond delay="0"/>
+                                          </p:stCondLst>
+                                        </p:cTn>
+                                        <p:tgtEl>
+                                          <p:spTgt spid="13"/>
+                                        </p:tgtEl>
+                                        <p:attrNameLst>
+                                          <p:attrName>style.visibility</p:attrName>
+                                        </p:attrNameLst>
+                                      </p:cBhvr>
+                                      <p:to>
+                                        <p:strVal val="visible"/>
+                                      </p:to>
+                                    </p:set>
+                                    <p:animEffect transition="in" filter="barn(inVertical)">
+                                      <p:cBhvr>
+                                        <p:cTn id="47" dur="500"/>
+                                        <p:tgtEl>
+                                          <p:spTgt spid="13"/>
+                                        </p:tgtEl>
+                                      </p:cBhvr>
+                                    </p:animEffect>
+                                  </p:childTnLst>
+                                </p:cTn>
+                              </p:par>
+                            </p:childTnLst>
+                          </p:cTn>
+                        </p:par>
+                      </p:childTnLst>
+                    </p:cTn>
+                  </p:par>
+                  <p:par>
+                    <p:cTn id="48" fill="hold">
+                      <p:stCondLst>
+                        <p:cond delay="indefinite"/>
+                      </p:stCondLst>
+                      <p:childTnLst>
+                        <p:par>
+                          <p:cTn id="49" fill="hold">
+                            <p:stCondLst>
+                              <p:cond delay="0"/>
+                            </p:stCondLst>
+                            <p:childTnLst>
+                              <p:par>
+                                <p:cTn id="50" presetID="16" presetClass="entr" presetSubtype="21" fill="hold" grpId="0" nodeType="clickEffect">
+                                  <p:stCondLst>
+                                    <p:cond delay="0"/>
+                                  </p:stCondLst>
+                                  <p:childTnLst>
+                                    <p:set>
+                                      <p:cBhvr>
+                                        <p:cTn id="51" dur="1" fill="hold">
+                                          <p:stCondLst>
+                                            <p:cond delay="0"/>
+                                          </p:stCondLst>
+                                        </p:cTn>
+                                        <p:tgtEl>
+                                          <p:spTgt spid="14"/>
+                                        </p:tgtEl>
+                                        <p:attrNameLst>
+                                          <p:attrName>style.visibility</p:attrName>
+                                        </p:attrNameLst>
+                                      </p:cBhvr>
+                                      <p:to>
+                                        <p:strVal val="visible"/>
+                                      </p:to>
+                                    </p:set>
+                                    <p:animEffect transition="in" filter="barn(inVertical)">
+                                      <p:cBhvr>
+                                        <p:cTn id="52" dur="500"/>
+                                        <p:tgtEl>
+                                          <p:spTgt spid="14"/>
+                                        </p:tgtEl>
+                                      </p:cBhvr>
+                                    </p:animEffect>
+                                  </p:childTnLst>
+                                </p:cTn>
+                              </p:par>
+                            </p:childTnLst>
+                          </p:cTn>
+                        </p:par>
+                      </p:childTnLst>
+                    </p:cTn>
+                  </p:par>
+                  <p:par>
+                    <p:cTn id="53" fill="hold">
+                      <p:stCondLst>
+                        <p:cond delay="indefinite"/>
+                      </p:stCondLst>
+                      <p:childTnLst>
+                        <p:par>
+                          <p:cTn id="54" fill="hold">
+                            <p:stCondLst>
+                              <p:cond delay="0"/>
+                            </p:stCondLst>
+                            <p:childTnLst>
+                              <p:par>
+                                <p:cTn id="55" presetID="16" presetClass="entr" presetSubtype="21" fill="hold" grpId="0" nodeType="clickEffect">
+                                  <p:stCondLst>
+                                    <p:cond delay="0"/>
+                                  </p:stCondLst>
+                                  <p:childTnLst>
+                                    <p:set>
+                                      <p:cBhvr>
+                                        <p:cTn id="56" dur="1" fill="hold">
+                                          <p:stCondLst>
+                                            <p:cond delay="0"/>
+                                          </p:stCondLst>
+                                        </p:cTn>
+                                        <p:tgtEl>
+                                          <p:spTgt spid="15"/>
+                                        </p:tgtEl>
+                                        <p:attrNameLst>
+                                          <p:attrName>style.visibility</p:attrName>
+                                        </p:attrNameLst>
+                                      </p:cBhvr>
+                                      <p:to>
+                                        <p:strVal val="visible"/>
+                                      </p:to>
+                                    </p:set>
+                                    <p:animEffect transition="in" filter="barn(inVertical)">
+                                      <p:cBhvr>
+                                        <p:cTn id="57" dur="500"/>
+                                        <p:tgtEl>
+                                          <p:spTgt spid="15"/>
+                                        </p:tgtEl>
+                                      </p:cBhvr>
+                                    </p:animEffect>
+                                  </p:childTnLst>
+                                </p:cTn>
+                              </p:par>
+                            </p:childTnLst>
+                          </p:cTn>
+                        </p:par>
+                      </p:childTnLst>
+                    </p:cTn>
+                  </p:par>
+                </p:childTnLst>
+              </p:cTn>
+              <p:prevCondLst>
+                <p:cond evt="onPrev" delay="0">
+                  <p:tgtEl>
+                    <p:sldTgt/>
+                  </p:tgtEl>
+                </p:cond>
+              </p:prevCondLst>
+              <p:nextCondLst>
+                <p:cond evt="onNext" delay="0">
+                  <p:tgtEl>
+                    <p:sldTgt/>
+                  </p:tgtEl>
+                </p:cond>
+              </p:nextCondLst>
+            </p:seq>
+          </p:childTnLst>
+        </p:cTn>
+      </p:par>
+    </p:tnLst>
+    <p:bldLst>
+      <p:bldP spid="2" grpId="0"/>
+      <p:bldP spid="4" grpId="0"/>
+      <p:bldP spid="5" grpId="0"/>
+      <p:bldP spid="6" grpId="0"/>
+      <p:bldP spid="10" grpId="0" animBg="1"/>
+      <p:bldP spid="11" grpId="0"/>
+      <p:bldP spid="12" grpId="0" animBg="1"/>
+      <p:bldP spid="13" grpId="0"/>
+      <p:bldP spid="14" grpId="0" animBg="1"/>
+      <p:bldP spid="15" grpId="0" animBg="1"/>
+    </p:bldLst>
+  </p:timing>
+</p:sld>
+</file>
+
+<file path=ppt/slides/slide6.xml><?xml version="1.0" encoding="utf-8"?>
+<p:sld xmlns:a="http://schemas.openxmlformats.org/drawingml/2006/main" xmlns:r="http://schemas.openxmlformats.org/officeDocument/2006/relationships" xmlns:p="http://schemas.openxmlformats.org/presentationml/2006/main">
+  <p:cSld>
+    <p:spTree>
+      <p:nvGrpSpPr>
+        <p:cNvPr id="1" name=""/>
+        <p:cNvGrpSpPr/>
+        <p:nvPr/>
+      </p:nvGrpSpPr>
+      <p:grpSpPr>
+        <a:xfrm>
+          <a:off x="0" y="0"/>
+          <a:ext cx="0" cy="0"/>
+          <a:chOff x="0" y="0"/>
+          <a:chExt cx="0" cy="0"/>
+        </a:xfrm>
+      </p:grpSpPr>
+      <p:sp>
+        <p:nvSpPr>
+          <p:cNvPr id="2" name="Cím 1"/>
+          <p:cNvSpPr>
+            <a:spLocks noGrp="1"/>
+          </p:cNvSpPr>
+          <p:nvPr>
+            <p:ph type="title"/>
+          </p:nvPr>
+        </p:nvSpPr>
+        <p:spPr>
+          <a:xfrm>
+            <a:off x="1175506" y="8389"/>
+            <a:ext cx="9948295" cy="1325563"/>
+          </a:xfrm>
+        </p:spPr>
+        <p:txBody>
+          <a:bodyPr/>
+          <a:lstStyle/>
+          <a:p>
+            <a:r>
+              <a:rPr lang="hu-HU" dirty="0"/>
+              <a:t>A router-</a:t>
+            </a:r>
+            <a:r>
+              <a:rPr lang="hu-HU" dirty="0" err="1"/>
+              <a:t>nek</a:t>
+            </a:r>
+            <a:r>
+              <a:rPr lang="hu-HU" dirty="0"/>
+              <a:t> az </a:t>
+            </a:r>
+            <a:r>
+              <a:rPr lang="hu-HU" dirty="0" err="1"/>
+              <a:t>ip</a:t>
+            </a:r>
+            <a:r>
+              <a:rPr lang="hu-HU" dirty="0"/>
+              <a:t> címe és egyéb beállításai(Sebi)</a:t>
+            </a:r>
+          </a:p>
+        </p:txBody>
+      </p:sp>
+      <p:sp>
+        <p:nvSpPr>
+          <p:cNvPr id="3" name="Tartalom helye 2"/>
+          <p:cNvSpPr>
+            <a:spLocks noGrp="1"/>
+          </p:cNvSpPr>
+          <p:nvPr>
+            <p:ph idx="1"/>
+          </p:nvPr>
+        </p:nvSpPr>
+        <p:spPr>
+          <a:xfrm>
+            <a:off x="-1" y="1325564"/>
+            <a:ext cx="8732939" cy="989798"/>
+          </a:xfrm>
+        </p:spPr>
+        <p:txBody>
+          <a:bodyPr>
+            <a:normAutofit/>
+          </a:bodyPr>
+          <a:lstStyle/>
+          <a:p>
+            <a:r>
+              <a:rPr lang="hu-HU" sz="1600" dirty="0"/>
+              <a:t>A külső hálózat ami a LASZLO és SZABO router között lett létrehozva az egy 192.168.10.10-es hálózat</a:t>
+            </a:r>
+          </a:p>
+        </p:txBody>
+      </p:sp>
+      <p:sp>
+        <p:nvSpPr>
+          <p:cNvPr id="6" name="Szövegdoboz 5"/>
+          <p:cNvSpPr txBox="1"/>
+          <p:nvPr/>
+        </p:nvSpPr>
+        <p:spPr>
+          <a:xfrm>
+            <a:off x="7623442" y="2811060"/>
+            <a:ext cx="3397084" cy="338554"/>
+          </a:xfrm>
+          <a:prstGeom prst="rect">
+            <a:avLst/>
+          </a:prstGeom>
+          <a:noFill/>
+        </p:spPr>
+        <p:txBody>
+          <a:bodyPr wrap="none" rtlCol="0">
+            <a:spAutoFit/>
+          </a:bodyPr>
+          <a:lstStyle/>
+          <a:p>
+            <a:r>
+              <a:rPr lang="hu-HU" sz="1600" dirty="0"/>
+              <a:t>/24-es maszkja van minden </a:t>
+            </a:r>
+            <a:r>
+              <a:rPr lang="hu-HU" sz="1600" dirty="0" err="1"/>
+              <a:t>ip</a:t>
+            </a:r>
+            <a:r>
+              <a:rPr lang="hu-HU" sz="1600" dirty="0"/>
+              <a:t> címének</a:t>
+            </a:r>
+          </a:p>
+        </p:txBody>
+      </p:sp>
+      <p:sp>
+        <p:nvSpPr>
+          <p:cNvPr id="8" name="Tartalom helye 2"/>
+          <p:cNvSpPr txBox="1">
+            <a:spLocks/>
+          </p:cNvSpPr>
+          <p:nvPr/>
+        </p:nvSpPr>
+        <p:spPr>
+          <a:xfrm>
+            <a:off x="152400" y="4827676"/>
+            <a:ext cx="8823952" cy="666170"/>
+          </a:xfrm>
+          <a:prstGeom prst="rect">
+            <a:avLst/>
+          </a:prstGeom>
+        </p:spPr>
+        <p:txBody>
+          <a:bodyPr vert="horz" lIns="91440" tIns="45720" rIns="91440" bIns="45720" rtlCol="0">
+            <a:normAutofit/>
+          </a:bodyPr>
+          <a:lstStyle>
+            <a:lvl1pPr marL="228600" indent="-228600" algn="l" defTabSz="914400" rtl="0" eaLnBrk="1" latinLnBrk="0" hangingPunct="1">
+              <a:lnSpc>
+                <a:spcPct val="90000"/>
+              </a:lnSpc>
+              <a:spcBef>
+                <a:spcPts val="1000"/>
+              </a:spcBef>
+              <a:buFont typeface="Arial" panose="020B0604020202020204" pitchFamily="34" charset="0"/>
+              <a:buChar char="•"/>
+              <a:defRPr sz="2800" kern="1200">
+                <a:solidFill>
+                  <a:schemeClr val="tx1"/>
+                </a:solidFill>
+                <a:latin typeface="+mn-lt"/>
+                <a:ea typeface="+mn-ea"/>
+                <a:cs typeface="+mn-cs"/>
+              </a:defRPr>
+            </a:lvl1pPr>
+            <a:lvl2pPr marL="685800" indent="-228600" algn="l" defTabSz="914400" rtl="0" eaLnBrk="1" latinLnBrk="0" hangingPunct="1">
+              <a:lnSpc>
+                <a:spcPct val="90000"/>
+              </a:lnSpc>
+              <a:spcBef>
+                <a:spcPts val="500"/>
+              </a:spcBef>
+              <a:buFont typeface="Arial" panose="020B0604020202020204" pitchFamily="34" charset="0"/>
+              <a:buChar char="•"/>
+              <a:defRPr sz="2400" kern="1200">
+                <a:solidFill>
+                  <a:schemeClr val="tx1"/>
+                </a:solidFill>
+                <a:latin typeface="+mn-lt"/>
+                <a:ea typeface="+mn-ea"/>
+                <a:cs typeface="+mn-cs"/>
+              </a:defRPr>
+            </a:lvl2pPr>
+            <a:lvl3pPr marL="1143000" indent="-228600" algn="l" defTabSz="914400" rtl="0" eaLnBrk="1" latinLnBrk="0" hangingPunct="1">
+              <a:lnSpc>
+                <a:spcPct val="90000"/>
+              </a:lnSpc>
+              <a:spcBef>
+                <a:spcPts val="500"/>
+              </a:spcBef>
+              <a:buFont typeface="Arial" panose="020B0604020202020204" pitchFamily="34" charset="0"/>
+              <a:buChar char="•"/>
+              <a:defRPr sz="2000" kern="1200">
+                <a:solidFill>
+                  <a:schemeClr val="tx1"/>
+                </a:solidFill>
+                <a:latin typeface="+mn-lt"/>
+                <a:ea typeface="+mn-ea"/>
+                <a:cs typeface="+mn-cs"/>
+              </a:defRPr>
+            </a:lvl3pPr>
+            <a:lvl4pPr marL="1600200" indent="-228600" algn="l" defTabSz="914400" rtl="0" eaLnBrk="1" latinLnBrk="0" hangingPunct="1">
+              <a:lnSpc>
+                <a:spcPct val="90000"/>
+              </a:lnSpc>
+              <a:spcBef>
+                <a:spcPts val="500"/>
+              </a:spcBef>
+              <a:buFont typeface="Arial" panose="020B0604020202020204" pitchFamily="34" charset="0"/>
+              <a:buChar char="•"/>
+              <a:defRPr sz="1800" kern="1200">
+                <a:solidFill>
+                  <a:schemeClr val="tx1"/>
+                </a:solidFill>
+                <a:latin typeface="+mn-lt"/>
+                <a:ea typeface="+mn-ea"/>
+                <a:cs typeface="+mn-cs"/>
+              </a:defRPr>
+            </a:lvl4pPr>
+            <a:lvl5pPr marL="2057400" indent="-228600" algn="l" defTabSz="914400" rtl="0" eaLnBrk="1" latinLnBrk="0" hangingPunct="1">
+              <a:lnSpc>
+                <a:spcPct val="90000"/>
+              </a:lnSpc>
+              <a:spcBef>
+                <a:spcPts val="500"/>
+              </a:spcBef>
+              <a:buFont typeface="Arial" panose="020B0604020202020204" pitchFamily="34" charset="0"/>
+              <a:buChar char="•"/>
+              <a:defRPr sz="1800" kern="1200">
+                <a:solidFill>
+                  <a:schemeClr val="tx1"/>
+                </a:solidFill>
+                <a:latin typeface="+mn-lt"/>
+                <a:ea typeface="+mn-ea"/>
+                <a:cs typeface="+mn-cs"/>
+              </a:defRPr>
+            </a:lvl5pPr>
+            <a:lvl6pPr marL="2514600" indent="-228600" algn="l" defTabSz="914400" rtl="0" eaLnBrk="1" latinLnBrk="0" hangingPunct="1">
+              <a:lnSpc>
+                <a:spcPct val="90000"/>
+              </a:lnSpc>
+              <a:spcBef>
+                <a:spcPts val="500"/>
+              </a:spcBef>
+              <a:buFont typeface="Arial" panose="020B0604020202020204" pitchFamily="34" charset="0"/>
+              <a:buChar char="•"/>
+              <a:defRPr sz="1800" kern="1200">
+                <a:solidFill>
+                  <a:schemeClr val="tx1"/>
+                </a:solidFill>
+                <a:latin typeface="+mn-lt"/>
+                <a:ea typeface="+mn-ea"/>
+                <a:cs typeface="+mn-cs"/>
+              </a:defRPr>
+            </a:lvl6pPr>
+            <a:lvl7pPr marL="2971800" indent="-228600" algn="l" defTabSz="914400" rtl="0" eaLnBrk="1" latinLnBrk="0" hangingPunct="1">
+              <a:lnSpc>
+                <a:spcPct val="90000"/>
+              </a:lnSpc>
+              <a:spcBef>
+                <a:spcPts val="500"/>
+              </a:spcBef>
+              <a:buFont typeface="Arial" panose="020B0604020202020204" pitchFamily="34" charset="0"/>
+              <a:buChar char="•"/>
+              <a:defRPr sz="1800" kern="1200">
+                <a:solidFill>
+                  <a:schemeClr val="tx1"/>
+                </a:solidFill>
+                <a:latin typeface="+mn-lt"/>
+                <a:ea typeface="+mn-ea"/>
+                <a:cs typeface="+mn-cs"/>
+              </a:defRPr>
+            </a:lvl7pPr>
+            <a:lvl8pPr marL="3429000" indent="-228600" algn="l" defTabSz="914400" rtl="0" eaLnBrk="1" latinLnBrk="0" hangingPunct="1">
+              <a:lnSpc>
+                <a:spcPct val="90000"/>
+              </a:lnSpc>
+              <a:spcBef>
+                <a:spcPts val="500"/>
+              </a:spcBef>
+              <a:buFont typeface="Arial" panose="020B0604020202020204" pitchFamily="34" charset="0"/>
+              <a:buChar char="•"/>
+              <a:defRPr sz="1800" kern="1200">
+                <a:solidFill>
+                  <a:schemeClr val="tx1"/>
+                </a:solidFill>
+                <a:latin typeface="+mn-lt"/>
+                <a:ea typeface="+mn-ea"/>
+                <a:cs typeface="+mn-cs"/>
+              </a:defRPr>
+            </a:lvl8pPr>
+            <a:lvl9pPr marL="3886200" indent="-228600" algn="l" defTabSz="914400" rtl="0" eaLnBrk="1" latinLnBrk="0" hangingPunct="1">
+              <a:lnSpc>
+                <a:spcPct val="90000"/>
+              </a:lnSpc>
+              <a:spcBef>
+                <a:spcPts val="500"/>
+              </a:spcBef>
+              <a:buFont typeface="Arial" panose="020B0604020202020204" pitchFamily="34" charset="0"/>
+              <a:buChar char="•"/>
+              <a:defRPr sz="1800" kern="1200">
+                <a:solidFill>
+                  <a:schemeClr val="tx1"/>
+                </a:solidFill>
+                <a:latin typeface="+mn-lt"/>
+                <a:ea typeface="+mn-ea"/>
+                <a:cs typeface="+mn-cs"/>
+              </a:defRPr>
+            </a:lvl9pPr>
+          </a:lstStyle>
+          <a:p>
+            <a:endParaRPr lang="hu-HU" sz="1600" dirty="0"/>
+          </a:p>
+        </p:txBody>
+      </p:sp>
+      <p:sp>
+        <p:nvSpPr>
+          <p:cNvPr id="11" name="Jobbra nyíl 10"/>
+          <p:cNvSpPr/>
+          <p:nvPr/>
+        </p:nvSpPr>
+        <p:spPr>
+          <a:xfrm rot="16200000">
+            <a:off x="10337580" y="2478981"/>
+            <a:ext cx="485353" cy="181088"/>
+          </a:xfrm>
+          <a:prstGeom prst="rightArrow">
+            <a:avLst/>
+          </a:prstGeom>
+          <a:effectLst>
+            <a:outerShdw blurRad="50800" dist="38100" dir="5400000" algn="t" rotWithShape="0">
+              <a:prstClr val="black">
+                <a:alpha val="40000"/>
+              </a:prstClr>
+            </a:outerShdw>
+          </a:effectLst>
+        </p:spPr>
+        <p:style>
+          <a:lnRef idx="1">
+            <a:schemeClr val="dk1"/>
+          </a:lnRef>
+          <a:fillRef idx="2">
+            <a:schemeClr val="dk1"/>
+          </a:fillRef>
+          <a:effectRef idx="1">
+            <a:schemeClr val="dk1"/>
+          </a:effectRef>
+          <a:fontRef idx="minor">
+            <a:schemeClr val="dk1"/>
+          </a:fontRef>
+        </p:style>
+        <p:txBody>
+          <a:bodyPr rtlCol="0" anchor="ctr"/>
+          <a:lstStyle/>
+          <a:p>
+            <a:pPr algn="ctr"/>
+            <a:endParaRPr lang="hu-HU"/>
+          </a:p>
+        </p:txBody>
+      </p:sp>
+      <p:sp>
+        <p:nvSpPr>
+          <p:cNvPr id="13" name="Tartalom helye 2"/>
+          <p:cNvSpPr txBox="1">
+            <a:spLocks/>
+          </p:cNvSpPr>
+          <p:nvPr/>
+        </p:nvSpPr>
+        <p:spPr>
+          <a:xfrm>
+            <a:off x="152399" y="4660263"/>
+            <a:ext cx="11281060" cy="666170"/>
+          </a:xfrm>
+          <a:prstGeom prst="rect">
+            <a:avLst/>
+          </a:prstGeom>
+        </p:spPr>
+        <p:txBody>
+          <a:bodyPr vert="horz" lIns="91440" tIns="45720" rIns="91440" bIns="45720" rtlCol="0">
+            <a:normAutofit/>
+          </a:bodyPr>
+          <a:lstStyle>
+            <a:lvl1pPr marL="228600" indent="-228600" algn="l" defTabSz="914400" rtl="0" eaLnBrk="1" latinLnBrk="0" hangingPunct="1">
+              <a:lnSpc>
+                <a:spcPct val="90000"/>
+              </a:lnSpc>
+              <a:spcBef>
+                <a:spcPts val="1000"/>
+              </a:spcBef>
+              <a:buFont typeface="Arial" panose="020B0604020202020204" pitchFamily="34" charset="0"/>
+              <a:buChar char="•"/>
+              <a:defRPr sz="2800" kern="1200">
+                <a:solidFill>
+                  <a:schemeClr val="tx1"/>
+                </a:solidFill>
+                <a:latin typeface="+mn-lt"/>
+                <a:ea typeface="+mn-ea"/>
+                <a:cs typeface="+mn-cs"/>
+              </a:defRPr>
+            </a:lvl1pPr>
+            <a:lvl2pPr marL="685800" indent="-228600" algn="l" defTabSz="914400" rtl="0" eaLnBrk="1" latinLnBrk="0" hangingPunct="1">
+              <a:lnSpc>
+                <a:spcPct val="90000"/>
+              </a:lnSpc>
+              <a:spcBef>
+                <a:spcPts val="500"/>
+              </a:spcBef>
+              <a:buFont typeface="Arial" panose="020B0604020202020204" pitchFamily="34" charset="0"/>
+              <a:buChar char="•"/>
+              <a:defRPr sz="2400" kern="1200">
+                <a:solidFill>
+                  <a:schemeClr val="tx1"/>
+                </a:solidFill>
+                <a:latin typeface="+mn-lt"/>
+                <a:ea typeface="+mn-ea"/>
+                <a:cs typeface="+mn-cs"/>
+              </a:defRPr>
+            </a:lvl2pPr>
+            <a:lvl3pPr marL="1143000" indent="-228600" algn="l" defTabSz="914400" rtl="0" eaLnBrk="1" latinLnBrk="0" hangingPunct="1">
+              <a:lnSpc>
+                <a:spcPct val="90000"/>
+              </a:lnSpc>
+              <a:spcBef>
+                <a:spcPts val="500"/>
+              </a:spcBef>
+              <a:buFont typeface="Arial" panose="020B0604020202020204" pitchFamily="34" charset="0"/>
+              <a:buChar char="•"/>
+              <a:defRPr sz="2000" kern="1200">
+                <a:solidFill>
+                  <a:schemeClr val="tx1"/>
+                </a:solidFill>
+                <a:latin typeface="+mn-lt"/>
+                <a:ea typeface="+mn-ea"/>
+                <a:cs typeface="+mn-cs"/>
+              </a:defRPr>
+            </a:lvl3pPr>
+            <a:lvl4pPr marL="1600200" indent="-228600" algn="l" defTabSz="914400" rtl="0" eaLnBrk="1" latinLnBrk="0" hangingPunct="1">
+              <a:lnSpc>
+                <a:spcPct val="90000"/>
+              </a:lnSpc>
+              <a:spcBef>
+                <a:spcPts val="500"/>
+              </a:spcBef>
+              <a:buFont typeface="Arial" panose="020B0604020202020204" pitchFamily="34" charset="0"/>
+              <a:buChar char="•"/>
+              <a:defRPr sz="1800" kern="1200">
+                <a:solidFill>
+                  <a:schemeClr val="tx1"/>
+                </a:solidFill>
+                <a:latin typeface="+mn-lt"/>
+                <a:ea typeface="+mn-ea"/>
+                <a:cs typeface="+mn-cs"/>
+              </a:defRPr>
+            </a:lvl4pPr>
+            <a:lvl5pPr marL="2057400" indent="-228600" algn="l" defTabSz="914400" rtl="0" eaLnBrk="1" latinLnBrk="0" hangingPunct="1">
+              <a:lnSpc>
+                <a:spcPct val="90000"/>
+              </a:lnSpc>
+              <a:spcBef>
+                <a:spcPts val="500"/>
+              </a:spcBef>
+              <a:buFont typeface="Arial" panose="020B0604020202020204" pitchFamily="34" charset="0"/>
+              <a:buChar char="•"/>
+              <a:defRPr sz="1800" kern="1200">
+                <a:solidFill>
+                  <a:schemeClr val="tx1"/>
+                </a:solidFill>
+                <a:latin typeface="+mn-lt"/>
+                <a:ea typeface="+mn-ea"/>
+                <a:cs typeface="+mn-cs"/>
+              </a:defRPr>
+            </a:lvl5pPr>
+            <a:lvl6pPr marL="2514600" indent="-228600" algn="l" defTabSz="914400" rtl="0" eaLnBrk="1" latinLnBrk="0" hangingPunct="1">
+              <a:lnSpc>
+                <a:spcPct val="90000"/>
+              </a:lnSpc>
+              <a:spcBef>
+                <a:spcPts val="500"/>
+              </a:spcBef>
+              <a:buFont typeface="Arial" panose="020B0604020202020204" pitchFamily="34" charset="0"/>
+              <a:buChar char="•"/>
+              <a:defRPr sz="1800" kern="1200">
+                <a:solidFill>
+                  <a:schemeClr val="tx1"/>
+                </a:solidFill>
+                <a:latin typeface="+mn-lt"/>
+                <a:ea typeface="+mn-ea"/>
+                <a:cs typeface="+mn-cs"/>
+              </a:defRPr>
+            </a:lvl6pPr>
+            <a:lvl7pPr marL="2971800" indent="-228600" algn="l" defTabSz="914400" rtl="0" eaLnBrk="1" latinLnBrk="0" hangingPunct="1">
+              <a:lnSpc>
+                <a:spcPct val="90000"/>
+              </a:lnSpc>
+              <a:spcBef>
+                <a:spcPts val="500"/>
+              </a:spcBef>
+              <a:buFont typeface="Arial" panose="020B0604020202020204" pitchFamily="34" charset="0"/>
+              <a:buChar char="•"/>
+              <a:defRPr sz="1800" kern="1200">
+                <a:solidFill>
+                  <a:schemeClr val="tx1"/>
+                </a:solidFill>
+                <a:latin typeface="+mn-lt"/>
+                <a:ea typeface="+mn-ea"/>
+                <a:cs typeface="+mn-cs"/>
+              </a:defRPr>
+            </a:lvl7pPr>
+            <a:lvl8pPr marL="3429000" indent="-228600" algn="l" defTabSz="914400" rtl="0" eaLnBrk="1" latinLnBrk="0" hangingPunct="1">
+              <a:lnSpc>
+                <a:spcPct val="90000"/>
+              </a:lnSpc>
+              <a:spcBef>
+                <a:spcPts val="500"/>
+              </a:spcBef>
+              <a:buFont typeface="Arial" panose="020B0604020202020204" pitchFamily="34" charset="0"/>
+              <a:buChar char="•"/>
+              <a:defRPr sz="1800" kern="1200">
+                <a:solidFill>
+                  <a:schemeClr val="tx1"/>
+                </a:solidFill>
+                <a:latin typeface="+mn-lt"/>
+                <a:ea typeface="+mn-ea"/>
+                <a:cs typeface="+mn-cs"/>
+              </a:defRPr>
+            </a:lvl8pPr>
+            <a:lvl9pPr marL="3886200" indent="-228600" algn="l" defTabSz="914400" rtl="0" eaLnBrk="1" latinLnBrk="0" hangingPunct="1">
+              <a:lnSpc>
+                <a:spcPct val="90000"/>
+              </a:lnSpc>
+              <a:spcBef>
+                <a:spcPts val="500"/>
+              </a:spcBef>
+              <a:buFont typeface="Arial" panose="020B0604020202020204" pitchFamily="34" charset="0"/>
+              <a:buChar char="•"/>
+              <a:defRPr sz="1800" kern="1200">
+                <a:solidFill>
+                  <a:schemeClr val="tx1"/>
+                </a:solidFill>
+                <a:latin typeface="+mn-lt"/>
+                <a:ea typeface="+mn-ea"/>
+                <a:cs typeface="+mn-cs"/>
+              </a:defRPr>
+            </a:lvl9pPr>
+          </a:lstStyle>
+          <a:p>
+            <a:r>
+              <a:rPr lang="hu-HU" sz="1600" dirty="0"/>
+              <a:t>Az eszközöknél a </a:t>
+            </a:r>
+            <a:r>
+              <a:rPr lang="hu-HU" sz="1600" dirty="0" err="1"/>
+              <a:t>console</a:t>
+            </a:r>
+            <a:r>
+              <a:rPr lang="hu-HU" sz="1600" dirty="0"/>
+              <a:t> , line </a:t>
+            </a:r>
+            <a:r>
+              <a:rPr lang="hu-HU" sz="1600" dirty="0" err="1"/>
+              <a:t>vty</a:t>
+            </a:r>
+            <a:r>
+              <a:rPr lang="hu-HU" sz="1600" dirty="0"/>
+              <a:t> 0 15 , és a </a:t>
+            </a:r>
+            <a:r>
+              <a:rPr lang="hu-HU" sz="1600" dirty="0" err="1"/>
+              <a:t>privelegizált</a:t>
+            </a:r>
+            <a:r>
+              <a:rPr lang="hu-HU" sz="1600" dirty="0"/>
+              <a:t> mód jelszavát adtuk meg és „service </a:t>
+            </a:r>
+            <a:r>
+              <a:rPr lang="hu-HU" sz="1600" dirty="0" err="1"/>
+              <a:t>password</a:t>
+            </a:r>
+            <a:r>
+              <a:rPr lang="hu-HU" sz="1600" dirty="0"/>
+              <a:t> </a:t>
+            </a:r>
+            <a:r>
+              <a:rPr lang="hu-HU" sz="1600" dirty="0" err="1"/>
+              <a:t>encyption</a:t>
+            </a:r>
+            <a:r>
+              <a:rPr lang="hu-HU" sz="1600" dirty="0"/>
+              <a:t>” </a:t>
+            </a:r>
+            <a:r>
+              <a:rPr lang="hu-HU" sz="1600" dirty="0" err="1"/>
+              <a:t>parancsal</a:t>
+            </a:r>
+            <a:r>
+              <a:rPr lang="hu-HU" sz="1600" dirty="0"/>
+              <a:t> le </a:t>
+            </a:r>
+            <a:r>
+              <a:rPr lang="hu-HU" sz="1600" dirty="0" err="1"/>
+              <a:t>titkosítottuk</a:t>
+            </a:r>
+            <a:r>
+              <a:rPr lang="hu-HU" sz="1600" dirty="0"/>
+              <a:t> őket</a:t>
+            </a:r>
+          </a:p>
+        </p:txBody>
+      </p:sp>
+      <p:sp>
+        <p:nvSpPr>
+          <p:cNvPr id="14" name="Tartalom helye 2"/>
+          <p:cNvSpPr txBox="1">
+            <a:spLocks/>
+          </p:cNvSpPr>
+          <p:nvPr/>
+        </p:nvSpPr>
+        <p:spPr>
+          <a:xfrm>
+            <a:off x="0" y="3227525"/>
+            <a:ext cx="8823952" cy="666170"/>
+          </a:xfrm>
+          <a:prstGeom prst="rect">
+            <a:avLst/>
+          </a:prstGeom>
+        </p:spPr>
+        <p:txBody>
+          <a:bodyPr vert="horz" lIns="91440" tIns="45720" rIns="91440" bIns="45720" rtlCol="0">
+            <a:normAutofit/>
+          </a:bodyPr>
+          <a:lstStyle>
+            <a:lvl1pPr marL="228600" indent="-228600" algn="l" defTabSz="914400" rtl="0" eaLnBrk="1" latinLnBrk="0" hangingPunct="1">
+              <a:lnSpc>
+                <a:spcPct val="90000"/>
+              </a:lnSpc>
+              <a:spcBef>
+                <a:spcPts val="1000"/>
+              </a:spcBef>
+              <a:buFont typeface="Arial" panose="020B0604020202020204" pitchFamily="34" charset="0"/>
+              <a:buChar char="•"/>
+              <a:defRPr sz="2800" kern="1200">
+                <a:solidFill>
+                  <a:schemeClr val="tx1"/>
+                </a:solidFill>
+                <a:latin typeface="+mn-lt"/>
+                <a:ea typeface="+mn-ea"/>
+                <a:cs typeface="+mn-cs"/>
+              </a:defRPr>
+            </a:lvl1pPr>
+            <a:lvl2pPr marL="685800" indent="-228600" algn="l" defTabSz="914400" rtl="0" eaLnBrk="1" latinLnBrk="0" hangingPunct="1">
+              <a:lnSpc>
+                <a:spcPct val="90000"/>
+              </a:lnSpc>
+              <a:spcBef>
+                <a:spcPts val="500"/>
+              </a:spcBef>
+              <a:buFont typeface="Arial" panose="020B0604020202020204" pitchFamily="34" charset="0"/>
+              <a:buChar char="•"/>
+              <a:defRPr sz="2400" kern="1200">
+                <a:solidFill>
+                  <a:schemeClr val="tx1"/>
+                </a:solidFill>
+                <a:latin typeface="+mn-lt"/>
+                <a:ea typeface="+mn-ea"/>
+                <a:cs typeface="+mn-cs"/>
+              </a:defRPr>
+            </a:lvl2pPr>
+            <a:lvl3pPr marL="1143000" indent="-228600" algn="l" defTabSz="914400" rtl="0" eaLnBrk="1" latinLnBrk="0" hangingPunct="1">
+              <a:lnSpc>
+                <a:spcPct val="90000"/>
+              </a:lnSpc>
+              <a:spcBef>
+                <a:spcPts val="500"/>
+              </a:spcBef>
+              <a:buFont typeface="Arial" panose="020B0604020202020204" pitchFamily="34" charset="0"/>
+              <a:buChar char="•"/>
+              <a:defRPr sz="2000" kern="1200">
+                <a:solidFill>
+                  <a:schemeClr val="tx1"/>
+                </a:solidFill>
+                <a:latin typeface="+mn-lt"/>
+                <a:ea typeface="+mn-ea"/>
+                <a:cs typeface="+mn-cs"/>
+              </a:defRPr>
+            </a:lvl3pPr>
+            <a:lvl4pPr marL="1600200" indent="-228600" algn="l" defTabSz="914400" rtl="0" eaLnBrk="1" latinLnBrk="0" hangingPunct="1">
+              <a:lnSpc>
+                <a:spcPct val="90000"/>
+              </a:lnSpc>
+              <a:spcBef>
+                <a:spcPts val="500"/>
+              </a:spcBef>
+              <a:buFont typeface="Arial" panose="020B0604020202020204" pitchFamily="34" charset="0"/>
+              <a:buChar char="•"/>
+              <a:defRPr sz="1800" kern="1200">
+                <a:solidFill>
+                  <a:schemeClr val="tx1"/>
+                </a:solidFill>
+                <a:latin typeface="+mn-lt"/>
+                <a:ea typeface="+mn-ea"/>
+                <a:cs typeface="+mn-cs"/>
+              </a:defRPr>
+            </a:lvl4pPr>
+            <a:lvl5pPr marL="2057400" indent="-228600" algn="l" defTabSz="914400" rtl="0" eaLnBrk="1" latinLnBrk="0" hangingPunct="1">
+              <a:lnSpc>
+                <a:spcPct val="90000"/>
+              </a:lnSpc>
+              <a:spcBef>
+                <a:spcPts val="500"/>
+              </a:spcBef>
+              <a:buFont typeface="Arial" panose="020B0604020202020204" pitchFamily="34" charset="0"/>
+              <a:buChar char="•"/>
+              <a:defRPr sz="1800" kern="1200">
+                <a:solidFill>
+                  <a:schemeClr val="tx1"/>
+                </a:solidFill>
+                <a:latin typeface="+mn-lt"/>
+                <a:ea typeface="+mn-ea"/>
+                <a:cs typeface="+mn-cs"/>
+              </a:defRPr>
+            </a:lvl5pPr>
+            <a:lvl6pPr marL="2514600" indent="-228600" algn="l" defTabSz="914400" rtl="0" eaLnBrk="1" latinLnBrk="0" hangingPunct="1">
+              <a:lnSpc>
+                <a:spcPct val="90000"/>
+              </a:lnSpc>
+              <a:spcBef>
+                <a:spcPts val="500"/>
+              </a:spcBef>
+              <a:buFont typeface="Arial" panose="020B0604020202020204" pitchFamily="34" charset="0"/>
+              <a:buChar char="•"/>
+              <a:defRPr sz="1800" kern="1200">
+                <a:solidFill>
+                  <a:schemeClr val="tx1"/>
+                </a:solidFill>
+                <a:latin typeface="+mn-lt"/>
+                <a:ea typeface="+mn-ea"/>
+                <a:cs typeface="+mn-cs"/>
+              </a:defRPr>
+            </a:lvl6pPr>
+            <a:lvl7pPr marL="2971800" indent="-228600" algn="l" defTabSz="914400" rtl="0" eaLnBrk="1" latinLnBrk="0" hangingPunct="1">
+              <a:lnSpc>
+                <a:spcPct val="90000"/>
+              </a:lnSpc>
+              <a:spcBef>
+                <a:spcPts val="500"/>
+              </a:spcBef>
+              <a:buFont typeface="Arial" panose="020B0604020202020204" pitchFamily="34" charset="0"/>
+              <a:buChar char="•"/>
+              <a:defRPr sz="1800" kern="1200">
+                <a:solidFill>
+                  <a:schemeClr val="tx1"/>
+                </a:solidFill>
+                <a:latin typeface="+mn-lt"/>
+                <a:ea typeface="+mn-ea"/>
+                <a:cs typeface="+mn-cs"/>
+              </a:defRPr>
+            </a:lvl7pPr>
+            <a:lvl8pPr marL="3429000" indent="-228600" algn="l" defTabSz="914400" rtl="0" eaLnBrk="1" latinLnBrk="0" hangingPunct="1">
+              <a:lnSpc>
+                <a:spcPct val="90000"/>
+              </a:lnSpc>
+              <a:spcBef>
+                <a:spcPts val="500"/>
+              </a:spcBef>
+              <a:buFont typeface="Arial" panose="020B0604020202020204" pitchFamily="34" charset="0"/>
+              <a:buChar char="•"/>
+              <a:defRPr sz="1800" kern="1200">
+                <a:solidFill>
+                  <a:schemeClr val="tx1"/>
+                </a:solidFill>
+                <a:latin typeface="+mn-lt"/>
+                <a:ea typeface="+mn-ea"/>
+                <a:cs typeface="+mn-cs"/>
+              </a:defRPr>
+            </a:lvl8pPr>
+            <a:lvl9pPr marL="3886200" indent="-228600" algn="l" defTabSz="914400" rtl="0" eaLnBrk="1" latinLnBrk="0" hangingPunct="1">
+              <a:lnSpc>
+                <a:spcPct val="90000"/>
+              </a:lnSpc>
+              <a:spcBef>
+                <a:spcPts val="500"/>
+              </a:spcBef>
+              <a:buFont typeface="Arial" panose="020B0604020202020204" pitchFamily="34" charset="0"/>
+              <a:buChar char="•"/>
+              <a:defRPr sz="1800" kern="1200">
+                <a:solidFill>
+                  <a:schemeClr val="tx1"/>
+                </a:solidFill>
+                <a:latin typeface="+mn-lt"/>
+                <a:ea typeface="+mn-ea"/>
+                <a:cs typeface="+mn-cs"/>
+              </a:defRPr>
+            </a:lvl9pPr>
+          </a:lstStyle>
+          <a:p>
+            <a:r>
+              <a:rPr lang="hu-HU" sz="1600" dirty="0"/>
+              <a:t>A belső hálózat ami a router és a </a:t>
+            </a:r>
+            <a:r>
+              <a:rPr lang="hu-HU" sz="1600" dirty="0" err="1"/>
+              <a:t>switch</a:t>
+            </a:r>
+            <a:r>
+              <a:rPr lang="hu-HU" sz="1600" dirty="0"/>
+              <a:t> között lett létrehozva egy 192.168.11.21-es </a:t>
+            </a:r>
+            <a:r>
+              <a:rPr lang="hu-HU" sz="1600" dirty="0" err="1"/>
+              <a:t>ip</a:t>
+            </a:r>
+            <a:r>
+              <a:rPr lang="hu-HU" sz="1600" dirty="0"/>
+              <a:t> címet állítottam be a Gigabit Ethernet G0/0-ás interfészbe  </a:t>
+            </a:r>
+          </a:p>
+        </p:txBody>
+      </p:sp>
+      <p:sp>
+        <p:nvSpPr>
+          <p:cNvPr id="15" name="Szövegdoboz 14"/>
+          <p:cNvSpPr txBox="1"/>
+          <p:nvPr/>
+        </p:nvSpPr>
+        <p:spPr>
+          <a:xfrm>
+            <a:off x="2109198" y="5103674"/>
+            <a:ext cx="3024864" cy="1754326"/>
+          </a:xfrm>
+          <a:prstGeom prst="rect">
+            <a:avLst/>
+          </a:prstGeom>
+          <a:noFill/>
+        </p:spPr>
+        <p:txBody>
+          <a:bodyPr wrap="square" rtlCol="0">
+            <a:spAutoFit/>
+          </a:bodyPr>
+          <a:lstStyle/>
+          <a:p>
+            <a:pPr marL="285750" indent="-285750">
+              <a:buFont typeface="Arial" panose="020B0604020202020204" pitchFamily="34" charset="0"/>
+              <a:buChar char="•"/>
+            </a:pPr>
+            <a:r>
+              <a:rPr lang="hu-HU" dirty="0" err="1"/>
+              <a:t>Console</a:t>
+            </a:r>
+            <a:r>
+              <a:rPr lang="hu-HU" dirty="0"/>
+              <a:t>:</a:t>
+            </a:r>
+          </a:p>
+          <a:p>
+            <a:r>
+              <a:rPr lang="hu-HU" dirty="0"/>
+              <a:t>	     </a:t>
+            </a:r>
+            <a:r>
+              <a:rPr lang="hu-HU" b="1" dirty="0"/>
+              <a:t>LASZLO-RT</a:t>
+            </a:r>
+          </a:p>
+          <a:p>
+            <a:pPr marL="285750" indent="-285750">
+              <a:buFont typeface="Arial" panose="020B0604020202020204" pitchFamily="34" charset="0"/>
+              <a:buChar char="•"/>
+            </a:pPr>
+            <a:r>
+              <a:rPr lang="hu-HU" dirty="0" err="1"/>
+              <a:t>Privelegizált</a:t>
+            </a:r>
+            <a:r>
+              <a:rPr lang="hu-HU" dirty="0"/>
+              <a:t>: </a:t>
+            </a:r>
+          </a:p>
+          <a:p>
+            <a:r>
+              <a:rPr lang="hu-HU" dirty="0"/>
+              <a:t>                            </a:t>
+            </a:r>
+            <a:r>
+              <a:rPr lang="hu-HU" b="1" dirty="0"/>
+              <a:t>LASZLO123</a:t>
             </a:r>
           </a:p>
           <a:p>
@@ -8639,7 +11478,7 @@
 </p:sld>
 </file>
 
-<file path=ppt/slides/slide5.xml><?xml version="1.0" encoding="utf-8"?>
+<file path=ppt/slides/slide7.xml><?xml version="1.0" encoding="utf-8"?>
 <p:sld xmlns:a="http://schemas.openxmlformats.org/drawingml/2006/main" xmlns:r="http://schemas.openxmlformats.org/officeDocument/2006/relationships" xmlns:p="http://schemas.openxmlformats.org/presentationml/2006/main">
   <p:cSld>
     <p:spTree>
@@ -8876,7 +11715,7 @@
 </p:sld>
 </file>
 
-<file path=ppt/slides/slide6.xml><?xml version="1.0" encoding="utf-8"?>
+<file path=ppt/slides/slide8.xml><?xml version="1.0" encoding="utf-8"?>
 <p:sld xmlns:a="http://schemas.openxmlformats.org/drawingml/2006/main" xmlns:r="http://schemas.openxmlformats.org/officeDocument/2006/relationships" xmlns:p="http://schemas.openxmlformats.org/presentationml/2006/main">
   <p:cSld>
     <p:spTree>
@@ -9098,7 +11937,7 @@
 </p:sld>
 </file>
 
-<file path=ppt/slides/slide7.xml><?xml version="1.0" encoding="utf-8"?>
+<file path=ppt/slides/slide9.xml><?xml version="1.0" encoding="utf-8"?>
 <p:sld xmlns:a="http://schemas.openxmlformats.org/drawingml/2006/main" xmlns:r="http://schemas.openxmlformats.org/officeDocument/2006/relationships" xmlns:p="http://schemas.openxmlformats.org/presentationml/2006/main">
   <p:cSld>
     <p:spTree>

--- a/halozat ppt.pptx
+++ b/halozat ppt.pptx
@@ -249,7 +249,7 @@
           <a:p>
             <a:fld id="{1E98E620-DB6F-426D-B0D4-E9DAB7431658}" type="datetimeFigureOut">
               <a:rPr lang="hu-HU" smtClean="0"/>
-              <a:t>2024. 11. 28.</a:t>
+              <a:t>2024. 11. 29.</a:t>
             </a:fld>
             <a:endParaRPr lang="hu-HU"/>
           </a:p>
@@ -417,7 +417,7 @@
           <a:p>
             <a:fld id="{1E98E620-DB6F-426D-B0D4-E9DAB7431658}" type="datetimeFigureOut">
               <a:rPr lang="hu-HU" smtClean="0"/>
-              <a:t>2024. 11. 28.</a:t>
+              <a:t>2024. 11. 29.</a:t>
             </a:fld>
             <a:endParaRPr lang="hu-HU"/>
           </a:p>
@@ -595,7 +595,7 @@
           <a:p>
             <a:fld id="{1E98E620-DB6F-426D-B0D4-E9DAB7431658}" type="datetimeFigureOut">
               <a:rPr lang="hu-HU" smtClean="0"/>
-              <a:t>2024. 11. 28.</a:t>
+              <a:t>2024. 11. 29.</a:t>
             </a:fld>
             <a:endParaRPr lang="hu-HU"/>
           </a:p>
@@ -763,7 +763,7 @@
           <a:p>
             <a:fld id="{1E98E620-DB6F-426D-B0D4-E9DAB7431658}" type="datetimeFigureOut">
               <a:rPr lang="hu-HU" smtClean="0"/>
-              <a:t>2024. 11. 28.</a:t>
+              <a:t>2024. 11. 29.</a:t>
             </a:fld>
             <a:endParaRPr lang="hu-HU"/>
           </a:p>
@@ -1008,7 +1008,7 @@
           <a:p>
             <a:fld id="{1E98E620-DB6F-426D-B0D4-E9DAB7431658}" type="datetimeFigureOut">
               <a:rPr lang="hu-HU" smtClean="0"/>
-              <a:t>2024. 11. 28.</a:t>
+              <a:t>2024. 11. 29.</a:t>
             </a:fld>
             <a:endParaRPr lang="hu-HU"/>
           </a:p>
@@ -1237,7 +1237,7 @@
           <a:p>
             <a:fld id="{1E98E620-DB6F-426D-B0D4-E9DAB7431658}" type="datetimeFigureOut">
               <a:rPr lang="hu-HU" smtClean="0"/>
-              <a:t>2024. 11. 28.</a:t>
+              <a:t>2024. 11. 29.</a:t>
             </a:fld>
             <a:endParaRPr lang="hu-HU"/>
           </a:p>
@@ -1601,7 +1601,7 @@
           <a:p>
             <a:fld id="{1E98E620-DB6F-426D-B0D4-E9DAB7431658}" type="datetimeFigureOut">
               <a:rPr lang="hu-HU" smtClean="0"/>
-              <a:t>2024. 11. 28.</a:t>
+              <a:t>2024. 11. 29.</a:t>
             </a:fld>
             <a:endParaRPr lang="hu-HU"/>
           </a:p>
@@ -1718,7 +1718,7 @@
           <a:p>
             <a:fld id="{1E98E620-DB6F-426D-B0D4-E9DAB7431658}" type="datetimeFigureOut">
               <a:rPr lang="hu-HU" smtClean="0"/>
-              <a:t>2024. 11. 28.</a:t>
+              <a:t>2024. 11. 29.</a:t>
             </a:fld>
             <a:endParaRPr lang="hu-HU"/>
           </a:p>
@@ -1813,7 +1813,7 @@
           <a:p>
             <a:fld id="{1E98E620-DB6F-426D-B0D4-E9DAB7431658}" type="datetimeFigureOut">
               <a:rPr lang="hu-HU" smtClean="0"/>
-              <a:t>2024. 11. 28.</a:t>
+              <a:t>2024. 11. 29.</a:t>
             </a:fld>
             <a:endParaRPr lang="hu-HU"/>
           </a:p>
@@ -2088,7 +2088,7 @@
           <a:p>
             <a:fld id="{1E98E620-DB6F-426D-B0D4-E9DAB7431658}" type="datetimeFigureOut">
               <a:rPr lang="hu-HU" smtClean="0"/>
-              <a:t>2024. 11. 28.</a:t>
+              <a:t>2024. 11. 29.</a:t>
             </a:fld>
             <a:endParaRPr lang="hu-HU"/>
           </a:p>
@@ -2340,7 +2340,7 @@
           <a:p>
             <a:fld id="{1E98E620-DB6F-426D-B0D4-E9DAB7431658}" type="datetimeFigureOut">
               <a:rPr lang="hu-HU" smtClean="0"/>
-              <a:t>2024. 11. 28.</a:t>
+              <a:t>2024. 11. 29.</a:t>
             </a:fld>
             <a:endParaRPr lang="hu-HU"/>
           </a:p>
@@ -2551,7 +2551,7 @@
           <a:p>
             <a:fld id="{1E98E620-DB6F-426D-B0D4-E9DAB7431658}" type="datetimeFigureOut">
               <a:rPr lang="hu-HU" smtClean="0"/>
-              <a:t>2024. 11. 28.</a:t>
+              <a:t>2024. 11. 29.</a:t>
             </a:fld>
             <a:endParaRPr lang="hu-HU"/>
           </a:p>
@@ -6075,13 +6075,13 @@
   <p:clrMapOvr>
     <a:masterClrMapping/>
   </p:clrMapOvr>
-  <mc:AlternateContent xmlns:mc="http://schemas.openxmlformats.org/markup-compatibility/2006">
-    <mc:Choice xmlns:p14="http://schemas.microsoft.com/office/powerpoint/2010/main" Requires="p14">
+  <mc:AlternateContent xmlns:mc="http://schemas.openxmlformats.org/markup-compatibility/2006" xmlns:p14="http://schemas.microsoft.com/office/powerpoint/2010/main">
+    <mc:Choice Requires="p14">
       <p:transition spd="slow" p14:dur="1500">
         <p:split orient="vert"/>
       </p:transition>
     </mc:Choice>
-    <mc:Fallback>
+    <mc:Fallback xmlns="">
       <p:transition spd="slow">
         <p:split orient="vert"/>
       </p:transition>
@@ -9745,6 +9745,112 @@
                       </p:childTnLst>
                     </p:cTn>
                   </p:par>
+                  <p:par>
+                    <p:cTn id="58" fill="hold">
+                      <p:stCondLst>
+                        <p:cond delay="indefinite"/>
+                      </p:stCondLst>
+                      <p:childTnLst>
+                        <p:par>
+                          <p:cTn id="59" fill="hold">
+                            <p:stCondLst>
+                              <p:cond delay="0"/>
+                            </p:stCondLst>
+                            <p:childTnLst>
+                              <p:par>
+                                <p:cTn id="60" presetID="16" presetClass="entr" presetSubtype="21" fill="hold" grpId="0" nodeType="clickEffect">
+                                  <p:stCondLst>
+                                    <p:cond delay="0"/>
+                                  </p:stCondLst>
+                                  <p:childTnLst>
+                                    <p:set>
+                                      <p:cBhvr>
+                                        <p:cTn id="61" dur="1" fill="hold">
+                                          <p:stCondLst>
+                                            <p:cond delay="0"/>
+                                          </p:stCondLst>
+                                        </p:cTn>
+                                        <p:tgtEl>
+                                          <p:spTgt spid="3"/>
+                                        </p:tgtEl>
+                                        <p:attrNameLst>
+                                          <p:attrName>style.visibility</p:attrName>
+                                        </p:attrNameLst>
+                                      </p:cBhvr>
+                                      <p:to>
+                                        <p:strVal val="visible"/>
+                                      </p:to>
+                                    </p:set>
+                                    <p:animEffect transition="in" filter="barn(inVertical)">
+                                      <p:cBhvr>
+                                        <p:cTn id="62" dur="500"/>
+                                        <p:tgtEl>
+                                          <p:spTgt spid="3"/>
+                                        </p:tgtEl>
+                                      </p:cBhvr>
+                                    </p:animEffect>
+                                  </p:childTnLst>
+                                </p:cTn>
+                              </p:par>
+                            </p:childTnLst>
+                          </p:cTn>
+                        </p:par>
+                      </p:childTnLst>
+                    </p:cTn>
+                  </p:par>
+                  <p:par>
+                    <p:cTn id="63" fill="hold">
+                      <p:stCondLst>
+                        <p:cond delay="indefinite"/>
+                      </p:stCondLst>
+                      <p:childTnLst>
+                        <p:par>
+                          <p:cTn id="64" fill="hold">
+                            <p:stCondLst>
+                              <p:cond delay="0"/>
+                            </p:stCondLst>
+                            <p:childTnLst>
+                              <p:par>
+                                <p:cTn id="65" presetID="16" presetClass="entr" presetSubtype="21" fill="hold" grpId="0" nodeType="clickEffect">
+                                  <p:stCondLst>
+                                    <p:cond delay="0"/>
+                                  </p:stCondLst>
+                                  <p:childTnLst>
+                                    <p:set>
+                                      <p:cBhvr>
+                                        <p:cTn id="66" dur="1" fill="hold">
+                                          <p:stCondLst>
+                                            <p:cond delay="0"/>
+                                          </p:stCondLst>
+                                        </p:cTn>
+                                        <p:tgtEl>
+                                          <p:spTgt spid="7"/>
+                                        </p:tgtEl>
+                                        <p:attrNameLst>
+                                          <p:attrName>style.visibility</p:attrName>
+                                        </p:attrNameLst>
+                                      </p:cBhvr>
+                                      <p:to>
+                                        <p:strVal val="visible"/>
+                                      </p:to>
+                                    </p:set>
+                                    <p:animEffect transition="in" filter="barn(inVertical)">
+                                      <p:cBhvr>
+                                        <p:cTn id="67" dur="500"/>
+                                        <p:tgtEl>
+                                          <p:spTgt spid="7"/>
+                                        </p:tgtEl>
+                                      </p:cBhvr>
+                                    </p:animEffect>
+                                  </p:childTnLst>
+                                </p:cTn>
+                              </p:par>
+                            </p:childTnLst>
+                          </p:cTn>
+                        </p:par>
+                      </p:childTnLst>
+                    </p:cTn>
+                  </p:par>
                 </p:childTnLst>
               </p:cTn>
               <p:prevCondLst>
@@ -9776,7 +9882,9 @@
       <p:bldP spid="12" grpId="0" animBg="1"/>
       <p:bldP spid="13" grpId="0"/>
       <p:bldP spid="14" grpId="0" animBg="1"/>
+      <p:bldP spid="3" grpId="0"/>
       <p:bldP spid="15" grpId="0" animBg="1"/>
+      <p:bldP spid="7" grpId="0"/>
     </p:bldLst>
   </p:timing>
 </p:sld>
@@ -11783,22 +11891,8 @@
           <a:lstStyle/>
           <a:p>
             <a:r>
-              <a:rPr lang="hu-HU" sz="2800" dirty="0"/>
-              <a:t>A külső hálózat </a:t>
-            </a:r>
-            <a:r>
-              <a:rPr lang="hu-HU" sz="2800" dirty="0" err="1"/>
-              <a:t>ip</a:t>
-            </a:r>
-            <a:r>
-              <a:rPr lang="hu-HU" sz="2800" dirty="0"/>
-              <a:t> címe DHCP-vel lett megadva</a:t>
-            </a:r>
-          </a:p>
-          <a:p>
-            <a:r>
               <a:rPr lang="hu-HU" dirty="0"/>
-              <a:t>A külső hálózat </a:t>
+              <a:t>A belső hálózat </a:t>
             </a:r>
             <a:r>
               <a:rPr lang="hu-HU" dirty="0" err="1"/>
@@ -11810,7 +11904,25 @@
             </a:r>
             <a:r>
               <a:rPr lang="hu-HU" sz="2800" dirty="0"/>
-              <a:t> /24-es maszk </a:t>
+              <a:t> /24-es maszk</a:t>
+            </a:r>
+          </a:p>
+          <a:p>
+            <a:r>
+              <a:rPr lang="hu-HU" dirty="0"/>
+              <a:t>A laptopnak DHCP-vel osztja ki az </a:t>
+            </a:r>
+            <a:r>
+              <a:rPr lang="hu-HU" dirty="0" err="1"/>
+              <a:t>ip</a:t>
+            </a:r>
+            <a:r>
+              <a:rPr lang="hu-HU" dirty="0"/>
+              <a:t> címet</a:t>
+            </a:r>
+            <a:r>
+              <a:rPr lang="hu-HU" sz="2800" dirty="0"/>
+              <a:t> </a:t>
             </a:r>
             <a:endParaRPr lang="en-US" dirty="0"/>
           </a:p>
@@ -11844,7 +11956,7 @@
         </p:blipFill>
         <p:spPr>
           <a:xfrm>
-            <a:off x="7888865" y="1318711"/>
+            <a:off x="7888865" y="365125"/>
             <a:ext cx="4303135" cy="1013828"/>
           </a:xfrm>
           <a:prstGeom prst="rect">
